--- a/finalPptTesla.pptx
+++ b/finalPptTesla.pptx
@@ -5,19 +5,22 @@
     <p:sldMasterId id="2147483648" r:id="rId1"/>
   </p:sldMasterIdLst>
   <p:notesMasterIdLst>
-    <p:notesMasterId r:id="rId12"/>
+    <p:notesMasterId r:id="rId15"/>
   </p:notesMasterIdLst>
   <p:sldIdLst>
     <p:sldId id="256" r:id="rId2"/>
-    <p:sldId id="257" r:id="rId3"/>
+    <p:sldId id="269" r:id="rId3"/>
     <p:sldId id="258" r:id="rId4"/>
-    <p:sldId id="261" r:id="rId5"/>
+    <p:sldId id="257" r:id="rId5"/>
     <p:sldId id="259" r:id="rId6"/>
-    <p:sldId id="260" r:id="rId7"/>
-    <p:sldId id="262" r:id="rId8"/>
-    <p:sldId id="263" r:id="rId9"/>
-    <p:sldId id="264" r:id="rId10"/>
-    <p:sldId id="265" r:id="rId11"/>
+    <p:sldId id="261" r:id="rId7"/>
+    <p:sldId id="266" r:id="rId8"/>
+    <p:sldId id="267" r:id="rId9"/>
+    <p:sldId id="262" r:id="rId10"/>
+    <p:sldId id="268" r:id="rId11"/>
+    <p:sldId id="264" r:id="rId12"/>
+    <p:sldId id="263" r:id="rId13"/>
+    <p:sldId id="265" r:id="rId14"/>
   </p:sldIdLst>
   <p:sldSz cx="12192000" cy="6858000"/>
   <p:notesSz cx="6858000" cy="9144000"/>
@@ -206,7 +209,7 @@
           <a:p>
             <a:fld id="{C2B9AC2E-834A-4B9F-9F48-FC68BC61F1C3}" type="datetimeFigureOut">
               <a:rPr lang="en-US" smtClean="0"/>
-              <a:t>4/8/2016</a:t>
+              <a:t>4/10/2016</a:t>
             </a:fld>
             <a:endParaRPr lang="en-US"/>
           </a:p>
@@ -546,7 +549,7 @@
           <a:p>
             <a:fld id="{FE609A5C-843E-40EB-A8F7-D1CCF10D1F32}" type="slidenum">
               <a:rPr lang="en-US" smtClean="0"/>
-              <a:t>2</a:t>
+              <a:t>4</a:t>
             </a:fld>
             <a:endParaRPr lang="en-US"/>
           </a:p>
@@ -611,11 +614,11 @@
           <a:p>
             <a:r>
               <a:rPr lang="en-US" dirty="0"/>
-              <a:t>Specify</a:t>
+              <a:t>Names</a:t>
             </a:r>
             <a:r>
               <a:rPr lang="en-US" baseline="0" dirty="0"/>
-              <a:t> our null and alternate hypotheses</a:t>
+              <a:t> of data sets, and we can explain what dataset has what</a:t>
             </a:r>
             <a:endParaRPr lang="en-US" dirty="0"/>
           </a:p>
@@ -638,7 +641,7 @@
           <a:p>
             <a:fld id="{FE609A5C-843E-40EB-A8F7-D1CCF10D1F32}" type="slidenum">
               <a:rPr lang="en-US" smtClean="0"/>
-              <a:t>4</a:t>
+              <a:t>5</a:t>
             </a:fld>
             <a:endParaRPr lang="en-US"/>
           </a:p>
@@ -647,7 +650,7 @@
     </p:spTree>
     <p:extLst>
       <p:ext uri="{BB962C8B-B14F-4D97-AF65-F5344CB8AC3E}">
-        <p14:creationId xmlns:p14="http://schemas.microsoft.com/office/powerpoint/2010/main" val="365662392"/>
+        <p14:creationId xmlns:p14="http://schemas.microsoft.com/office/powerpoint/2010/main" val="3034813491"/>
       </p:ext>
     </p:extLst>
   </p:cSld>
@@ -703,11 +706,11 @@
           <a:p>
             <a:r>
               <a:rPr lang="en-US" dirty="0"/>
-              <a:t>Names</a:t>
+              <a:t>Specify</a:t>
             </a:r>
             <a:r>
               <a:rPr lang="en-US" baseline="0" dirty="0"/>
-              <a:t> of data sets, and we can explain what dataset has what</a:t>
+              <a:t> our null and alternate hypotheses</a:t>
             </a:r>
             <a:endParaRPr lang="en-US" dirty="0"/>
           </a:p>
@@ -730,7 +733,7 @@
           <a:p>
             <a:fld id="{FE609A5C-843E-40EB-A8F7-D1CCF10D1F32}" type="slidenum">
               <a:rPr lang="en-US" smtClean="0"/>
-              <a:t>5</a:t>
+              <a:t>6</a:t>
             </a:fld>
             <a:endParaRPr lang="en-US"/>
           </a:p>
@@ -739,7 +742,7 @@
     </p:spTree>
     <p:extLst>
       <p:ext uri="{BB962C8B-B14F-4D97-AF65-F5344CB8AC3E}">
-        <p14:creationId xmlns:p14="http://schemas.microsoft.com/office/powerpoint/2010/main" val="3034813491"/>
+        <p14:creationId xmlns:p14="http://schemas.microsoft.com/office/powerpoint/2010/main" val="365662392"/>
       </p:ext>
     </p:extLst>
   </p:cSld>
@@ -795,17 +798,11 @@
           <a:p>
             <a:r>
               <a:rPr lang="en-US" dirty="0"/>
-              <a:t>-stock prices vs sales </a:t>
-            </a:r>
-          </a:p>
-          <a:p>
-            <a:r>
-              <a:rPr lang="en-US" dirty="0"/>
-              <a:t>-othe</a:t>
+              <a:t>So final conclusion</a:t>
             </a:r>
             <a:r>
               <a:rPr lang="en-US" baseline="0" dirty="0"/>
-              <a:t>r steps of analysis</a:t>
+              <a:t> should talk about what affected the sales of Tesla cars, if we could have used different dataset, would we have different results..</a:t>
             </a:r>
             <a:endParaRPr lang="en-US" dirty="0"/>
           </a:p>
@@ -828,7 +825,7 @@
           <a:p>
             <a:fld id="{FE609A5C-843E-40EB-A8F7-D1CCF10D1F32}" type="slidenum">
               <a:rPr lang="en-US" smtClean="0"/>
-              <a:t>6</a:t>
+              <a:t>11</a:t>
             </a:fld>
             <a:endParaRPr lang="en-US"/>
           </a:p>
@@ -837,7 +834,7 @@
     </p:spTree>
     <p:extLst>
       <p:ext uri="{BB962C8B-B14F-4D97-AF65-F5344CB8AC3E}">
-        <p14:creationId xmlns:p14="http://schemas.microsoft.com/office/powerpoint/2010/main" val="534661671"/>
+        <p14:creationId xmlns:p14="http://schemas.microsoft.com/office/powerpoint/2010/main" val="2529993770"/>
       </p:ext>
     </p:extLst>
   </p:cSld>
@@ -891,20 +888,6 @@
           <a:bodyPr/>
           <a:lstStyle/>
           <a:p>
-            <a:r>
-              <a:rPr lang="en-US" dirty="0"/>
-              <a:t>Include</a:t>
-            </a:r>
-            <a:r>
-              <a:rPr lang="en-US" baseline="0" dirty="0"/>
-              <a:t> graphs, charts, scatter plots- small snippets</a:t>
-            </a:r>
-          </a:p>
-          <a:p>
-            <a:r>
-              <a:rPr lang="en-US" baseline="0" dirty="0"/>
-              <a:t>Screenshots of R code</a:t>
-            </a:r>
             <a:endParaRPr lang="en-US" dirty="0"/>
           </a:p>
         </p:txBody>
@@ -926,7 +909,7 @@
           <a:p>
             <a:fld id="{FE609A5C-843E-40EB-A8F7-D1CCF10D1F32}" type="slidenum">
               <a:rPr lang="en-US" smtClean="0"/>
-              <a:t>8</a:t>
+              <a:t>12</a:t>
             </a:fld>
             <a:endParaRPr lang="en-US"/>
           </a:p>
@@ -936,98 +919,6 @@
     <p:extLst>
       <p:ext uri="{BB962C8B-B14F-4D97-AF65-F5344CB8AC3E}">
         <p14:creationId xmlns:p14="http://schemas.microsoft.com/office/powerpoint/2010/main" val="948110627"/>
-      </p:ext>
-    </p:extLst>
-  </p:cSld>
-  <p:clrMapOvr>
-    <a:masterClrMapping/>
-  </p:clrMapOvr>
-</p:notes>
-</file>
-
-<file path=ppt/notesSlides/notesSlide6.xml><?xml version="1.0" encoding="utf-8"?>
-<p:notes xmlns:a="http://schemas.openxmlformats.org/drawingml/2006/main" xmlns:r="http://schemas.openxmlformats.org/officeDocument/2006/relationships" xmlns:p="http://schemas.openxmlformats.org/presentationml/2006/main">
-  <p:cSld>
-    <p:spTree>
-      <p:nvGrpSpPr>
-        <p:cNvPr id="1" name=""/>
-        <p:cNvGrpSpPr/>
-        <p:nvPr/>
-      </p:nvGrpSpPr>
-      <p:grpSpPr>
-        <a:xfrm>
-          <a:off x="0" y="0"/>
-          <a:ext cx="0" cy="0"/>
-          <a:chOff x="0" y="0"/>
-          <a:chExt cx="0" cy="0"/>
-        </a:xfrm>
-      </p:grpSpPr>
-      <p:sp>
-        <p:nvSpPr>
-          <p:cNvPr id="2" name="Slide Image Placeholder 1"/>
-          <p:cNvSpPr>
-            <a:spLocks noGrp="1" noRot="1" noChangeAspect="1"/>
-          </p:cNvSpPr>
-          <p:nvPr>
-            <p:ph type="sldImg"/>
-          </p:nvPr>
-        </p:nvSpPr>
-        <p:spPr/>
-      </p:sp>
-      <p:sp>
-        <p:nvSpPr>
-          <p:cNvPr id="3" name="Notes Placeholder 2"/>
-          <p:cNvSpPr>
-            <a:spLocks noGrp="1"/>
-          </p:cNvSpPr>
-          <p:nvPr>
-            <p:ph type="body" idx="1"/>
-          </p:nvPr>
-        </p:nvSpPr>
-        <p:spPr/>
-        <p:txBody>
-          <a:bodyPr/>
-          <a:lstStyle/>
-          <a:p>
-            <a:r>
-              <a:rPr lang="en-US" dirty="0"/>
-              <a:t>So final conclusion</a:t>
-            </a:r>
-            <a:r>
-              <a:rPr lang="en-US" baseline="0" dirty="0"/>
-              <a:t> should talk about what affected the sales of Tesla cars, if we could have used different dataset, would we have different results..</a:t>
-            </a:r>
-            <a:endParaRPr lang="en-US" dirty="0"/>
-          </a:p>
-        </p:txBody>
-      </p:sp>
-      <p:sp>
-        <p:nvSpPr>
-          <p:cNvPr id="4" name="Slide Number Placeholder 3"/>
-          <p:cNvSpPr>
-            <a:spLocks noGrp="1"/>
-          </p:cNvSpPr>
-          <p:nvPr>
-            <p:ph type="sldNum" sz="quarter" idx="10"/>
-          </p:nvPr>
-        </p:nvSpPr>
-        <p:spPr/>
-        <p:txBody>
-          <a:bodyPr/>
-          <a:lstStyle/>
-          <a:p>
-            <a:fld id="{FE609A5C-843E-40EB-A8F7-D1CCF10D1F32}" type="slidenum">
-              <a:rPr lang="en-US" smtClean="0"/>
-              <a:t>9</a:t>
-            </a:fld>
-            <a:endParaRPr lang="en-US"/>
-          </a:p>
-        </p:txBody>
-      </p:sp>
-    </p:spTree>
-    <p:extLst>
-      <p:ext uri="{BB962C8B-B14F-4D97-AF65-F5344CB8AC3E}">
-        <p14:creationId xmlns:p14="http://schemas.microsoft.com/office/powerpoint/2010/main" val="2529993770"/>
       </p:ext>
     </p:extLst>
   </p:cSld>
@@ -1166,7 +1057,7 @@
           <a:p>
             <a:fld id="{0F92F7F0-426F-4870-B636-B1A7C95EC8B7}" type="datetimeFigureOut">
               <a:rPr lang="en-US" smtClean="0"/>
-              <a:t>4/8/2016</a:t>
+              <a:t>4/10/2016</a:t>
             </a:fld>
             <a:endParaRPr lang="en-US"/>
           </a:p>
@@ -1334,7 +1225,7 @@
           <a:p>
             <a:fld id="{0F92F7F0-426F-4870-B636-B1A7C95EC8B7}" type="datetimeFigureOut">
               <a:rPr lang="en-US" smtClean="0"/>
-              <a:t>4/8/2016</a:t>
+              <a:t>4/10/2016</a:t>
             </a:fld>
             <a:endParaRPr lang="en-US"/>
           </a:p>
@@ -1512,7 +1403,7 @@
           <a:p>
             <a:fld id="{0F92F7F0-426F-4870-B636-B1A7C95EC8B7}" type="datetimeFigureOut">
               <a:rPr lang="en-US" smtClean="0"/>
-              <a:t>4/8/2016</a:t>
+              <a:t>4/10/2016</a:t>
             </a:fld>
             <a:endParaRPr lang="en-US"/>
           </a:p>
@@ -1680,7 +1571,7 @@
           <a:p>
             <a:fld id="{0F92F7F0-426F-4870-B636-B1A7C95EC8B7}" type="datetimeFigureOut">
               <a:rPr lang="en-US" smtClean="0"/>
-              <a:t>4/8/2016</a:t>
+              <a:t>4/10/2016</a:t>
             </a:fld>
             <a:endParaRPr lang="en-US"/>
           </a:p>
@@ -1925,7 +1816,7 @@
           <a:p>
             <a:fld id="{0F92F7F0-426F-4870-B636-B1A7C95EC8B7}" type="datetimeFigureOut">
               <a:rPr lang="en-US" smtClean="0"/>
-              <a:t>4/8/2016</a:t>
+              <a:t>4/10/2016</a:t>
             </a:fld>
             <a:endParaRPr lang="en-US"/>
           </a:p>
@@ -2154,7 +2045,7 @@
           <a:p>
             <a:fld id="{0F92F7F0-426F-4870-B636-B1A7C95EC8B7}" type="datetimeFigureOut">
               <a:rPr lang="en-US" smtClean="0"/>
-              <a:t>4/8/2016</a:t>
+              <a:t>4/10/2016</a:t>
             </a:fld>
             <a:endParaRPr lang="en-US"/>
           </a:p>
@@ -2518,7 +2409,7 @@
           <a:p>
             <a:fld id="{0F92F7F0-426F-4870-B636-B1A7C95EC8B7}" type="datetimeFigureOut">
               <a:rPr lang="en-US" smtClean="0"/>
-              <a:t>4/8/2016</a:t>
+              <a:t>4/10/2016</a:t>
             </a:fld>
             <a:endParaRPr lang="en-US"/>
           </a:p>
@@ -2635,7 +2526,7 @@
           <a:p>
             <a:fld id="{0F92F7F0-426F-4870-B636-B1A7C95EC8B7}" type="datetimeFigureOut">
               <a:rPr lang="en-US" smtClean="0"/>
-              <a:t>4/8/2016</a:t>
+              <a:t>4/10/2016</a:t>
             </a:fld>
             <a:endParaRPr lang="en-US"/>
           </a:p>
@@ -2730,7 +2621,7 @@
           <a:p>
             <a:fld id="{0F92F7F0-426F-4870-B636-B1A7C95EC8B7}" type="datetimeFigureOut">
               <a:rPr lang="en-US" smtClean="0"/>
-              <a:t>4/8/2016</a:t>
+              <a:t>4/10/2016</a:t>
             </a:fld>
             <a:endParaRPr lang="en-US"/>
           </a:p>
@@ -3005,7 +2896,7 @@
           <a:p>
             <a:fld id="{0F92F7F0-426F-4870-B636-B1A7C95EC8B7}" type="datetimeFigureOut">
               <a:rPr lang="en-US" smtClean="0"/>
-              <a:t>4/8/2016</a:t>
+              <a:t>4/10/2016</a:t>
             </a:fld>
             <a:endParaRPr lang="en-US"/>
           </a:p>
@@ -3257,7 +3148,7 @@
           <a:p>
             <a:fld id="{0F92F7F0-426F-4870-B636-B1A7C95EC8B7}" type="datetimeFigureOut">
               <a:rPr lang="en-US" smtClean="0"/>
-              <a:t>4/8/2016</a:t>
+              <a:t>4/10/2016</a:t>
             </a:fld>
             <a:endParaRPr lang="en-US"/>
           </a:p>
@@ -3494,7 +3385,7 @@
           <a:p>
             <a:fld id="{0F92F7F0-426F-4870-B636-B1A7C95EC8B7}" type="datetimeFigureOut">
               <a:rPr lang="en-US" smtClean="0"/>
-              <a:t>4/8/2016</a:t>
+              <a:t>4/10/2016</a:t>
             </a:fld>
             <a:endParaRPr lang="en-US"/>
           </a:p>
@@ -4056,6 +3947,7 @@
               <a:rPr lang="en-US" dirty="0"/>
               <a:t>Spring 2016</a:t>
             </a:r>
+            <a:endParaRPr lang="en-US" dirty="0"/>
           </a:p>
         </p:txBody>
       </p:sp>
@@ -4089,6 +3981,327 @@
           <a:chExt cx="0" cy="0"/>
         </a:xfrm>
       </p:grpSpPr>
+      <p:sp>
+        <p:nvSpPr>
+          <p:cNvPr id="7" name="Title 6"/>
+          <p:cNvSpPr>
+            <a:spLocks noGrp="1"/>
+          </p:cNvSpPr>
+          <p:nvPr>
+            <p:ph type="title"/>
+          </p:nvPr>
+        </p:nvSpPr>
+        <p:spPr/>
+        <p:txBody>
+          <a:bodyPr/>
+          <a:lstStyle/>
+          <a:p>
+            <a:pPr algn="ctr"/>
+            <a:r>
+              <a:rPr lang="en-US" dirty="0" smtClean="0"/>
+              <a:t>Test and Evaluation</a:t>
+            </a:r>
+            <a:endParaRPr lang="en-US" dirty="0"/>
+          </a:p>
+        </p:txBody>
+      </p:sp>
+      <p:sp>
+        <p:nvSpPr>
+          <p:cNvPr id="8" name="Content Placeholder 7"/>
+          <p:cNvSpPr>
+            <a:spLocks noGrp="1"/>
+          </p:cNvSpPr>
+          <p:nvPr>
+            <p:ph idx="1"/>
+          </p:nvPr>
+        </p:nvSpPr>
+        <p:spPr/>
+        <p:txBody>
+          <a:bodyPr/>
+          <a:lstStyle/>
+          <a:p>
+            <a:r>
+              <a:rPr lang="en-US" dirty="0" smtClean="0"/>
+              <a:t>Dataset = entire population: sales for every month available</a:t>
+            </a:r>
+          </a:p>
+          <a:p>
+            <a:r>
+              <a:rPr lang="en-US" dirty="0" smtClean="0"/>
+              <a:t>Distribution : slightly right skewed with 3 outliers</a:t>
+            </a:r>
+          </a:p>
+          <a:p>
+            <a:r>
+              <a:rPr lang="en-US" dirty="0"/>
+              <a:t>Chose to keep outliers: recent sales numbers</a:t>
+            </a:r>
+          </a:p>
+          <a:p>
+            <a:pPr lvl="1"/>
+            <a:r>
+              <a:rPr lang="en-US" dirty="0"/>
+              <a:t>Indicative of future upwards trend for Tesla Sales</a:t>
+            </a:r>
+          </a:p>
+          <a:p>
+            <a:endParaRPr lang="en-US" dirty="0" smtClean="0"/>
+          </a:p>
+          <a:p>
+            <a:r>
+              <a:rPr lang="en-US" dirty="0" smtClean="0"/>
+              <a:t>Large enough sample size and no extreme outliers </a:t>
+            </a:r>
+            <a:r>
+              <a:rPr lang="en-US" dirty="0" smtClean="0">
+                <a:sym typeface="Wingdings" panose="05000000000000000000" pitchFamily="2" charset="2"/>
+              </a:rPr>
+              <a:t></a:t>
+            </a:r>
+            <a:r>
+              <a:rPr lang="en-US" dirty="0" smtClean="0"/>
+              <a:t> nearly normal distribution</a:t>
+            </a:r>
+          </a:p>
+          <a:p>
+            <a:r>
+              <a:rPr lang="en-US" dirty="0" smtClean="0"/>
+              <a:t>Tesla sales: nearly normal with a recent upwards trend</a:t>
+            </a:r>
+          </a:p>
+        </p:txBody>
+      </p:sp>
+    </p:spTree>
+    <p:extLst>
+      <p:ext uri="{BB962C8B-B14F-4D97-AF65-F5344CB8AC3E}">
+        <p14:creationId xmlns:p14="http://schemas.microsoft.com/office/powerpoint/2010/main" val="1458754961"/>
+      </p:ext>
+    </p:extLst>
+  </p:cSld>
+  <p:clrMapOvr>
+    <a:masterClrMapping/>
+  </p:clrMapOvr>
+</p:sld>
+</file>
+
+<file path=ppt/slides/slide11.xml><?xml version="1.0" encoding="utf-8"?>
+<p:sld xmlns:a="http://schemas.openxmlformats.org/drawingml/2006/main" xmlns:r="http://schemas.openxmlformats.org/officeDocument/2006/relationships" xmlns:p="http://schemas.openxmlformats.org/presentationml/2006/main">
+  <p:cSld>
+    <p:spTree>
+      <p:nvGrpSpPr>
+        <p:cNvPr id="1" name=""/>
+        <p:cNvGrpSpPr/>
+        <p:nvPr/>
+      </p:nvGrpSpPr>
+      <p:grpSpPr>
+        <a:xfrm>
+          <a:off x="0" y="0"/>
+          <a:ext cx="0" cy="0"/>
+          <a:chOff x="0" y="0"/>
+          <a:chExt cx="0" cy="0"/>
+        </a:xfrm>
+      </p:grpSpPr>
+      <p:sp>
+        <p:nvSpPr>
+          <p:cNvPr id="2" name="Title 1"/>
+          <p:cNvSpPr>
+            <a:spLocks noGrp="1"/>
+          </p:cNvSpPr>
+          <p:nvPr>
+            <p:ph type="title"/>
+          </p:nvPr>
+        </p:nvSpPr>
+        <p:spPr/>
+        <p:txBody>
+          <a:bodyPr/>
+          <a:lstStyle/>
+          <a:p>
+            <a:pPr algn="ctr"/>
+            <a:r>
+              <a:rPr lang="en-US" dirty="0"/>
+              <a:t>Conclusion</a:t>
+            </a:r>
+          </a:p>
+        </p:txBody>
+      </p:sp>
+      <p:sp>
+        <p:nvSpPr>
+          <p:cNvPr id="3" name="Content Placeholder 2"/>
+          <p:cNvSpPr>
+            <a:spLocks noGrp="1"/>
+          </p:cNvSpPr>
+          <p:nvPr>
+            <p:ph idx="1"/>
+          </p:nvPr>
+        </p:nvSpPr>
+        <p:spPr/>
+        <p:txBody>
+          <a:bodyPr/>
+          <a:lstStyle/>
+          <a:p>
+            <a:endParaRPr lang="en-US"/>
+          </a:p>
+        </p:txBody>
+      </p:sp>
+    </p:spTree>
+    <p:extLst>
+      <p:ext uri="{BB962C8B-B14F-4D97-AF65-F5344CB8AC3E}">
+        <p14:creationId xmlns:p14="http://schemas.microsoft.com/office/powerpoint/2010/main" val="216197502"/>
+      </p:ext>
+    </p:extLst>
+  </p:cSld>
+  <p:clrMapOvr>
+    <a:masterClrMapping/>
+  </p:clrMapOvr>
+</p:sld>
+</file>
+
+<file path=ppt/slides/slide12.xml><?xml version="1.0" encoding="utf-8"?>
+<p:sld xmlns:a="http://schemas.openxmlformats.org/drawingml/2006/main" xmlns:r="http://schemas.openxmlformats.org/officeDocument/2006/relationships" xmlns:p="http://schemas.openxmlformats.org/presentationml/2006/main">
+  <p:cSld>
+    <p:spTree>
+      <p:nvGrpSpPr>
+        <p:cNvPr id="1" name=""/>
+        <p:cNvGrpSpPr/>
+        <p:nvPr/>
+      </p:nvGrpSpPr>
+      <p:grpSpPr>
+        <a:xfrm>
+          <a:off x="0" y="0"/>
+          <a:ext cx="0" cy="0"/>
+          <a:chOff x="0" y="0"/>
+          <a:chExt cx="0" cy="0"/>
+        </a:xfrm>
+      </p:grpSpPr>
+      <p:sp>
+        <p:nvSpPr>
+          <p:cNvPr id="2" name="Title 1"/>
+          <p:cNvSpPr>
+            <a:spLocks noGrp="1"/>
+          </p:cNvSpPr>
+          <p:nvPr>
+            <p:ph type="title"/>
+          </p:nvPr>
+        </p:nvSpPr>
+        <p:spPr/>
+        <p:txBody>
+          <a:bodyPr/>
+          <a:lstStyle/>
+          <a:p>
+            <a:pPr algn="ctr"/>
+            <a:r>
+              <a:rPr lang="en-US" dirty="0" smtClean="0"/>
+              <a:t>FUTURE WORK</a:t>
+            </a:r>
+            <a:endParaRPr lang="en-US" dirty="0"/>
+          </a:p>
+        </p:txBody>
+      </p:sp>
+      <p:sp>
+        <p:nvSpPr>
+          <p:cNvPr id="3" name="Content Placeholder 2"/>
+          <p:cNvSpPr>
+            <a:spLocks noGrp="1"/>
+          </p:cNvSpPr>
+          <p:nvPr>
+            <p:ph idx="1"/>
+          </p:nvPr>
+        </p:nvSpPr>
+        <p:spPr/>
+        <p:txBody>
+          <a:bodyPr>
+            <a:normAutofit/>
+          </a:bodyPr>
+          <a:lstStyle/>
+          <a:p>
+            <a:r>
+              <a:rPr lang="en-US" dirty="0" smtClean="0"/>
+              <a:t>Sound model</a:t>
+            </a:r>
+          </a:p>
+          <a:p>
+            <a:r>
+              <a:rPr lang="en-US" dirty="0" smtClean="0"/>
+              <a:t>Small </a:t>
+            </a:r>
+            <a:r>
+              <a:rPr lang="en-US" dirty="0" err="1" smtClean="0"/>
+              <a:t>Adj</a:t>
+            </a:r>
+            <a:r>
+              <a:rPr lang="en-US" dirty="0" smtClean="0"/>
+              <a:t> R-</a:t>
+            </a:r>
+            <a:r>
+              <a:rPr lang="en-US" dirty="0" err="1" smtClean="0"/>
+              <a:t>sq</a:t>
+            </a:r>
+            <a:r>
+              <a:rPr lang="en-US" dirty="0" smtClean="0"/>
+              <a:t>: other relevant variables</a:t>
+            </a:r>
+          </a:p>
+          <a:p>
+            <a:r>
+              <a:rPr lang="en-US" dirty="0" smtClean="0"/>
+              <a:t>Potential relevant variables:</a:t>
+            </a:r>
+          </a:p>
+          <a:p>
+            <a:pPr lvl="1"/>
+            <a:r>
+              <a:rPr lang="en-US" dirty="0" smtClean="0"/>
+              <a:t>Sales of Tesla’s competitors according to Tesla: other luxury cars </a:t>
+            </a:r>
+          </a:p>
+          <a:p>
+            <a:pPr lvl="1"/>
+            <a:r>
+              <a:rPr lang="en-US" dirty="0" smtClean="0"/>
+              <a:t>Example: Audi A7-A8, BMW 6-7Series, Jaguar XJ, Lexus LS, Mercedes-Benz CLS-Class, Mercedes-Benz S-Class, Porsche </a:t>
+            </a:r>
+            <a:r>
+              <a:rPr lang="en-US" dirty="0" err="1" smtClean="0"/>
+              <a:t>Panamera</a:t>
+            </a:r>
+            <a:r>
+              <a:rPr lang="en-US" dirty="0" smtClean="0"/>
+              <a:t>)</a:t>
+            </a:r>
+            <a:endParaRPr lang="en-US" dirty="0"/>
+          </a:p>
+        </p:txBody>
+      </p:sp>
+    </p:spTree>
+    <p:extLst>
+      <p:ext uri="{BB962C8B-B14F-4D97-AF65-F5344CB8AC3E}">
+        <p14:creationId xmlns:p14="http://schemas.microsoft.com/office/powerpoint/2010/main" val="206297815"/>
+      </p:ext>
+    </p:extLst>
+  </p:cSld>
+  <p:clrMapOvr>
+    <a:masterClrMapping/>
+  </p:clrMapOvr>
+</p:sld>
+</file>
+
+<file path=ppt/slides/slide13.xml><?xml version="1.0" encoding="utf-8"?>
+<p:sld xmlns:a="http://schemas.openxmlformats.org/drawingml/2006/main" xmlns:r="http://schemas.openxmlformats.org/officeDocument/2006/relationships" xmlns:p="http://schemas.openxmlformats.org/presentationml/2006/main">
+  <p:cSld>
+    <p:spTree>
+      <p:nvGrpSpPr>
+        <p:cNvPr id="1" name=""/>
+        <p:cNvGrpSpPr/>
+        <p:nvPr/>
+      </p:nvGrpSpPr>
+      <p:grpSpPr>
+        <a:xfrm>
+          <a:off x="0" y="0"/>
+          <a:ext cx="0" cy="0"/>
+          <a:chOff x="0" y="0"/>
+          <a:chExt cx="0" cy="0"/>
+        </a:xfrm>
+      </p:grpSpPr>
       <p:pic>
         <p:nvPicPr>
           <p:cNvPr id="4" name="Content Placeholder 3"/>
@@ -4100,7 +4313,7 @@
           </p:nvPr>
         </p:nvPicPr>
         <p:blipFill>
-          <a:blip r:embed="rId2">
+          <a:blip r:embed="rId2" cstate="print">
             <a:extLst>
               <a:ext uri="{28A0092B-C50C-407E-A947-70E740481C1C}">
                 <a14:useLocalDpi xmlns:a14="http://schemas.microsoft.com/office/drawing/2010/main" val="0"/>
@@ -4188,47 +4401,48 @@
             <p:ph type="title"/>
           </p:nvPr>
         </p:nvSpPr>
+        <p:spPr/>
+        <p:txBody>
+          <a:bodyPr/>
+          <a:lstStyle/>
+          <a:p>
+            <a:pPr algn="ctr"/>
+            <a:r>
+              <a:rPr lang="en-US" dirty="0" smtClean="0"/>
+              <a:t>Introduction</a:t>
+            </a:r>
+            <a:endParaRPr lang="en-US" dirty="0"/>
+          </a:p>
+        </p:txBody>
+      </p:sp>
+      <p:sp>
+        <p:nvSpPr>
+          <p:cNvPr id="3" name="Content Placeholder 2"/>
+          <p:cNvSpPr>
+            <a:spLocks noGrp="1"/>
+          </p:cNvSpPr>
+          <p:nvPr>
+            <p:ph idx="1"/>
+          </p:nvPr>
+        </p:nvSpPr>
         <p:spPr>
           <a:xfrm>
-            <a:off x="838200" y="0"/>
-            <a:ext cx="10515600" cy="1325563"/>
+            <a:off x="838200" y="1848485"/>
+            <a:ext cx="10515600" cy="4351338"/>
           </a:xfrm>
         </p:spPr>
         <p:txBody>
           <a:bodyPr/>
           <a:lstStyle/>
           <a:p>
-            <a:pPr algn="ctr"/>
-            <a:r>
-              <a:rPr lang="en-US" dirty="0"/>
-              <a:t>Introduction To Tesla </a:t>
-            </a:r>
-          </a:p>
-        </p:txBody>
-      </p:sp>
-      <p:sp>
-        <p:nvSpPr>
-          <p:cNvPr id="3" name="Content Placeholder 2"/>
-          <p:cNvSpPr>
-            <a:spLocks noGrp="1"/>
-          </p:cNvSpPr>
-          <p:nvPr>
-            <p:ph idx="1"/>
-          </p:nvPr>
-        </p:nvSpPr>
-        <p:spPr/>
-        <p:txBody>
-          <a:bodyPr/>
-          <a:lstStyle/>
-          <a:p>
-            <a:endParaRPr lang="en-US" dirty="0"/>
+            <a:endParaRPr lang="en-US"/>
           </a:p>
         </p:txBody>
       </p:sp>
     </p:spTree>
     <p:extLst>
       <p:ext uri="{BB962C8B-B14F-4D97-AF65-F5344CB8AC3E}">
-        <p14:creationId xmlns:p14="http://schemas.microsoft.com/office/powerpoint/2010/main" val="3148535561"/>
+        <p14:creationId xmlns:p14="http://schemas.microsoft.com/office/powerpoint/2010/main" val="1872793062"/>
       </p:ext>
     </p:extLst>
   </p:cSld>
@@ -4337,16 +4551,22 @@
             <p:ph type="title"/>
           </p:nvPr>
         </p:nvSpPr>
-        <p:spPr/>
+        <p:spPr>
+          <a:xfrm>
+            <a:off x="838200" y="0"/>
+            <a:ext cx="10515600" cy="1325563"/>
+          </a:xfrm>
+        </p:spPr>
         <p:txBody>
           <a:bodyPr/>
           <a:lstStyle/>
           <a:p>
             <a:pPr algn="ctr"/>
             <a:r>
-              <a:rPr lang="en-US" dirty="0"/>
-              <a:t>Hypothesis Claimed</a:t>
-            </a:r>
+              <a:rPr lang="en-US" dirty="0" smtClean="0"/>
+              <a:t>Related Work</a:t>
+            </a:r>
+            <a:endParaRPr lang="en-US" dirty="0"/>
           </a:p>
         </p:txBody>
       </p:sp>
@@ -4365,14 +4585,14 @@
           <a:bodyPr/>
           <a:lstStyle/>
           <a:p>
-            <a:endParaRPr lang="en-US"/>
+            <a:endParaRPr lang="en-US" dirty="0"/>
           </a:p>
         </p:txBody>
       </p:sp>
     </p:spTree>
     <p:extLst>
       <p:ext uri="{BB962C8B-B14F-4D97-AF65-F5344CB8AC3E}">
-        <p14:creationId xmlns:p14="http://schemas.microsoft.com/office/powerpoint/2010/main" val="2968355345"/>
+        <p14:creationId xmlns:p14="http://schemas.microsoft.com/office/powerpoint/2010/main" val="3148535561"/>
       </p:ext>
     </p:extLst>
   </p:cSld>
@@ -4488,35 +4708,83 @@
           <a:p>
             <a:pPr algn="ctr"/>
             <a:r>
+              <a:rPr lang="en-US" dirty="0" smtClean="0"/>
+              <a:t>Technical Approach</a:t>
+            </a:r>
+            <a:endParaRPr lang="en-US" dirty="0"/>
+          </a:p>
+        </p:txBody>
+      </p:sp>
+      <p:sp>
+        <p:nvSpPr>
+          <p:cNvPr id="3" name="Content Placeholder 2"/>
+          <p:cNvSpPr>
+            <a:spLocks noGrp="1"/>
+          </p:cNvSpPr>
+          <p:nvPr>
+            <p:ph idx="1"/>
+          </p:nvPr>
+        </p:nvSpPr>
+        <p:spPr/>
+        <p:txBody>
+          <a:bodyPr/>
+          <a:lstStyle/>
+          <a:p>
+            <a:r>
               <a:rPr lang="en-US" dirty="0"/>
-              <a:t>Analysis of Data</a:t>
-            </a:r>
-          </a:p>
-        </p:txBody>
-      </p:sp>
-      <p:sp>
-        <p:nvSpPr>
-          <p:cNvPr id="3" name="Content Placeholder 2"/>
-          <p:cNvSpPr>
-            <a:spLocks noGrp="1"/>
-          </p:cNvSpPr>
-          <p:nvPr>
-            <p:ph idx="1"/>
-          </p:nvPr>
-        </p:nvSpPr>
-        <p:spPr/>
-        <p:txBody>
-          <a:bodyPr/>
-          <a:lstStyle/>
-          <a:p>
-            <a:endParaRPr lang="en-US"/>
+              <a:t>Analyze Tesla’s sales – impact of external factors </a:t>
+            </a:r>
+          </a:p>
+          <a:p>
+            <a:pPr lvl="1"/>
+            <a:r>
+              <a:rPr lang="en-US" dirty="0"/>
+              <a:t>Fluctuations in oil prices and money spent on other electric cars in </a:t>
+            </a:r>
+            <a:r>
+              <a:rPr lang="en-US" dirty="0" smtClean="0"/>
+              <a:t>general</a:t>
+            </a:r>
+          </a:p>
+          <a:p>
+            <a:r>
+              <a:rPr lang="en-US" dirty="0" smtClean="0"/>
+              <a:t>Linear Regression Model</a:t>
+            </a:r>
+          </a:p>
+          <a:p>
+            <a:r>
+              <a:rPr lang="en-US" dirty="0" smtClean="0"/>
+              <a:t>Final Dataset – 45 standardized monthly observations from June 2012 to March 2016: </a:t>
+            </a:r>
+          </a:p>
+          <a:p>
+            <a:pPr lvl="1"/>
+            <a:r>
+              <a:rPr lang="en-US" dirty="0" smtClean="0"/>
+              <a:t>Sales of Tesla</a:t>
+            </a:r>
+          </a:p>
+          <a:p>
+            <a:pPr lvl="1"/>
+            <a:r>
+              <a:rPr lang="en-US" dirty="0" smtClean="0"/>
+              <a:t>Oil Prices</a:t>
+            </a:r>
+          </a:p>
+          <a:p>
+            <a:pPr lvl="1"/>
+            <a:r>
+              <a:rPr lang="en-US" dirty="0" smtClean="0"/>
+              <a:t>Substitute Unit Price</a:t>
+            </a:r>
           </a:p>
         </p:txBody>
       </p:sp>
     </p:spTree>
     <p:extLst>
       <p:ext uri="{BB962C8B-B14F-4D97-AF65-F5344CB8AC3E}">
-        <p14:creationId xmlns:p14="http://schemas.microsoft.com/office/powerpoint/2010/main" val="758686209"/>
+        <p14:creationId xmlns:p14="http://schemas.microsoft.com/office/powerpoint/2010/main" val="2968355345"/>
       </p:ext>
     </p:extLst>
   </p:cSld>
@@ -4560,35 +4828,191 @@
           <a:p>
             <a:pPr algn="ctr"/>
             <a:r>
+              <a:rPr lang="en-US" dirty="0" smtClean="0"/>
+              <a:t>Multi-Linear Regression Model (R) </a:t>
+            </a:r>
+            <a:endParaRPr lang="en-US" dirty="0"/>
+          </a:p>
+        </p:txBody>
+      </p:sp>
+      <p:sp>
+        <p:nvSpPr>
+          <p:cNvPr id="4" name="Content Placeholder 3"/>
+          <p:cNvSpPr>
+            <a:spLocks noGrp="1"/>
+          </p:cNvSpPr>
+          <p:nvPr>
+            <p:ph sz="half" idx="1"/>
+          </p:nvPr>
+        </p:nvSpPr>
+        <p:spPr/>
+        <p:txBody>
+          <a:bodyPr/>
+          <a:lstStyle/>
+          <a:p>
+            <a:r>
+              <a:rPr lang="en-US" dirty="0" smtClean="0"/>
+              <a:t>1</a:t>
+            </a:r>
+            <a:r>
+              <a:rPr lang="en-US" baseline="30000" dirty="0" smtClean="0"/>
+              <a:t>st</a:t>
+            </a:r>
+            <a:r>
+              <a:rPr lang="en-US" dirty="0" smtClean="0"/>
+              <a:t> Iteration</a:t>
+            </a:r>
+          </a:p>
+          <a:p>
+            <a:pPr latinLnBrk="1"/>
+            <a:r>
+              <a:rPr lang="en-US" dirty="0" err="1"/>
+              <a:t>T.Sales</a:t>
+            </a:r>
+            <a:r>
               <a:rPr lang="en-US" dirty="0"/>
-              <a:t>Hypothesis Testing</a:t>
-            </a:r>
-          </a:p>
-        </p:txBody>
-      </p:sp>
-      <p:sp>
-        <p:nvSpPr>
-          <p:cNvPr id="3" name="Content Placeholder 2"/>
-          <p:cNvSpPr>
-            <a:spLocks noGrp="1"/>
-          </p:cNvSpPr>
-          <p:nvPr>
-            <p:ph idx="1"/>
-          </p:nvPr>
-        </p:nvSpPr>
-        <p:spPr/>
-        <p:txBody>
-          <a:bodyPr/>
-          <a:lstStyle/>
-          <a:p>
-            <a:endParaRPr lang="en-US"/>
+              <a:t> = -1.055e-10 – 0.14 x oil price + 0.48 x </a:t>
+            </a:r>
+            <a:r>
+              <a:rPr lang="en-US" dirty="0" err="1"/>
+              <a:t>substitute.unit.price</a:t>
+            </a:r>
+            <a:endParaRPr lang="en-US" dirty="0"/>
+          </a:p>
+          <a:p>
+            <a:r>
+              <a:rPr lang="en-US" dirty="0"/>
+              <a:t> </a:t>
+            </a:r>
+            <a:r>
+              <a:rPr lang="en-US" dirty="0" smtClean="0"/>
+              <a:t>model significant as a whole</a:t>
+            </a:r>
+          </a:p>
+          <a:p>
+            <a:r>
+              <a:rPr lang="en-US" dirty="0" smtClean="0"/>
+              <a:t>Oil price </a:t>
+            </a:r>
+            <a:r>
+              <a:rPr lang="en-US" dirty="0" err="1" smtClean="0"/>
+              <a:t>valriable</a:t>
+            </a:r>
+            <a:r>
+              <a:rPr lang="en-US" dirty="0" smtClean="0"/>
+              <a:t> is not significant</a:t>
+            </a:r>
+          </a:p>
+          <a:p>
+            <a:r>
+              <a:rPr lang="en-US" dirty="0" err="1" smtClean="0"/>
+              <a:t>Adj</a:t>
+            </a:r>
+            <a:r>
+              <a:rPr lang="en-US" dirty="0" smtClean="0"/>
+              <a:t> R-</a:t>
+            </a:r>
+            <a:r>
+              <a:rPr lang="en-US" dirty="0" err="1" smtClean="0"/>
+              <a:t>sq</a:t>
+            </a:r>
+            <a:r>
+              <a:rPr lang="en-US" dirty="0" smtClean="0"/>
+              <a:t>: 33.82%</a:t>
+            </a:r>
+            <a:endParaRPr lang="en-US" dirty="0"/>
+          </a:p>
+          <a:p>
+            <a:endParaRPr lang="en-US" dirty="0"/>
+          </a:p>
+        </p:txBody>
+      </p:sp>
+      <p:sp>
+        <p:nvSpPr>
+          <p:cNvPr id="5" name="Content Placeholder 4"/>
+          <p:cNvSpPr>
+            <a:spLocks noGrp="1"/>
+          </p:cNvSpPr>
+          <p:nvPr>
+            <p:ph sz="half" idx="2"/>
+          </p:nvPr>
+        </p:nvSpPr>
+        <p:spPr/>
+        <p:txBody>
+          <a:bodyPr/>
+          <a:lstStyle/>
+          <a:p>
+            <a:r>
+              <a:rPr lang="en-US" dirty="0" smtClean="0"/>
+              <a:t>2d iteration</a:t>
+            </a:r>
+          </a:p>
+          <a:p>
+            <a:r>
+              <a:rPr lang="en-US" dirty="0" err="1"/>
+              <a:t>T.Sales</a:t>
+            </a:r>
+            <a:r>
+              <a:rPr lang="en-US" dirty="0"/>
+              <a:t> = -9.812e-11 + 0.6 x </a:t>
+            </a:r>
+            <a:r>
+              <a:rPr lang="en-US" dirty="0" err="1"/>
+              <a:t>substitute.unit.price</a:t>
+            </a:r>
+            <a:endParaRPr lang="en-US" dirty="0"/>
+          </a:p>
+          <a:p>
+            <a:r>
+              <a:rPr lang="en-US" dirty="0" smtClean="0"/>
+              <a:t>Model significant as a whole</a:t>
+            </a:r>
+          </a:p>
+          <a:p>
+            <a:r>
+              <a:rPr lang="en-US" dirty="0" smtClean="0"/>
+              <a:t>No non-significant variables</a:t>
+            </a:r>
+          </a:p>
+          <a:p>
+            <a:r>
+              <a:rPr lang="en-US" dirty="0" err="1" smtClean="0"/>
+              <a:t>Adj</a:t>
+            </a:r>
+            <a:r>
+              <a:rPr lang="en-US" dirty="0" smtClean="0"/>
+              <a:t> R-</a:t>
+            </a:r>
+            <a:r>
+              <a:rPr lang="en-US" dirty="0" err="1" smtClean="0"/>
+              <a:t>sq</a:t>
+            </a:r>
+            <a:r>
+              <a:rPr lang="en-US" dirty="0" smtClean="0"/>
+              <a:t>: 34.98% (increase from 1</a:t>
+            </a:r>
+            <a:r>
+              <a:rPr lang="en-US" baseline="30000" dirty="0" smtClean="0"/>
+              <a:t>st</a:t>
+            </a:r>
+            <a:r>
+              <a:rPr lang="en-US" dirty="0" smtClean="0"/>
+              <a:t> iteration)</a:t>
+            </a:r>
+          </a:p>
+          <a:p>
+            <a:r>
+              <a:rPr lang="en-US" dirty="0" smtClean="0"/>
+              <a:t>FINAL MODEL</a:t>
+            </a:r>
+            <a:endParaRPr lang="en-US" dirty="0"/>
           </a:p>
         </p:txBody>
       </p:sp>
     </p:spTree>
     <p:extLst>
       <p:ext uri="{BB962C8B-B14F-4D97-AF65-F5344CB8AC3E}">
-        <p14:creationId xmlns:p14="http://schemas.microsoft.com/office/powerpoint/2010/main" val="1227465640"/>
+        <p14:creationId xmlns:p14="http://schemas.microsoft.com/office/powerpoint/2010/main" val="2441050392"/>
       </p:ext>
     </p:extLst>
   </p:cSld>
@@ -4632,35 +5056,106 @@
           <a:p>
             <a:pPr algn="ctr"/>
             <a:r>
+              <a:rPr lang="en-US" dirty="0" smtClean="0"/>
+              <a:t>Model Conclusion</a:t>
+            </a:r>
+            <a:endParaRPr lang="en-US" dirty="0"/>
+          </a:p>
+        </p:txBody>
+      </p:sp>
+      <p:sp>
+        <p:nvSpPr>
+          <p:cNvPr id="5" name="Content Placeholder 4"/>
+          <p:cNvSpPr>
+            <a:spLocks noGrp="1"/>
+          </p:cNvSpPr>
+          <p:nvPr>
+            <p:ph idx="1"/>
+          </p:nvPr>
+        </p:nvSpPr>
+        <p:spPr/>
+        <p:txBody>
+          <a:bodyPr>
+            <a:normAutofit/>
+          </a:bodyPr>
+          <a:lstStyle/>
+          <a:p>
+            <a:r>
               <a:rPr lang="en-US" dirty="0"/>
-              <a:t>Results</a:t>
-            </a:r>
-          </a:p>
-        </p:txBody>
-      </p:sp>
-      <p:sp>
-        <p:nvSpPr>
-          <p:cNvPr id="3" name="Content Placeholder 2"/>
-          <p:cNvSpPr>
-            <a:spLocks noGrp="1"/>
-          </p:cNvSpPr>
-          <p:nvPr>
-            <p:ph idx="1"/>
-          </p:nvPr>
-        </p:nvSpPr>
-        <p:spPr/>
-        <p:txBody>
-          <a:bodyPr/>
-          <a:lstStyle/>
-          <a:p>
-            <a:endParaRPr lang="en-US"/>
+              <a:t>E</a:t>
+            </a:r>
+            <a:r>
+              <a:rPr lang="en-US" dirty="0" smtClean="0"/>
+              <a:t>ach </a:t>
+            </a:r>
+            <a:r>
+              <a:rPr lang="en-US" dirty="0"/>
+              <a:t>unit increase in the standardized substitute </a:t>
+            </a:r>
+            <a:r>
+              <a:rPr lang="en-US" dirty="0" smtClean="0"/>
+              <a:t>unit prices gives </a:t>
+            </a:r>
+            <a:r>
+              <a:rPr lang="en-US" dirty="0"/>
+              <a:t>us an increase of 0.6 units in the standardized Tesla monthly </a:t>
+            </a:r>
+            <a:r>
+              <a:rPr lang="en-US" dirty="0" smtClean="0"/>
+              <a:t>sales on average</a:t>
+            </a:r>
+          </a:p>
+          <a:p>
+            <a:r>
+              <a:rPr lang="en-US" dirty="0"/>
+              <a:t>35% of the variability in the Tesla monthly sales is explained by the model. </a:t>
+            </a:r>
+            <a:endParaRPr lang="en-US" dirty="0" smtClean="0"/>
+          </a:p>
+          <a:p>
+            <a:r>
+              <a:rPr lang="en-US" dirty="0" err="1" smtClean="0"/>
+              <a:t>Adj</a:t>
+            </a:r>
+            <a:r>
+              <a:rPr lang="en-US" dirty="0" smtClean="0"/>
+              <a:t> R-</a:t>
+            </a:r>
+            <a:r>
+              <a:rPr lang="en-US" dirty="0" err="1" smtClean="0"/>
+              <a:t>sq</a:t>
+            </a:r>
+            <a:r>
+              <a:rPr lang="en-US" dirty="0" smtClean="0"/>
+              <a:t> is below 40%</a:t>
+            </a:r>
+            <a:endParaRPr lang="en-US" dirty="0"/>
+          </a:p>
+          <a:p>
+            <a:r>
+              <a:rPr lang="en-US" dirty="0" smtClean="0"/>
+              <a:t>Safe assumption: Several </a:t>
+            </a:r>
+            <a:r>
+              <a:rPr lang="en-US" dirty="0"/>
+              <a:t>other </a:t>
+            </a:r>
+            <a:r>
+              <a:rPr lang="en-US" dirty="0" smtClean="0"/>
+              <a:t>factors not present in this analysis are </a:t>
+            </a:r>
+            <a:r>
+              <a:rPr lang="en-US" dirty="0"/>
+              <a:t>responsible for the movements in the Tesla monthly sales. </a:t>
+            </a:r>
+            <a:endParaRPr lang="en-US" dirty="0"/>
           </a:p>
         </p:txBody>
       </p:sp>
     </p:spTree>
     <p:extLst>
       <p:ext uri="{BB962C8B-B14F-4D97-AF65-F5344CB8AC3E}">
-        <p14:creationId xmlns:p14="http://schemas.microsoft.com/office/powerpoint/2010/main" val="206297815"/>
+        <p14:creationId xmlns:p14="http://schemas.microsoft.com/office/powerpoint/2010/main" val="191724664"/>
       </p:ext>
     </p:extLst>
   </p:cSld>
@@ -4705,7 +5200,7 @@
             <a:pPr algn="ctr"/>
             <a:r>
               <a:rPr lang="en-US" dirty="0"/>
-              <a:t>Conclusion</a:t>
+              <a:t>Hypothesis Testing</a:t>
             </a:r>
           </a:p>
         </p:txBody>
@@ -4717,22 +5212,149 @@
             <a:spLocks noGrp="1"/>
           </p:cNvSpPr>
           <p:nvPr>
-            <p:ph idx="1"/>
-          </p:nvPr>
-        </p:nvSpPr>
-        <p:spPr/>
-        <p:txBody>
-          <a:bodyPr/>
-          <a:lstStyle/>
-          <a:p>
-            <a:endParaRPr lang="en-US"/>
-          </a:p>
-        </p:txBody>
-      </p:sp>
+            <p:ph sz="half" idx="1"/>
+          </p:nvPr>
+        </p:nvSpPr>
+        <p:spPr/>
+        <p:txBody>
+          <a:bodyPr>
+            <a:normAutofit fontScale="85000" lnSpcReduction="20000"/>
+          </a:bodyPr>
+          <a:lstStyle/>
+          <a:p>
+            <a:r>
+              <a:rPr lang="en-US" dirty="0"/>
+              <a:t>Is the relationship between substitute unit prices and tesla Sales significant?</a:t>
+            </a:r>
+          </a:p>
+          <a:p>
+            <a:pPr marL="0" indent="0">
+              <a:buNone/>
+            </a:pPr>
+            <a:r>
+              <a:rPr lang="en-US" dirty="0"/>
+              <a:t>H0:  slope = </a:t>
+            </a:r>
+            <a:r>
+              <a:rPr lang="en-US" dirty="0" smtClean="0"/>
+              <a:t>0 and Ha</a:t>
+            </a:r>
+            <a:r>
+              <a:rPr lang="en-US" dirty="0"/>
+              <a:t>: slope ≠ 0</a:t>
+            </a:r>
+          </a:p>
+          <a:p>
+            <a:pPr marL="0" indent="0">
+              <a:buNone/>
+            </a:pPr>
+            <a:endParaRPr lang="en-US" dirty="0" smtClean="0"/>
+          </a:p>
+          <a:p>
+            <a:r>
+              <a:rPr lang="en-US" dirty="0" smtClean="0"/>
+              <a:t>We </a:t>
+            </a:r>
+            <a:r>
+              <a:rPr lang="en-US" dirty="0"/>
+              <a:t>are 95% confident that one-unit increase in the standardized substitute unit price leads to an increase ranging from 0.35 to 0.85 units in standardized Tesla </a:t>
+            </a:r>
+            <a:r>
+              <a:rPr lang="en-US" dirty="0" smtClean="0"/>
+              <a:t>sales on average. </a:t>
+            </a:r>
+          </a:p>
+          <a:p>
+            <a:r>
+              <a:rPr lang="en-US" dirty="0"/>
+              <a:t>95% </a:t>
+            </a:r>
+            <a:r>
+              <a:rPr lang="en-US" dirty="0" smtClean="0"/>
+              <a:t>CI is above 0  </a:t>
+            </a:r>
+            <a:r>
+              <a:rPr lang="en-US" dirty="0" smtClean="0">
+                <a:sym typeface="Wingdings" panose="05000000000000000000" pitchFamily="2" charset="2"/>
+              </a:rPr>
+              <a:t> </a:t>
+            </a:r>
+            <a:r>
+              <a:rPr lang="en-US" dirty="0" smtClean="0"/>
+              <a:t>positive </a:t>
+            </a:r>
+            <a:r>
+              <a:rPr lang="en-US" dirty="0"/>
+              <a:t>relationship between Tesla sales and substitute unit prices</a:t>
+            </a:r>
+            <a:endParaRPr lang="en-US" dirty="0" smtClean="0"/>
+          </a:p>
+          <a:p>
+            <a:endParaRPr lang="en-US" dirty="0" smtClean="0"/>
+          </a:p>
+          <a:p>
+            <a:pPr marL="0" indent="0">
+              <a:buNone/>
+            </a:pPr>
+            <a:endParaRPr lang="en-US" dirty="0"/>
+          </a:p>
+        </p:txBody>
+      </p:sp>
+      <p:sp>
+        <p:nvSpPr>
+          <p:cNvPr id="7" name="Content Placeholder 6"/>
+          <p:cNvSpPr>
+            <a:spLocks noGrp="1"/>
+          </p:cNvSpPr>
+          <p:nvPr>
+            <p:ph sz="half" idx="2"/>
+          </p:nvPr>
+        </p:nvSpPr>
+        <p:spPr/>
+        <p:txBody>
+          <a:bodyPr>
+            <a:normAutofit fontScale="85000" lnSpcReduction="20000"/>
+          </a:bodyPr>
+          <a:lstStyle/>
+          <a:p>
+            <a:r>
+              <a:rPr lang="en-US" dirty="0"/>
+              <a:t>95% CI: [0.35 ; 0.85]</a:t>
+            </a:r>
+          </a:p>
+          <a:p>
+            <a:endParaRPr lang="en-US" dirty="0"/>
+          </a:p>
+        </p:txBody>
+      </p:sp>
+      <p:pic>
+        <p:nvPicPr>
+          <p:cNvPr id="6" name="Picture 5"/>
+          <p:cNvPicPr>
+            <a:picLocks noChangeAspect="1"/>
+          </p:cNvPicPr>
+          <p:nvPr/>
+        </p:nvPicPr>
+        <p:blipFill>
+          <a:blip r:embed="rId2"/>
+          <a:stretch>
+            <a:fillRect/>
+          </a:stretch>
+        </p:blipFill>
+        <p:spPr>
+          <a:xfrm>
+            <a:off x="6603206" y="3221787"/>
+            <a:ext cx="4319588" cy="1070972"/>
+          </a:xfrm>
+          <a:prstGeom prst="rect">
+            <a:avLst/>
+          </a:prstGeom>
+        </p:spPr>
+      </p:pic>
     </p:spTree>
     <p:extLst>
       <p:ext uri="{BB962C8B-B14F-4D97-AF65-F5344CB8AC3E}">
-        <p14:creationId xmlns:p14="http://schemas.microsoft.com/office/powerpoint/2010/main" val="216197502"/>
+        <p14:creationId xmlns:p14="http://schemas.microsoft.com/office/powerpoint/2010/main" val="1227465640"/>
       </p:ext>
     </p:extLst>
   </p:cSld>

--- a/finalPptTesla.pptx
+++ b/finalPptTesla.pptx
@@ -2,10 +2,10 @@
 <file path=ppt/presentation.xml><?xml version="1.0" encoding="utf-8"?>
 <p:presentation xmlns:a="http://schemas.openxmlformats.org/drawingml/2006/main" xmlns:r="http://schemas.openxmlformats.org/officeDocument/2006/relationships" xmlns:p="http://schemas.openxmlformats.org/presentationml/2006/main" saveSubsetFonts="1">
   <p:sldMasterIdLst>
-    <p:sldMasterId id="2147483648" r:id="rId1"/>
+    <p:sldMasterId id="2147483660" r:id="rId1"/>
   </p:sldMasterIdLst>
   <p:notesMasterIdLst>
-    <p:notesMasterId r:id="rId15"/>
+    <p:notesMasterId r:id="rId18"/>
   </p:notesMasterIdLst>
   <p:sldIdLst>
     <p:sldId id="256" r:id="rId2"/>
@@ -20,7 +20,10 @@
     <p:sldId id="268" r:id="rId11"/>
     <p:sldId id="264" r:id="rId12"/>
     <p:sldId id="263" r:id="rId13"/>
-    <p:sldId id="265" r:id="rId14"/>
+    <p:sldId id="270" r:id="rId14"/>
+    <p:sldId id="271" r:id="rId15"/>
+    <p:sldId id="272" r:id="rId16"/>
+    <p:sldId id="265" r:id="rId17"/>
   </p:sldIdLst>
   <p:sldSz cx="12192000" cy="6858000"/>
   <p:notesSz cx="6858000" cy="9144000"/>
@@ -28,7 +31,7 @@
     <a:defPPr>
       <a:defRPr lang="en-US"/>
     </a:defPPr>
-    <a:lvl1pPr marL="0" algn="l" defTabSz="914400" rtl="0" eaLnBrk="1" latinLnBrk="0" hangingPunct="1">
+    <a:lvl1pPr marL="0" algn="l" defTabSz="457200" rtl="0" eaLnBrk="1" latinLnBrk="0" hangingPunct="1">
       <a:defRPr sz="1800" kern="1200">
         <a:solidFill>
           <a:schemeClr val="tx1"/>
@@ -38,7 +41,7 @@
         <a:cs typeface="+mn-cs"/>
       </a:defRPr>
     </a:lvl1pPr>
-    <a:lvl2pPr marL="457200" algn="l" defTabSz="914400" rtl="0" eaLnBrk="1" latinLnBrk="0" hangingPunct="1">
+    <a:lvl2pPr marL="457200" algn="l" defTabSz="457200" rtl="0" eaLnBrk="1" latinLnBrk="0" hangingPunct="1">
       <a:defRPr sz="1800" kern="1200">
         <a:solidFill>
           <a:schemeClr val="tx1"/>
@@ -48,7 +51,7 @@
         <a:cs typeface="+mn-cs"/>
       </a:defRPr>
     </a:lvl2pPr>
-    <a:lvl3pPr marL="914400" algn="l" defTabSz="914400" rtl="0" eaLnBrk="1" latinLnBrk="0" hangingPunct="1">
+    <a:lvl3pPr marL="914400" algn="l" defTabSz="457200" rtl="0" eaLnBrk="1" latinLnBrk="0" hangingPunct="1">
       <a:defRPr sz="1800" kern="1200">
         <a:solidFill>
           <a:schemeClr val="tx1"/>
@@ -58,7 +61,7 @@
         <a:cs typeface="+mn-cs"/>
       </a:defRPr>
     </a:lvl3pPr>
-    <a:lvl4pPr marL="1371600" algn="l" defTabSz="914400" rtl="0" eaLnBrk="1" latinLnBrk="0" hangingPunct="1">
+    <a:lvl4pPr marL="1371600" algn="l" defTabSz="457200" rtl="0" eaLnBrk="1" latinLnBrk="0" hangingPunct="1">
       <a:defRPr sz="1800" kern="1200">
         <a:solidFill>
           <a:schemeClr val="tx1"/>
@@ -68,7 +71,7 @@
         <a:cs typeface="+mn-cs"/>
       </a:defRPr>
     </a:lvl4pPr>
-    <a:lvl5pPr marL="1828800" algn="l" defTabSz="914400" rtl="0" eaLnBrk="1" latinLnBrk="0" hangingPunct="1">
+    <a:lvl5pPr marL="1828800" algn="l" defTabSz="457200" rtl="0" eaLnBrk="1" latinLnBrk="0" hangingPunct="1">
       <a:defRPr sz="1800" kern="1200">
         <a:solidFill>
           <a:schemeClr val="tx1"/>
@@ -78,7 +81,7 @@
         <a:cs typeface="+mn-cs"/>
       </a:defRPr>
     </a:lvl5pPr>
-    <a:lvl6pPr marL="2286000" algn="l" defTabSz="914400" rtl="0" eaLnBrk="1" latinLnBrk="0" hangingPunct="1">
+    <a:lvl6pPr marL="2286000" algn="l" defTabSz="457200" rtl="0" eaLnBrk="1" latinLnBrk="0" hangingPunct="1">
       <a:defRPr sz="1800" kern="1200">
         <a:solidFill>
           <a:schemeClr val="tx1"/>
@@ -88,7 +91,7 @@
         <a:cs typeface="+mn-cs"/>
       </a:defRPr>
     </a:lvl6pPr>
-    <a:lvl7pPr marL="2743200" algn="l" defTabSz="914400" rtl="0" eaLnBrk="1" latinLnBrk="0" hangingPunct="1">
+    <a:lvl7pPr marL="2743200" algn="l" defTabSz="457200" rtl="0" eaLnBrk="1" latinLnBrk="0" hangingPunct="1">
       <a:defRPr sz="1800" kern="1200">
         <a:solidFill>
           <a:schemeClr val="tx1"/>
@@ -98,7 +101,7 @@
         <a:cs typeface="+mn-cs"/>
       </a:defRPr>
     </a:lvl7pPr>
-    <a:lvl8pPr marL="3200400" algn="l" defTabSz="914400" rtl="0" eaLnBrk="1" latinLnBrk="0" hangingPunct="1">
+    <a:lvl8pPr marL="3200400" algn="l" defTabSz="457200" rtl="0" eaLnBrk="1" latinLnBrk="0" hangingPunct="1">
       <a:defRPr sz="1800" kern="1200">
         <a:solidFill>
           <a:schemeClr val="tx1"/>
@@ -108,7 +111,7 @@
         <a:cs typeface="+mn-cs"/>
       </a:defRPr>
     </a:lvl8pPr>
-    <a:lvl9pPr marL="3657600" algn="l" defTabSz="914400" rtl="0" eaLnBrk="1" latinLnBrk="0" hangingPunct="1">
+    <a:lvl9pPr marL="3657600" algn="l" defTabSz="457200" rtl="0" eaLnBrk="1" latinLnBrk="0" hangingPunct="1">
       <a:defRPr sz="1800" kern="1200">
         <a:solidFill>
           <a:schemeClr val="tx1"/>
@@ -125,6 +128,2130 @@
     </p:ext>
   </p:extLst>
 </p:presentation>
+</file>
+
+<file path=ppt/charts/chart1.xml><?xml version="1.0" encoding="utf-8"?>
+<c:chartSpace xmlns:c="http://schemas.openxmlformats.org/drawingml/2006/chart" xmlns:a="http://schemas.openxmlformats.org/drawingml/2006/main" xmlns:r="http://schemas.openxmlformats.org/officeDocument/2006/relationships" xmlns:c16r2="http://schemas.microsoft.com/office/drawing/2015/06/chart">
+  <c:date1904 val="0"/>
+  <c:lang val="en-US"/>
+  <c:roundedCorners val="0"/>
+  <mc:AlternateContent xmlns:mc="http://schemas.openxmlformats.org/markup-compatibility/2006">
+    <mc:Choice xmlns:c14="http://schemas.microsoft.com/office/drawing/2007/8/2/chart" Requires="c14">
+      <c14:style val="102"/>
+    </mc:Choice>
+    <mc:Fallback>
+      <c:style val="2"/>
+    </mc:Fallback>
+  </mc:AlternateContent>
+  <c:chart>
+    <c:autoTitleDeleted val="1"/>
+    <c:plotArea>
+      <c:layout/>
+      <c:lineChart>
+        <c:grouping val="standard"/>
+        <c:varyColors val="0"/>
+        <c:ser>
+          <c:idx val="0"/>
+          <c:order val="0"/>
+          <c:tx>
+            <c:strRef>
+              <c:f>Sheet12!$A$5</c:f>
+              <c:strCache>
+                <c:ptCount val="1"/>
+                <c:pt idx="0">
+                  <c:v>Price Per Unit Tesla</c:v>
+                </c:pt>
+              </c:strCache>
+            </c:strRef>
+          </c:tx>
+          <c:spPr>
+            <a:ln w="28575" cap="rnd">
+              <a:solidFill>
+                <a:schemeClr val="accent1"/>
+              </a:solidFill>
+              <a:round/>
+            </a:ln>
+            <a:effectLst/>
+          </c:spPr>
+          <c:marker>
+            <c:symbol val="none"/>
+          </c:marker>
+          <c:cat>
+            <c:multiLvlStrRef>
+              <c:f>Sheet12!$B$3:$BM$4</c:f>
+              <c:multiLvlStrCache>
+                <c:ptCount val="64"/>
+                <c:lvl>
+                  <c:pt idx="0">
+                    <c:v>Dec</c:v>
+                  </c:pt>
+                  <c:pt idx="1">
+                    <c:v>Jan</c:v>
+                  </c:pt>
+                  <c:pt idx="2">
+                    <c:v>Feb</c:v>
+                  </c:pt>
+                  <c:pt idx="3">
+                    <c:v>Mar</c:v>
+                  </c:pt>
+                  <c:pt idx="4">
+                    <c:v>Apr</c:v>
+                  </c:pt>
+                  <c:pt idx="5">
+                    <c:v>May</c:v>
+                  </c:pt>
+                  <c:pt idx="6">
+                    <c:v>Jun</c:v>
+                  </c:pt>
+                  <c:pt idx="7">
+                    <c:v>Jul</c:v>
+                  </c:pt>
+                  <c:pt idx="8">
+                    <c:v>Aug</c:v>
+                  </c:pt>
+                  <c:pt idx="9">
+                    <c:v>Sep</c:v>
+                  </c:pt>
+                  <c:pt idx="10">
+                    <c:v>Oct</c:v>
+                  </c:pt>
+                  <c:pt idx="11">
+                    <c:v>Nov</c:v>
+                  </c:pt>
+                  <c:pt idx="12">
+                    <c:v>Dec</c:v>
+                  </c:pt>
+                  <c:pt idx="13">
+                    <c:v>Jan</c:v>
+                  </c:pt>
+                  <c:pt idx="14">
+                    <c:v>Feb</c:v>
+                  </c:pt>
+                  <c:pt idx="15">
+                    <c:v>Mar</c:v>
+                  </c:pt>
+                  <c:pt idx="16">
+                    <c:v>Apr</c:v>
+                  </c:pt>
+                  <c:pt idx="17">
+                    <c:v>May</c:v>
+                  </c:pt>
+                  <c:pt idx="18">
+                    <c:v>Jun</c:v>
+                  </c:pt>
+                  <c:pt idx="19">
+                    <c:v>Jul</c:v>
+                  </c:pt>
+                  <c:pt idx="20">
+                    <c:v>Aug</c:v>
+                  </c:pt>
+                  <c:pt idx="21">
+                    <c:v>Sep</c:v>
+                  </c:pt>
+                  <c:pt idx="22">
+                    <c:v>Oct</c:v>
+                  </c:pt>
+                  <c:pt idx="23">
+                    <c:v>Nov</c:v>
+                  </c:pt>
+                  <c:pt idx="24">
+                    <c:v>Dec</c:v>
+                  </c:pt>
+                  <c:pt idx="25">
+                    <c:v>Jan</c:v>
+                  </c:pt>
+                  <c:pt idx="26">
+                    <c:v>Feb</c:v>
+                  </c:pt>
+                  <c:pt idx="27">
+                    <c:v>Mar</c:v>
+                  </c:pt>
+                  <c:pt idx="28">
+                    <c:v>Apr</c:v>
+                  </c:pt>
+                  <c:pt idx="29">
+                    <c:v>May</c:v>
+                  </c:pt>
+                  <c:pt idx="30">
+                    <c:v>Jun</c:v>
+                  </c:pt>
+                  <c:pt idx="31">
+                    <c:v>Jul</c:v>
+                  </c:pt>
+                  <c:pt idx="32">
+                    <c:v>Aug</c:v>
+                  </c:pt>
+                  <c:pt idx="33">
+                    <c:v>Sep</c:v>
+                  </c:pt>
+                  <c:pt idx="34">
+                    <c:v>Oct</c:v>
+                  </c:pt>
+                  <c:pt idx="35">
+                    <c:v>Nov</c:v>
+                  </c:pt>
+                  <c:pt idx="36">
+                    <c:v>Dec</c:v>
+                  </c:pt>
+                  <c:pt idx="37">
+                    <c:v>Jan</c:v>
+                  </c:pt>
+                  <c:pt idx="38">
+                    <c:v>Feb</c:v>
+                  </c:pt>
+                  <c:pt idx="39">
+                    <c:v>Mar</c:v>
+                  </c:pt>
+                  <c:pt idx="40">
+                    <c:v>Apr</c:v>
+                  </c:pt>
+                  <c:pt idx="41">
+                    <c:v>May</c:v>
+                  </c:pt>
+                  <c:pt idx="42">
+                    <c:v>Jun</c:v>
+                  </c:pt>
+                  <c:pt idx="43">
+                    <c:v>Jul</c:v>
+                  </c:pt>
+                  <c:pt idx="44">
+                    <c:v>Aug</c:v>
+                  </c:pt>
+                  <c:pt idx="45">
+                    <c:v>Sep</c:v>
+                  </c:pt>
+                  <c:pt idx="46">
+                    <c:v>Oct</c:v>
+                  </c:pt>
+                  <c:pt idx="47">
+                    <c:v>Nov</c:v>
+                  </c:pt>
+                  <c:pt idx="48">
+                    <c:v>Dec</c:v>
+                  </c:pt>
+                  <c:pt idx="49">
+                    <c:v>Jan</c:v>
+                  </c:pt>
+                  <c:pt idx="50">
+                    <c:v>Feb</c:v>
+                  </c:pt>
+                  <c:pt idx="51">
+                    <c:v>Mar</c:v>
+                  </c:pt>
+                  <c:pt idx="52">
+                    <c:v>Apr</c:v>
+                  </c:pt>
+                  <c:pt idx="53">
+                    <c:v>May</c:v>
+                  </c:pt>
+                  <c:pt idx="54">
+                    <c:v>Jun</c:v>
+                  </c:pt>
+                  <c:pt idx="55">
+                    <c:v>Jul</c:v>
+                  </c:pt>
+                  <c:pt idx="56">
+                    <c:v>Aug</c:v>
+                  </c:pt>
+                  <c:pt idx="57">
+                    <c:v>Sep</c:v>
+                  </c:pt>
+                  <c:pt idx="58">
+                    <c:v>Oct</c:v>
+                  </c:pt>
+                  <c:pt idx="59">
+                    <c:v>Nov</c:v>
+                  </c:pt>
+                  <c:pt idx="60">
+                    <c:v>Dec</c:v>
+                  </c:pt>
+                  <c:pt idx="61">
+                    <c:v>Jan</c:v>
+                  </c:pt>
+                  <c:pt idx="62">
+                    <c:v>Feb</c:v>
+                  </c:pt>
+                  <c:pt idx="63">
+                    <c:v>Mar</c:v>
+                  </c:pt>
+                </c:lvl>
+                <c:lvl>
+                  <c:pt idx="0">
+                    <c:v>2010</c:v>
+                  </c:pt>
+                  <c:pt idx="1">
+                    <c:v>2011</c:v>
+                  </c:pt>
+                  <c:pt idx="13">
+                    <c:v>2012</c:v>
+                  </c:pt>
+                  <c:pt idx="25">
+                    <c:v>2013</c:v>
+                  </c:pt>
+                  <c:pt idx="37">
+                    <c:v>2014</c:v>
+                  </c:pt>
+                  <c:pt idx="49">
+                    <c:v>2015</c:v>
+                  </c:pt>
+                  <c:pt idx="61">
+                    <c:v>2016</c:v>
+                  </c:pt>
+                </c:lvl>
+              </c:multiLvlStrCache>
+            </c:multiLvlStrRef>
+          </c:cat>
+          <c:val>
+            <c:numRef>
+              <c:f>Sheet12!$B$5:$BM$5</c:f>
+              <c:numCache>
+                <c:formatCode>_("$"* #,##0_);_("$"* \(#,##0\);_("$"* "-"??_);_(@_)</c:formatCode>
+                <c:ptCount val="64"/>
+                <c:pt idx="0">
+                  <c:v>0</c:v>
+                </c:pt>
+                <c:pt idx="1">
+                  <c:v>0</c:v>
+                </c:pt>
+                <c:pt idx="2">
+                  <c:v>0</c:v>
+                </c:pt>
+                <c:pt idx="3">
+                  <c:v>0</c:v>
+                </c:pt>
+                <c:pt idx="4">
+                  <c:v>0</c:v>
+                </c:pt>
+                <c:pt idx="5">
+                  <c:v>0</c:v>
+                </c:pt>
+                <c:pt idx="6">
+                  <c:v>0</c:v>
+                </c:pt>
+                <c:pt idx="7">
+                  <c:v>0</c:v>
+                </c:pt>
+                <c:pt idx="8">
+                  <c:v>0</c:v>
+                </c:pt>
+                <c:pt idx="9">
+                  <c:v>0</c:v>
+                </c:pt>
+                <c:pt idx="10">
+                  <c:v>0</c:v>
+                </c:pt>
+                <c:pt idx="11">
+                  <c:v>0</c:v>
+                </c:pt>
+                <c:pt idx="12">
+                  <c:v>0</c:v>
+                </c:pt>
+                <c:pt idx="13">
+                  <c:v>0</c:v>
+                </c:pt>
+                <c:pt idx="14">
+                  <c:v>0</c:v>
+                </c:pt>
+                <c:pt idx="15">
+                  <c:v>0</c:v>
+                </c:pt>
+                <c:pt idx="16">
+                  <c:v>0</c:v>
+                </c:pt>
+                <c:pt idx="17">
+                  <c:v>0</c:v>
+                </c:pt>
+                <c:pt idx="18">
+                  <c:v>88700</c:v>
+                </c:pt>
+                <c:pt idx="19">
+                  <c:v>88700</c:v>
+                </c:pt>
+                <c:pt idx="20">
+                  <c:v>88700</c:v>
+                </c:pt>
+                <c:pt idx="21">
+                  <c:v>88700</c:v>
+                </c:pt>
+                <c:pt idx="22">
+                  <c:v>88700</c:v>
+                </c:pt>
+                <c:pt idx="23">
+                  <c:v>88700</c:v>
+                </c:pt>
+                <c:pt idx="24">
+                  <c:v>88700</c:v>
+                </c:pt>
+                <c:pt idx="25">
+                  <c:v>88700</c:v>
+                </c:pt>
+                <c:pt idx="26">
+                  <c:v>88700</c:v>
+                </c:pt>
+                <c:pt idx="27">
+                  <c:v>88700</c:v>
+                </c:pt>
+                <c:pt idx="28">
+                  <c:v>88700</c:v>
+                </c:pt>
+                <c:pt idx="29">
+                  <c:v>88700</c:v>
+                </c:pt>
+                <c:pt idx="30">
+                  <c:v>88700</c:v>
+                </c:pt>
+                <c:pt idx="31">
+                  <c:v>88700</c:v>
+                </c:pt>
+                <c:pt idx="32">
+                  <c:v>88700</c:v>
+                </c:pt>
+                <c:pt idx="33">
+                  <c:v>88700</c:v>
+                </c:pt>
+                <c:pt idx="34">
+                  <c:v>88700</c:v>
+                </c:pt>
+                <c:pt idx="35">
+                  <c:v>88700</c:v>
+                </c:pt>
+                <c:pt idx="36">
+                  <c:v>88700</c:v>
+                </c:pt>
+                <c:pt idx="37">
+                  <c:v>88700</c:v>
+                </c:pt>
+                <c:pt idx="38">
+                  <c:v>88700</c:v>
+                </c:pt>
+                <c:pt idx="39">
+                  <c:v>88700</c:v>
+                </c:pt>
+                <c:pt idx="40">
+                  <c:v>88700</c:v>
+                </c:pt>
+                <c:pt idx="41">
+                  <c:v>88700</c:v>
+                </c:pt>
+                <c:pt idx="42">
+                  <c:v>88700</c:v>
+                </c:pt>
+                <c:pt idx="43">
+                  <c:v>88700</c:v>
+                </c:pt>
+                <c:pt idx="44">
+                  <c:v>88700</c:v>
+                </c:pt>
+                <c:pt idx="45">
+                  <c:v>88700</c:v>
+                </c:pt>
+                <c:pt idx="46">
+                  <c:v>88700</c:v>
+                </c:pt>
+                <c:pt idx="47">
+                  <c:v>88700</c:v>
+                </c:pt>
+                <c:pt idx="48">
+                  <c:v>88700</c:v>
+                </c:pt>
+                <c:pt idx="49">
+                  <c:v>88700</c:v>
+                </c:pt>
+                <c:pt idx="50">
+                  <c:v>88700</c:v>
+                </c:pt>
+                <c:pt idx="51">
+                  <c:v>88700</c:v>
+                </c:pt>
+                <c:pt idx="52">
+                  <c:v>88700</c:v>
+                </c:pt>
+                <c:pt idx="53">
+                  <c:v>88700</c:v>
+                </c:pt>
+                <c:pt idx="54">
+                  <c:v>88700</c:v>
+                </c:pt>
+                <c:pt idx="55">
+                  <c:v>88700</c:v>
+                </c:pt>
+                <c:pt idx="56">
+                  <c:v>88700</c:v>
+                </c:pt>
+                <c:pt idx="57">
+                  <c:v>88682.043096568232</c:v>
+                </c:pt>
+                <c:pt idx="58">
+                  <c:v>88684.243697478989</c:v>
+                </c:pt>
+                <c:pt idx="59">
+                  <c:v>88686.147026228296</c:v>
+                </c:pt>
+                <c:pt idx="60">
+                  <c:v>88307.133456172684</c:v>
+                </c:pt>
+                <c:pt idx="61">
+                  <c:v>86891.96428571429</c:v>
+                </c:pt>
+                <c:pt idx="62">
+                  <c:v>87587.362637362632</c:v>
+                </c:pt>
+                <c:pt idx="63">
+                  <c:v>86315.38461538461</c:v>
+                </c:pt>
+              </c:numCache>
+            </c:numRef>
+          </c:val>
+          <c:smooth val="0"/>
+          <c:extLst>
+            <c:ext xmlns:c16="http://schemas.microsoft.com/office/drawing/2014/chart" uri="{C3380CC4-5D6E-409C-BE32-E72D297353CC}">
+              <c16:uniqueId val="{00000000-4C13-45A4-AD39-59BACAC34026}"/>
+            </c:ext>
+          </c:extLst>
+        </c:ser>
+        <c:ser>
+          <c:idx val="1"/>
+          <c:order val="1"/>
+          <c:tx>
+            <c:strRef>
+              <c:f>Sheet12!$A$6</c:f>
+              <c:strCache>
+                <c:ptCount val="1"/>
+                <c:pt idx="0">
+                  <c:v>Price Per Unit All Elctric minus outliers</c:v>
+                </c:pt>
+              </c:strCache>
+            </c:strRef>
+          </c:tx>
+          <c:spPr>
+            <a:ln w="28575" cap="rnd">
+              <a:solidFill>
+                <a:schemeClr val="accent2"/>
+              </a:solidFill>
+              <a:round/>
+            </a:ln>
+            <a:effectLst/>
+          </c:spPr>
+          <c:marker>
+            <c:symbol val="none"/>
+          </c:marker>
+          <c:cat>
+            <c:multiLvlStrRef>
+              <c:f>Sheet12!$B$3:$BM$4</c:f>
+              <c:multiLvlStrCache>
+                <c:ptCount val="64"/>
+                <c:lvl>
+                  <c:pt idx="0">
+                    <c:v>Dec</c:v>
+                  </c:pt>
+                  <c:pt idx="1">
+                    <c:v>Jan</c:v>
+                  </c:pt>
+                  <c:pt idx="2">
+                    <c:v>Feb</c:v>
+                  </c:pt>
+                  <c:pt idx="3">
+                    <c:v>Mar</c:v>
+                  </c:pt>
+                  <c:pt idx="4">
+                    <c:v>Apr</c:v>
+                  </c:pt>
+                  <c:pt idx="5">
+                    <c:v>May</c:v>
+                  </c:pt>
+                  <c:pt idx="6">
+                    <c:v>Jun</c:v>
+                  </c:pt>
+                  <c:pt idx="7">
+                    <c:v>Jul</c:v>
+                  </c:pt>
+                  <c:pt idx="8">
+                    <c:v>Aug</c:v>
+                  </c:pt>
+                  <c:pt idx="9">
+                    <c:v>Sep</c:v>
+                  </c:pt>
+                  <c:pt idx="10">
+                    <c:v>Oct</c:v>
+                  </c:pt>
+                  <c:pt idx="11">
+                    <c:v>Nov</c:v>
+                  </c:pt>
+                  <c:pt idx="12">
+                    <c:v>Dec</c:v>
+                  </c:pt>
+                  <c:pt idx="13">
+                    <c:v>Jan</c:v>
+                  </c:pt>
+                  <c:pt idx="14">
+                    <c:v>Feb</c:v>
+                  </c:pt>
+                  <c:pt idx="15">
+                    <c:v>Mar</c:v>
+                  </c:pt>
+                  <c:pt idx="16">
+                    <c:v>Apr</c:v>
+                  </c:pt>
+                  <c:pt idx="17">
+                    <c:v>May</c:v>
+                  </c:pt>
+                  <c:pt idx="18">
+                    <c:v>Jun</c:v>
+                  </c:pt>
+                  <c:pt idx="19">
+                    <c:v>Jul</c:v>
+                  </c:pt>
+                  <c:pt idx="20">
+                    <c:v>Aug</c:v>
+                  </c:pt>
+                  <c:pt idx="21">
+                    <c:v>Sep</c:v>
+                  </c:pt>
+                  <c:pt idx="22">
+                    <c:v>Oct</c:v>
+                  </c:pt>
+                  <c:pt idx="23">
+                    <c:v>Nov</c:v>
+                  </c:pt>
+                  <c:pt idx="24">
+                    <c:v>Dec</c:v>
+                  </c:pt>
+                  <c:pt idx="25">
+                    <c:v>Jan</c:v>
+                  </c:pt>
+                  <c:pt idx="26">
+                    <c:v>Feb</c:v>
+                  </c:pt>
+                  <c:pt idx="27">
+                    <c:v>Mar</c:v>
+                  </c:pt>
+                  <c:pt idx="28">
+                    <c:v>Apr</c:v>
+                  </c:pt>
+                  <c:pt idx="29">
+                    <c:v>May</c:v>
+                  </c:pt>
+                  <c:pt idx="30">
+                    <c:v>Jun</c:v>
+                  </c:pt>
+                  <c:pt idx="31">
+                    <c:v>Jul</c:v>
+                  </c:pt>
+                  <c:pt idx="32">
+                    <c:v>Aug</c:v>
+                  </c:pt>
+                  <c:pt idx="33">
+                    <c:v>Sep</c:v>
+                  </c:pt>
+                  <c:pt idx="34">
+                    <c:v>Oct</c:v>
+                  </c:pt>
+                  <c:pt idx="35">
+                    <c:v>Nov</c:v>
+                  </c:pt>
+                  <c:pt idx="36">
+                    <c:v>Dec</c:v>
+                  </c:pt>
+                  <c:pt idx="37">
+                    <c:v>Jan</c:v>
+                  </c:pt>
+                  <c:pt idx="38">
+                    <c:v>Feb</c:v>
+                  </c:pt>
+                  <c:pt idx="39">
+                    <c:v>Mar</c:v>
+                  </c:pt>
+                  <c:pt idx="40">
+                    <c:v>Apr</c:v>
+                  </c:pt>
+                  <c:pt idx="41">
+                    <c:v>May</c:v>
+                  </c:pt>
+                  <c:pt idx="42">
+                    <c:v>Jun</c:v>
+                  </c:pt>
+                  <c:pt idx="43">
+                    <c:v>Jul</c:v>
+                  </c:pt>
+                  <c:pt idx="44">
+                    <c:v>Aug</c:v>
+                  </c:pt>
+                  <c:pt idx="45">
+                    <c:v>Sep</c:v>
+                  </c:pt>
+                  <c:pt idx="46">
+                    <c:v>Oct</c:v>
+                  </c:pt>
+                  <c:pt idx="47">
+                    <c:v>Nov</c:v>
+                  </c:pt>
+                  <c:pt idx="48">
+                    <c:v>Dec</c:v>
+                  </c:pt>
+                  <c:pt idx="49">
+                    <c:v>Jan</c:v>
+                  </c:pt>
+                  <c:pt idx="50">
+                    <c:v>Feb</c:v>
+                  </c:pt>
+                  <c:pt idx="51">
+                    <c:v>Mar</c:v>
+                  </c:pt>
+                  <c:pt idx="52">
+                    <c:v>Apr</c:v>
+                  </c:pt>
+                  <c:pt idx="53">
+                    <c:v>May</c:v>
+                  </c:pt>
+                  <c:pt idx="54">
+                    <c:v>Jun</c:v>
+                  </c:pt>
+                  <c:pt idx="55">
+                    <c:v>Jul</c:v>
+                  </c:pt>
+                  <c:pt idx="56">
+                    <c:v>Aug</c:v>
+                  </c:pt>
+                  <c:pt idx="57">
+                    <c:v>Sep</c:v>
+                  </c:pt>
+                  <c:pt idx="58">
+                    <c:v>Oct</c:v>
+                  </c:pt>
+                  <c:pt idx="59">
+                    <c:v>Nov</c:v>
+                  </c:pt>
+                  <c:pt idx="60">
+                    <c:v>Dec</c:v>
+                  </c:pt>
+                  <c:pt idx="61">
+                    <c:v>Jan</c:v>
+                  </c:pt>
+                  <c:pt idx="62">
+                    <c:v>Feb</c:v>
+                  </c:pt>
+                  <c:pt idx="63">
+                    <c:v>Mar</c:v>
+                  </c:pt>
+                </c:lvl>
+                <c:lvl>
+                  <c:pt idx="0">
+                    <c:v>2010</c:v>
+                  </c:pt>
+                  <c:pt idx="1">
+                    <c:v>2011</c:v>
+                  </c:pt>
+                  <c:pt idx="13">
+                    <c:v>2012</c:v>
+                  </c:pt>
+                  <c:pt idx="25">
+                    <c:v>2013</c:v>
+                  </c:pt>
+                  <c:pt idx="37">
+                    <c:v>2014</c:v>
+                  </c:pt>
+                  <c:pt idx="49">
+                    <c:v>2015</c:v>
+                  </c:pt>
+                  <c:pt idx="61">
+                    <c:v>2016</c:v>
+                  </c:pt>
+                </c:lvl>
+              </c:multiLvlStrCache>
+            </c:multiLvlStrRef>
+          </c:cat>
+          <c:val>
+            <c:numRef>
+              <c:f>Sheet12!$B$6:$BM$6</c:f>
+              <c:numCache>
+                <c:formatCode>_("$"* #,##0_);_("$"* \(#,##0\);_("$"* "-"??_);_(@_)</c:formatCode>
+                <c:ptCount val="64"/>
+                <c:pt idx="0">
+                  <c:v>33767.27536231884</c:v>
+                </c:pt>
+                <c:pt idx="1">
+                  <c:v>33113.272058823532</c:v>
+                </c:pt>
+                <c:pt idx="2">
+                  <c:v>33198.893678160923</c:v>
+                </c:pt>
+                <c:pt idx="3">
+                  <c:v>32634.922737306842</c:v>
+                </c:pt>
+                <c:pt idx="4">
+                  <c:v>31772.340525328331</c:v>
+                </c:pt>
+                <c:pt idx="5">
+                  <c:v>31085.468268638324</c:v>
+                </c:pt>
+                <c:pt idx="6">
+                  <c:v>30882.360070515646</c:v>
+                </c:pt>
+                <c:pt idx="7">
+                  <c:v>30349.464962121212</c:v>
+                </c:pt>
+                <c:pt idx="8">
+                  <c:v>30610.462740384617</c:v>
+                </c:pt>
+                <c:pt idx="9">
+                  <c:v>31564.449828962373</c:v>
+                </c:pt>
+                <c:pt idx="10">
+                  <c:v>32201.124169647421</c:v>
+                </c:pt>
+                <c:pt idx="11">
+                  <c:v>32460.643290999447</c:v>
+                </c:pt>
+                <c:pt idx="12">
+                  <c:v>32139.053843152557</c:v>
+                </c:pt>
+                <c:pt idx="13">
+                  <c:v>31589.031890660593</c:v>
+                </c:pt>
+                <c:pt idx="14">
+                  <c:v>32188.72988505747</c:v>
+                </c:pt>
+                <c:pt idx="15">
+                  <c:v>28708.791874180864</c:v>
+                </c:pt>
+                <c:pt idx="16">
+                  <c:v>24382.409256661991</c:v>
+                </c:pt>
+                <c:pt idx="17">
+                  <c:v>26877.336204336203</c:v>
+                </c:pt>
+                <c:pt idx="18">
+                  <c:v>28980.124839948785</c:v>
+                </c:pt>
+                <c:pt idx="19">
+                  <c:v>29258.432816110926</c:v>
+                </c:pt>
+                <c:pt idx="20">
+                  <c:v>29474.179897567221</c:v>
+                </c:pt>
+                <c:pt idx="21">
+                  <c:v>28623.739251523064</c:v>
+                </c:pt>
+                <c:pt idx="22">
+                  <c:v>30214.882693393563</c:v>
+                </c:pt>
+                <c:pt idx="23">
+                  <c:v>30912.650777202074</c:v>
+                </c:pt>
+                <c:pt idx="24">
+                  <c:v>41432.083937339259</c:v>
+                </c:pt>
+                <c:pt idx="25">
+                  <c:v>43412.6488966572</c:v>
+                </c:pt>
+                <c:pt idx="26">
+                  <c:v>44552.870651369354</c:v>
+                </c:pt>
+                <c:pt idx="27">
+                  <c:v>46803.855048859936</c:v>
+                </c:pt>
+                <c:pt idx="28">
+                  <c:v>47253.520453908655</c:v>
+                </c:pt>
+                <c:pt idx="29">
+                  <c:v>43444.905822377244</c:v>
+                </c:pt>
+                <c:pt idx="30">
+                  <c:v>40408.728251663641</c:v>
+                </c:pt>
+                <c:pt idx="31">
+                  <c:v>40161.248097209238</c:v>
+                </c:pt>
+                <c:pt idx="32">
+                  <c:v>36112.21585291822</c:v>
+                </c:pt>
+                <c:pt idx="33">
+                  <c:v>39200.590063447686</c:v>
+                </c:pt>
+                <c:pt idx="34">
+                  <c:v>33333.218789103863</c:v>
+                </c:pt>
+                <c:pt idx="35">
+                  <c:v>37366.151625320788</c:v>
+                </c:pt>
+                <c:pt idx="36">
+                  <c:v>38869.905228758173</c:v>
+                </c:pt>
+                <c:pt idx="37">
+                  <c:v>39486.306547619046</c:v>
+                </c:pt>
+                <c:pt idx="38">
+                  <c:v>39196.518687707641</c:v>
+                </c:pt>
+                <c:pt idx="39">
+                  <c:v>37551.099979802057</c:v>
+                </c:pt>
+                <c:pt idx="40">
+                  <c:v>36303.311927617789</c:v>
+                </c:pt>
+                <c:pt idx="41">
+                  <c:v>33596.237256575376</c:v>
+                </c:pt>
+                <c:pt idx="42">
+                  <c:v>39477.355794900119</c:v>
+                </c:pt>
+                <c:pt idx="43">
+                  <c:v>35174.451573954291</c:v>
+                </c:pt>
+                <c:pt idx="44">
+                  <c:v>35941.545528521441</c:v>
+                </c:pt>
+                <c:pt idx="45">
+                  <c:v>46861.258367533061</c:v>
+                </c:pt>
+                <c:pt idx="46">
+                  <c:v>43550.793207395502</c:v>
+                </c:pt>
+                <c:pt idx="47">
+                  <c:v>41603.199553163402</c:v>
+                </c:pt>
+                <c:pt idx="48">
+                  <c:v>48904.572103321036</c:v>
+                </c:pt>
+                <c:pt idx="49">
+                  <c:v>45637.108379327648</c:v>
+                </c:pt>
+                <c:pt idx="50">
+                  <c:v>45488.150973323718</c:v>
+                </c:pt>
+                <c:pt idx="51">
+                  <c:v>48108.40480340887</c:v>
+                </c:pt>
+                <c:pt idx="52">
+                  <c:v>44549.15338777312</c:v>
+                </c:pt>
+                <c:pt idx="53">
+                  <c:v>45627.245745050364</c:v>
+                </c:pt>
+                <c:pt idx="54">
+                  <c:v>49448.447895500729</c:v>
+                </c:pt>
+                <c:pt idx="55">
+                  <c:v>46141.067108068681</c:v>
+                </c:pt>
+                <c:pt idx="56">
+                  <c:v>44349.609944134078</c:v>
+                </c:pt>
+                <c:pt idx="57">
+                  <c:v>50473.32783810464</c:v>
+                </c:pt>
+                <c:pt idx="58">
+                  <c:v>47288.266424828696</c:v>
+                </c:pt>
+                <c:pt idx="59">
+                  <c:v>51002.672613737734</c:v>
+                </c:pt>
+                <c:pt idx="60">
+                  <c:v>56782.175794406212</c:v>
+                </c:pt>
+                <c:pt idx="61">
+                  <c:v>47569.90793086739</c:v>
+                </c:pt>
+                <c:pt idx="62">
+                  <c:v>50770.400412530616</c:v>
+                </c:pt>
+                <c:pt idx="63">
+                  <c:v>58904.903900838501</c:v>
+                </c:pt>
+              </c:numCache>
+            </c:numRef>
+          </c:val>
+          <c:smooth val="0"/>
+          <c:extLst>
+            <c:ext xmlns:c16="http://schemas.microsoft.com/office/drawing/2014/chart" uri="{C3380CC4-5D6E-409C-BE32-E72D297353CC}">
+              <c16:uniqueId val="{00000001-4C13-45A4-AD39-59BACAC34026}"/>
+            </c:ext>
+          </c:extLst>
+        </c:ser>
+        <c:ser>
+          <c:idx val="2"/>
+          <c:order val="2"/>
+          <c:tx>
+            <c:strRef>
+              <c:f>Sheet12!$A$7</c:f>
+              <c:strCache>
+                <c:ptCount val="1"/>
+                <c:pt idx="0">
+                  <c:v>All (-) Tesla Price Per Unit</c:v>
+                </c:pt>
+              </c:strCache>
+            </c:strRef>
+          </c:tx>
+          <c:spPr>
+            <a:ln w="28575" cap="rnd">
+              <a:solidFill>
+                <a:schemeClr val="accent3"/>
+              </a:solidFill>
+              <a:round/>
+            </a:ln>
+            <a:effectLst/>
+          </c:spPr>
+          <c:marker>
+            <c:symbol val="none"/>
+          </c:marker>
+          <c:cat>
+            <c:multiLvlStrRef>
+              <c:f>Sheet12!$B$3:$BM$4</c:f>
+              <c:multiLvlStrCache>
+                <c:ptCount val="64"/>
+                <c:lvl>
+                  <c:pt idx="0">
+                    <c:v>Dec</c:v>
+                  </c:pt>
+                  <c:pt idx="1">
+                    <c:v>Jan</c:v>
+                  </c:pt>
+                  <c:pt idx="2">
+                    <c:v>Feb</c:v>
+                  </c:pt>
+                  <c:pt idx="3">
+                    <c:v>Mar</c:v>
+                  </c:pt>
+                  <c:pt idx="4">
+                    <c:v>Apr</c:v>
+                  </c:pt>
+                  <c:pt idx="5">
+                    <c:v>May</c:v>
+                  </c:pt>
+                  <c:pt idx="6">
+                    <c:v>Jun</c:v>
+                  </c:pt>
+                  <c:pt idx="7">
+                    <c:v>Jul</c:v>
+                  </c:pt>
+                  <c:pt idx="8">
+                    <c:v>Aug</c:v>
+                  </c:pt>
+                  <c:pt idx="9">
+                    <c:v>Sep</c:v>
+                  </c:pt>
+                  <c:pt idx="10">
+                    <c:v>Oct</c:v>
+                  </c:pt>
+                  <c:pt idx="11">
+                    <c:v>Nov</c:v>
+                  </c:pt>
+                  <c:pt idx="12">
+                    <c:v>Dec</c:v>
+                  </c:pt>
+                  <c:pt idx="13">
+                    <c:v>Jan</c:v>
+                  </c:pt>
+                  <c:pt idx="14">
+                    <c:v>Feb</c:v>
+                  </c:pt>
+                  <c:pt idx="15">
+                    <c:v>Mar</c:v>
+                  </c:pt>
+                  <c:pt idx="16">
+                    <c:v>Apr</c:v>
+                  </c:pt>
+                  <c:pt idx="17">
+                    <c:v>May</c:v>
+                  </c:pt>
+                  <c:pt idx="18">
+                    <c:v>Jun</c:v>
+                  </c:pt>
+                  <c:pt idx="19">
+                    <c:v>Jul</c:v>
+                  </c:pt>
+                  <c:pt idx="20">
+                    <c:v>Aug</c:v>
+                  </c:pt>
+                  <c:pt idx="21">
+                    <c:v>Sep</c:v>
+                  </c:pt>
+                  <c:pt idx="22">
+                    <c:v>Oct</c:v>
+                  </c:pt>
+                  <c:pt idx="23">
+                    <c:v>Nov</c:v>
+                  </c:pt>
+                  <c:pt idx="24">
+                    <c:v>Dec</c:v>
+                  </c:pt>
+                  <c:pt idx="25">
+                    <c:v>Jan</c:v>
+                  </c:pt>
+                  <c:pt idx="26">
+                    <c:v>Feb</c:v>
+                  </c:pt>
+                  <c:pt idx="27">
+                    <c:v>Mar</c:v>
+                  </c:pt>
+                  <c:pt idx="28">
+                    <c:v>Apr</c:v>
+                  </c:pt>
+                  <c:pt idx="29">
+                    <c:v>May</c:v>
+                  </c:pt>
+                  <c:pt idx="30">
+                    <c:v>Jun</c:v>
+                  </c:pt>
+                  <c:pt idx="31">
+                    <c:v>Jul</c:v>
+                  </c:pt>
+                  <c:pt idx="32">
+                    <c:v>Aug</c:v>
+                  </c:pt>
+                  <c:pt idx="33">
+                    <c:v>Sep</c:v>
+                  </c:pt>
+                  <c:pt idx="34">
+                    <c:v>Oct</c:v>
+                  </c:pt>
+                  <c:pt idx="35">
+                    <c:v>Nov</c:v>
+                  </c:pt>
+                  <c:pt idx="36">
+                    <c:v>Dec</c:v>
+                  </c:pt>
+                  <c:pt idx="37">
+                    <c:v>Jan</c:v>
+                  </c:pt>
+                  <c:pt idx="38">
+                    <c:v>Feb</c:v>
+                  </c:pt>
+                  <c:pt idx="39">
+                    <c:v>Mar</c:v>
+                  </c:pt>
+                  <c:pt idx="40">
+                    <c:v>Apr</c:v>
+                  </c:pt>
+                  <c:pt idx="41">
+                    <c:v>May</c:v>
+                  </c:pt>
+                  <c:pt idx="42">
+                    <c:v>Jun</c:v>
+                  </c:pt>
+                  <c:pt idx="43">
+                    <c:v>Jul</c:v>
+                  </c:pt>
+                  <c:pt idx="44">
+                    <c:v>Aug</c:v>
+                  </c:pt>
+                  <c:pt idx="45">
+                    <c:v>Sep</c:v>
+                  </c:pt>
+                  <c:pt idx="46">
+                    <c:v>Oct</c:v>
+                  </c:pt>
+                  <c:pt idx="47">
+                    <c:v>Nov</c:v>
+                  </c:pt>
+                  <c:pt idx="48">
+                    <c:v>Dec</c:v>
+                  </c:pt>
+                  <c:pt idx="49">
+                    <c:v>Jan</c:v>
+                  </c:pt>
+                  <c:pt idx="50">
+                    <c:v>Feb</c:v>
+                  </c:pt>
+                  <c:pt idx="51">
+                    <c:v>Mar</c:v>
+                  </c:pt>
+                  <c:pt idx="52">
+                    <c:v>Apr</c:v>
+                  </c:pt>
+                  <c:pt idx="53">
+                    <c:v>May</c:v>
+                  </c:pt>
+                  <c:pt idx="54">
+                    <c:v>Jun</c:v>
+                  </c:pt>
+                  <c:pt idx="55">
+                    <c:v>Jul</c:v>
+                  </c:pt>
+                  <c:pt idx="56">
+                    <c:v>Aug</c:v>
+                  </c:pt>
+                  <c:pt idx="57">
+                    <c:v>Sep</c:v>
+                  </c:pt>
+                  <c:pt idx="58">
+                    <c:v>Oct</c:v>
+                  </c:pt>
+                  <c:pt idx="59">
+                    <c:v>Nov</c:v>
+                  </c:pt>
+                  <c:pt idx="60">
+                    <c:v>Dec</c:v>
+                  </c:pt>
+                  <c:pt idx="61">
+                    <c:v>Jan</c:v>
+                  </c:pt>
+                  <c:pt idx="62">
+                    <c:v>Feb</c:v>
+                  </c:pt>
+                  <c:pt idx="63">
+                    <c:v>Mar</c:v>
+                  </c:pt>
+                </c:lvl>
+                <c:lvl>
+                  <c:pt idx="0">
+                    <c:v>2010</c:v>
+                  </c:pt>
+                  <c:pt idx="1">
+                    <c:v>2011</c:v>
+                  </c:pt>
+                  <c:pt idx="13">
+                    <c:v>2012</c:v>
+                  </c:pt>
+                  <c:pt idx="25">
+                    <c:v>2013</c:v>
+                  </c:pt>
+                  <c:pt idx="37">
+                    <c:v>2014</c:v>
+                  </c:pt>
+                  <c:pt idx="49">
+                    <c:v>2015</c:v>
+                  </c:pt>
+                  <c:pt idx="61">
+                    <c:v>2016</c:v>
+                  </c:pt>
+                </c:lvl>
+              </c:multiLvlStrCache>
+            </c:multiLvlStrRef>
+          </c:cat>
+          <c:val>
+            <c:numRef>
+              <c:f>Sheet12!$B$7:$BM$7</c:f>
+              <c:numCache>
+                <c:formatCode>_("$"* #,##0_);_("$"* \(#,##0\);_("$"* "-"??_);_(@_)</c:formatCode>
+                <c:ptCount val="64"/>
+                <c:pt idx="0">
+                  <c:v>33767.27536231884</c:v>
+                </c:pt>
+                <c:pt idx="1">
+                  <c:v>33113.272058823532</c:v>
+                </c:pt>
+                <c:pt idx="2">
+                  <c:v>33198.893678160923</c:v>
+                </c:pt>
+                <c:pt idx="3">
+                  <c:v>32634.922737306842</c:v>
+                </c:pt>
+                <c:pt idx="4">
+                  <c:v>31772.340525328331</c:v>
+                </c:pt>
+                <c:pt idx="5">
+                  <c:v>31085.468268638324</c:v>
+                </c:pt>
+                <c:pt idx="6">
+                  <c:v>30882.360070515646</c:v>
+                </c:pt>
+                <c:pt idx="7">
+                  <c:v>30349.464962121212</c:v>
+                </c:pt>
+                <c:pt idx="8">
+                  <c:v>30610.462740384617</c:v>
+                </c:pt>
+                <c:pt idx="9">
+                  <c:v>31564.449828962373</c:v>
+                </c:pt>
+                <c:pt idx="10">
+                  <c:v>32201.124169647421</c:v>
+                </c:pt>
+                <c:pt idx="11">
+                  <c:v>32460.643290999447</c:v>
+                </c:pt>
+                <c:pt idx="12">
+                  <c:v>32139.053843152557</c:v>
+                </c:pt>
+                <c:pt idx="13">
+                  <c:v>31589.031890660593</c:v>
+                </c:pt>
+                <c:pt idx="14">
+                  <c:v>32188.72988505747</c:v>
+                </c:pt>
+                <c:pt idx="15">
+                  <c:v>28708.791874180864</c:v>
+                </c:pt>
+                <c:pt idx="16">
+                  <c:v>24382.409256661991</c:v>
+                </c:pt>
+                <c:pt idx="17">
+                  <c:v>26877.336204336203</c:v>
+                </c:pt>
+                <c:pt idx="18">
+                  <c:v>28749.842544987147</c:v>
+                </c:pt>
+                <c:pt idx="19">
+                  <c:v>28883.220265780732</c:v>
+                </c:pt>
+                <c:pt idx="20">
+                  <c:v>28925.674563859575</c:v>
+                </c:pt>
+                <c:pt idx="21">
+                  <c:v>27710.758437886554</c:v>
+                </c:pt>
+                <c:pt idx="22">
+                  <c:v>27628.571491745282</c:v>
+                </c:pt>
+                <c:pt idx="23">
+                  <c:v>27275.366797797011</c:v>
+                </c:pt>
+                <c:pt idx="24">
+                  <c:v>28923.277054997045</c:v>
+                </c:pt>
+                <c:pt idx="25">
+                  <c:v>27320.015990524134</c:v>
+                </c:pt>
+                <c:pt idx="26">
+                  <c:v>29116.811438561439</c:v>
+                </c:pt>
+                <c:pt idx="27">
+                  <c:v>29844.838261175642</c:v>
+                </c:pt>
+                <c:pt idx="28">
+                  <c:v>29977.298332671697</c:v>
+                </c:pt>
+                <c:pt idx="29">
+                  <c:v>30074.440041710113</c:v>
+                </c:pt>
+                <c:pt idx="30">
+                  <c:v>30980.931164135938</c:v>
+                </c:pt>
+                <c:pt idx="31">
+                  <c:v>29965.678946518015</c:v>
+                </c:pt>
+                <c:pt idx="32">
+                  <c:v>29430.159417456751</c:v>
+                </c:pt>
+                <c:pt idx="33">
+                  <c:v>29680.252211822029</c:v>
+                </c:pt>
+                <c:pt idx="34">
+                  <c:v>28714.027531546562</c:v>
+                </c:pt>
+                <c:pt idx="35">
+                  <c:v>29809.647939156035</c:v>
+                </c:pt>
+                <c:pt idx="36">
+                  <c:v>30475.347484276728</c:v>
+                </c:pt>
+                <c:pt idx="37">
+                  <c:v>31471.047027687295</c:v>
+                </c:pt>
+                <c:pt idx="38">
+                  <c:v>30409.348166259169</c:v>
+                </c:pt>
+                <c:pt idx="39">
+                  <c:v>29821.087189025809</c:v>
+                </c:pt>
+                <c:pt idx="40">
+                  <c:v>29065.291473062916</c:v>
+                </c:pt>
+                <c:pt idx="41">
+                  <c:v>28961.384641265035</c:v>
+                </c:pt>
+                <c:pt idx="42">
+                  <c:v>31591.639004592544</c:v>
+                </c:pt>
+                <c:pt idx="43">
+                  <c:v>31207.759703566466</c:v>
+                </c:pt>
+                <c:pt idx="44">
+                  <c:v>33233.437676447946</c:v>
+                </c:pt>
+                <c:pt idx="45">
+                  <c:v>34504.866863555821</c:v>
+                </c:pt>
+                <c:pt idx="46">
+                  <c:v>36766.931807674526</c:v>
+                </c:pt>
+                <c:pt idx="47">
+                  <c:v>35067.272580085577</c:v>
+                </c:pt>
+                <c:pt idx="48">
+                  <c:v>35045.467860696517</c:v>
+                </c:pt>
+                <c:pt idx="49">
+                  <c:v>35928.319532691123</c:v>
+                </c:pt>
+                <c:pt idx="50">
+                  <c:v>36898.068625756263</c:v>
+                </c:pt>
+                <c:pt idx="51">
+                  <c:v>35481.511934992384</c:v>
+                </c:pt>
+                <c:pt idx="52">
+                  <c:v>34354.038033143166</c:v>
+                </c:pt>
+                <c:pt idx="53">
+                  <c:v>34287.336770513386</c:v>
+                </c:pt>
+                <c:pt idx="54">
+                  <c:v>34862.602388852021</c:v>
+                </c:pt>
+                <c:pt idx="55">
+                  <c:v>36827.11653672548</c:v>
+                </c:pt>
+                <c:pt idx="56">
+                  <c:v>36812.94235294118</c:v>
+                </c:pt>
+                <c:pt idx="57">
+                  <c:v>37914.167235047222</c:v>
+                </c:pt>
+                <c:pt idx="58">
+                  <c:v>37460.593017456362</c:v>
+                </c:pt>
+                <c:pt idx="59">
+                  <c:v>37184.037388241668</c:v>
+                </c:pt>
+                <c:pt idx="60">
+                  <c:v>44634.563038847751</c:v>
+                </c:pt>
+                <c:pt idx="61">
+                  <c:v>38885.091697889962</c:v>
+                </c:pt>
+                <c:pt idx="62">
+                  <c:v>39484.082196395488</c:v>
+                </c:pt>
+                <c:pt idx="63">
+                  <c:v>38516.943038779405</c:v>
+                </c:pt>
+              </c:numCache>
+            </c:numRef>
+          </c:val>
+          <c:smooth val="0"/>
+          <c:extLst>
+            <c:ext xmlns:c16="http://schemas.microsoft.com/office/drawing/2014/chart" uri="{C3380CC4-5D6E-409C-BE32-E72D297353CC}">
+              <c16:uniqueId val="{00000002-4C13-45A4-AD39-59BACAC34026}"/>
+            </c:ext>
+          </c:extLst>
+        </c:ser>
+        <c:dLbls>
+          <c:showLegendKey val="0"/>
+          <c:showVal val="0"/>
+          <c:showCatName val="0"/>
+          <c:showSerName val="0"/>
+          <c:showPercent val="0"/>
+          <c:showBubbleSize val="0"/>
+        </c:dLbls>
+        <c:smooth val="0"/>
+        <c:axId val="375851040"/>
+        <c:axId val="375844480"/>
+      </c:lineChart>
+      <c:catAx>
+        <c:axId val="375851040"/>
+        <c:scaling>
+          <c:orientation val="minMax"/>
+        </c:scaling>
+        <c:delete val="0"/>
+        <c:axPos val="b"/>
+        <c:numFmt formatCode="General" sourceLinked="1"/>
+        <c:majorTickMark val="none"/>
+        <c:minorTickMark val="none"/>
+        <c:tickLblPos val="nextTo"/>
+        <c:spPr>
+          <a:noFill/>
+          <a:ln w="9525" cap="flat" cmpd="sng" algn="ctr">
+            <a:solidFill>
+              <a:schemeClr val="tx1">
+                <a:lumMod val="15000"/>
+                <a:lumOff val="85000"/>
+              </a:schemeClr>
+            </a:solidFill>
+            <a:round/>
+          </a:ln>
+          <a:effectLst/>
+        </c:spPr>
+        <c:txPr>
+          <a:bodyPr rot="-60000000" spcFirstLastPara="1" vertOverflow="ellipsis" vert="horz" wrap="square" anchor="ctr" anchorCtr="1"/>
+          <a:lstStyle/>
+          <a:p>
+            <a:pPr>
+              <a:defRPr sz="900" b="0" i="0" u="none" strike="noStrike" kern="1200" baseline="0">
+                <a:solidFill>
+                  <a:schemeClr val="tx1">
+                    <a:lumMod val="65000"/>
+                    <a:lumOff val="35000"/>
+                  </a:schemeClr>
+                </a:solidFill>
+                <a:latin typeface="+mn-lt"/>
+                <a:ea typeface="+mn-ea"/>
+                <a:cs typeface="+mn-cs"/>
+              </a:defRPr>
+            </a:pPr>
+            <a:endParaRPr lang="en-US"/>
+          </a:p>
+        </c:txPr>
+        <c:crossAx val="375844480"/>
+        <c:crosses val="autoZero"/>
+        <c:auto val="1"/>
+        <c:lblAlgn val="ctr"/>
+        <c:lblOffset val="100"/>
+        <c:noMultiLvlLbl val="0"/>
+      </c:catAx>
+      <c:valAx>
+        <c:axId val="375844480"/>
+        <c:scaling>
+          <c:orientation val="minMax"/>
+        </c:scaling>
+        <c:delete val="0"/>
+        <c:axPos val="l"/>
+        <c:numFmt formatCode="_(&quot;$&quot;* #,##0_);_(&quot;$&quot;* \(#,##0\);_(&quot;$&quot;* &quot;-&quot;??_);_(@_)" sourceLinked="1"/>
+        <c:majorTickMark val="none"/>
+        <c:minorTickMark val="none"/>
+        <c:tickLblPos val="nextTo"/>
+        <c:spPr>
+          <a:noFill/>
+          <a:ln>
+            <a:noFill/>
+          </a:ln>
+          <a:effectLst/>
+        </c:spPr>
+        <c:txPr>
+          <a:bodyPr rot="-60000000" spcFirstLastPara="1" vertOverflow="ellipsis" vert="horz" wrap="square" anchor="ctr" anchorCtr="1"/>
+          <a:lstStyle/>
+          <a:p>
+            <a:pPr>
+              <a:defRPr sz="900" b="0" i="0" u="none" strike="noStrike" kern="1200" baseline="0">
+                <a:solidFill>
+                  <a:schemeClr val="tx1">
+                    <a:lumMod val="65000"/>
+                    <a:lumOff val="35000"/>
+                  </a:schemeClr>
+                </a:solidFill>
+                <a:latin typeface="+mn-lt"/>
+                <a:ea typeface="+mn-ea"/>
+                <a:cs typeface="+mn-cs"/>
+              </a:defRPr>
+            </a:pPr>
+            <a:endParaRPr lang="en-US"/>
+          </a:p>
+        </c:txPr>
+        <c:crossAx val="375851040"/>
+        <c:crosses val="autoZero"/>
+        <c:crossBetween val="between"/>
+      </c:valAx>
+      <c:spPr>
+        <a:noFill/>
+        <a:ln>
+          <a:noFill/>
+        </a:ln>
+        <a:effectLst/>
+      </c:spPr>
+    </c:plotArea>
+    <c:legend>
+      <c:legendPos val="b"/>
+      <c:overlay val="0"/>
+      <c:spPr>
+        <a:noFill/>
+        <a:ln>
+          <a:noFill/>
+        </a:ln>
+        <a:effectLst/>
+      </c:spPr>
+      <c:txPr>
+        <a:bodyPr rot="0" spcFirstLastPara="1" vertOverflow="ellipsis" vert="horz" wrap="square" anchor="ctr" anchorCtr="1"/>
+        <a:lstStyle/>
+        <a:p>
+          <a:pPr>
+            <a:defRPr sz="900" b="0" i="0" u="none" strike="noStrike" kern="1200" baseline="0">
+              <a:solidFill>
+                <a:schemeClr val="tx1">
+                  <a:lumMod val="65000"/>
+                  <a:lumOff val="35000"/>
+                </a:schemeClr>
+              </a:solidFill>
+              <a:latin typeface="+mn-lt"/>
+              <a:ea typeface="+mn-ea"/>
+              <a:cs typeface="+mn-cs"/>
+            </a:defRPr>
+          </a:pPr>
+          <a:endParaRPr lang="en-US"/>
+        </a:p>
+      </c:txPr>
+    </c:legend>
+    <c:plotVisOnly val="1"/>
+    <c:dispBlanksAs val="gap"/>
+    <c:showDLblsOverMax val="0"/>
+  </c:chart>
+  <c:spPr>
+    <a:noFill/>
+    <a:ln>
+      <a:noFill/>
+    </a:ln>
+    <a:effectLst/>
+  </c:spPr>
+  <c:txPr>
+    <a:bodyPr/>
+    <a:lstStyle/>
+    <a:p>
+      <a:pPr>
+        <a:defRPr/>
+      </a:pPr>
+      <a:endParaRPr lang="en-US"/>
+    </a:p>
+  </c:txPr>
+  <c:externalData r:id="rId3">
+    <c:autoUpdate val="0"/>
+  </c:externalData>
+</c:chartSpace>
+</file>
+
+<file path=ppt/charts/colors1.xml><?xml version="1.0" encoding="utf-8"?>
+<cs:colorStyle xmlns:cs="http://schemas.microsoft.com/office/drawing/2012/chartStyle" xmlns:a="http://schemas.openxmlformats.org/drawingml/2006/main" meth="cycle" id="10">
+  <a:schemeClr val="accent1"/>
+  <a:schemeClr val="accent2"/>
+  <a:schemeClr val="accent3"/>
+  <a:schemeClr val="accent4"/>
+  <a:schemeClr val="accent5"/>
+  <a:schemeClr val="accent6"/>
+  <cs:variation/>
+  <cs:variation>
+    <a:lumMod val="60000"/>
+  </cs:variation>
+  <cs:variation>
+    <a:lumMod val="80000"/>
+    <a:lumOff val="20000"/>
+  </cs:variation>
+  <cs:variation>
+    <a:lumMod val="80000"/>
+  </cs:variation>
+  <cs:variation>
+    <a:lumMod val="60000"/>
+    <a:lumOff val="40000"/>
+  </cs:variation>
+  <cs:variation>
+    <a:lumMod val="50000"/>
+  </cs:variation>
+  <cs:variation>
+    <a:lumMod val="70000"/>
+    <a:lumOff val="30000"/>
+  </cs:variation>
+  <cs:variation>
+    <a:lumMod val="70000"/>
+  </cs:variation>
+  <cs:variation>
+    <a:lumMod val="50000"/>
+    <a:lumOff val="50000"/>
+  </cs:variation>
+</cs:colorStyle>
+</file>
+
+<file path=ppt/charts/style1.xml><?xml version="1.0" encoding="utf-8"?>
+<cs:chartStyle xmlns:cs="http://schemas.microsoft.com/office/drawing/2012/chartStyle" xmlns:a="http://schemas.openxmlformats.org/drawingml/2006/main" id="227">
+  <cs:axisTitle>
+    <cs:lnRef idx="0"/>
+    <cs:fillRef idx="0"/>
+    <cs:effectRef idx="0"/>
+    <cs:fontRef idx="minor">
+      <a:schemeClr val="tx1">
+        <a:lumMod val="65000"/>
+        <a:lumOff val="35000"/>
+      </a:schemeClr>
+    </cs:fontRef>
+    <cs:defRPr sz="1000" kern="1200"/>
+  </cs:axisTitle>
+  <cs:categoryAxis>
+    <cs:lnRef idx="0"/>
+    <cs:fillRef idx="0"/>
+    <cs:effectRef idx="0"/>
+    <cs:fontRef idx="minor">
+      <a:schemeClr val="tx1">
+        <a:lumMod val="65000"/>
+        <a:lumOff val="35000"/>
+      </a:schemeClr>
+    </cs:fontRef>
+    <cs:spPr>
+      <a:ln w="9525" cap="flat" cmpd="sng" algn="ctr">
+        <a:solidFill>
+          <a:schemeClr val="tx1">
+            <a:lumMod val="15000"/>
+            <a:lumOff val="85000"/>
+          </a:schemeClr>
+        </a:solidFill>
+        <a:round/>
+      </a:ln>
+    </cs:spPr>
+    <cs:defRPr sz="900" kern="1200"/>
+  </cs:categoryAxis>
+  <cs:chartArea mods="allowNoFillOverride allowNoLineOverride">
+    <cs:lnRef idx="0"/>
+    <cs:fillRef idx="0"/>
+    <cs:effectRef idx="0"/>
+    <cs:fontRef idx="minor">
+      <a:schemeClr val="tx1"/>
+    </cs:fontRef>
+    <cs:spPr>
+      <a:solidFill>
+        <a:schemeClr val="bg1"/>
+      </a:solidFill>
+      <a:ln w="9525" cap="flat" cmpd="sng" algn="ctr">
+        <a:solidFill>
+          <a:schemeClr val="tx1">
+            <a:lumMod val="15000"/>
+            <a:lumOff val="85000"/>
+          </a:schemeClr>
+        </a:solidFill>
+        <a:round/>
+      </a:ln>
+    </cs:spPr>
+    <cs:defRPr sz="1000" kern="1200"/>
+  </cs:chartArea>
+  <cs:dataLabel>
+    <cs:lnRef idx="0"/>
+    <cs:fillRef idx="0"/>
+    <cs:effectRef idx="0"/>
+    <cs:fontRef idx="minor">
+      <a:schemeClr val="tx1">
+        <a:lumMod val="75000"/>
+        <a:lumOff val="25000"/>
+      </a:schemeClr>
+    </cs:fontRef>
+    <cs:defRPr sz="900" kern="1200"/>
+  </cs:dataLabel>
+  <cs:dataLabelCallout>
+    <cs:lnRef idx="0"/>
+    <cs:fillRef idx="0"/>
+    <cs:effectRef idx="0"/>
+    <cs:fontRef idx="minor">
+      <a:schemeClr val="dk1">
+        <a:lumMod val="65000"/>
+        <a:lumOff val="35000"/>
+      </a:schemeClr>
+    </cs:fontRef>
+    <cs:spPr>
+      <a:solidFill>
+        <a:schemeClr val="lt1"/>
+      </a:solidFill>
+      <a:ln>
+        <a:solidFill>
+          <a:schemeClr val="dk1">
+            <a:lumMod val="25000"/>
+            <a:lumOff val="75000"/>
+          </a:schemeClr>
+        </a:solidFill>
+      </a:ln>
+    </cs:spPr>
+    <cs:defRPr sz="900" kern="1200"/>
+    <cs:bodyPr rot="0" spcFirstLastPara="1" vertOverflow="clip" horzOverflow="clip" vert="horz" wrap="square" lIns="36576" tIns="18288" rIns="36576" bIns="18288" anchor="ctr" anchorCtr="1">
+      <a:spAutoFit/>
+    </cs:bodyPr>
+  </cs:dataLabelCallout>
+  <cs:dataPoint>
+    <cs:lnRef idx="0"/>
+    <cs:fillRef idx="1">
+      <cs:styleClr val="auto"/>
+    </cs:fillRef>
+    <cs:effectRef idx="0"/>
+    <cs:fontRef idx="minor">
+      <a:schemeClr val="tx1"/>
+    </cs:fontRef>
+    <cs:spPr>
+      <a:solidFill>
+        <a:schemeClr val="phClr"/>
+      </a:solidFill>
+    </cs:spPr>
+  </cs:dataPoint>
+  <cs:dataPoint3D>
+    <cs:lnRef idx="0"/>
+    <cs:fillRef idx="1">
+      <cs:styleClr val="auto"/>
+    </cs:fillRef>
+    <cs:effectRef idx="0"/>
+    <cs:fontRef idx="minor">
+      <a:schemeClr val="tx1"/>
+    </cs:fontRef>
+    <cs:spPr>
+      <a:solidFill>
+        <a:schemeClr val="phClr"/>
+      </a:solidFill>
+    </cs:spPr>
+  </cs:dataPoint3D>
+  <cs:dataPointLine>
+    <cs:lnRef idx="0">
+      <cs:styleClr val="auto"/>
+    </cs:lnRef>
+    <cs:fillRef idx="1"/>
+    <cs:effectRef idx="0"/>
+    <cs:fontRef idx="minor">
+      <a:schemeClr val="tx1"/>
+    </cs:fontRef>
+    <cs:spPr>
+      <a:ln w="28575" cap="rnd">
+        <a:solidFill>
+          <a:schemeClr val="phClr"/>
+        </a:solidFill>
+        <a:round/>
+      </a:ln>
+    </cs:spPr>
+  </cs:dataPointLine>
+  <cs:dataPointMarker>
+    <cs:lnRef idx="0">
+      <cs:styleClr val="auto"/>
+    </cs:lnRef>
+    <cs:fillRef idx="1">
+      <cs:styleClr val="auto"/>
+    </cs:fillRef>
+    <cs:effectRef idx="0"/>
+    <cs:fontRef idx="minor">
+      <a:schemeClr val="tx1"/>
+    </cs:fontRef>
+    <cs:spPr>
+      <a:solidFill>
+        <a:schemeClr val="phClr"/>
+      </a:solidFill>
+      <a:ln w="9525">
+        <a:solidFill>
+          <a:schemeClr val="phClr"/>
+        </a:solidFill>
+      </a:ln>
+    </cs:spPr>
+  </cs:dataPointMarker>
+  <cs:dataPointMarkerLayout symbol="circle" size="5"/>
+  <cs:dataPointWireframe>
+    <cs:lnRef idx="0">
+      <cs:styleClr val="auto"/>
+    </cs:lnRef>
+    <cs:fillRef idx="1"/>
+    <cs:effectRef idx="0"/>
+    <cs:fontRef idx="minor">
+      <a:schemeClr val="tx1"/>
+    </cs:fontRef>
+    <cs:spPr>
+      <a:ln w="9525" cap="rnd">
+        <a:solidFill>
+          <a:schemeClr val="phClr"/>
+        </a:solidFill>
+        <a:round/>
+      </a:ln>
+    </cs:spPr>
+  </cs:dataPointWireframe>
+  <cs:dataTable>
+    <cs:lnRef idx="0"/>
+    <cs:fillRef idx="0"/>
+    <cs:effectRef idx="0"/>
+    <cs:fontRef idx="minor">
+      <a:schemeClr val="tx1">
+        <a:lumMod val="65000"/>
+        <a:lumOff val="35000"/>
+      </a:schemeClr>
+    </cs:fontRef>
+    <cs:spPr>
+      <a:noFill/>
+      <a:ln w="9525" cap="flat" cmpd="sng" algn="ctr">
+        <a:solidFill>
+          <a:schemeClr val="tx1">
+            <a:lumMod val="15000"/>
+            <a:lumOff val="85000"/>
+          </a:schemeClr>
+        </a:solidFill>
+        <a:round/>
+      </a:ln>
+    </cs:spPr>
+    <cs:defRPr sz="900" kern="1200"/>
+  </cs:dataTable>
+  <cs:downBar>
+    <cs:lnRef idx="0"/>
+    <cs:fillRef idx="0"/>
+    <cs:effectRef idx="0"/>
+    <cs:fontRef idx="minor">
+      <a:schemeClr val="dk1"/>
+    </cs:fontRef>
+    <cs:spPr>
+      <a:solidFill>
+        <a:schemeClr val="dk1">
+          <a:lumMod val="65000"/>
+          <a:lumOff val="35000"/>
+        </a:schemeClr>
+      </a:solidFill>
+      <a:ln w="9525">
+        <a:solidFill>
+          <a:schemeClr val="tx1">
+            <a:lumMod val="65000"/>
+            <a:lumOff val="35000"/>
+          </a:schemeClr>
+        </a:solidFill>
+      </a:ln>
+    </cs:spPr>
+  </cs:downBar>
+  <cs:dropLine>
+    <cs:lnRef idx="0"/>
+    <cs:fillRef idx="0"/>
+    <cs:effectRef idx="0"/>
+    <cs:fontRef idx="minor">
+      <a:schemeClr val="tx1"/>
+    </cs:fontRef>
+    <cs:spPr>
+      <a:ln w="9525" cap="flat" cmpd="sng" algn="ctr">
+        <a:solidFill>
+          <a:schemeClr val="tx1">
+            <a:lumMod val="35000"/>
+            <a:lumOff val="65000"/>
+          </a:schemeClr>
+        </a:solidFill>
+        <a:round/>
+      </a:ln>
+    </cs:spPr>
+  </cs:dropLine>
+  <cs:errorBar>
+    <cs:lnRef idx="0"/>
+    <cs:fillRef idx="0"/>
+    <cs:effectRef idx="0"/>
+    <cs:fontRef idx="minor">
+      <a:schemeClr val="tx1"/>
+    </cs:fontRef>
+    <cs:spPr>
+      <a:ln w="9525" cap="flat" cmpd="sng" algn="ctr">
+        <a:solidFill>
+          <a:schemeClr val="tx1">
+            <a:lumMod val="65000"/>
+            <a:lumOff val="35000"/>
+          </a:schemeClr>
+        </a:solidFill>
+        <a:round/>
+      </a:ln>
+    </cs:spPr>
+  </cs:errorBar>
+  <cs:floor>
+    <cs:lnRef idx="0"/>
+    <cs:fillRef idx="0"/>
+    <cs:effectRef idx="0"/>
+    <cs:fontRef idx="minor">
+      <a:schemeClr val="tx1"/>
+    </cs:fontRef>
+    <cs:spPr>
+      <a:noFill/>
+      <a:ln>
+        <a:noFill/>
+      </a:ln>
+    </cs:spPr>
+  </cs:floor>
+  <cs:gridlineMajor>
+    <cs:lnRef idx="0"/>
+    <cs:fillRef idx="0"/>
+    <cs:effectRef idx="0"/>
+    <cs:fontRef idx="minor">
+      <a:schemeClr val="tx1"/>
+    </cs:fontRef>
+    <cs:spPr>
+      <a:ln w="9525" cap="flat" cmpd="sng" algn="ctr">
+        <a:solidFill>
+          <a:schemeClr val="tx1">
+            <a:lumMod val="15000"/>
+            <a:lumOff val="85000"/>
+          </a:schemeClr>
+        </a:solidFill>
+        <a:round/>
+      </a:ln>
+    </cs:spPr>
+  </cs:gridlineMajor>
+  <cs:gridlineMinor>
+    <cs:lnRef idx="0"/>
+    <cs:fillRef idx="0"/>
+    <cs:effectRef idx="0"/>
+    <cs:fontRef idx="minor">
+      <a:schemeClr val="tx1"/>
+    </cs:fontRef>
+    <cs:spPr>
+      <a:ln w="9525" cap="flat" cmpd="sng" algn="ctr">
+        <a:solidFill>
+          <a:schemeClr val="tx1">
+            <a:lumMod val="5000"/>
+            <a:lumOff val="95000"/>
+          </a:schemeClr>
+        </a:solidFill>
+        <a:round/>
+      </a:ln>
+    </cs:spPr>
+  </cs:gridlineMinor>
+  <cs:hiLoLine>
+    <cs:lnRef idx="0"/>
+    <cs:fillRef idx="0"/>
+    <cs:effectRef idx="0"/>
+    <cs:fontRef idx="minor">
+      <a:schemeClr val="tx1"/>
+    </cs:fontRef>
+    <cs:spPr>
+      <a:ln w="9525" cap="flat" cmpd="sng" algn="ctr">
+        <a:solidFill>
+          <a:schemeClr val="tx1">
+            <a:lumMod val="75000"/>
+            <a:lumOff val="25000"/>
+          </a:schemeClr>
+        </a:solidFill>
+        <a:round/>
+      </a:ln>
+    </cs:spPr>
+  </cs:hiLoLine>
+  <cs:leaderLine>
+    <cs:lnRef idx="0"/>
+    <cs:fillRef idx="0"/>
+    <cs:effectRef idx="0"/>
+    <cs:fontRef idx="minor">
+      <a:schemeClr val="tx1"/>
+    </cs:fontRef>
+    <cs:spPr>
+      <a:ln w="9525" cap="flat" cmpd="sng" algn="ctr">
+        <a:solidFill>
+          <a:schemeClr val="tx1">
+            <a:lumMod val="35000"/>
+            <a:lumOff val="65000"/>
+          </a:schemeClr>
+        </a:solidFill>
+        <a:round/>
+      </a:ln>
+    </cs:spPr>
+  </cs:leaderLine>
+  <cs:legend>
+    <cs:lnRef idx="0"/>
+    <cs:fillRef idx="0"/>
+    <cs:effectRef idx="0"/>
+    <cs:fontRef idx="minor">
+      <a:schemeClr val="tx1">
+        <a:lumMod val="65000"/>
+        <a:lumOff val="35000"/>
+      </a:schemeClr>
+    </cs:fontRef>
+    <cs:defRPr sz="900" kern="1200"/>
+  </cs:legend>
+  <cs:plotArea mods="allowNoFillOverride allowNoLineOverride">
+    <cs:lnRef idx="0"/>
+    <cs:fillRef idx="0"/>
+    <cs:effectRef idx="0"/>
+    <cs:fontRef idx="minor">
+      <a:schemeClr val="tx1"/>
+    </cs:fontRef>
+  </cs:plotArea>
+  <cs:plotArea3D mods="allowNoFillOverride allowNoLineOverride">
+    <cs:lnRef idx="0"/>
+    <cs:fillRef idx="0"/>
+    <cs:effectRef idx="0"/>
+    <cs:fontRef idx="minor">
+      <a:schemeClr val="tx1"/>
+    </cs:fontRef>
+  </cs:plotArea3D>
+  <cs:seriesAxis>
+    <cs:lnRef idx="0"/>
+    <cs:fillRef idx="0"/>
+    <cs:effectRef idx="0"/>
+    <cs:fontRef idx="minor">
+      <a:schemeClr val="tx1">
+        <a:lumMod val="65000"/>
+        <a:lumOff val="35000"/>
+      </a:schemeClr>
+    </cs:fontRef>
+    <cs:defRPr sz="900" kern="1200"/>
+  </cs:seriesAxis>
+  <cs:seriesLine>
+    <cs:lnRef idx="0"/>
+    <cs:fillRef idx="0"/>
+    <cs:effectRef idx="0"/>
+    <cs:fontRef idx="minor">
+      <a:schemeClr val="tx1"/>
+    </cs:fontRef>
+    <cs:spPr>
+      <a:ln w="9525" cap="flat" cmpd="sng" algn="ctr">
+        <a:solidFill>
+          <a:schemeClr val="tx1">
+            <a:lumMod val="35000"/>
+            <a:lumOff val="65000"/>
+          </a:schemeClr>
+        </a:solidFill>
+        <a:round/>
+      </a:ln>
+    </cs:spPr>
+  </cs:seriesLine>
+  <cs:title>
+    <cs:lnRef idx="0"/>
+    <cs:fillRef idx="0"/>
+    <cs:effectRef idx="0"/>
+    <cs:fontRef idx="minor">
+      <a:schemeClr val="tx1">
+        <a:lumMod val="65000"/>
+        <a:lumOff val="35000"/>
+      </a:schemeClr>
+    </cs:fontRef>
+    <cs:defRPr sz="1400" b="0" kern="1200" spc="0" baseline="0"/>
+  </cs:title>
+  <cs:trendline>
+    <cs:lnRef idx="0">
+      <cs:styleClr val="auto"/>
+    </cs:lnRef>
+    <cs:fillRef idx="0"/>
+    <cs:effectRef idx="0"/>
+    <cs:fontRef idx="minor">
+      <a:schemeClr val="tx1"/>
+    </cs:fontRef>
+    <cs:spPr>
+      <a:ln w="19050" cap="rnd">
+        <a:solidFill>
+          <a:schemeClr val="phClr"/>
+        </a:solidFill>
+        <a:prstDash val="sysDot"/>
+      </a:ln>
+    </cs:spPr>
+  </cs:trendline>
+  <cs:trendlineLabel>
+    <cs:lnRef idx="0"/>
+    <cs:fillRef idx="0"/>
+    <cs:effectRef idx="0"/>
+    <cs:fontRef idx="minor">
+      <a:schemeClr val="tx1">
+        <a:lumMod val="65000"/>
+        <a:lumOff val="35000"/>
+      </a:schemeClr>
+    </cs:fontRef>
+    <cs:defRPr sz="900" kern="1200"/>
+  </cs:trendlineLabel>
+  <cs:upBar>
+    <cs:lnRef idx="0"/>
+    <cs:fillRef idx="0"/>
+    <cs:effectRef idx="0"/>
+    <cs:fontRef idx="minor">
+      <a:schemeClr val="dk1"/>
+    </cs:fontRef>
+    <cs:spPr>
+      <a:solidFill>
+        <a:schemeClr val="lt1"/>
+      </a:solidFill>
+      <a:ln w="9525">
+        <a:solidFill>
+          <a:schemeClr val="tx1">
+            <a:lumMod val="15000"/>
+            <a:lumOff val="85000"/>
+          </a:schemeClr>
+        </a:solidFill>
+      </a:ln>
+    </cs:spPr>
+  </cs:upBar>
+  <cs:valueAxis>
+    <cs:lnRef idx="0"/>
+    <cs:fillRef idx="0"/>
+    <cs:effectRef idx="0"/>
+    <cs:fontRef idx="minor">
+      <a:schemeClr val="tx1">
+        <a:lumMod val="65000"/>
+        <a:lumOff val="35000"/>
+      </a:schemeClr>
+    </cs:fontRef>
+    <cs:defRPr sz="900" kern="1200"/>
+  </cs:valueAxis>
+  <cs:wall>
+    <cs:lnRef idx="0"/>
+    <cs:fillRef idx="0"/>
+    <cs:effectRef idx="0"/>
+    <cs:fontRef idx="minor">
+      <a:schemeClr val="tx1"/>
+    </cs:fontRef>
+    <cs:spPr>
+      <a:noFill/>
+      <a:ln>
+        <a:noFill/>
+      </a:ln>
+    </cs:spPr>
+  </cs:wall>
+</cs:chartStyle>
 </file>
 
 <file path=ppt/notesMasters/notesMaster1.xml><?xml version="1.0" encoding="utf-8"?>
@@ -209,7 +2336,7 @@
           <a:p>
             <a:fld id="{C2B9AC2E-834A-4B9F-9F48-FC68BC61F1C3}" type="datetimeFigureOut">
               <a:rPr lang="en-US" smtClean="0"/>
-              <a:t>4/10/2016</a:t>
+              <a:t>4/11/2016</a:t>
             </a:fld>
             <a:endParaRPr lang="en-US"/>
           </a:p>
@@ -929,7 +3056,7 @@
 </file>
 
 <file path=ppt/slideLayouts/slideLayout1.xml><?xml version="1.0" encoding="utf-8"?>
-<p:sldLayout xmlns:a="http://schemas.openxmlformats.org/drawingml/2006/main" xmlns:r="http://schemas.openxmlformats.org/officeDocument/2006/relationships" xmlns:p="http://schemas.openxmlformats.org/presentationml/2006/main" type="title" preserve="1">
+<p:sldLayout xmlns:a="http://schemas.openxmlformats.org/drawingml/2006/main" xmlns:r="http://schemas.openxmlformats.org/officeDocument/2006/relationships" xmlns:p="http://schemas.openxmlformats.org/presentationml/2006/main" showMasterSp="0" type="title" preserve="1">
   <p:cSld name="Title Slide">
     <p:spTree>
       <p:nvGrpSpPr>
@@ -945,6 +3072,536 @@
           <a:chExt cx="0" cy="0"/>
         </a:xfrm>
       </p:grpSpPr>
+      <p:grpSp>
+        <p:nvGrpSpPr>
+          <p:cNvPr id="7" name="Group 6"/>
+          <p:cNvGrpSpPr/>
+          <p:nvPr/>
+        </p:nvGrpSpPr>
+        <p:grpSpPr>
+          <a:xfrm>
+            <a:off x="0" y="-8467"/>
+            <a:ext cx="12192000" cy="6866467"/>
+            <a:chOff x="0" y="-8467"/>
+            <a:chExt cx="12192000" cy="6866467"/>
+          </a:xfrm>
+        </p:grpSpPr>
+        <p:cxnSp>
+          <p:nvCxnSpPr>
+            <p:cNvPr id="32" name="Straight Connector 31"/>
+            <p:cNvCxnSpPr/>
+            <p:nvPr/>
+          </p:nvCxnSpPr>
+          <p:spPr>
+            <a:xfrm>
+              <a:off x="9371012" y="0"/>
+              <a:ext cx="1219200" cy="6858000"/>
+            </a:xfrm>
+            <a:prstGeom prst="line">
+              <a:avLst/>
+            </a:prstGeom>
+            <a:ln w="9525">
+              <a:solidFill>
+                <a:schemeClr val="bg1">
+                  <a:lumMod val="75000"/>
+                </a:schemeClr>
+              </a:solidFill>
+            </a:ln>
+          </p:spPr>
+          <p:style>
+            <a:lnRef idx="2">
+              <a:schemeClr val="accent1"/>
+            </a:lnRef>
+            <a:fillRef idx="0">
+              <a:schemeClr val="accent1"/>
+            </a:fillRef>
+            <a:effectRef idx="1">
+              <a:schemeClr val="accent1"/>
+            </a:effectRef>
+            <a:fontRef idx="minor">
+              <a:schemeClr val="tx1"/>
+            </a:fontRef>
+          </p:style>
+        </p:cxnSp>
+        <p:cxnSp>
+          <p:nvCxnSpPr>
+            <p:cNvPr id="21" name="Straight Connector 20"/>
+            <p:cNvCxnSpPr/>
+            <p:nvPr/>
+          </p:nvCxnSpPr>
+          <p:spPr>
+            <a:xfrm flipH="1">
+              <a:off x="7425267" y="3681413"/>
+              <a:ext cx="4763558" cy="3176587"/>
+            </a:xfrm>
+            <a:prstGeom prst="line">
+              <a:avLst/>
+            </a:prstGeom>
+            <a:ln w="9525">
+              <a:solidFill>
+                <a:schemeClr val="bg1">
+                  <a:lumMod val="85000"/>
+                </a:schemeClr>
+              </a:solidFill>
+            </a:ln>
+          </p:spPr>
+          <p:style>
+            <a:lnRef idx="2">
+              <a:schemeClr val="accent1"/>
+            </a:lnRef>
+            <a:fillRef idx="0">
+              <a:schemeClr val="accent1"/>
+            </a:fillRef>
+            <a:effectRef idx="1">
+              <a:schemeClr val="accent1"/>
+            </a:effectRef>
+            <a:fontRef idx="minor">
+              <a:schemeClr val="tx1"/>
+            </a:fontRef>
+          </p:style>
+        </p:cxnSp>
+        <p:sp>
+          <p:nvSpPr>
+            <p:cNvPr id="24" name="Rectangle 23"/>
+            <p:cNvSpPr/>
+            <p:nvPr/>
+          </p:nvSpPr>
+          <p:spPr>
+            <a:xfrm>
+              <a:off x="9181476" y="-8467"/>
+              <a:ext cx="3007349" cy="6866467"/>
+            </a:xfrm>
+            <a:custGeom>
+              <a:avLst/>
+              <a:gdLst/>
+              <a:ahLst/>
+              <a:cxnLst/>
+              <a:rect l="l" t="t" r="r" b="b"/>
+              <a:pathLst>
+                <a:path w="3007349" h="6866467">
+                  <a:moveTo>
+                    <a:pt x="2045532" y="0"/>
+                  </a:moveTo>
+                  <a:lnTo>
+                    <a:pt x="3007349" y="0"/>
+                  </a:lnTo>
+                  <a:lnTo>
+                    <a:pt x="3007349" y="6866467"/>
+                  </a:lnTo>
+                  <a:lnTo>
+                    <a:pt x="0" y="6866467"/>
+                  </a:lnTo>
+                  <a:lnTo>
+                    <a:pt x="2045532" y="0"/>
+                  </a:lnTo>
+                  <a:close/>
+                </a:path>
+              </a:pathLst>
+            </a:custGeom>
+            <a:solidFill>
+              <a:schemeClr val="accent1">
+                <a:alpha val="30000"/>
+              </a:schemeClr>
+            </a:solidFill>
+            <a:ln>
+              <a:noFill/>
+            </a:ln>
+            <a:effectLst/>
+          </p:spPr>
+          <p:style>
+            <a:lnRef idx="1">
+              <a:schemeClr val="accent1"/>
+            </a:lnRef>
+            <a:fillRef idx="3">
+              <a:schemeClr val="accent1"/>
+            </a:fillRef>
+            <a:effectRef idx="2">
+              <a:schemeClr val="accent1"/>
+            </a:effectRef>
+            <a:fontRef idx="minor">
+              <a:schemeClr val="lt1"/>
+            </a:fontRef>
+          </p:style>
+        </p:sp>
+        <p:sp>
+          <p:nvSpPr>
+            <p:cNvPr id="26" name="Rectangle 25"/>
+            <p:cNvSpPr/>
+            <p:nvPr/>
+          </p:nvSpPr>
+          <p:spPr>
+            <a:xfrm>
+              <a:off x="9603442" y="-8467"/>
+              <a:ext cx="2588558" cy="6866467"/>
+            </a:xfrm>
+            <a:custGeom>
+              <a:avLst/>
+              <a:gdLst/>
+              <a:ahLst/>
+              <a:cxnLst/>
+              <a:rect l="l" t="t" r="r" b="b"/>
+              <a:pathLst>
+                <a:path w="2573311" h="6866467">
+                  <a:moveTo>
+                    <a:pt x="0" y="0"/>
+                  </a:moveTo>
+                  <a:lnTo>
+                    <a:pt x="2573311" y="0"/>
+                  </a:lnTo>
+                  <a:lnTo>
+                    <a:pt x="2573311" y="6866467"/>
+                  </a:lnTo>
+                  <a:lnTo>
+                    <a:pt x="1202336" y="6866467"/>
+                  </a:lnTo>
+                  <a:lnTo>
+                    <a:pt x="0" y="0"/>
+                  </a:lnTo>
+                  <a:close/>
+                </a:path>
+              </a:pathLst>
+            </a:custGeom>
+            <a:solidFill>
+              <a:schemeClr val="accent1">
+                <a:alpha val="20000"/>
+              </a:schemeClr>
+            </a:solidFill>
+            <a:ln>
+              <a:noFill/>
+            </a:ln>
+            <a:effectLst/>
+          </p:spPr>
+          <p:style>
+            <a:lnRef idx="1">
+              <a:schemeClr val="accent1"/>
+            </a:lnRef>
+            <a:fillRef idx="3">
+              <a:schemeClr val="accent1"/>
+            </a:fillRef>
+            <a:effectRef idx="2">
+              <a:schemeClr val="accent1"/>
+            </a:effectRef>
+            <a:fontRef idx="minor">
+              <a:schemeClr val="lt1"/>
+            </a:fontRef>
+          </p:style>
+        </p:sp>
+        <p:sp>
+          <p:nvSpPr>
+            <p:cNvPr id="27" name="Isosceles Triangle 26"/>
+            <p:cNvSpPr/>
+            <p:nvPr/>
+          </p:nvSpPr>
+          <p:spPr>
+            <a:xfrm>
+              <a:off x="8932333" y="3048000"/>
+              <a:ext cx="3259667" cy="3810000"/>
+            </a:xfrm>
+            <a:prstGeom prst="triangle">
+              <a:avLst>
+                <a:gd name="adj" fmla="val 100000"/>
+              </a:avLst>
+            </a:prstGeom>
+            <a:solidFill>
+              <a:schemeClr val="accent2">
+                <a:alpha val="72000"/>
+              </a:schemeClr>
+            </a:solidFill>
+            <a:ln>
+              <a:noFill/>
+            </a:ln>
+            <a:effectLst/>
+          </p:spPr>
+          <p:style>
+            <a:lnRef idx="1">
+              <a:schemeClr val="accent1"/>
+            </a:lnRef>
+            <a:fillRef idx="3">
+              <a:schemeClr val="accent1"/>
+            </a:fillRef>
+            <a:effectRef idx="2">
+              <a:schemeClr val="accent1"/>
+            </a:effectRef>
+            <a:fontRef idx="minor">
+              <a:schemeClr val="lt1"/>
+            </a:fontRef>
+          </p:style>
+        </p:sp>
+        <p:sp>
+          <p:nvSpPr>
+            <p:cNvPr id="28" name="Rectangle 27"/>
+            <p:cNvSpPr/>
+            <p:nvPr/>
+          </p:nvSpPr>
+          <p:spPr>
+            <a:xfrm>
+              <a:off x="9334500" y="-8467"/>
+              <a:ext cx="2854326" cy="6866467"/>
+            </a:xfrm>
+            <a:custGeom>
+              <a:avLst/>
+              <a:gdLst/>
+              <a:ahLst/>
+              <a:cxnLst/>
+              <a:rect l="l" t="t" r="r" b="b"/>
+              <a:pathLst>
+                <a:path w="2858013" h="6866467">
+                  <a:moveTo>
+                    <a:pt x="0" y="0"/>
+                  </a:moveTo>
+                  <a:lnTo>
+                    <a:pt x="2858013" y="0"/>
+                  </a:lnTo>
+                  <a:lnTo>
+                    <a:pt x="2858013" y="6866467"/>
+                  </a:lnTo>
+                  <a:lnTo>
+                    <a:pt x="2473942" y="6866467"/>
+                  </a:lnTo>
+                  <a:lnTo>
+                    <a:pt x="0" y="0"/>
+                  </a:lnTo>
+                  <a:close/>
+                </a:path>
+              </a:pathLst>
+            </a:custGeom>
+            <a:solidFill>
+              <a:schemeClr val="accent2">
+                <a:lumMod val="75000"/>
+                <a:alpha val="70000"/>
+              </a:schemeClr>
+            </a:solidFill>
+            <a:ln>
+              <a:noFill/>
+            </a:ln>
+            <a:effectLst/>
+          </p:spPr>
+          <p:style>
+            <a:lnRef idx="1">
+              <a:schemeClr val="accent1"/>
+            </a:lnRef>
+            <a:fillRef idx="3">
+              <a:schemeClr val="accent1"/>
+            </a:fillRef>
+            <a:effectRef idx="2">
+              <a:schemeClr val="accent1"/>
+            </a:effectRef>
+            <a:fontRef idx="minor">
+              <a:schemeClr val="lt1"/>
+            </a:fontRef>
+          </p:style>
+        </p:sp>
+        <p:sp>
+          <p:nvSpPr>
+            <p:cNvPr id="29" name="Rectangle 28"/>
+            <p:cNvSpPr/>
+            <p:nvPr/>
+          </p:nvSpPr>
+          <p:spPr>
+            <a:xfrm>
+              <a:off x="10898730" y="-8467"/>
+              <a:ext cx="1290094" cy="6866467"/>
+            </a:xfrm>
+            <a:custGeom>
+              <a:avLst/>
+              <a:gdLst/>
+              <a:ahLst/>
+              <a:cxnLst/>
+              <a:rect l="l" t="t" r="r" b="b"/>
+              <a:pathLst>
+                <a:path w="1290094" h="6858000">
+                  <a:moveTo>
+                    <a:pt x="1019735" y="0"/>
+                  </a:moveTo>
+                  <a:lnTo>
+                    <a:pt x="1290094" y="0"/>
+                  </a:lnTo>
+                  <a:lnTo>
+                    <a:pt x="1290094" y="6858000"/>
+                  </a:lnTo>
+                  <a:lnTo>
+                    <a:pt x="0" y="6858000"/>
+                  </a:lnTo>
+                  <a:lnTo>
+                    <a:pt x="1019735" y="0"/>
+                  </a:lnTo>
+                  <a:close/>
+                </a:path>
+              </a:pathLst>
+            </a:custGeom>
+            <a:solidFill>
+              <a:schemeClr val="accent1">
+                <a:lumMod val="60000"/>
+                <a:lumOff val="40000"/>
+                <a:alpha val="70000"/>
+              </a:schemeClr>
+            </a:solidFill>
+            <a:ln>
+              <a:noFill/>
+            </a:ln>
+            <a:effectLst/>
+          </p:spPr>
+          <p:style>
+            <a:lnRef idx="1">
+              <a:schemeClr val="accent1"/>
+            </a:lnRef>
+            <a:fillRef idx="3">
+              <a:schemeClr val="accent1"/>
+            </a:fillRef>
+            <a:effectRef idx="2">
+              <a:schemeClr val="accent1"/>
+            </a:effectRef>
+            <a:fontRef idx="minor">
+              <a:schemeClr val="lt1"/>
+            </a:fontRef>
+          </p:style>
+        </p:sp>
+        <p:sp>
+          <p:nvSpPr>
+            <p:cNvPr id="30" name="Rectangle 29"/>
+            <p:cNvSpPr/>
+            <p:nvPr/>
+          </p:nvSpPr>
+          <p:spPr>
+            <a:xfrm>
+              <a:off x="10938999" y="-8467"/>
+              <a:ext cx="1249825" cy="6866467"/>
+            </a:xfrm>
+            <a:custGeom>
+              <a:avLst/>
+              <a:gdLst/>
+              <a:ahLst/>
+              <a:cxnLst/>
+              <a:rect l="l" t="t" r="r" b="b"/>
+              <a:pathLst>
+                <a:path w="1249825" h="6858000">
+                  <a:moveTo>
+                    <a:pt x="0" y="0"/>
+                  </a:moveTo>
+                  <a:lnTo>
+                    <a:pt x="1249825" y="0"/>
+                  </a:lnTo>
+                  <a:lnTo>
+                    <a:pt x="1249825" y="6858000"/>
+                  </a:lnTo>
+                  <a:lnTo>
+                    <a:pt x="1109382" y="6858000"/>
+                  </a:lnTo>
+                  <a:lnTo>
+                    <a:pt x="0" y="0"/>
+                  </a:lnTo>
+                  <a:close/>
+                </a:path>
+              </a:pathLst>
+            </a:custGeom>
+            <a:solidFill>
+              <a:schemeClr val="accent1">
+                <a:alpha val="65000"/>
+              </a:schemeClr>
+            </a:solidFill>
+            <a:ln>
+              <a:noFill/>
+            </a:ln>
+            <a:effectLst/>
+          </p:spPr>
+          <p:style>
+            <a:lnRef idx="1">
+              <a:schemeClr val="accent1"/>
+            </a:lnRef>
+            <a:fillRef idx="3">
+              <a:schemeClr val="accent1"/>
+            </a:fillRef>
+            <a:effectRef idx="2">
+              <a:schemeClr val="accent1"/>
+            </a:effectRef>
+            <a:fontRef idx="minor">
+              <a:schemeClr val="lt1"/>
+            </a:fontRef>
+          </p:style>
+        </p:sp>
+        <p:sp>
+          <p:nvSpPr>
+            <p:cNvPr id="31" name="Isosceles Triangle 30"/>
+            <p:cNvSpPr/>
+            <p:nvPr/>
+          </p:nvSpPr>
+          <p:spPr>
+            <a:xfrm>
+              <a:off x="10371666" y="3589867"/>
+              <a:ext cx="1817159" cy="3268133"/>
+            </a:xfrm>
+            <a:prstGeom prst="triangle">
+              <a:avLst>
+                <a:gd name="adj" fmla="val 100000"/>
+              </a:avLst>
+            </a:prstGeom>
+            <a:solidFill>
+              <a:schemeClr val="accent1">
+                <a:alpha val="80000"/>
+              </a:schemeClr>
+            </a:solidFill>
+            <a:ln>
+              <a:noFill/>
+            </a:ln>
+            <a:effectLst/>
+          </p:spPr>
+          <p:style>
+            <a:lnRef idx="1">
+              <a:schemeClr val="accent1"/>
+            </a:lnRef>
+            <a:fillRef idx="3">
+              <a:schemeClr val="accent1"/>
+            </a:fillRef>
+            <a:effectRef idx="2">
+              <a:schemeClr val="accent1"/>
+            </a:effectRef>
+            <a:fontRef idx="minor">
+              <a:schemeClr val="lt1"/>
+            </a:fontRef>
+          </p:style>
+        </p:sp>
+        <p:sp>
+          <p:nvSpPr>
+            <p:cNvPr id="19" name="Isosceles Triangle 18"/>
+            <p:cNvSpPr/>
+            <p:nvPr/>
+          </p:nvSpPr>
+          <p:spPr>
+            <a:xfrm rot="10800000">
+              <a:off x="0" y="0"/>
+              <a:ext cx="842596" cy="5666154"/>
+            </a:xfrm>
+            <a:prstGeom prst="triangle">
+              <a:avLst>
+                <a:gd name="adj" fmla="val 100000"/>
+              </a:avLst>
+            </a:prstGeom>
+            <a:solidFill>
+              <a:schemeClr val="accent1">
+                <a:alpha val="85000"/>
+              </a:schemeClr>
+            </a:solidFill>
+            <a:ln>
+              <a:noFill/>
+            </a:ln>
+            <a:effectLst/>
+          </p:spPr>
+          <p:style>
+            <a:lnRef idx="1">
+              <a:schemeClr val="accent1"/>
+            </a:lnRef>
+            <a:fillRef idx="3">
+              <a:schemeClr val="accent1"/>
+            </a:fillRef>
+            <a:effectRef idx="2">
+              <a:schemeClr val="accent1"/>
+            </a:effectRef>
+            <a:fontRef idx="minor">
+              <a:schemeClr val="lt1"/>
+            </a:fontRef>
+          </p:style>
+        </p:sp>
+      </p:grpSp>
       <p:sp>
         <p:nvSpPr>
           <p:cNvPr id="2" name="Title 1"/>
@@ -957,15 +3614,21 @@
         </p:nvSpPr>
         <p:spPr>
           <a:xfrm>
-            <a:off x="1524000" y="1122363"/>
-            <a:ext cx="9144000" cy="2387600"/>
+            <a:off x="1507067" y="2404534"/>
+            <a:ext cx="7766936" cy="1646302"/>
           </a:xfrm>
         </p:spPr>
         <p:txBody>
-          <a:bodyPr anchor="b"/>
+          <a:bodyPr anchor="b">
+            <a:noAutofit/>
+          </a:bodyPr>
           <a:lstStyle>
-            <a:lvl1pPr algn="ctr">
-              <a:defRPr sz="6000"/>
+            <a:lvl1pPr algn="r">
+              <a:defRPr sz="5400">
+                <a:solidFill>
+                  <a:schemeClr val="accent1"/>
+                </a:solidFill>
+              </a:defRPr>
             </a:lvl1pPr>
           </a:lstStyle>
           <a:p>
@@ -973,6 +3636,7 @@
               <a:rPr lang="en-US"/>
               <a:t>Click to edit Master title style</a:t>
             </a:r>
+            <a:endParaRPr lang="en-US" dirty="0"/>
           </a:p>
         </p:txBody>
       </p:sp>
@@ -988,48 +3652,103 @@
         </p:nvSpPr>
         <p:spPr>
           <a:xfrm>
-            <a:off x="1524000" y="3602038"/>
-            <a:ext cx="9144000" cy="1655762"/>
+            <a:off x="1507067" y="4050833"/>
+            <a:ext cx="7766936" cy="1096899"/>
           </a:xfrm>
         </p:spPr>
         <p:txBody>
-          <a:bodyPr/>
+          <a:bodyPr anchor="t"/>
           <a:lstStyle>
-            <a:lvl1pPr marL="0" indent="0" algn="ctr">
-              <a:buNone/>
-              <a:defRPr sz="2400"/>
+            <a:lvl1pPr marL="0" indent="0" algn="r">
+              <a:buNone/>
+              <a:defRPr>
+                <a:solidFill>
+                  <a:schemeClr val="tx1">
+                    <a:lumMod val="50000"/>
+                    <a:lumOff val="50000"/>
+                  </a:schemeClr>
+                </a:solidFill>
+              </a:defRPr>
             </a:lvl1pPr>
             <a:lvl2pPr marL="457200" indent="0" algn="ctr">
               <a:buNone/>
-              <a:defRPr sz="2000"/>
+              <a:defRPr>
+                <a:solidFill>
+                  <a:schemeClr val="tx1">
+                    <a:tint val="75000"/>
+                  </a:schemeClr>
+                </a:solidFill>
+              </a:defRPr>
             </a:lvl2pPr>
             <a:lvl3pPr marL="914400" indent="0" algn="ctr">
               <a:buNone/>
-              <a:defRPr sz="1800"/>
+              <a:defRPr>
+                <a:solidFill>
+                  <a:schemeClr val="tx1">
+                    <a:tint val="75000"/>
+                  </a:schemeClr>
+                </a:solidFill>
+              </a:defRPr>
             </a:lvl3pPr>
             <a:lvl4pPr marL="1371600" indent="0" algn="ctr">
               <a:buNone/>
-              <a:defRPr sz="1600"/>
+              <a:defRPr>
+                <a:solidFill>
+                  <a:schemeClr val="tx1">
+                    <a:tint val="75000"/>
+                  </a:schemeClr>
+                </a:solidFill>
+              </a:defRPr>
             </a:lvl4pPr>
             <a:lvl5pPr marL="1828800" indent="0" algn="ctr">
               <a:buNone/>
-              <a:defRPr sz="1600"/>
+              <a:defRPr>
+                <a:solidFill>
+                  <a:schemeClr val="tx1">
+                    <a:tint val="75000"/>
+                  </a:schemeClr>
+                </a:solidFill>
+              </a:defRPr>
             </a:lvl5pPr>
             <a:lvl6pPr marL="2286000" indent="0" algn="ctr">
               <a:buNone/>
-              <a:defRPr sz="1600"/>
+              <a:defRPr>
+                <a:solidFill>
+                  <a:schemeClr val="tx1">
+                    <a:tint val="75000"/>
+                  </a:schemeClr>
+                </a:solidFill>
+              </a:defRPr>
             </a:lvl6pPr>
             <a:lvl7pPr marL="2743200" indent="0" algn="ctr">
               <a:buNone/>
-              <a:defRPr sz="1600"/>
+              <a:defRPr>
+                <a:solidFill>
+                  <a:schemeClr val="tx1">
+                    <a:tint val="75000"/>
+                  </a:schemeClr>
+                </a:solidFill>
+              </a:defRPr>
             </a:lvl7pPr>
             <a:lvl8pPr marL="3200400" indent="0" algn="ctr">
               <a:buNone/>
-              <a:defRPr sz="1600"/>
+              <a:defRPr>
+                <a:solidFill>
+                  <a:schemeClr val="tx1">
+                    <a:tint val="75000"/>
+                  </a:schemeClr>
+                </a:solidFill>
+              </a:defRPr>
             </a:lvl8pPr>
             <a:lvl9pPr marL="3657600" indent="0" algn="ctr">
               <a:buNone/>
-              <a:defRPr sz="1600"/>
+              <a:defRPr>
+                <a:solidFill>
+                  <a:schemeClr val="tx1">
+                    <a:tint val="75000"/>
+                  </a:schemeClr>
+                </a:solidFill>
+              </a:defRPr>
             </a:lvl9pPr>
           </a:lstStyle>
           <a:p>
@@ -1037,6 +3756,7 @@
               <a:rPr lang="en-US"/>
               <a:t>Click to edit Master subtitle style</a:t>
             </a:r>
+            <a:endParaRPr lang="en-US" dirty="0"/>
           </a:p>
         </p:txBody>
       </p:sp>
@@ -1057,7 +3777,7 @@
           <a:p>
             <a:fld id="{0F92F7F0-426F-4870-B636-B1A7C95EC8B7}" type="datetimeFigureOut">
               <a:rPr lang="en-US" smtClean="0"/>
-              <a:t>4/10/2016</a:t>
+              <a:t>4/11/2016</a:t>
             </a:fld>
             <a:endParaRPr lang="en-US"/>
           </a:p>
@@ -1108,7 +3828,7 @@
     </p:spTree>
     <p:extLst>
       <p:ext uri="{BB962C8B-B14F-4D97-AF65-F5344CB8AC3E}">
-        <p14:creationId xmlns:p14="http://schemas.microsoft.com/office/powerpoint/2010/main" val="2912906381"/>
+        <p14:creationId xmlns:p14="http://schemas.microsoft.com/office/powerpoint/2010/main" val="644842144"/>
       </p:ext>
     </p:extLst>
   </p:cSld>
@@ -1119,6 +3839,1619 @@
 </file>
 
 <file path=ppt/slideLayouts/slideLayout10.xml><?xml version="1.0" encoding="utf-8"?>
+<p:sldLayout xmlns:a="http://schemas.openxmlformats.org/drawingml/2006/main" xmlns:r="http://schemas.openxmlformats.org/officeDocument/2006/relationships" xmlns:p="http://schemas.openxmlformats.org/presentationml/2006/main" preserve="1">
+  <p:cSld name="Title and Caption">
+    <p:spTree>
+      <p:nvGrpSpPr>
+        <p:cNvPr id="1" name=""/>
+        <p:cNvGrpSpPr/>
+        <p:nvPr/>
+      </p:nvGrpSpPr>
+      <p:grpSpPr>
+        <a:xfrm>
+          <a:off x="0" y="0"/>
+          <a:ext cx="0" cy="0"/>
+          <a:chOff x="0" y="0"/>
+          <a:chExt cx="0" cy="0"/>
+        </a:xfrm>
+      </p:grpSpPr>
+      <p:sp>
+        <p:nvSpPr>
+          <p:cNvPr id="2" name="Title 1"/>
+          <p:cNvSpPr>
+            <a:spLocks noGrp="1"/>
+          </p:cNvSpPr>
+          <p:nvPr>
+            <p:ph type="title"/>
+          </p:nvPr>
+        </p:nvSpPr>
+        <p:spPr>
+          <a:xfrm>
+            <a:off x="677335" y="609600"/>
+            <a:ext cx="8596668" cy="3403600"/>
+          </a:xfrm>
+        </p:spPr>
+        <p:txBody>
+          <a:bodyPr anchor="ctr">
+            <a:normAutofit/>
+          </a:bodyPr>
+          <a:lstStyle>
+            <a:lvl1pPr algn="l">
+              <a:defRPr sz="4400" b="0" cap="none"/>
+            </a:lvl1pPr>
+          </a:lstStyle>
+          <a:p>
+            <a:r>
+              <a:rPr lang="en-US"/>
+              <a:t>Click to edit Master title style</a:t>
+            </a:r>
+            <a:endParaRPr lang="en-US" dirty="0"/>
+          </a:p>
+        </p:txBody>
+      </p:sp>
+      <p:sp>
+        <p:nvSpPr>
+          <p:cNvPr id="3" name="Text Placeholder 2"/>
+          <p:cNvSpPr>
+            <a:spLocks noGrp="1"/>
+          </p:cNvSpPr>
+          <p:nvPr>
+            <p:ph type="body" idx="1"/>
+          </p:nvPr>
+        </p:nvSpPr>
+        <p:spPr>
+          <a:xfrm>
+            <a:off x="677335" y="4470400"/>
+            <a:ext cx="8596668" cy="1570962"/>
+          </a:xfrm>
+        </p:spPr>
+        <p:txBody>
+          <a:bodyPr anchor="ctr">
+            <a:normAutofit/>
+          </a:bodyPr>
+          <a:lstStyle>
+            <a:lvl1pPr marL="0" indent="0" algn="l">
+              <a:buNone/>
+              <a:defRPr sz="1800">
+                <a:solidFill>
+                  <a:schemeClr val="tx1">
+                    <a:lumMod val="75000"/>
+                    <a:lumOff val="25000"/>
+                  </a:schemeClr>
+                </a:solidFill>
+              </a:defRPr>
+            </a:lvl1pPr>
+            <a:lvl2pPr marL="457200" indent="0">
+              <a:buNone/>
+              <a:defRPr sz="1800">
+                <a:solidFill>
+                  <a:schemeClr val="tx1">
+                    <a:tint val="75000"/>
+                  </a:schemeClr>
+                </a:solidFill>
+              </a:defRPr>
+            </a:lvl2pPr>
+            <a:lvl3pPr marL="914400" indent="0">
+              <a:buNone/>
+              <a:defRPr sz="1600">
+                <a:solidFill>
+                  <a:schemeClr val="tx1">
+                    <a:tint val="75000"/>
+                  </a:schemeClr>
+                </a:solidFill>
+              </a:defRPr>
+            </a:lvl3pPr>
+            <a:lvl4pPr marL="1371600" indent="0">
+              <a:buNone/>
+              <a:defRPr sz="1400">
+                <a:solidFill>
+                  <a:schemeClr val="tx1">
+                    <a:tint val="75000"/>
+                  </a:schemeClr>
+                </a:solidFill>
+              </a:defRPr>
+            </a:lvl4pPr>
+            <a:lvl5pPr marL="1828800" indent="0">
+              <a:buNone/>
+              <a:defRPr sz="1400">
+                <a:solidFill>
+                  <a:schemeClr val="tx1">
+                    <a:tint val="75000"/>
+                  </a:schemeClr>
+                </a:solidFill>
+              </a:defRPr>
+            </a:lvl5pPr>
+            <a:lvl6pPr marL="2286000" indent="0">
+              <a:buNone/>
+              <a:defRPr sz="1400">
+                <a:solidFill>
+                  <a:schemeClr val="tx1">
+                    <a:tint val="75000"/>
+                  </a:schemeClr>
+                </a:solidFill>
+              </a:defRPr>
+            </a:lvl6pPr>
+            <a:lvl7pPr marL="2743200" indent="0">
+              <a:buNone/>
+              <a:defRPr sz="1400">
+                <a:solidFill>
+                  <a:schemeClr val="tx1">
+                    <a:tint val="75000"/>
+                  </a:schemeClr>
+                </a:solidFill>
+              </a:defRPr>
+            </a:lvl7pPr>
+            <a:lvl8pPr marL="3200400" indent="0">
+              <a:buNone/>
+              <a:defRPr sz="1400">
+                <a:solidFill>
+                  <a:schemeClr val="tx1">
+                    <a:tint val="75000"/>
+                  </a:schemeClr>
+                </a:solidFill>
+              </a:defRPr>
+            </a:lvl8pPr>
+            <a:lvl9pPr marL="3657600" indent="0">
+              <a:buNone/>
+              <a:defRPr sz="1400">
+                <a:solidFill>
+                  <a:schemeClr val="tx1">
+                    <a:tint val="75000"/>
+                  </a:schemeClr>
+                </a:solidFill>
+              </a:defRPr>
+            </a:lvl9pPr>
+          </a:lstStyle>
+          <a:p>
+            <a:pPr lvl="0"/>
+            <a:r>
+              <a:rPr lang="en-US"/>
+              <a:t>Edit Master text styles</a:t>
+            </a:r>
+          </a:p>
+        </p:txBody>
+      </p:sp>
+      <p:sp>
+        <p:nvSpPr>
+          <p:cNvPr id="4" name="Date Placeholder 3"/>
+          <p:cNvSpPr>
+            <a:spLocks noGrp="1"/>
+          </p:cNvSpPr>
+          <p:nvPr>
+            <p:ph type="dt" sz="half" idx="10"/>
+          </p:nvPr>
+        </p:nvSpPr>
+        <p:spPr/>
+        <p:txBody>
+          <a:bodyPr/>
+          <a:lstStyle/>
+          <a:p>
+            <a:fld id="{0F92F7F0-426F-4870-B636-B1A7C95EC8B7}" type="datetimeFigureOut">
+              <a:rPr lang="en-US" smtClean="0"/>
+              <a:t>4/11/2016</a:t>
+            </a:fld>
+            <a:endParaRPr lang="en-US"/>
+          </a:p>
+        </p:txBody>
+      </p:sp>
+      <p:sp>
+        <p:nvSpPr>
+          <p:cNvPr id="5" name="Footer Placeholder 4"/>
+          <p:cNvSpPr>
+            <a:spLocks noGrp="1"/>
+          </p:cNvSpPr>
+          <p:nvPr>
+            <p:ph type="ftr" sz="quarter" idx="11"/>
+          </p:nvPr>
+        </p:nvSpPr>
+        <p:spPr/>
+        <p:txBody>
+          <a:bodyPr/>
+          <a:lstStyle/>
+          <a:p>
+            <a:endParaRPr lang="en-US"/>
+          </a:p>
+        </p:txBody>
+      </p:sp>
+      <p:sp>
+        <p:nvSpPr>
+          <p:cNvPr id="6" name="Slide Number Placeholder 5"/>
+          <p:cNvSpPr>
+            <a:spLocks noGrp="1"/>
+          </p:cNvSpPr>
+          <p:nvPr>
+            <p:ph type="sldNum" sz="quarter" idx="12"/>
+          </p:nvPr>
+        </p:nvSpPr>
+        <p:spPr/>
+        <p:txBody>
+          <a:bodyPr/>
+          <a:lstStyle/>
+          <a:p>
+            <a:fld id="{EA80057D-C09E-496E-BFFF-270009F2FAA9}" type="slidenum">
+              <a:rPr lang="en-US" smtClean="0"/>
+              <a:t>‹#›</a:t>
+            </a:fld>
+            <a:endParaRPr lang="en-US"/>
+          </a:p>
+        </p:txBody>
+      </p:sp>
+    </p:spTree>
+    <p:extLst>
+      <p:ext uri="{BB962C8B-B14F-4D97-AF65-F5344CB8AC3E}">
+        <p14:creationId xmlns:p14="http://schemas.microsoft.com/office/powerpoint/2010/main" val="3061291817"/>
+      </p:ext>
+    </p:extLst>
+  </p:cSld>
+  <p:clrMapOvr>
+    <a:masterClrMapping/>
+  </p:clrMapOvr>
+</p:sldLayout>
+</file>
+
+<file path=ppt/slideLayouts/slideLayout11.xml><?xml version="1.0" encoding="utf-8"?>
+<p:sldLayout xmlns:a="http://schemas.openxmlformats.org/drawingml/2006/main" xmlns:r="http://schemas.openxmlformats.org/officeDocument/2006/relationships" xmlns:p="http://schemas.openxmlformats.org/presentationml/2006/main" preserve="1">
+  <p:cSld name="Quote with Caption">
+    <p:spTree>
+      <p:nvGrpSpPr>
+        <p:cNvPr id="1" name=""/>
+        <p:cNvGrpSpPr/>
+        <p:nvPr/>
+      </p:nvGrpSpPr>
+      <p:grpSpPr>
+        <a:xfrm>
+          <a:off x="0" y="0"/>
+          <a:ext cx="0" cy="0"/>
+          <a:chOff x="0" y="0"/>
+          <a:chExt cx="0" cy="0"/>
+        </a:xfrm>
+      </p:grpSpPr>
+      <p:sp>
+        <p:nvSpPr>
+          <p:cNvPr id="2" name="Title 1"/>
+          <p:cNvSpPr>
+            <a:spLocks noGrp="1"/>
+          </p:cNvSpPr>
+          <p:nvPr>
+            <p:ph type="title"/>
+          </p:nvPr>
+        </p:nvSpPr>
+        <p:spPr>
+          <a:xfrm>
+            <a:off x="931334" y="609600"/>
+            <a:ext cx="8094134" cy="3022600"/>
+          </a:xfrm>
+        </p:spPr>
+        <p:txBody>
+          <a:bodyPr anchor="ctr">
+            <a:normAutofit/>
+          </a:bodyPr>
+          <a:lstStyle>
+            <a:lvl1pPr algn="l">
+              <a:defRPr sz="4400" b="0" cap="none"/>
+            </a:lvl1pPr>
+          </a:lstStyle>
+          <a:p>
+            <a:r>
+              <a:rPr lang="en-US"/>
+              <a:t>Click to edit Master title style</a:t>
+            </a:r>
+            <a:endParaRPr lang="en-US" dirty="0"/>
+          </a:p>
+        </p:txBody>
+      </p:sp>
+      <p:sp>
+        <p:nvSpPr>
+          <p:cNvPr id="23" name="Text Placeholder 9"/>
+          <p:cNvSpPr>
+            <a:spLocks noGrp="1"/>
+          </p:cNvSpPr>
+          <p:nvPr>
+            <p:ph type="body" sz="quarter" idx="13"/>
+          </p:nvPr>
+        </p:nvSpPr>
+        <p:spPr>
+          <a:xfrm>
+            <a:off x="1366139" y="3632200"/>
+            <a:ext cx="7224524" cy="381000"/>
+          </a:xfrm>
+        </p:spPr>
+        <p:txBody>
+          <a:bodyPr anchor="ctr">
+            <a:noAutofit/>
+          </a:bodyPr>
+          <a:lstStyle>
+            <a:lvl1pPr marL="0" indent="0">
+              <a:buFontTx/>
+              <a:buNone/>
+              <a:defRPr sz="1600">
+                <a:solidFill>
+                  <a:schemeClr val="tx1">
+                    <a:lumMod val="50000"/>
+                    <a:lumOff val="50000"/>
+                  </a:schemeClr>
+                </a:solidFill>
+              </a:defRPr>
+            </a:lvl1pPr>
+            <a:lvl2pPr marL="457200" indent="0">
+              <a:buFontTx/>
+              <a:buNone/>
+              <a:defRPr/>
+            </a:lvl2pPr>
+            <a:lvl3pPr marL="914400" indent="0">
+              <a:buFontTx/>
+              <a:buNone/>
+              <a:defRPr/>
+            </a:lvl3pPr>
+            <a:lvl4pPr marL="1371600" indent="0">
+              <a:buFontTx/>
+              <a:buNone/>
+              <a:defRPr/>
+            </a:lvl4pPr>
+            <a:lvl5pPr marL="1828800" indent="0">
+              <a:buFontTx/>
+              <a:buNone/>
+              <a:defRPr/>
+            </a:lvl5pPr>
+          </a:lstStyle>
+          <a:p>
+            <a:pPr lvl="0"/>
+            <a:r>
+              <a:rPr lang="en-US"/>
+              <a:t>Edit Master text styles</a:t>
+            </a:r>
+          </a:p>
+        </p:txBody>
+      </p:sp>
+      <p:sp>
+        <p:nvSpPr>
+          <p:cNvPr id="3" name="Text Placeholder 2"/>
+          <p:cNvSpPr>
+            <a:spLocks noGrp="1"/>
+          </p:cNvSpPr>
+          <p:nvPr>
+            <p:ph type="body" idx="1"/>
+          </p:nvPr>
+        </p:nvSpPr>
+        <p:spPr>
+          <a:xfrm>
+            <a:off x="677335" y="4470400"/>
+            <a:ext cx="8596668" cy="1570962"/>
+          </a:xfrm>
+        </p:spPr>
+        <p:txBody>
+          <a:bodyPr anchor="ctr">
+            <a:normAutofit/>
+          </a:bodyPr>
+          <a:lstStyle>
+            <a:lvl1pPr marL="0" indent="0" algn="l">
+              <a:buNone/>
+              <a:defRPr sz="1800">
+                <a:solidFill>
+                  <a:schemeClr val="tx1">
+                    <a:lumMod val="75000"/>
+                    <a:lumOff val="25000"/>
+                  </a:schemeClr>
+                </a:solidFill>
+              </a:defRPr>
+            </a:lvl1pPr>
+            <a:lvl2pPr marL="457200" indent="0">
+              <a:buNone/>
+              <a:defRPr sz="1800">
+                <a:solidFill>
+                  <a:schemeClr val="tx1">
+                    <a:tint val="75000"/>
+                  </a:schemeClr>
+                </a:solidFill>
+              </a:defRPr>
+            </a:lvl2pPr>
+            <a:lvl3pPr marL="914400" indent="0">
+              <a:buNone/>
+              <a:defRPr sz="1600">
+                <a:solidFill>
+                  <a:schemeClr val="tx1">
+                    <a:tint val="75000"/>
+                  </a:schemeClr>
+                </a:solidFill>
+              </a:defRPr>
+            </a:lvl3pPr>
+            <a:lvl4pPr marL="1371600" indent="0">
+              <a:buNone/>
+              <a:defRPr sz="1400">
+                <a:solidFill>
+                  <a:schemeClr val="tx1">
+                    <a:tint val="75000"/>
+                  </a:schemeClr>
+                </a:solidFill>
+              </a:defRPr>
+            </a:lvl4pPr>
+            <a:lvl5pPr marL="1828800" indent="0">
+              <a:buNone/>
+              <a:defRPr sz="1400">
+                <a:solidFill>
+                  <a:schemeClr val="tx1">
+                    <a:tint val="75000"/>
+                  </a:schemeClr>
+                </a:solidFill>
+              </a:defRPr>
+            </a:lvl5pPr>
+            <a:lvl6pPr marL="2286000" indent="0">
+              <a:buNone/>
+              <a:defRPr sz="1400">
+                <a:solidFill>
+                  <a:schemeClr val="tx1">
+                    <a:tint val="75000"/>
+                  </a:schemeClr>
+                </a:solidFill>
+              </a:defRPr>
+            </a:lvl6pPr>
+            <a:lvl7pPr marL="2743200" indent="0">
+              <a:buNone/>
+              <a:defRPr sz="1400">
+                <a:solidFill>
+                  <a:schemeClr val="tx1">
+                    <a:tint val="75000"/>
+                  </a:schemeClr>
+                </a:solidFill>
+              </a:defRPr>
+            </a:lvl7pPr>
+            <a:lvl8pPr marL="3200400" indent="0">
+              <a:buNone/>
+              <a:defRPr sz="1400">
+                <a:solidFill>
+                  <a:schemeClr val="tx1">
+                    <a:tint val="75000"/>
+                  </a:schemeClr>
+                </a:solidFill>
+              </a:defRPr>
+            </a:lvl8pPr>
+            <a:lvl9pPr marL="3657600" indent="0">
+              <a:buNone/>
+              <a:defRPr sz="1400">
+                <a:solidFill>
+                  <a:schemeClr val="tx1">
+                    <a:tint val="75000"/>
+                  </a:schemeClr>
+                </a:solidFill>
+              </a:defRPr>
+            </a:lvl9pPr>
+          </a:lstStyle>
+          <a:p>
+            <a:pPr lvl="0"/>
+            <a:r>
+              <a:rPr lang="en-US"/>
+              <a:t>Edit Master text styles</a:t>
+            </a:r>
+          </a:p>
+        </p:txBody>
+      </p:sp>
+      <p:sp>
+        <p:nvSpPr>
+          <p:cNvPr id="4" name="Date Placeholder 3"/>
+          <p:cNvSpPr>
+            <a:spLocks noGrp="1"/>
+          </p:cNvSpPr>
+          <p:nvPr>
+            <p:ph type="dt" sz="half" idx="10"/>
+          </p:nvPr>
+        </p:nvSpPr>
+        <p:spPr/>
+        <p:txBody>
+          <a:bodyPr/>
+          <a:lstStyle/>
+          <a:p>
+            <a:fld id="{0F92F7F0-426F-4870-B636-B1A7C95EC8B7}" type="datetimeFigureOut">
+              <a:rPr lang="en-US" smtClean="0"/>
+              <a:t>4/11/2016</a:t>
+            </a:fld>
+            <a:endParaRPr lang="en-US"/>
+          </a:p>
+        </p:txBody>
+      </p:sp>
+      <p:sp>
+        <p:nvSpPr>
+          <p:cNvPr id="5" name="Footer Placeholder 4"/>
+          <p:cNvSpPr>
+            <a:spLocks noGrp="1"/>
+          </p:cNvSpPr>
+          <p:nvPr>
+            <p:ph type="ftr" sz="quarter" idx="11"/>
+          </p:nvPr>
+        </p:nvSpPr>
+        <p:spPr/>
+        <p:txBody>
+          <a:bodyPr/>
+          <a:lstStyle/>
+          <a:p>
+            <a:endParaRPr lang="en-US"/>
+          </a:p>
+        </p:txBody>
+      </p:sp>
+      <p:sp>
+        <p:nvSpPr>
+          <p:cNvPr id="6" name="Slide Number Placeholder 5"/>
+          <p:cNvSpPr>
+            <a:spLocks noGrp="1"/>
+          </p:cNvSpPr>
+          <p:nvPr>
+            <p:ph type="sldNum" sz="quarter" idx="12"/>
+          </p:nvPr>
+        </p:nvSpPr>
+        <p:spPr/>
+        <p:txBody>
+          <a:bodyPr/>
+          <a:lstStyle/>
+          <a:p>
+            <a:fld id="{EA80057D-C09E-496E-BFFF-270009F2FAA9}" type="slidenum">
+              <a:rPr lang="en-US" smtClean="0"/>
+              <a:t>‹#›</a:t>
+            </a:fld>
+            <a:endParaRPr lang="en-US"/>
+          </a:p>
+        </p:txBody>
+      </p:sp>
+      <p:sp>
+        <p:nvSpPr>
+          <p:cNvPr id="20" name="TextBox 19"/>
+          <p:cNvSpPr txBox="1"/>
+          <p:nvPr/>
+        </p:nvSpPr>
+        <p:spPr>
+          <a:xfrm>
+            <a:off x="541870" y="790378"/>
+            <a:ext cx="609600" cy="584776"/>
+          </a:xfrm>
+          <a:prstGeom prst="rect">
+            <a:avLst/>
+          </a:prstGeom>
+        </p:spPr>
+        <p:txBody>
+          <a:bodyPr vert="horz" lIns="91440" tIns="45720" rIns="91440" bIns="45720" rtlCol="0" anchor="ctr">
+            <a:noAutofit/>
+          </a:bodyPr>
+          <a:lstStyle/>
+          <a:p>
+            <a:pPr lvl="0"/>
+            <a:r>
+              <a:rPr lang="en-US" sz="8000" baseline="0" dirty="0">
+                <a:ln w="3175" cmpd="sng">
+                  <a:noFill/>
+                </a:ln>
+                <a:solidFill>
+                  <a:schemeClr val="accent1">
+                    <a:lumMod val="60000"/>
+                    <a:lumOff val="40000"/>
+                  </a:schemeClr>
+                </a:solidFill>
+                <a:effectLst/>
+                <a:latin typeface="Arial"/>
+              </a:rPr>
+              <a:t>“</a:t>
+            </a:r>
+          </a:p>
+        </p:txBody>
+      </p:sp>
+      <p:sp>
+        <p:nvSpPr>
+          <p:cNvPr id="22" name="TextBox 21"/>
+          <p:cNvSpPr txBox="1"/>
+          <p:nvPr/>
+        </p:nvSpPr>
+        <p:spPr>
+          <a:xfrm>
+            <a:off x="8893011" y="2886556"/>
+            <a:ext cx="609600" cy="584776"/>
+          </a:xfrm>
+          <a:prstGeom prst="rect">
+            <a:avLst/>
+          </a:prstGeom>
+        </p:spPr>
+        <p:txBody>
+          <a:bodyPr vert="horz" lIns="91440" tIns="45720" rIns="91440" bIns="45720" rtlCol="0" anchor="ctr">
+            <a:noAutofit/>
+          </a:bodyPr>
+          <a:lstStyle/>
+          <a:p>
+            <a:pPr lvl="0"/>
+            <a:r>
+              <a:rPr lang="en-US" sz="8000" baseline="0" dirty="0">
+                <a:ln w="3175" cmpd="sng">
+                  <a:noFill/>
+                </a:ln>
+                <a:solidFill>
+                  <a:schemeClr val="accent1">
+                    <a:lumMod val="60000"/>
+                    <a:lumOff val="40000"/>
+                  </a:schemeClr>
+                </a:solidFill>
+                <a:latin typeface="Arial"/>
+              </a:rPr>
+              <a:t>”</a:t>
+            </a:r>
+            <a:endParaRPr lang="en-US" dirty="0">
+              <a:solidFill>
+                <a:schemeClr val="accent1">
+                  <a:lumMod val="60000"/>
+                  <a:lumOff val="40000"/>
+                </a:schemeClr>
+              </a:solidFill>
+              <a:latin typeface="Arial"/>
+            </a:endParaRPr>
+          </a:p>
+        </p:txBody>
+      </p:sp>
+    </p:spTree>
+    <p:extLst>
+      <p:ext uri="{BB962C8B-B14F-4D97-AF65-F5344CB8AC3E}">
+        <p14:creationId xmlns:p14="http://schemas.microsoft.com/office/powerpoint/2010/main" val="232041607"/>
+      </p:ext>
+    </p:extLst>
+  </p:cSld>
+  <p:clrMapOvr>
+    <a:masterClrMapping/>
+  </p:clrMapOvr>
+</p:sldLayout>
+</file>
+
+<file path=ppt/slideLayouts/slideLayout12.xml><?xml version="1.0" encoding="utf-8"?>
+<p:sldLayout xmlns:a="http://schemas.openxmlformats.org/drawingml/2006/main" xmlns:r="http://schemas.openxmlformats.org/officeDocument/2006/relationships" xmlns:p="http://schemas.openxmlformats.org/presentationml/2006/main" preserve="1">
+  <p:cSld name="Name Card">
+    <p:spTree>
+      <p:nvGrpSpPr>
+        <p:cNvPr id="1" name=""/>
+        <p:cNvGrpSpPr/>
+        <p:nvPr/>
+      </p:nvGrpSpPr>
+      <p:grpSpPr>
+        <a:xfrm>
+          <a:off x="0" y="0"/>
+          <a:ext cx="0" cy="0"/>
+          <a:chOff x="0" y="0"/>
+          <a:chExt cx="0" cy="0"/>
+        </a:xfrm>
+      </p:grpSpPr>
+      <p:sp>
+        <p:nvSpPr>
+          <p:cNvPr id="2" name="Title 1"/>
+          <p:cNvSpPr>
+            <a:spLocks noGrp="1"/>
+          </p:cNvSpPr>
+          <p:nvPr>
+            <p:ph type="title"/>
+          </p:nvPr>
+        </p:nvSpPr>
+        <p:spPr>
+          <a:xfrm>
+            <a:off x="677335" y="1931988"/>
+            <a:ext cx="8596668" cy="2595460"/>
+          </a:xfrm>
+        </p:spPr>
+        <p:txBody>
+          <a:bodyPr anchor="b">
+            <a:normAutofit/>
+          </a:bodyPr>
+          <a:lstStyle>
+            <a:lvl1pPr algn="l">
+              <a:defRPr sz="4400" b="0" cap="none"/>
+            </a:lvl1pPr>
+          </a:lstStyle>
+          <a:p>
+            <a:r>
+              <a:rPr lang="en-US"/>
+              <a:t>Click to edit Master title style</a:t>
+            </a:r>
+            <a:endParaRPr lang="en-US" dirty="0"/>
+          </a:p>
+        </p:txBody>
+      </p:sp>
+      <p:sp>
+        <p:nvSpPr>
+          <p:cNvPr id="3" name="Text Placeholder 2"/>
+          <p:cNvSpPr>
+            <a:spLocks noGrp="1"/>
+          </p:cNvSpPr>
+          <p:nvPr>
+            <p:ph type="body" idx="1"/>
+          </p:nvPr>
+        </p:nvSpPr>
+        <p:spPr>
+          <a:xfrm>
+            <a:off x="677335" y="4527448"/>
+            <a:ext cx="8596668" cy="1513914"/>
+          </a:xfrm>
+        </p:spPr>
+        <p:txBody>
+          <a:bodyPr anchor="t">
+            <a:normAutofit/>
+          </a:bodyPr>
+          <a:lstStyle>
+            <a:lvl1pPr marL="0" indent="0" algn="l">
+              <a:buNone/>
+              <a:defRPr sz="1800">
+                <a:solidFill>
+                  <a:schemeClr val="tx1">
+                    <a:lumMod val="75000"/>
+                    <a:lumOff val="25000"/>
+                  </a:schemeClr>
+                </a:solidFill>
+              </a:defRPr>
+            </a:lvl1pPr>
+            <a:lvl2pPr marL="457200" indent="0">
+              <a:buNone/>
+              <a:defRPr sz="1800">
+                <a:solidFill>
+                  <a:schemeClr val="tx1">
+                    <a:tint val="75000"/>
+                  </a:schemeClr>
+                </a:solidFill>
+              </a:defRPr>
+            </a:lvl2pPr>
+            <a:lvl3pPr marL="914400" indent="0">
+              <a:buNone/>
+              <a:defRPr sz="1600">
+                <a:solidFill>
+                  <a:schemeClr val="tx1">
+                    <a:tint val="75000"/>
+                  </a:schemeClr>
+                </a:solidFill>
+              </a:defRPr>
+            </a:lvl3pPr>
+            <a:lvl4pPr marL="1371600" indent="0">
+              <a:buNone/>
+              <a:defRPr sz="1400">
+                <a:solidFill>
+                  <a:schemeClr val="tx1">
+                    <a:tint val="75000"/>
+                  </a:schemeClr>
+                </a:solidFill>
+              </a:defRPr>
+            </a:lvl4pPr>
+            <a:lvl5pPr marL="1828800" indent="0">
+              <a:buNone/>
+              <a:defRPr sz="1400">
+                <a:solidFill>
+                  <a:schemeClr val="tx1">
+                    <a:tint val="75000"/>
+                  </a:schemeClr>
+                </a:solidFill>
+              </a:defRPr>
+            </a:lvl5pPr>
+            <a:lvl6pPr marL="2286000" indent="0">
+              <a:buNone/>
+              <a:defRPr sz="1400">
+                <a:solidFill>
+                  <a:schemeClr val="tx1">
+                    <a:tint val="75000"/>
+                  </a:schemeClr>
+                </a:solidFill>
+              </a:defRPr>
+            </a:lvl6pPr>
+            <a:lvl7pPr marL="2743200" indent="0">
+              <a:buNone/>
+              <a:defRPr sz="1400">
+                <a:solidFill>
+                  <a:schemeClr val="tx1">
+                    <a:tint val="75000"/>
+                  </a:schemeClr>
+                </a:solidFill>
+              </a:defRPr>
+            </a:lvl7pPr>
+            <a:lvl8pPr marL="3200400" indent="0">
+              <a:buNone/>
+              <a:defRPr sz="1400">
+                <a:solidFill>
+                  <a:schemeClr val="tx1">
+                    <a:tint val="75000"/>
+                  </a:schemeClr>
+                </a:solidFill>
+              </a:defRPr>
+            </a:lvl8pPr>
+            <a:lvl9pPr marL="3657600" indent="0">
+              <a:buNone/>
+              <a:defRPr sz="1400">
+                <a:solidFill>
+                  <a:schemeClr val="tx1">
+                    <a:tint val="75000"/>
+                  </a:schemeClr>
+                </a:solidFill>
+              </a:defRPr>
+            </a:lvl9pPr>
+          </a:lstStyle>
+          <a:p>
+            <a:pPr lvl="0"/>
+            <a:r>
+              <a:rPr lang="en-US"/>
+              <a:t>Edit Master text styles</a:t>
+            </a:r>
+          </a:p>
+        </p:txBody>
+      </p:sp>
+      <p:sp>
+        <p:nvSpPr>
+          <p:cNvPr id="4" name="Date Placeholder 3"/>
+          <p:cNvSpPr>
+            <a:spLocks noGrp="1"/>
+          </p:cNvSpPr>
+          <p:nvPr>
+            <p:ph type="dt" sz="half" idx="10"/>
+          </p:nvPr>
+        </p:nvSpPr>
+        <p:spPr/>
+        <p:txBody>
+          <a:bodyPr/>
+          <a:lstStyle/>
+          <a:p>
+            <a:fld id="{0F92F7F0-426F-4870-B636-B1A7C95EC8B7}" type="datetimeFigureOut">
+              <a:rPr lang="en-US" smtClean="0"/>
+              <a:t>4/11/2016</a:t>
+            </a:fld>
+            <a:endParaRPr lang="en-US"/>
+          </a:p>
+        </p:txBody>
+      </p:sp>
+      <p:sp>
+        <p:nvSpPr>
+          <p:cNvPr id="5" name="Footer Placeholder 4"/>
+          <p:cNvSpPr>
+            <a:spLocks noGrp="1"/>
+          </p:cNvSpPr>
+          <p:nvPr>
+            <p:ph type="ftr" sz="quarter" idx="11"/>
+          </p:nvPr>
+        </p:nvSpPr>
+        <p:spPr/>
+        <p:txBody>
+          <a:bodyPr/>
+          <a:lstStyle/>
+          <a:p>
+            <a:endParaRPr lang="en-US"/>
+          </a:p>
+        </p:txBody>
+      </p:sp>
+      <p:sp>
+        <p:nvSpPr>
+          <p:cNvPr id="6" name="Slide Number Placeholder 5"/>
+          <p:cNvSpPr>
+            <a:spLocks noGrp="1"/>
+          </p:cNvSpPr>
+          <p:nvPr>
+            <p:ph type="sldNum" sz="quarter" idx="12"/>
+          </p:nvPr>
+        </p:nvSpPr>
+        <p:spPr/>
+        <p:txBody>
+          <a:bodyPr/>
+          <a:lstStyle/>
+          <a:p>
+            <a:fld id="{EA80057D-C09E-496E-BFFF-270009F2FAA9}" type="slidenum">
+              <a:rPr lang="en-US" smtClean="0"/>
+              <a:t>‹#›</a:t>
+            </a:fld>
+            <a:endParaRPr lang="en-US"/>
+          </a:p>
+        </p:txBody>
+      </p:sp>
+    </p:spTree>
+    <p:extLst>
+      <p:ext uri="{BB962C8B-B14F-4D97-AF65-F5344CB8AC3E}">
+        <p14:creationId xmlns:p14="http://schemas.microsoft.com/office/powerpoint/2010/main" val="237662267"/>
+      </p:ext>
+    </p:extLst>
+  </p:cSld>
+  <p:clrMapOvr>
+    <a:masterClrMapping/>
+  </p:clrMapOvr>
+</p:sldLayout>
+</file>
+
+<file path=ppt/slideLayouts/slideLayout13.xml><?xml version="1.0" encoding="utf-8"?>
+<p:sldLayout xmlns:a="http://schemas.openxmlformats.org/drawingml/2006/main" xmlns:r="http://schemas.openxmlformats.org/officeDocument/2006/relationships" xmlns:p="http://schemas.openxmlformats.org/presentationml/2006/main" preserve="1">
+  <p:cSld name="Quote Name Card">
+    <p:spTree>
+      <p:nvGrpSpPr>
+        <p:cNvPr id="1" name=""/>
+        <p:cNvGrpSpPr/>
+        <p:nvPr/>
+      </p:nvGrpSpPr>
+      <p:grpSpPr>
+        <a:xfrm>
+          <a:off x="0" y="0"/>
+          <a:ext cx="0" cy="0"/>
+          <a:chOff x="0" y="0"/>
+          <a:chExt cx="0" cy="0"/>
+        </a:xfrm>
+      </p:grpSpPr>
+      <p:sp>
+        <p:nvSpPr>
+          <p:cNvPr id="2" name="Title 1"/>
+          <p:cNvSpPr>
+            <a:spLocks noGrp="1"/>
+          </p:cNvSpPr>
+          <p:nvPr>
+            <p:ph type="title"/>
+          </p:nvPr>
+        </p:nvSpPr>
+        <p:spPr>
+          <a:xfrm>
+            <a:off x="931334" y="609600"/>
+            <a:ext cx="8094134" cy="3022600"/>
+          </a:xfrm>
+        </p:spPr>
+        <p:txBody>
+          <a:bodyPr anchor="ctr">
+            <a:normAutofit/>
+          </a:bodyPr>
+          <a:lstStyle>
+            <a:lvl1pPr algn="l">
+              <a:defRPr sz="4400" b="0" cap="none"/>
+            </a:lvl1pPr>
+          </a:lstStyle>
+          <a:p>
+            <a:r>
+              <a:rPr lang="en-US"/>
+              <a:t>Click to edit Master title style</a:t>
+            </a:r>
+            <a:endParaRPr lang="en-US" dirty="0"/>
+          </a:p>
+        </p:txBody>
+      </p:sp>
+      <p:sp>
+        <p:nvSpPr>
+          <p:cNvPr id="23" name="Text Placeholder 9"/>
+          <p:cNvSpPr>
+            <a:spLocks noGrp="1"/>
+          </p:cNvSpPr>
+          <p:nvPr>
+            <p:ph type="body" sz="quarter" idx="13"/>
+          </p:nvPr>
+        </p:nvSpPr>
+        <p:spPr>
+          <a:xfrm>
+            <a:off x="677332" y="4013200"/>
+            <a:ext cx="8596669" cy="514248"/>
+          </a:xfrm>
+        </p:spPr>
+        <p:txBody>
+          <a:bodyPr anchor="b">
+            <a:noAutofit/>
+          </a:bodyPr>
+          <a:lstStyle>
+            <a:lvl1pPr marL="0" indent="0">
+              <a:buFontTx/>
+              <a:buNone/>
+              <a:defRPr sz="2400">
+                <a:solidFill>
+                  <a:schemeClr val="tx1">
+                    <a:lumMod val="75000"/>
+                    <a:lumOff val="25000"/>
+                  </a:schemeClr>
+                </a:solidFill>
+              </a:defRPr>
+            </a:lvl1pPr>
+            <a:lvl2pPr marL="457200" indent="0">
+              <a:buFontTx/>
+              <a:buNone/>
+              <a:defRPr/>
+            </a:lvl2pPr>
+            <a:lvl3pPr marL="914400" indent="0">
+              <a:buFontTx/>
+              <a:buNone/>
+              <a:defRPr/>
+            </a:lvl3pPr>
+            <a:lvl4pPr marL="1371600" indent="0">
+              <a:buFontTx/>
+              <a:buNone/>
+              <a:defRPr/>
+            </a:lvl4pPr>
+            <a:lvl5pPr marL="1828800" indent="0">
+              <a:buFontTx/>
+              <a:buNone/>
+              <a:defRPr/>
+            </a:lvl5pPr>
+          </a:lstStyle>
+          <a:p>
+            <a:pPr lvl="0"/>
+            <a:r>
+              <a:rPr lang="en-US"/>
+              <a:t>Edit Master text styles</a:t>
+            </a:r>
+          </a:p>
+        </p:txBody>
+      </p:sp>
+      <p:sp>
+        <p:nvSpPr>
+          <p:cNvPr id="3" name="Text Placeholder 2"/>
+          <p:cNvSpPr>
+            <a:spLocks noGrp="1"/>
+          </p:cNvSpPr>
+          <p:nvPr>
+            <p:ph type="body" idx="1"/>
+          </p:nvPr>
+        </p:nvSpPr>
+        <p:spPr>
+          <a:xfrm>
+            <a:off x="677335" y="4527448"/>
+            <a:ext cx="8596668" cy="1513914"/>
+          </a:xfrm>
+        </p:spPr>
+        <p:txBody>
+          <a:bodyPr anchor="t">
+            <a:normAutofit/>
+          </a:bodyPr>
+          <a:lstStyle>
+            <a:lvl1pPr marL="0" indent="0" algn="l">
+              <a:buNone/>
+              <a:defRPr sz="1800">
+                <a:solidFill>
+                  <a:schemeClr val="tx1">
+                    <a:lumMod val="50000"/>
+                    <a:lumOff val="50000"/>
+                  </a:schemeClr>
+                </a:solidFill>
+              </a:defRPr>
+            </a:lvl1pPr>
+            <a:lvl2pPr marL="457200" indent="0">
+              <a:buNone/>
+              <a:defRPr sz="1800">
+                <a:solidFill>
+                  <a:schemeClr val="tx1">
+                    <a:tint val="75000"/>
+                  </a:schemeClr>
+                </a:solidFill>
+              </a:defRPr>
+            </a:lvl2pPr>
+            <a:lvl3pPr marL="914400" indent="0">
+              <a:buNone/>
+              <a:defRPr sz="1600">
+                <a:solidFill>
+                  <a:schemeClr val="tx1">
+                    <a:tint val="75000"/>
+                  </a:schemeClr>
+                </a:solidFill>
+              </a:defRPr>
+            </a:lvl3pPr>
+            <a:lvl4pPr marL="1371600" indent="0">
+              <a:buNone/>
+              <a:defRPr sz="1400">
+                <a:solidFill>
+                  <a:schemeClr val="tx1">
+                    <a:tint val="75000"/>
+                  </a:schemeClr>
+                </a:solidFill>
+              </a:defRPr>
+            </a:lvl4pPr>
+            <a:lvl5pPr marL="1828800" indent="0">
+              <a:buNone/>
+              <a:defRPr sz="1400">
+                <a:solidFill>
+                  <a:schemeClr val="tx1">
+                    <a:tint val="75000"/>
+                  </a:schemeClr>
+                </a:solidFill>
+              </a:defRPr>
+            </a:lvl5pPr>
+            <a:lvl6pPr marL="2286000" indent="0">
+              <a:buNone/>
+              <a:defRPr sz="1400">
+                <a:solidFill>
+                  <a:schemeClr val="tx1">
+                    <a:tint val="75000"/>
+                  </a:schemeClr>
+                </a:solidFill>
+              </a:defRPr>
+            </a:lvl6pPr>
+            <a:lvl7pPr marL="2743200" indent="0">
+              <a:buNone/>
+              <a:defRPr sz="1400">
+                <a:solidFill>
+                  <a:schemeClr val="tx1">
+                    <a:tint val="75000"/>
+                  </a:schemeClr>
+                </a:solidFill>
+              </a:defRPr>
+            </a:lvl7pPr>
+            <a:lvl8pPr marL="3200400" indent="0">
+              <a:buNone/>
+              <a:defRPr sz="1400">
+                <a:solidFill>
+                  <a:schemeClr val="tx1">
+                    <a:tint val="75000"/>
+                  </a:schemeClr>
+                </a:solidFill>
+              </a:defRPr>
+            </a:lvl8pPr>
+            <a:lvl9pPr marL="3657600" indent="0">
+              <a:buNone/>
+              <a:defRPr sz="1400">
+                <a:solidFill>
+                  <a:schemeClr val="tx1">
+                    <a:tint val="75000"/>
+                  </a:schemeClr>
+                </a:solidFill>
+              </a:defRPr>
+            </a:lvl9pPr>
+          </a:lstStyle>
+          <a:p>
+            <a:pPr lvl="0"/>
+            <a:r>
+              <a:rPr lang="en-US"/>
+              <a:t>Edit Master text styles</a:t>
+            </a:r>
+          </a:p>
+        </p:txBody>
+      </p:sp>
+      <p:sp>
+        <p:nvSpPr>
+          <p:cNvPr id="4" name="Date Placeholder 3"/>
+          <p:cNvSpPr>
+            <a:spLocks noGrp="1"/>
+          </p:cNvSpPr>
+          <p:nvPr>
+            <p:ph type="dt" sz="half" idx="10"/>
+          </p:nvPr>
+        </p:nvSpPr>
+        <p:spPr/>
+        <p:txBody>
+          <a:bodyPr/>
+          <a:lstStyle/>
+          <a:p>
+            <a:fld id="{0F92F7F0-426F-4870-B636-B1A7C95EC8B7}" type="datetimeFigureOut">
+              <a:rPr lang="en-US" smtClean="0"/>
+              <a:t>4/11/2016</a:t>
+            </a:fld>
+            <a:endParaRPr lang="en-US"/>
+          </a:p>
+        </p:txBody>
+      </p:sp>
+      <p:sp>
+        <p:nvSpPr>
+          <p:cNvPr id="5" name="Footer Placeholder 4"/>
+          <p:cNvSpPr>
+            <a:spLocks noGrp="1"/>
+          </p:cNvSpPr>
+          <p:nvPr>
+            <p:ph type="ftr" sz="quarter" idx="11"/>
+          </p:nvPr>
+        </p:nvSpPr>
+        <p:spPr/>
+        <p:txBody>
+          <a:bodyPr/>
+          <a:lstStyle/>
+          <a:p>
+            <a:endParaRPr lang="en-US"/>
+          </a:p>
+        </p:txBody>
+      </p:sp>
+      <p:sp>
+        <p:nvSpPr>
+          <p:cNvPr id="6" name="Slide Number Placeholder 5"/>
+          <p:cNvSpPr>
+            <a:spLocks noGrp="1"/>
+          </p:cNvSpPr>
+          <p:nvPr>
+            <p:ph type="sldNum" sz="quarter" idx="12"/>
+          </p:nvPr>
+        </p:nvSpPr>
+        <p:spPr/>
+        <p:txBody>
+          <a:bodyPr/>
+          <a:lstStyle/>
+          <a:p>
+            <a:fld id="{EA80057D-C09E-496E-BFFF-270009F2FAA9}" type="slidenum">
+              <a:rPr lang="en-US" smtClean="0"/>
+              <a:t>‹#›</a:t>
+            </a:fld>
+            <a:endParaRPr lang="en-US"/>
+          </a:p>
+        </p:txBody>
+      </p:sp>
+      <p:sp>
+        <p:nvSpPr>
+          <p:cNvPr id="24" name="TextBox 23"/>
+          <p:cNvSpPr txBox="1"/>
+          <p:nvPr/>
+        </p:nvSpPr>
+        <p:spPr>
+          <a:xfrm>
+            <a:off x="541870" y="790378"/>
+            <a:ext cx="609600" cy="584776"/>
+          </a:xfrm>
+          <a:prstGeom prst="rect">
+            <a:avLst/>
+          </a:prstGeom>
+        </p:spPr>
+        <p:txBody>
+          <a:bodyPr vert="horz" lIns="91440" tIns="45720" rIns="91440" bIns="45720" rtlCol="0" anchor="ctr">
+            <a:noAutofit/>
+          </a:bodyPr>
+          <a:lstStyle/>
+          <a:p>
+            <a:pPr lvl="0"/>
+            <a:r>
+              <a:rPr lang="en-US" sz="8000" baseline="0" dirty="0">
+                <a:ln w="3175" cmpd="sng">
+                  <a:noFill/>
+                </a:ln>
+                <a:solidFill>
+                  <a:schemeClr val="accent1">
+                    <a:lumMod val="60000"/>
+                    <a:lumOff val="40000"/>
+                  </a:schemeClr>
+                </a:solidFill>
+                <a:effectLst/>
+                <a:latin typeface="Arial"/>
+              </a:rPr>
+              <a:t>“</a:t>
+            </a:r>
+          </a:p>
+        </p:txBody>
+      </p:sp>
+      <p:sp>
+        <p:nvSpPr>
+          <p:cNvPr id="25" name="TextBox 24"/>
+          <p:cNvSpPr txBox="1"/>
+          <p:nvPr/>
+        </p:nvSpPr>
+        <p:spPr>
+          <a:xfrm>
+            <a:off x="8893011" y="2886556"/>
+            <a:ext cx="609600" cy="584776"/>
+          </a:xfrm>
+          <a:prstGeom prst="rect">
+            <a:avLst/>
+          </a:prstGeom>
+        </p:spPr>
+        <p:txBody>
+          <a:bodyPr vert="horz" lIns="91440" tIns="45720" rIns="91440" bIns="45720" rtlCol="0" anchor="ctr">
+            <a:noAutofit/>
+          </a:bodyPr>
+          <a:lstStyle/>
+          <a:p>
+            <a:pPr lvl="0"/>
+            <a:r>
+              <a:rPr lang="en-US" sz="8000" baseline="0" dirty="0">
+                <a:ln w="3175" cmpd="sng">
+                  <a:noFill/>
+                </a:ln>
+                <a:solidFill>
+                  <a:schemeClr val="accent1">
+                    <a:lumMod val="60000"/>
+                    <a:lumOff val="40000"/>
+                  </a:schemeClr>
+                </a:solidFill>
+                <a:effectLst/>
+                <a:latin typeface="Arial"/>
+              </a:rPr>
+              <a:t>”</a:t>
+            </a:r>
+          </a:p>
+        </p:txBody>
+      </p:sp>
+    </p:spTree>
+    <p:extLst>
+      <p:ext uri="{BB962C8B-B14F-4D97-AF65-F5344CB8AC3E}">
+        <p14:creationId xmlns:p14="http://schemas.microsoft.com/office/powerpoint/2010/main" val="1472716667"/>
+      </p:ext>
+    </p:extLst>
+  </p:cSld>
+  <p:clrMapOvr>
+    <a:masterClrMapping/>
+  </p:clrMapOvr>
+</p:sldLayout>
+</file>
+
+<file path=ppt/slideLayouts/slideLayout14.xml><?xml version="1.0" encoding="utf-8"?>
+<p:sldLayout xmlns:a="http://schemas.openxmlformats.org/drawingml/2006/main" xmlns:r="http://schemas.openxmlformats.org/officeDocument/2006/relationships" xmlns:p="http://schemas.openxmlformats.org/presentationml/2006/main" preserve="1">
+  <p:cSld name="True or False">
+    <p:spTree>
+      <p:nvGrpSpPr>
+        <p:cNvPr id="1" name=""/>
+        <p:cNvGrpSpPr/>
+        <p:nvPr/>
+      </p:nvGrpSpPr>
+      <p:grpSpPr>
+        <a:xfrm>
+          <a:off x="0" y="0"/>
+          <a:ext cx="0" cy="0"/>
+          <a:chOff x="0" y="0"/>
+          <a:chExt cx="0" cy="0"/>
+        </a:xfrm>
+      </p:grpSpPr>
+      <p:sp>
+        <p:nvSpPr>
+          <p:cNvPr id="2" name="Title 1"/>
+          <p:cNvSpPr>
+            <a:spLocks noGrp="1"/>
+          </p:cNvSpPr>
+          <p:nvPr>
+            <p:ph type="title"/>
+          </p:nvPr>
+        </p:nvSpPr>
+        <p:spPr>
+          <a:xfrm>
+            <a:off x="685799" y="609600"/>
+            <a:ext cx="8588203" cy="3022600"/>
+          </a:xfrm>
+        </p:spPr>
+        <p:txBody>
+          <a:bodyPr anchor="ctr">
+            <a:normAutofit/>
+          </a:bodyPr>
+          <a:lstStyle>
+            <a:lvl1pPr algn="l">
+              <a:defRPr sz="4400" b="0" cap="none"/>
+            </a:lvl1pPr>
+          </a:lstStyle>
+          <a:p>
+            <a:r>
+              <a:rPr lang="en-US"/>
+              <a:t>Click to edit Master title style</a:t>
+            </a:r>
+            <a:endParaRPr lang="en-US" dirty="0"/>
+          </a:p>
+        </p:txBody>
+      </p:sp>
+      <p:sp>
+        <p:nvSpPr>
+          <p:cNvPr id="23" name="Text Placeholder 9"/>
+          <p:cNvSpPr>
+            <a:spLocks noGrp="1"/>
+          </p:cNvSpPr>
+          <p:nvPr>
+            <p:ph type="body" sz="quarter" idx="13"/>
+          </p:nvPr>
+        </p:nvSpPr>
+        <p:spPr>
+          <a:xfrm>
+            <a:off x="677332" y="4013200"/>
+            <a:ext cx="8596669" cy="514248"/>
+          </a:xfrm>
+        </p:spPr>
+        <p:txBody>
+          <a:bodyPr anchor="b">
+            <a:noAutofit/>
+          </a:bodyPr>
+          <a:lstStyle>
+            <a:lvl1pPr marL="0" indent="0">
+              <a:buFontTx/>
+              <a:buNone/>
+              <a:defRPr sz="2400">
+                <a:solidFill>
+                  <a:schemeClr val="accent1"/>
+                </a:solidFill>
+              </a:defRPr>
+            </a:lvl1pPr>
+            <a:lvl2pPr marL="457200" indent="0">
+              <a:buFontTx/>
+              <a:buNone/>
+              <a:defRPr/>
+            </a:lvl2pPr>
+            <a:lvl3pPr marL="914400" indent="0">
+              <a:buFontTx/>
+              <a:buNone/>
+              <a:defRPr/>
+            </a:lvl3pPr>
+            <a:lvl4pPr marL="1371600" indent="0">
+              <a:buFontTx/>
+              <a:buNone/>
+              <a:defRPr/>
+            </a:lvl4pPr>
+            <a:lvl5pPr marL="1828800" indent="0">
+              <a:buFontTx/>
+              <a:buNone/>
+              <a:defRPr/>
+            </a:lvl5pPr>
+          </a:lstStyle>
+          <a:p>
+            <a:pPr lvl="0"/>
+            <a:r>
+              <a:rPr lang="en-US"/>
+              <a:t>Edit Master text styles</a:t>
+            </a:r>
+          </a:p>
+        </p:txBody>
+      </p:sp>
+      <p:sp>
+        <p:nvSpPr>
+          <p:cNvPr id="3" name="Text Placeholder 2"/>
+          <p:cNvSpPr>
+            <a:spLocks noGrp="1"/>
+          </p:cNvSpPr>
+          <p:nvPr>
+            <p:ph type="body" idx="1"/>
+          </p:nvPr>
+        </p:nvSpPr>
+        <p:spPr>
+          <a:xfrm>
+            <a:off x="677335" y="4527448"/>
+            <a:ext cx="8596668" cy="1513914"/>
+          </a:xfrm>
+        </p:spPr>
+        <p:txBody>
+          <a:bodyPr anchor="t">
+            <a:normAutofit/>
+          </a:bodyPr>
+          <a:lstStyle>
+            <a:lvl1pPr marL="0" indent="0" algn="l">
+              <a:buNone/>
+              <a:defRPr sz="1800">
+                <a:solidFill>
+                  <a:schemeClr val="tx1">
+                    <a:lumMod val="50000"/>
+                    <a:lumOff val="50000"/>
+                  </a:schemeClr>
+                </a:solidFill>
+              </a:defRPr>
+            </a:lvl1pPr>
+            <a:lvl2pPr marL="457200" indent="0">
+              <a:buNone/>
+              <a:defRPr sz="1800">
+                <a:solidFill>
+                  <a:schemeClr val="tx1">
+                    <a:tint val="75000"/>
+                  </a:schemeClr>
+                </a:solidFill>
+              </a:defRPr>
+            </a:lvl2pPr>
+            <a:lvl3pPr marL="914400" indent="0">
+              <a:buNone/>
+              <a:defRPr sz="1600">
+                <a:solidFill>
+                  <a:schemeClr val="tx1">
+                    <a:tint val="75000"/>
+                  </a:schemeClr>
+                </a:solidFill>
+              </a:defRPr>
+            </a:lvl3pPr>
+            <a:lvl4pPr marL="1371600" indent="0">
+              <a:buNone/>
+              <a:defRPr sz="1400">
+                <a:solidFill>
+                  <a:schemeClr val="tx1">
+                    <a:tint val="75000"/>
+                  </a:schemeClr>
+                </a:solidFill>
+              </a:defRPr>
+            </a:lvl4pPr>
+            <a:lvl5pPr marL="1828800" indent="0">
+              <a:buNone/>
+              <a:defRPr sz="1400">
+                <a:solidFill>
+                  <a:schemeClr val="tx1">
+                    <a:tint val="75000"/>
+                  </a:schemeClr>
+                </a:solidFill>
+              </a:defRPr>
+            </a:lvl5pPr>
+            <a:lvl6pPr marL="2286000" indent="0">
+              <a:buNone/>
+              <a:defRPr sz="1400">
+                <a:solidFill>
+                  <a:schemeClr val="tx1">
+                    <a:tint val="75000"/>
+                  </a:schemeClr>
+                </a:solidFill>
+              </a:defRPr>
+            </a:lvl6pPr>
+            <a:lvl7pPr marL="2743200" indent="0">
+              <a:buNone/>
+              <a:defRPr sz="1400">
+                <a:solidFill>
+                  <a:schemeClr val="tx1">
+                    <a:tint val="75000"/>
+                  </a:schemeClr>
+                </a:solidFill>
+              </a:defRPr>
+            </a:lvl7pPr>
+            <a:lvl8pPr marL="3200400" indent="0">
+              <a:buNone/>
+              <a:defRPr sz="1400">
+                <a:solidFill>
+                  <a:schemeClr val="tx1">
+                    <a:tint val="75000"/>
+                  </a:schemeClr>
+                </a:solidFill>
+              </a:defRPr>
+            </a:lvl8pPr>
+            <a:lvl9pPr marL="3657600" indent="0">
+              <a:buNone/>
+              <a:defRPr sz="1400">
+                <a:solidFill>
+                  <a:schemeClr val="tx1">
+                    <a:tint val="75000"/>
+                  </a:schemeClr>
+                </a:solidFill>
+              </a:defRPr>
+            </a:lvl9pPr>
+          </a:lstStyle>
+          <a:p>
+            <a:pPr lvl="0"/>
+            <a:r>
+              <a:rPr lang="en-US"/>
+              <a:t>Edit Master text styles</a:t>
+            </a:r>
+          </a:p>
+        </p:txBody>
+      </p:sp>
+      <p:sp>
+        <p:nvSpPr>
+          <p:cNvPr id="4" name="Date Placeholder 3"/>
+          <p:cNvSpPr>
+            <a:spLocks noGrp="1"/>
+          </p:cNvSpPr>
+          <p:nvPr>
+            <p:ph type="dt" sz="half" idx="10"/>
+          </p:nvPr>
+        </p:nvSpPr>
+        <p:spPr/>
+        <p:txBody>
+          <a:bodyPr/>
+          <a:lstStyle/>
+          <a:p>
+            <a:fld id="{0F92F7F0-426F-4870-B636-B1A7C95EC8B7}" type="datetimeFigureOut">
+              <a:rPr lang="en-US" smtClean="0"/>
+              <a:t>4/11/2016</a:t>
+            </a:fld>
+            <a:endParaRPr lang="en-US"/>
+          </a:p>
+        </p:txBody>
+      </p:sp>
+      <p:sp>
+        <p:nvSpPr>
+          <p:cNvPr id="5" name="Footer Placeholder 4"/>
+          <p:cNvSpPr>
+            <a:spLocks noGrp="1"/>
+          </p:cNvSpPr>
+          <p:nvPr>
+            <p:ph type="ftr" sz="quarter" idx="11"/>
+          </p:nvPr>
+        </p:nvSpPr>
+        <p:spPr/>
+        <p:txBody>
+          <a:bodyPr/>
+          <a:lstStyle/>
+          <a:p>
+            <a:endParaRPr lang="en-US"/>
+          </a:p>
+        </p:txBody>
+      </p:sp>
+      <p:sp>
+        <p:nvSpPr>
+          <p:cNvPr id="6" name="Slide Number Placeholder 5"/>
+          <p:cNvSpPr>
+            <a:spLocks noGrp="1"/>
+          </p:cNvSpPr>
+          <p:nvPr>
+            <p:ph type="sldNum" sz="quarter" idx="12"/>
+          </p:nvPr>
+        </p:nvSpPr>
+        <p:spPr/>
+        <p:txBody>
+          <a:bodyPr/>
+          <a:lstStyle/>
+          <a:p>
+            <a:fld id="{EA80057D-C09E-496E-BFFF-270009F2FAA9}" type="slidenum">
+              <a:rPr lang="en-US" smtClean="0"/>
+              <a:t>‹#›</a:t>
+            </a:fld>
+            <a:endParaRPr lang="en-US"/>
+          </a:p>
+        </p:txBody>
+      </p:sp>
+    </p:spTree>
+    <p:extLst>
+      <p:ext uri="{BB962C8B-B14F-4D97-AF65-F5344CB8AC3E}">
+        <p14:creationId xmlns:p14="http://schemas.microsoft.com/office/powerpoint/2010/main" val="1113643928"/>
+      </p:ext>
+    </p:extLst>
+  </p:cSld>
+  <p:clrMapOvr>
+    <a:masterClrMapping/>
+  </p:clrMapOvr>
+</p:sldLayout>
+</file>
+
+<file path=ppt/slideLayouts/slideLayout15.xml><?xml version="1.0" encoding="utf-8"?>
 <p:sldLayout xmlns:a="http://schemas.openxmlformats.org/drawingml/2006/main" xmlns:r="http://schemas.openxmlformats.org/officeDocument/2006/relationships" xmlns:p="http://schemas.openxmlformats.org/presentationml/2006/main" type="vertTx" preserve="1">
   <p:cSld name="Title and Vertical Text">
     <p:spTree>
@@ -1154,6 +5487,7 @@
               <a:rPr lang="en-US"/>
               <a:t>Click to edit Master title style</a:t>
             </a:r>
+            <a:endParaRPr lang="en-US" dirty="0"/>
           </a:p>
         </p:txBody>
       </p:sp>
@@ -1205,6 +5539,7 @@
               <a:rPr lang="en-US"/>
               <a:t>Fifth level</a:t>
             </a:r>
+            <a:endParaRPr lang="en-US" dirty="0"/>
           </a:p>
         </p:txBody>
       </p:sp>
@@ -1225,7 +5560,7 @@
           <a:p>
             <a:fld id="{0F92F7F0-426F-4870-B636-B1A7C95EC8B7}" type="datetimeFigureOut">
               <a:rPr lang="en-US" smtClean="0"/>
-              <a:t>4/10/2016</a:t>
+              <a:t>4/11/2016</a:t>
             </a:fld>
             <a:endParaRPr lang="en-US"/>
           </a:p>
@@ -1276,7 +5611,7 @@
     </p:spTree>
     <p:extLst>
       <p:ext uri="{BB962C8B-B14F-4D97-AF65-F5344CB8AC3E}">
-        <p14:creationId xmlns:p14="http://schemas.microsoft.com/office/powerpoint/2010/main" val="2990256584"/>
+        <p14:creationId xmlns:p14="http://schemas.microsoft.com/office/powerpoint/2010/main" val="1643995591"/>
       </p:ext>
     </p:extLst>
   </p:cSld>
@@ -1286,7 +5621,7 @@
 </p:sldLayout>
 </file>
 
-<file path=ppt/slideLayouts/slideLayout11.xml><?xml version="1.0" encoding="utf-8"?>
+<file path=ppt/slideLayouts/slideLayout16.xml><?xml version="1.0" encoding="utf-8"?>
 <p:sldLayout xmlns:a="http://schemas.openxmlformats.org/drawingml/2006/main" xmlns:r="http://schemas.openxmlformats.org/officeDocument/2006/relationships" xmlns:p="http://schemas.openxmlformats.org/presentationml/2006/main" type="vertTitleAndTx" preserve="1">
   <p:cSld name="Vertical Title and Text">
     <p:spTree>
@@ -1315,41 +5650,42 @@
         </p:nvSpPr>
         <p:spPr>
           <a:xfrm>
-            <a:off x="8724900" y="365125"/>
-            <a:ext cx="2628900" cy="5811838"/>
+            <a:off x="7967673" y="609599"/>
+            <a:ext cx="1304743" cy="5251451"/>
           </a:xfrm>
         </p:spPr>
         <p:txBody>
+          <a:bodyPr vert="eaVert" anchor="ctr"/>
+          <a:lstStyle/>
+          <a:p>
+            <a:r>
+              <a:rPr lang="en-US"/>
+              <a:t>Click to edit Master title style</a:t>
+            </a:r>
+            <a:endParaRPr lang="en-US" dirty="0"/>
+          </a:p>
+        </p:txBody>
+      </p:sp>
+      <p:sp>
+        <p:nvSpPr>
+          <p:cNvPr id="3" name="Vertical Text Placeholder 2"/>
+          <p:cNvSpPr>
+            <a:spLocks noGrp="1"/>
+          </p:cNvSpPr>
+          <p:nvPr>
+            <p:ph type="body" orient="vert" idx="1"/>
+          </p:nvPr>
+        </p:nvSpPr>
+        <p:spPr>
+          <a:xfrm>
+            <a:off x="677335" y="609600"/>
+            <a:ext cx="7060150" cy="5251450"/>
+          </a:xfrm>
+        </p:spPr>
+        <p:txBody>
           <a:bodyPr vert="eaVert"/>
           <a:lstStyle/>
           <a:p>
-            <a:r>
-              <a:rPr lang="en-US"/>
-              <a:t>Click to edit Master title style</a:t>
-            </a:r>
-          </a:p>
-        </p:txBody>
-      </p:sp>
-      <p:sp>
-        <p:nvSpPr>
-          <p:cNvPr id="3" name="Vertical Text Placeholder 2"/>
-          <p:cNvSpPr>
-            <a:spLocks noGrp="1"/>
-          </p:cNvSpPr>
-          <p:nvPr>
-            <p:ph type="body" orient="vert" idx="1"/>
-          </p:nvPr>
-        </p:nvSpPr>
-        <p:spPr>
-          <a:xfrm>
-            <a:off x="838200" y="365125"/>
-            <a:ext cx="7734300" cy="5811838"/>
-          </a:xfrm>
-        </p:spPr>
-        <p:txBody>
-          <a:bodyPr vert="eaVert"/>
-          <a:lstStyle/>
-          <a:p>
             <a:pPr lvl="0"/>
             <a:r>
               <a:rPr lang="en-US"/>
@@ -1383,6 +5719,7 @@
               <a:rPr lang="en-US"/>
               <a:t>Fifth level</a:t>
             </a:r>
+            <a:endParaRPr lang="en-US" dirty="0"/>
           </a:p>
         </p:txBody>
       </p:sp>
@@ -1403,7 +5740,7 @@
           <a:p>
             <a:fld id="{0F92F7F0-426F-4870-B636-B1A7C95EC8B7}" type="datetimeFigureOut">
               <a:rPr lang="en-US" smtClean="0"/>
-              <a:t>4/10/2016</a:t>
+              <a:t>4/11/2016</a:t>
             </a:fld>
             <a:endParaRPr lang="en-US"/>
           </a:p>
@@ -1454,7 +5791,7 @@
     </p:spTree>
     <p:extLst>
       <p:ext uri="{BB962C8B-B14F-4D97-AF65-F5344CB8AC3E}">
-        <p14:creationId xmlns:p14="http://schemas.microsoft.com/office/powerpoint/2010/main" val="2880625901"/>
+        <p14:creationId xmlns:p14="http://schemas.microsoft.com/office/powerpoint/2010/main" val="3121896201"/>
       </p:ext>
     </p:extLst>
   </p:cSld>
@@ -1493,24 +5830,83 @@
         </p:nvSpPr>
         <p:spPr/>
         <p:txBody>
+          <a:bodyPr>
+            <a:normAutofit/>
+          </a:bodyPr>
+          <a:lstStyle>
+            <a:lvl1pPr>
+              <a:defRPr sz="3600"/>
+            </a:lvl1pPr>
+          </a:lstStyle>
+          <a:p>
+            <a:r>
+              <a:rPr lang="en-US"/>
+              <a:t>Click to edit Master title style</a:t>
+            </a:r>
+            <a:endParaRPr lang="en-US" dirty="0"/>
+          </a:p>
+        </p:txBody>
+      </p:sp>
+      <p:sp>
+        <p:nvSpPr>
+          <p:cNvPr id="3" name="Content Placeholder 2"/>
+          <p:cNvSpPr>
+            <a:spLocks noGrp="1"/>
+          </p:cNvSpPr>
+          <p:nvPr>
+            <p:ph idx="1"/>
+          </p:nvPr>
+        </p:nvSpPr>
+        <p:spPr/>
+        <p:txBody>
           <a:bodyPr/>
           <a:lstStyle/>
           <a:p>
+            <a:pPr lvl="0"/>
             <a:r>
               <a:rPr lang="en-US"/>
-              <a:t>Click to edit Master title style</a:t>
-            </a:r>
-          </a:p>
-        </p:txBody>
-      </p:sp>
-      <p:sp>
-        <p:nvSpPr>
-          <p:cNvPr id="3" name="Content Placeholder 2"/>
-          <p:cNvSpPr>
-            <a:spLocks noGrp="1"/>
-          </p:cNvSpPr>
-          <p:nvPr>
-            <p:ph idx="1"/>
+              <a:t>Edit Master text styles</a:t>
+            </a:r>
+          </a:p>
+          <a:p>
+            <a:pPr lvl="1"/>
+            <a:r>
+              <a:rPr lang="en-US"/>
+              <a:t>Second level</a:t>
+            </a:r>
+          </a:p>
+          <a:p>
+            <a:pPr lvl="2"/>
+            <a:r>
+              <a:rPr lang="en-US"/>
+              <a:t>Third level</a:t>
+            </a:r>
+          </a:p>
+          <a:p>
+            <a:pPr lvl="3"/>
+            <a:r>
+              <a:rPr lang="en-US"/>
+              <a:t>Fourth level</a:t>
+            </a:r>
+          </a:p>
+          <a:p>
+            <a:pPr lvl="4"/>
+            <a:r>
+              <a:rPr lang="en-US"/>
+              <a:t>Fifth level</a:t>
+            </a:r>
+            <a:endParaRPr lang="en-US" dirty="0"/>
+          </a:p>
+        </p:txBody>
+      </p:sp>
+      <p:sp>
+        <p:nvSpPr>
+          <p:cNvPr id="4" name="Date Placeholder 3"/>
+          <p:cNvSpPr>
+            <a:spLocks noGrp="1"/>
+          </p:cNvSpPr>
+          <p:nvPr>
+            <p:ph type="dt" sz="half" idx="10"/>
           </p:nvPr>
         </p:nvSpPr>
         <p:spPr/>
@@ -1518,60 +5914,9 @@
           <a:bodyPr/>
           <a:lstStyle/>
           <a:p>
-            <a:pPr lvl="0"/>
-            <a:r>
-              <a:rPr lang="en-US"/>
-              <a:t>Edit Master text styles</a:t>
-            </a:r>
-          </a:p>
-          <a:p>
-            <a:pPr lvl="1"/>
-            <a:r>
-              <a:rPr lang="en-US"/>
-              <a:t>Second level</a:t>
-            </a:r>
-          </a:p>
-          <a:p>
-            <a:pPr lvl="2"/>
-            <a:r>
-              <a:rPr lang="en-US"/>
-              <a:t>Third level</a:t>
-            </a:r>
-          </a:p>
-          <a:p>
-            <a:pPr lvl="3"/>
-            <a:r>
-              <a:rPr lang="en-US"/>
-              <a:t>Fourth level</a:t>
-            </a:r>
-          </a:p>
-          <a:p>
-            <a:pPr lvl="4"/>
-            <a:r>
-              <a:rPr lang="en-US"/>
-              <a:t>Fifth level</a:t>
-            </a:r>
-          </a:p>
-        </p:txBody>
-      </p:sp>
-      <p:sp>
-        <p:nvSpPr>
-          <p:cNvPr id="4" name="Date Placeholder 3"/>
-          <p:cNvSpPr>
-            <a:spLocks noGrp="1"/>
-          </p:cNvSpPr>
-          <p:nvPr>
-            <p:ph type="dt" sz="half" idx="10"/>
-          </p:nvPr>
-        </p:nvSpPr>
-        <p:spPr/>
-        <p:txBody>
-          <a:bodyPr/>
-          <a:lstStyle/>
-          <a:p>
             <a:fld id="{0F92F7F0-426F-4870-B636-B1A7C95EC8B7}" type="datetimeFigureOut">
               <a:rPr lang="en-US" smtClean="0"/>
-              <a:t>4/10/2016</a:t>
+              <a:t>4/11/2016</a:t>
             </a:fld>
             <a:endParaRPr lang="en-US"/>
           </a:p>
@@ -1622,7 +5967,7 @@
     </p:spTree>
     <p:extLst>
       <p:ext uri="{BB962C8B-B14F-4D97-AF65-F5344CB8AC3E}">
-        <p14:creationId xmlns:p14="http://schemas.microsoft.com/office/powerpoint/2010/main" val="1908837043"/>
+        <p14:creationId xmlns:p14="http://schemas.microsoft.com/office/powerpoint/2010/main" val="2029485645"/>
       </p:ext>
     </p:extLst>
   </p:cSld>
@@ -1661,15 +6006,15 @@
         </p:nvSpPr>
         <p:spPr>
           <a:xfrm>
-            <a:off x="831850" y="1709738"/>
-            <a:ext cx="10515600" cy="2852737"/>
+            <a:off x="677335" y="2700867"/>
+            <a:ext cx="8596668" cy="1826581"/>
           </a:xfrm>
         </p:spPr>
         <p:txBody>
           <a:bodyPr anchor="b"/>
           <a:lstStyle>
-            <a:lvl1pPr>
-              <a:defRPr sz="6000"/>
+            <a:lvl1pPr algn="l">
+              <a:defRPr sz="4000" b="0" cap="none"/>
             </a:lvl1pPr>
           </a:lstStyle>
           <a:p>
@@ -1677,6 +6022,7 @@
               <a:rPr lang="en-US"/>
               <a:t>Click to edit Master title style</a:t>
             </a:r>
+            <a:endParaRPr lang="en-US" dirty="0"/>
           </a:p>
         </p:txBody>
       </p:sp>
@@ -1692,26 +6038,27 @@
         </p:nvSpPr>
         <p:spPr>
           <a:xfrm>
-            <a:off x="831850" y="4589463"/>
-            <a:ext cx="10515600" cy="1500187"/>
+            <a:off x="677335" y="4527448"/>
+            <a:ext cx="8596668" cy="860400"/>
           </a:xfrm>
         </p:spPr>
         <p:txBody>
-          <a:bodyPr/>
+          <a:bodyPr anchor="t"/>
           <a:lstStyle>
-            <a:lvl1pPr marL="0" indent="0">
-              <a:buNone/>
-              <a:defRPr sz="2400">
+            <a:lvl1pPr marL="0" indent="0" algn="l">
+              <a:buNone/>
+              <a:defRPr sz="2000">
                 <a:solidFill>
                   <a:schemeClr val="tx1">
-                    <a:tint val="75000"/>
+                    <a:lumMod val="50000"/>
+                    <a:lumOff val="50000"/>
                   </a:schemeClr>
                 </a:solidFill>
               </a:defRPr>
             </a:lvl1pPr>
             <a:lvl2pPr marL="457200" indent="0">
               <a:buNone/>
-              <a:defRPr sz="2000">
+              <a:defRPr sz="1800">
                 <a:solidFill>
                   <a:schemeClr val="tx1">
                     <a:tint val="75000"/>
@@ -1721,7 +6068,7 @@
             </a:lvl2pPr>
             <a:lvl3pPr marL="914400" indent="0">
               <a:buNone/>
-              <a:defRPr sz="1800">
+              <a:defRPr sz="1600">
                 <a:solidFill>
                   <a:schemeClr val="tx1">
                     <a:tint val="75000"/>
@@ -1731,7 +6078,7 @@
             </a:lvl3pPr>
             <a:lvl4pPr marL="1371600" indent="0">
               <a:buNone/>
-              <a:defRPr sz="1600">
+              <a:defRPr sz="1400">
                 <a:solidFill>
                   <a:schemeClr val="tx1">
                     <a:tint val="75000"/>
@@ -1741,7 +6088,7 @@
             </a:lvl4pPr>
             <a:lvl5pPr marL="1828800" indent="0">
               <a:buNone/>
-              <a:defRPr sz="1600">
+              <a:defRPr sz="1400">
                 <a:solidFill>
                   <a:schemeClr val="tx1">
                     <a:tint val="75000"/>
@@ -1751,7 +6098,7 @@
             </a:lvl5pPr>
             <a:lvl6pPr marL="2286000" indent="0">
               <a:buNone/>
-              <a:defRPr sz="1600">
+              <a:defRPr sz="1400">
                 <a:solidFill>
                   <a:schemeClr val="tx1">
                     <a:tint val="75000"/>
@@ -1761,7 +6108,7 @@
             </a:lvl6pPr>
             <a:lvl7pPr marL="2743200" indent="0">
               <a:buNone/>
-              <a:defRPr sz="1600">
+              <a:defRPr sz="1400">
                 <a:solidFill>
                   <a:schemeClr val="tx1">
                     <a:tint val="75000"/>
@@ -1771,7 +6118,7 @@
             </a:lvl7pPr>
             <a:lvl8pPr marL="3200400" indent="0">
               <a:buNone/>
-              <a:defRPr sz="1600">
+              <a:defRPr sz="1400">
                 <a:solidFill>
                   <a:schemeClr val="tx1">
                     <a:tint val="75000"/>
@@ -1781,7 +6128,7 @@
             </a:lvl8pPr>
             <a:lvl9pPr marL="3657600" indent="0">
               <a:buNone/>
-              <a:defRPr sz="1600">
+              <a:defRPr sz="1400">
                 <a:solidFill>
                   <a:schemeClr val="tx1">
                     <a:tint val="75000"/>
@@ -1816,7 +6163,7 @@
           <a:p>
             <a:fld id="{0F92F7F0-426F-4870-B636-B1A7C95EC8B7}" type="datetimeFigureOut">
               <a:rPr lang="en-US" smtClean="0"/>
-              <a:t>4/10/2016</a:t>
+              <a:t>4/11/2016</a:t>
             </a:fld>
             <a:endParaRPr lang="en-US"/>
           </a:p>
@@ -1867,7 +6214,7 @@
     </p:spTree>
     <p:extLst>
       <p:ext uri="{BB962C8B-B14F-4D97-AF65-F5344CB8AC3E}">
-        <p14:creationId xmlns:p14="http://schemas.microsoft.com/office/powerpoint/2010/main" val="1413363848"/>
+        <p14:creationId xmlns:p14="http://schemas.microsoft.com/office/powerpoint/2010/main" val="2860224380"/>
       </p:ext>
     </p:extLst>
   </p:cSld>
@@ -1913,6 +6260,7 @@
               <a:rPr lang="en-US"/>
               <a:t>Click to edit Master title style</a:t>
             </a:r>
+            <a:endParaRPr lang="en-US" dirty="0"/>
           </a:p>
         </p:txBody>
       </p:sp>
@@ -1928,8 +6276,8 @@
         </p:nvSpPr>
         <p:spPr>
           <a:xfrm>
-            <a:off x="838200" y="1825625"/>
-            <a:ext cx="5181600" cy="4351338"/>
+            <a:off x="677334" y="2160589"/>
+            <a:ext cx="4184035" cy="3880772"/>
           </a:xfrm>
         </p:spPr>
         <p:txBody>
@@ -1969,6 +6317,7 @@
               <a:rPr lang="en-US"/>
               <a:t>Fifth level</a:t>
             </a:r>
+            <a:endParaRPr lang="en-US" dirty="0"/>
           </a:p>
         </p:txBody>
       </p:sp>
@@ -1984,8 +6333,8 @@
         </p:nvSpPr>
         <p:spPr>
           <a:xfrm>
-            <a:off x="6172200" y="1825625"/>
-            <a:ext cx="5181600" cy="4351338"/>
+            <a:off x="5089970" y="2160589"/>
+            <a:ext cx="4184034" cy="3880773"/>
           </a:xfrm>
         </p:spPr>
         <p:txBody>
@@ -2025,6 +6374,7 @@
               <a:rPr lang="en-US"/>
               <a:t>Fifth level</a:t>
             </a:r>
+            <a:endParaRPr lang="en-US" dirty="0"/>
           </a:p>
         </p:txBody>
       </p:sp>
@@ -2045,7 +6395,7 @@
           <a:p>
             <a:fld id="{0F92F7F0-426F-4870-B636-B1A7C95EC8B7}" type="datetimeFigureOut">
               <a:rPr lang="en-US" smtClean="0"/>
-              <a:t>4/10/2016</a:t>
+              <a:t>4/11/2016</a:t>
             </a:fld>
             <a:endParaRPr lang="en-US"/>
           </a:p>
@@ -2096,7 +6446,7 @@
     </p:spTree>
     <p:extLst>
       <p:ext uri="{BB962C8B-B14F-4D97-AF65-F5344CB8AC3E}">
-        <p14:creationId xmlns:p14="http://schemas.microsoft.com/office/powerpoint/2010/main" val="2066111439"/>
+        <p14:creationId xmlns:p14="http://schemas.microsoft.com/office/powerpoint/2010/main" val="3880107944"/>
       </p:ext>
     </p:extLst>
   </p:cSld>
@@ -2133,45 +6483,47 @@
             <p:ph type="title"/>
           </p:nvPr>
         </p:nvSpPr>
+        <p:spPr/>
+        <p:txBody>
+          <a:bodyPr/>
+          <a:lstStyle>
+            <a:lvl1pPr>
+              <a:defRPr/>
+            </a:lvl1pPr>
+          </a:lstStyle>
+          <a:p>
+            <a:r>
+              <a:rPr lang="en-US"/>
+              <a:t>Click to edit Master title style</a:t>
+            </a:r>
+            <a:endParaRPr lang="en-US" dirty="0"/>
+          </a:p>
+        </p:txBody>
+      </p:sp>
+      <p:sp>
+        <p:nvSpPr>
+          <p:cNvPr id="3" name="Text Placeholder 2"/>
+          <p:cNvSpPr>
+            <a:spLocks noGrp="1"/>
+          </p:cNvSpPr>
+          <p:nvPr>
+            <p:ph type="body" idx="1"/>
+          </p:nvPr>
+        </p:nvSpPr>
         <p:spPr>
           <a:xfrm>
-            <a:off x="839788" y="365125"/>
-            <a:ext cx="10515600" cy="1325563"/>
+            <a:off x="675745" y="2160983"/>
+            <a:ext cx="4185623" cy="576262"/>
           </a:xfrm>
         </p:spPr>
         <p:txBody>
-          <a:bodyPr/>
-          <a:lstStyle/>
-          <a:p>
-            <a:r>
-              <a:rPr lang="en-US"/>
-              <a:t>Click to edit Master title style</a:t>
-            </a:r>
-          </a:p>
-        </p:txBody>
-      </p:sp>
-      <p:sp>
-        <p:nvSpPr>
-          <p:cNvPr id="3" name="Text Placeholder 2"/>
-          <p:cNvSpPr>
-            <a:spLocks noGrp="1"/>
-          </p:cNvSpPr>
-          <p:nvPr>
-            <p:ph type="body" idx="1"/>
-          </p:nvPr>
-        </p:nvSpPr>
-        <p:spPr>
-          <a:xfrm>
-            <a:off x="839788" y="1681163"/>
-            <a:ext cx="5157787" cy="823912"/>
-          </a:xfrm>
-        </p:spPr>
-        <p:txBody>
-          <a:bodyPr anchor="b"/>
+          <a:bodyPr anchor="b">
+            <a:noAutofit/>
+          </a:bodyPr>
           <a:lstStyle>
             <a:lvl1pPr marL="0" indent="0">
               <a:buNone/>
-              <a:defRPr sz="2400" b="1"/>
+              <a:defRPr sz="2400" b="0"/>
             </a:lvl1pPr>
             <a:lvl2pPr marL="457200" indent="0">
               <a:buNone/>
@@ -2227,12 +6579,14 @@
         </p:nvSpPr>
         <p:spPr>
           <a:xfrm>
-            <a:off x="839788" y="2505075"/>
-            <a:ext cx="5157787" cy="3684588"/>
+            <a:off x="675745" y="2737245"/>
+            <a:ext cx="4185623" cy="3304117"/>
           </a:xfrm>
         </p:spPr>
         <p:txBody>
-          <a:bodyPr/>
+          <a:bodyPr>
+            <a:normAutofit/>
+          </a:bodyPr>
           <a:lstStyle/>
           <a:p>
             <a:pPr lvl="0"/>
@@ -2268,6 +6622,7 @@
               <a:rPr lang="en-US"/>
               <a:t>Fifth level</a:t>
             </a:r>
+            <a:endParaRPr lang="en-US" dirty="0"/>
           </a:p>
         </p:txBody>
       </p:sp>
@@ -2283,16 +6638,18 @@
         </p:nvSpPr>
         <p:spPr>
           <a:xfrm>
-            <a:off x="6172200" y="1681163"/>
-            <a:ext cx="5183188" cy="823912"/>
+            <a:off x="5088383" y="2160983"/>
+            <a:ext cx="4185618" cy="576262"/>
           </a:xfrm>
         </p:spPr>
         <p:txBody>
-          <a:bodyPr anchor="b"/>
+          <a:bodyPr anchor="b">
+            <a:noAutofit/>
+          </a:bodyPr>
           <a:lstStyle>
             <a:lvl1pPr marL="0" indent="0">
               <a:buNone/>
-              <a:defRPr sz="2400" b="1"/>
+              <a:defRPr sz="2400" b="0"/>
             </a:lvl1pPr>
             <a:lvl2pPr marL="457200" indent="0">
               <a:buNone/>
@@ -2348,68 +6705,71 @@
         </p:nvSpPr>
         <p:spPr>
           <a:xfrm>
-            <a:off x="6172200" y="2505075"/>
-            <a:ext cx="5183188" cy="3684588"/>
+            <a:off x="5088384" y="2737245"/>
+            <a:ext cx="4185617" cy="3304117"/>
           </a:xfrm>
         </p:spPr>
         <p:txBody>
+          <a:bodyPr>
+            <a:normAutofit/>
+          </a:bodyPr>
+          <a:lstStyle/>
+          <a:p>
+            <a:pPr lvl="0"/>
+            <a:r>
+              <a:rPr lang="en-US"/>
+              <a:t>Edit Master text styles</a:t>
+            </a:r>
+          </a:p>
+          <a:p>
+            <a:pPr lvl="1"/>
+            <a:r>
+              <a:rPr lang="en-US"/>
+              <a:t>Second level</a:t>
+            </a:r>
+          </a:p>
+          <a:p>
+            <a:pPr lvl="2"/>
+            <a:r>
+              <a:rPr lang="en-US"/>
+              <a:t>Third level</a:t>
+            </a:r>
+          </a:p>
+          <a:p>
+            <a:pPr lvl="3"/>
+            <a:r>
+              <a:rPr lang="en-US"/>
+              <a:t>Fourth level</a:t>
+            </a:r>
+          </a:p>
+          <a:p>
+            <a:pPr lvl="4"/>
+            <a:r>
+              <a:rPr lang="en-US"/>
+              <a:t>Fifth level</a:t>
+            </a:r>
+            <a:endParaRPr lang="en-US" dirty="0"/>
+          </a:p>
+        </p:txBody>
+      </p:sp>
+      <p:sp>
+        <p:nvSpPr>
+          <p:cNvPr id="7" name="Date Placeholder 6"/>
+          <p:cNvSpPr>
+            <a:spLocks noGrp="1"/>
+          </p:cNvSpPr>
+          <p:nvPr>
+            <p:ph type="dt" sz="half" idx="10"/>
+          </p:nvPr>
+        </p:nvSpPr>
+        <p:spPr/>
+        <p:txBody>
           <a:bodyPr/>
           <a:lstStyle/>
           <a:p>
-            <a:pPr lvl="0"/>
-            <a:r>
-              <a:rPr lang="en-US"/>
-              <a:t>Edit Master text styles</a:t>
-            </a:r>
-          </a:p>
-          <a:p>
-            <a:pPr lvl="1"/>
-            <a:r>
-              <a:rPr lang="en-US"/>
-              <a:t>Second level</a:t>
-            </a:r>
-          </a:p>
-          <a:p>
-            <a:pPr lvl="2"/>
-            <a:r>
-              <a:rPr lang="en-US"/>
-              <a:t>Third level</a:t>
-            </a:r>
-          </a:p>
-          <a:p>
-            <a:pPr lvl="3"/>
-            <a:r>
-              <a:rPr lang="en-US"/>
-              <a:t>Fourth level</a:t>
-            </a:r>
-          </a:p>
-          <a:p>
-            <a:pPr lvl="4"/>
-            <a:r>
-              <a:rPr lang="en-US"/>
-              <a:t>Fifth level</a:t>
-            </a:r>
-          </a:p>
-        </p:txBody>
-      </p:sp>
-      <p:sp>
-        <p:nvSpPr>
-          <p:cNvPr id="7" name="Date Placeholder 6"/>
-          <p:cNvSpPr>
-            <a:spLocks noGrp="1"/>
-          </p:cNvSpPr>
-          <p:nvPr>
-            <p:ph type="dt" sz="half" idx="10"/>
-          </p:nvPr>
-        </p:nvSpPr>
-        <p:spPr/>
-        <p:txBody>
-          <a:bodyPr/>
-          <a:lstStyle/>
-          <a:p>
             <a:fld id="{0F92F7F0-426F-4870-B636-B1A7C95EC8B7}" type="datetimeFigureOut">
               <a:rPr lang="en-US" smtClean="0"/>
-              <a:t>4/10/2016</a:t>
+              <a:t>4/11/2016</a:t>
             </a:fld>
             <a:endParaRPr lang="en-US"/>
           </a:p>
@@ -2460,7 +6820,7 @@
     </p:spTree>
     <p:extLst>
       <p:ext uri="{BB962C8B-B14F-4D97-AF65-F5344CB8AC3E}">
-        <p14:creationId xmlns:p14="http://schemas.microsoft.com/office/powerpoint/2010/main" val="1830681239"/>
+        <p14:creationId xmlns:p14="http://schemas.microsoft.com/office/powerpoint/2010/main" val="3922991187"/>
       </p:ext>
     </p:extLst>
   </p:cSld>
@@ -2497,7 +6857,12 @@
             <p:ph type="title"/>
           </p:nvPr>
         </p:nvSpPr>
-        <p:spPr/>
+        <p:spPr>
+          <a:xfrm>
+            <a:off x="677334" y="609600"/>
+            <a:ext cx="8596668" cy="1320800"/>
+          </a:xfrm>
+        </p:spPr>
         <p:txBody>
           <a:bodyPr/>
           <a:lstStyle/>
@@ -2506,6 +6871,7 @@
               <a:rPr lang="en-US"/>
               <a:t>Click to edit Master title style</a:t>
             </a:r>
+            <a:endParaRPr lang="en-US" dirty="0"/>
           </a:p>
         </p:txBody>
       </p:sp>
@@ -2526,7 +6892,7 @@
           <a:p>
             <a:fld id="{0F92F7F0-426F-4870-B636-B1A7C95EC8B7}" type="datetimeFigureOut">
               <a:rPr lang="en-US" smtClean="0"/>
-              <a:t>4/10/2016</a:t>
+              <a:t>4/11/2016</a:t>
             </a:fld>
             <a:endParaRPr lang="en-US"/>
           </a:p>
@@ -2577,7 +6943,7 @@
     </p:spTree>
     <p:extLst>
       <p:ext uri="{BB962C8B-B14F-4D97-AF65-F5344CB8AC3E}">
-        <p14:creationId xmlns:p14="http://schemas.microsoft.com/office/powerpoint/2010/main" val="3332134077"/>
+        <p14:creationId xmlns:p14="http://schemas.microsoft.com/office/powerpoint/2010/main" val="4217678464"/>
       </p:ext>
     </p:extLst>
   </p:cSld>
@@ -2621,7 +6987,7 @@
           <a:p>
             <a:fld id="{0F92F7F0-426F-4870-B636-B1A7C95EC8B7}" type="datetimeFigureOut">
               <a:rPr lang="en-US" smtClean="0"/>
-              <a:t>4/10/2016</a:t>
+              <a:t>4/11/2016</a:t>
             </a:fld>
             <a:endParaRPr lang="en-US"/>
           </a:p>
@@ -2672,7 +7038,7 @@
     </p:spTree>
     <p:extLst>
       <p:ext uri="{BB962C8B-B14F-4D97-AF65-F5344CB8AC3E}">
-        <p14:creationId xmlns:p14="http://schemas.microsoft.com/office/powerpoint/2010/main" val="687125636"/>
+        <p14:creationId xmlns:p14="http://schemas.microsoft.com/office/powerpoint/2010/main" val="1166831234"/>
       </p:ext>
     </p:extLst>
   </p:cSld>
@@ -2711,15 +7077,17 @@
         </p:nvSpPr>
         <p:spPr>
           <a:xfrm>
-            <a:off x="839788" y="457200"/>
-            <a:ext cx="3932237" cy="1600200"/>
+            <a:off x="677334" y="1498604"/>
+            <a:ext cx="3854528" cy="1278466"/>
           </a:xfrm>
         </p:spPr>
         <p:txBody>
-          <a:bodyPr anchor="b"/>
+          <a:bodyPr anchor="b">
+            <a:normAutofit/>
+          </a:bodyPr>
           <a:lstStyle>
             <a:lvl1pPr>
-              <a:defRPr sz="3200"/>
+              <a:defRPr sz="2000"/>
             </a:lvl1pPr>
           </a:lstStyle>
           <a:p>
@@ -2727,6 +7095,7 @@
               <a:rPr lang="en-US"/>
               <a:t>Click to edit Master title style</a:t>
             </a:r>
+            <a:endParaRPr lang="en-US" dirty="0"/>
           </a:p>
         </p:txBody>
       </p:sp>
@@ -2742,41 +7111,15 @@
         </p:nvSpPr>
         <p:spPr>
           <a:xfrm>
-            <a:off x="5183188" y="987425"/>
-            <a:ext cx="6172200" cy="4873625"/>
+            <a:off x="4760461" y="514924"/>
+            <a:ext cx="4513541" cy="5526437"/>
           </a:xfrm>
         </p:spPr>
         <p:txBody>
-          <a:bodyPr/>
-          <a:lstStyle>
-            <a:lvl1pPr>
-              <a:defRPr sz="3200"/>
-            </a:lvl1pPr>
-            <a:lvl2pPr>
-              <a:defRPr sz="2800"/>
-            </a:lvl2pPr>
-            <a:lvl3pPr>
-              <a:defRPr sz="2400"/>
-            </a:lvl3pPr>
-            <a:lvl4pPr>
-              <a:defRPr sz="2000"/>
-            </a:lvl4pPr>
-            <a:lvl5pPr>
-              <a:defRPr sz="2000"/>
-            </a:lvl5pPr>
-            <a:lvl6pPr>
-              <a:defRPr sz="2000"/>
-            </a:lvl6pPr>
-            <a:lvl7pPr>
-              <a:defRPr sz="2000"/>
-            </a:lvl7pPr>
-            <a:lvl8pPr>
-              <a:defRPr sz="2000"/>
-            </a:lvl8pPr>
-            <a:lvl9pPr>
-              <a:defRPr sz="2000"/>
-            </a:lvl9pPr>
-          </a:lstStyle>
+          <a:bodyPr>
+            <a:normAutofit/>
+          </a:bodyPr>
+          <a:lstStyle/>
           <a:p>
             <a:pPr lvl="0"/>
             <a:r>
@@ -2811,6 +7154,7 @@
               <a:rPr lang="en-US"/>
               <a:t>Fifth level</a:t>
             </a:r>
+            <a:endParaRPr lang="en-US" dirty="0"/>
           </a:p>
         </p:txBody>
       </p:sp>
@@ -2826,46 +7170,48 @@
         </p:nvSpPr>
         <p:spPr>
           <a:xfrm>
-            <a:off x="839788" y="2057400"/>
-            <a:ext cx="3932237" cy="3811588"/>
+            <a:off x="677334" y="2777069"/>
+            <a:ext cx="3854528" cy="2584449"/>
           </a:xfrm>
         </p:spPr>
         <p:txBody>
-          <a:bodyPr/>
+          <a:bodyPr>
+            <a:normAutofit/>
+          </a:bodyPr>
           <a:lstStyle>
             <a:lvl1pPr marL="0" indent="0">
               <a:buNone/>
-              <a:defRPr sz="1600"/>
+              <a:defRPr sz="1400"/>
             </a:lvl1pPr>
-            <a:lvl2pPr marL="457200" indent="0">
+            <a:lvl2pPr marL="457063" indent="0">
               <a:buNone/>
               <a:defRPr sz="1400"/>
             </a:lvl2pPr>
-            <a:lvl3pPr marL="914400" indent="0">
+            <a:lvl3pPr marL="914126" indent="0">
               <a:buNone/>
               <a:defRPr sz="1200"/>
             </a:lvl3pPr>
-            <a:lvl4pPr marL="1371600" indent="0">
+            <a:lvl4pPr marL="1371189" indent="0">
               <a:buNone/>
               <a:defRPr sz="1000"/>
             </a:lvl4pPr>
-            <a:lvl5pPr marL="1828800" indent="0">
+            <a:lvl5pPr marL="1828251" indent="0">
               <a:buNone/>
               <a:defRPr sz="1000"/>
             </a:lvl5pPr>
-            <a:lvl6pPr marL="2286000" indent="0">
+            <a:lvl6pPr marL="2285314" indent="0">
               <a:buNone/>
               <a:defRPr sz="1000"/>
             </a:lvl6pPr>
-            <a:lvl7pPr marL="2743200" indent="0">
+            <a:lvl7pPr marL="2742377" indent="0">
               <a:buNone/>
               <a:defRPr sz="1000"/>
             </a:lvl7pPr>
-            <a:lvl8pPr marL="3200400" indent="0">
+            <a:lvl8pPr marL="3199440" indent="0">
               <a:buNone/>
               <a:defRPr sz="1000"/>
             </a:lvl8pPr>
-            <a:lvl9pPr marL="3657600" indent="0">
+            <a:lvl9pPr marL="3656503" indent="0">
               <a:buNone/>
               <a:defRPr sz="1000"/>
             </a:lvl9pPr>
@@ -2896,7 +7242,7 @@
           <a:p>
             <a:fld id="{0F92F7F0-426F-4870-B636-B1A7C95EC8B7}" type="datetimeFigureOut">
               <a:rPr lang="en-US" smtClean="0"/>
-              <a:t>4/10/2016</a:t>
+              <a:t>4/11/2016</a:t>
             </a:fld>
             <a:endParaRPr lang="en-US"/>
           </a:p>
@@ -2947,7 +7293,7 @@
     </p:spTree>
     <p:extLst>
       <p:ext uri="{BB962C8B-B14F-4D97-AF65-F5344CB8AC3E}">
-        <p14:creationId xmlns:p14="http://schemas.microsoft.com/office/powerpoint/2010/main" val="3134792221"/>
+        <p14:creationId xmlns:p14="http://schemas.microsoft.com/office/powerpoint/2010/main" val="2967059180"/>
       </p:ext>
     </p:extLst>
   </p:cSld>
@@ -2986,15 +7332,17 @@
         </p:nvSpPr>
         <p:spPr>
           <a:xfrm>
-            <a:off x="839788" y="457200"/>
-            <a:ext cx="3932237" cy="1600200"/>
+            <a:off x="677334" y="4800600"/>
+            <a:ext cx="8596667" cy="566738"/>
           </a:xfrm>
         </p:spPr>
         <p:txBody>
-          <a:bodyPr anchor="b"/>
+          <a:bodyPr anchor="b">
+            <a:normAutofit/>
+          </a:bodyPr>
           <a:lstStyle>
-            <a:lvl1pPr>
-              <a:defRPr sz="3200"/>
+            <a:lvl1pPr algn="l">
+              <a:defRPr sz="2400" b="0"/>
             </a:lvl1pPr>
           </a:lstStyle>
           <a:p>
@@ -3002,6 +7350,7 @@
               <a:rPr lang="en-US"/>
               <a:t>Click to edit Master title style</a:t>
             </a:r>
+            <a:endParaRPr lang="en-US" dirty="0"/>
           </a:p>
         </p:txBody>
       </p:sp>
@@ -3009,7 +7358,7 @@
         <p:nvSpPr>
           <p:cNvPr id="3" name="Picture Placeholder 2"/>
           <p:cNvSpPr>
-            <a:spLocks noGrp="1"/>
+            <a:spLocks noGrp="1" noChangeAspect="1"/>
           </p:cNvSpPr>
           <p:nvPr>
             <p:ph type="pic" idx="1"/>
@@ -3017,112 +7366,120 @@
         </p:nvSpPr>
         <p:spPr>
           <a:xfrm>
-            <a:off x="5183188" y="987425"/>
-            <a:ext cx="6172200" cy="4873625"/>
+            <a:off x="677334" y="609600"/>
+            <a:ext cx="8596668" cy="3845718"/>
           </a:xfrm>
         </p:spPr>
         <p:txBody>
-          <a:bodyPr/>
+          <a:bodyPr anchor="t">
+            <a:normAutofit/>
+          </a:bodyPr>
           <a:lstStyle>
-            <a:lvl1pPr marL="0" indent="0">
-              <a:buNone/>
-              <a:defRPr sz="3200"/>
-            </a:lvl1pPr>
-            <a:lvl2pPr marL="457200" indent="0">
-              <a:buNone/>
-              <a:defRPr sz="2800"/>
-            </a:lvl2pPr>
-            <a:lvl3pPr marL="914400" indent="0">
-              <a:buNone/>
-              <a:defRPr sz="2400"/>
-            </a:lvl3pPr>
-            <a:lvl4pPr marL="1371600" indent="0">
-              <a:buNone/>
-              <a:defRPr sz="2000"/>
-            </a:lvl4pPr>
-            <a:lvl5pPr marL="1828800" indent="0">
-              <a:buNone/>
-              <a:defRPr sz="2000"/>
-            </a:lvl5pPr>
-            <a:lvl6pPr marL="2286000" indent="0">
-              <a:buNone/>
-              <a:defRPr sz="2000"/>
-            </a:lvl6pPr>
-            <a:lvl7pPr marL="2743200" indent="0">
-              <a:buNone/>
-              <a:defRPr sz="2000"/>
-            </a:lvl7pPr>
-            <a:lvl8pPr marL="3200400" indent="0">
-              <a:buNone/>
-              <a:defRPr sz="2000"/>
-            </a:lvl8pPr>
-            <a:lvl9pPr marL="3657600" indent="0">
-              <a:buNone/>
-              <a:defRPr sz="2000"/>
-            </a:lvl9pPr>
-          </a:lstStyle>
-          <a:p>
-            <a:endParaRPr lang="en-US"/>
-          </a:p>
-        </p:txBody>
-      </p:sp>
-      <p:sp>
-        <p:nvSpPr>
-          <p:cNvPr id="4" name="Text Placeholder 3"/>
-          <p:cNvSpPr>
-            <a:spLocks noGrp="1"/>
-          </p:cNvSpPr>
-          <p:nvPr>
-            <p:ph type="body" sz="half" idx="2"/>
-          </p:nvPr>
-        </p:nvSpPr>
-        <p:spPr>
-          <a:xfrm>
-            <a:off x="839788" y="2057400"/>
-            <a:ext cx="3932237" cy="3811588"/>
-          </a:xfrm>
-        </p:spPr>
-        <p:txBody>
-          <a:bodyPr/>
-          <a:lstStyle>
-            <a:lvl1pPr marL="0" indent="0">
+            <a:lvl1pPr marL="0" indent="0" algn="ctr">
               <a:buNone/>
               <a:defRPr sz="1600"/>
             </a:lvl1pPr>
             <a:lvl2pPr marL="457200" indent="0">
               <a:buNone/>
-              <a:defRPr sz="1400"/>
+              <a:defRPr sz="1600"/>
             </a:lvl2pPr>
             <a:lvl3pPr marL="914400" indent="0">
               <a:buNone/>
-              <a:defRPr sz="1200"/>
+              <a:defRPr sz="1600"/>
             </a:lvl3pPr>
             <a:lvl4pPr marL="1371600" indent="0">
               <a:buNone/>
-              <a:defRPr sz="1000"/>
+              <a:defRPr sz="1600"/>
             </a:lvl4pPr>
             <a:lvl5pPr marL="1828800" indent="0">
               <a:buNone/>
-              <a:defRPr sz="1000"/>
+              <a:defRPr sz="1600"/>
             </a:lvl5pPr>
             <a:lvl6pPr marL="2286000" indent="0">
               <a:buNone/>
-              <a:defRPr sz="1000"/>
+              <a:defRPr sz="1600"/>
             </a:lvl6pPr>
             <a:lvl7pPr marL="2743200" indent="0">
               <a:buNone/>
-              <a:defRPr sz="1000"/>
+              <a:defRPr sz="1600"/>
             </a:lvl7pPr>
             <a:lvl8pPr marL="3200400" indent="0">
               <a:buNone/>
-              <a:defRPr sz="1000"/>
+              <a:defRPr sz="1600"/>
             </a:lvl8pPr>
             <a:lvl9pPr marL="3657600" indent="0">
               <a:buNone/>
-              <a:defRPr sz="1000"/>
+              <a:defRPr sz="1600"/>
             </a:lvl9pPr>
           </a:lstStyle>
           <a:p>
+            <a:r>
+              <a:rPr lang="en-US"/>
+              <a:t>Click icon to add picture</a:t>
+            </a:r>
+            <a:endParaRPr lang="en-US" dirty="0"/>
+          </a:p>
+        </p:txBody>
+      </p:sp>
+      <p:sp>
+        <p:nvSpPr>
+          <p:cNvPr id="4" name="Text Placeholder 3"/>
+          <p:cNvSpPr>
+            <a:spLocks noGrp="1"/>
+          </p:cNvSpPr>
+          <p:nvPr>
+            <p:ph type="body" sz="half" idx="2"/>
+          </p:nvPr>
+        </p:nvSpPr>
+        <p:spPr>
+          <a:xfrm>
+            <a:off x="677334" y="5367338"/>
+            <a:ext cx="8596667" cy="674024"/>
+          </a:xfrm>
+        </p:spPr>
+        <p:txBody>
+          <a:bodyPr>
+            <a:normAutofit/>
+          </a:bodyPr>
+          <a:lstStyle>
+            <a:lvl1pPr marL="0" indent="0">
+              <a:buNone/>
+              <a:defRPr sz="1200"/>
+            </a:lvl1pPr>
+            <a:lvl2pPr marL="457200" indent="0">
+              <a:buNone/>
+              <a:defRPr sz="1200"/>
+            </a:lvl2pPr>
+            <a:lvl3pPr marL="914400" indent="0">
+              <a:buNone/>
+              <a:defRPr sz="1000"/>
+            </a:lvl3pPr>
+            <a:lvl4pPr marL="1371600" indent="0">
+              <a:buNone/>
+              <a:defRPr sz="900"/>
+            </a:lvl4pPr>
+            <a:lvl5pPr marL="1828800" indent="0">
+              <a:buNone/>
+              <a:defRPr sz="900"/>
+            </a:lvl5pPr>
+            <a:lvl6pPr marL="2286000" indent="0">
+              <a:buNone/>
+              <a:defRPr sz="900"/>
+            </a:lvl6pPr>
+            <a:lvl7pPr marL="2743200" indent="0">
+              <a:buNone/>
+              <a:defRPr sz="900"/>
+            </a:lvl7pPr>
+            <a:lvl8pPr marL="3200400" indent="0">
+              <a:buNone/>
+              <a:defRPr sz="900"/>
+            </a:lvl8pPr>
+            <a:lvl9pPr marL="3657600" indent="0">
+              <a:buNone/>
+              <a:defRPr sz="900"/>
+            </a:lvl9pPr>
+          </a:lstStyle>
+          <a:p>
             <a:pPr lvl="0"/>
             <a:r>
               <a:rPr lang="en-US"/>
@@ -3148,7 +7505,7 @@
           <a:p>
             <a:fld id="{0F92F7F0-426F-4870-B636-B1A7C95EC8B7}" type="datetimeFigureOut">
               <a:rPr lang="en-US" smtClean="0"/>
-              <a:t>4/10/2016</a:t>
+              <a:t>4/11/2016</a:t>
             </a:fld>
             <a:endParaRPr lang="en-US"/>
           </a:p>
@@ -3199,7 +7556,7 @@
     </p:spTree>
     <p:extLst>
       <p:ext uri="{BB962C8B-B14F-4D97-AF65-F5344CB8AC3E}">
-        <p14:creationId xmlns:p14="http://schemas.microsoft.com/office/powerpoint/2010/main" val="931311447"/>
+        <p14:creationId xmlns:p14="http://schemas.microsoft.com/office/powerpoint/2010/main" val="3311887791"/>
       </p:ext>
     </p:extLst>
   </p:cSld>
@@ -3213,35 +7570,9 @@
 <p:sldMaster xmlns:a="http://schemas.openxmlformats.org/drawingml/2006/main" xmlns:r="http://schemas.openxmlformats.org/officeDocument/2006/relationships" xmlns:p="http://schemas.openxmlformats.org/presentationml/2006/main">
   <p:cSld>
     <p:bg>
-      <p:bgPr>
-        <a:gradFill flip="none" rotWithShape="1">
-          <a:gsLst>
-            <a:gs pos="25000">
-              <a:srgbClr val="3A61A6"/>
-            </a:gs>
-            <a:gs pos="0">
-              <a:schemeClr val="accent5">
-                <a:lumMod val="67000"/>
-              </a:schemeClr>
-            </a:gs>
-            <a:gs pos="48000">
-              <a:schemeClr val="accent5">
-                <a:lumMod val="97000"/>
-                <a:lumOff val="3000"/>
-              </a:schemeClr>
-            </a:gs>
-            <a:gs pos="69000">
-              <a:schemeClr val="accent5">
-                <a:lumMod val="60000"/>
-                <a:lumOff val="40000"/>
-              </a:schemeClr>
-            </a:gs>
-          </a:gsLst>
-          <a:lin ang="1200000" scaled="0"/>
-          <a:tileRect/>
-        </a:gradFill>
-        <a:effectLst/>
-      </p:bgPr>
+      <p:bgRef idx="1001">
+        <a:schemeClr val="bg1"/>
+      </p:bgRef>
     </p:bg>
     <p:spTree>
       <p:nvGrpSpPr>
@@ -3257,6 +7588,536 @@
           <a:chExt cx="0" cy="0"/>
         </a:xfrm>
       </p:grpSpPr>
+      <p:grpSp>
+        <p:nvGrpSpPr>
+          <p:cNvPr id="7" name="Group 6"/>
+          <p:cNvGrpSpPr/>
+          <p:nvPr/>
+        </p:nvGrpSpPr>
+        <p:grpSpPr>
+          <a:xfrm>
+            <a:off x="0" y="-8467"/>
+            <a:ext cx="12192000" cy="6866467"/>
+            <a:chOff x="0" y="-8467"/>
+            <a:chExt cx="12192000" cy="6866467"/>
+          </a:xfrm>
+        </p:grpSpPr>
+        <p:cxnSp>
+          <p:nvCxnSpPr>
+            <p:cNvPr id="20" name="Straight Connector 19"/>
+            <p:cNvCxnSpPr/>
+            <p:nvPr/>
+          </p:nvCxnSpPr>
+          <p:spPr>
+            <a:xfrm>
+              <a:off x="9371012" y="0"/>
+              <a:ext cx="1219200" cy="6858000"/>
+            </a:xfrm>
+            <a:prstGeom prst="line">
+              <a:avLst/>
+            </a:prstGeom>
+            <a:ln w="9525">
+              <a:solidFill>
+                <a:schemeClr val="bg1">
+                  <a:lumMod val="75000"/>
+                </a:schemeClr>
+              </a:solidFill>
+            </a:ln>
+          </p:spPr>
+          <p:style>
+            <a:lnRef idx="2">
+              <a:schemeClr val="accent1"/>
+            </a:lnRef>
+            <a:fillRef idx="0">
+              <a:schemeClr val="accent1"/>
+            </a:fillRef>
+            <a:effectRef idx="1">
+              <a:schemeClr val="accent1"/>
+            </a:effectRef>
+            <a:fontRef idx="minor">
+              <a:schemeClr val="tx1"/>
+            </a:fontRef>
+          </p:style>
+        </p:cxnSp>
+        <p:cxnSp>
+          <p:nvCxnSpPr>
+            <p:cNvPr id="21" name="Straight Connector 20"/>
+            <p:cNvCxnSpPr/>
+            <p:nvPr/>
+          </p:nvCxnSpPr>
+          <p:spPr>
+            <a:xfrm flipH="1">
+              <a:off x="7425267" y="3681413"/>
+              <a:ext cx="4763558" cy="3176587"/>
+            </a:xfrm>
+            <a:prstGeom prst="line">
+              <a:avLst/>
+            </a:prstGeom>
+            <a:ln w="9525">
+              <a:solidFill>
+                <a:schemeClr val="bg1">
+                  <a:lumMod val="85000"/>
+                </a:schemeClr>
+              </a:solidFill>
+            </a:ln>
+          </p:spPr>
+          <p:style>
+            <a:lnRef idx="2">
+              <a:schemeClr val="accent1"/>
+            </a:lnRef>
+            <a:fillRef idx="0">
+              <a:schemeClr val="accent1"/>
+            </a:fillRef>
+            <a:effectRef idx="1">
+              <a:schemeClr val="accent1"/>
+            </a:effectRef>
+            <a:fontRef idx="minor">
+              <a:schemeClr val="tx1"/>
+            </a:fontRef>
+          </p:style>
+        </p:cxnSp>
+        <p:sp>
+          <p:nvSpPr>
+            <p:cNvPr id="22" name="Rectangle 23"/>
+            <p:cNvSpPr/>
+            <p:nvPr/>
+          </p:nvSpPr>
+          <p:spPr>
+            <a:xfrm>
+              <a:off x="9181476" y="-8467"/>
+              <a:ext cx="3007349" cy="6866467"/>
+            </a:xfrm>
+            <a:custGeom>
+              <a:avLst/>
+              <a:gdLst/>
+              <a:ahLst/>
+              <a:cxnLst/>
+              <a:rect l="l" t="t" r="r" b="b"/>
+              <a:pathLst>
+                <a:path w="3007349" h="6866467">
+                  <a:moveTo>
+                    <a:pt x="2045532" y="0"/>
+                  </a:moveTo>
+                  <a:lnTo>
+                    <a:pt x="3007349" y="0"/>
+                  </a:lnTo>
+                  <a:lnTo>
+                    <a:pt x="3007349" y="6866467"/>
+                  </a:lnTo>
+                  <a:lnTo>
+                    <a:pt x="0" y="6866467"/>
+                  </a:lnTo>
+                  <a:lnTo>
+                    <a:pt x="2045532" y="0"/>
+                  </a:lnTo>
+                  <a:close/>
+                </a:path>
+              </a:pathLst>
+            </a:custGeom>
+            <a:solidFill>
+              <a:schemeClr val="accent1">
+                <a:alpha val="30000"/>
+              </a:schemeClr>
+            </a:solidFill>
+            <a:ln>
+              <a:noFill/>
+            </a:ln>
+            <a:effectLst/>
+          </p:spPr>
+          <p:style>
+            <a:lnRef idx="1">
+              <a:schemeClr val="accent1"/>
+            </a:lnRef>
+            <a:fillRef idx="3">
+              <a:schemeClr val="accent1"/>
+            </a:fillRef>
+            <a:effectRef idx="2">
+              <a:schemeClr val="accent1"/>
+            </a:effectRef>
+            <a:fontRef idx="minor">
+              <a:schemeClr val="lt1"/>
+            </a:fontRef>
+          </p:style>
+        </p:sp>
+        <p:sp>
+          <p:nvSpPr>
+            <p:cNvPr id="23" name="Rectangle 25"/>
+            <p:cNvSpPr/>
+            <p:nvPr/>
+          </p:nvSpPr>
+          <p:spPr>
+            <a:xfrm>
+              <a:off x="9603442" y="-8467"/>
+              <a:ext cx="2588558" cy="6866467"/>
+            </a:xfrm>
+            <a:custGeom>
+              <a:avLst/>
+              <a:gdLst/>
+              <a:ahLst/>
+              <a:cxnLst/>
+              <a:rect l="l" t="t" r="r" b="b"/>
+              <a:pathLst>
+                <a:path w="2573311" h="6866467">
+                  <a:moveTo>
+                    <a:pt x="0" y="0"/>
+                  </a:moveTo>
+                  <a:lnTo>
+                    <a:pt x="2573311" y="0"/>
+                  </a:lnTo>
+                  <a:lnTo>
+                    <a:pt x="2573311" y="6866467"/>
+                  </a:lnTo>
+                  <a:lnTo>
+                    <a:pt x="1202336" y="6866467"/>
+                  </a:lnTo>
+                  <a:lnTo>
+                    <a:pt x="0" y="0"/>
+                  </a:lnTo>
+                  <a:close/>
+                </a:path>
+              </a:pathLst>
+            </a:custGeom>
+            <a:solidFill>
+              <a:schemeClr val="accent1">
+                <a:alpha val="20000"/>
+              </a:schemeClr>
+            </a:solidFill>
+            <a:ln>
+              <a:noFill/>
+            </a:ln>
+            <a:effectLst/>
+          </p:spPr>
+          <p:style>
+            <a:lnRef idx="1">
+              <a:schemeClr val="accent1"/>
+            </a:lnRef>
+            <a:fillRef idx="3">
+              <a:schemeClr val="accent1"/>
+            </a:fillRef>
+            <a:effectRef idx="2">
+              <a:schemeClr val="accent1"/>
+            </a:effectRef>
+            <a:fontRef idx="minor">
+              <a:schemeClr val="lt1"/>
+            </a:fontRef>
+          </p:style>
+        </p:sp>
+        <p:sp>
+          <p:nvSpPr>
+            <p:cNvPr id="24" name="Isosceles Triangle 23"/>
+            <p:cNvSpPr/>
+            <p:nvPr/>
+          </p:nvSpPr>
+          <p:spPr>
+            <a:xfrm>
+              <a:off x="8932333" y="3048000"/>
+              <a:ext cx="3259667" cy="3810000"/>
+            </a:xfrm>
+            <a:prstGeom prst="triangle">
+              <a:avLst>
+                <a:gd name="adj" fmla="val 100000"/>
+              </a:avLst>
+            </a:prstGeom>
+            <a:solidFill>
+              <a:schemeClr val="accent2">
+                <a:alpha val="72000"/>
+              </a:schemeClr>
+            </a:solidFill>
+            <a:ln>
+              <a:noFill/>
+            </a:ln>
+            <a:effectLst/>
+          </p:spPr>
+          <p:style>
+            <a:lnRef idx="1">
+              <a:schemeClr val="accent1"/>
+            </a:lnRef>
+            <a:fillRef idx="3">
+              <a:schemeClr val="accent1"/>
+            </a:fillRef>
+            <a:effectRef idx="2">
+              <a:schemeClr val="accent1"/>
+            </a:effectRef>
+            <a:fontRef idx="minor">
+              <a:schemeClr val="lt1"/>
+            </a:fontRef>
+          </p:style>
+        </p:sp>
+        <p:sp>
+          <p:nvSpPr>
+            <p:cNvPr id="25" name="Rectangle 27"/>
+            <p:cNvSpPr/>
+            <p:nvPr/>
+          </p:nvSpPr>
+          <p:spPr>
+            <a:xfrm>
+              <a:off x="9334500" y="-8467"/>
+              <a:ext cx="2854326" cy="6866467"/>
+            </a:xfrm>
+            <a:custGeom>
+              <a:avLst/>
+              <a:gdLst/>
+              <a:ahLst/>
+              <a:cxnLst/>
+              <a:rect l="l" t="t" r="r" b="b"/>
+              <a:pathLst>
+                <a:path w="2858013" h="6866467">
+                  <a:moveTo>
+                    <a:pt x="0" y="0"/>
+                  </a:moveTo>
+                  <a:lnTo>
+                    <a:pt x="2858013" y="0"/>
+                  </a:lnTo>
+                  <a:lnTo>
+                    <a:pt x="2858013" y="6866467"/>
+                  </a:lnTo>
+                  <a:lnTo>
+                    <a:pt x="2473942" y="6866467"/>
+                  </a:lnTo>
+                  <a:lnTo>
+                    <a:pt x="0" y="0"/>
+                  </a:lnTo>
+                  <a:close/>
+                </a:path>
+              </a:pathLst>
+            </a:custGeom>
+            <a:solidFill>
+              <a:schemeClr val="accent2">
+                <a:lumMod val="75000"/>
+                <a:alpha val="70000"/>
+              </a:schemeClr>
+            </a:solidFill>
+            <a:ln>
+              <a:noFill/>
+            </a:ln>
+            <a:effectLst/>
+          </p:spPr>
+          <p:style>
+            <a:lnRef idx="1">
+              <a:schemeClr val="accent1"/>
+            </a:lnRef>
+            <a:fillRef idx="3">
+              <a:schemeClr val="accent1"/>
+            </a:fillRef>
+            <a:effectRef idx="2">
+              <a:schemeClr val="accent1"/>
+            </a:effectRef>
+            <a:fontRef idx="minor">
+              <a:schemeClr val="lt1"/>
+            </a:fontRef>
+          </p:style>
+        </p:sp>
+        <p:sp>
+          <p:nvSpPr>
+            <p:cNvPr id="26" name="Rectangle 28"/>
+            <p:cNvSpPr/>
+            <p:nvPr/>
+          </p:nvSpPr>
+          <p:spPr>
+            <a:xfrm>
+              <a:off x="10898730" y="-8467"/>
+              <a:ext cx="1290094" cy="6866467"/>
+            </a:xfrm>
+            <a:custGeom>
+              <a:avLst/>
+              <a:gdLst/>
+              <a:ahLst/>
+              <a:cxnLst/>
+              <a:rect l="l" t="t" r="r" b="b"/>
+              <a:pathLst>
+                <a:path w="1290094" h="6858000">
+                  <a:moveTo>
+                    <a:pt x="1019735" y="0"/>
+                  </a:moveTo>
+                  <a:lnTo>
+                    <a:pt x="1290094" y="0"/>
+                  </a:lnTo>
+                  <a:lnTo>
+                    <a:pt x="1290094" y="6858000"/>
+                  </a:lnTo>
+                  <a:lnTo>
+                    <a:pt x="0" y="6858000"/>
+                  </a:lnTo>
+                  <a:lnTo>
+                    <a:pt x="1019735" y="0"/>
+                  </a:lnTo>
+                  <a:close/>
+                </a:path>
+              </a:pathLst>
+            </a:custGeom>
+            <a:solidFill>
+              <a:schemeClr val="accent1">
+                <a:lumMod val="60000"/>
+                <a:lumOff val="40000"/>
+                <a:alpha val="70000"/>
+              </a:schemeClr>
+            </a:solidFill>
+            <a:ln>
+              <a:noFill/>
+            </a:ln>
+            <a:effectLst/>
+          </p:spPr>
+          <p:style>
+            <a:lnRef idx="1">
+              <a:schemeClr val="accent1"/>
+            </a:lnRef>
+            <a:fillRef idx="3">
+              <a:schemeClr val="accent1"/>
+            </a:fillRef>
+            <a:effectRef idx="2">
+              <a:schemeClr val="accent1"/>
+            </a:effectRef>
+            <a:fontRef idx="minor">
+              <a:schemeClr val="lt1"/>
+            </a:fontRef>
+          </p:style>
+        </p:sp>
+        <p:sp>
+          <p:nvSpPr>
+            <p:cNvPr id="27" name="Rectangle 29"/>
+            <p:cNvSpPr/>
+            <p:nvPr/>
+          </p:nvSpPr>
+          <p:spPr>
+            <a:xfrm>
+              <a:off x="10938999" y="-8467"/>
+              <a:ext cx="1249825" cy="6866467"/>
+            </a:xfrm>
+            <a:custGeom>
+              <a:avLst/>
+              <a:gdLst/>
+              <a:ahLst/>
+              <a:cxnLst/>
+              <a:rect l="l" t="t" r="r" b="b"/>
+              <a:pathLst>
+                <a:path w="1249825" h="6858000">
+                  <a:moveTo>
+                    <a:pt x="0" y="0"/>
+                  </a:moveTo>
+                  <a:lnTo>
+                    <a:pt x="1249825" y="0"/>
+                  </a:lnTo>
+                  <a:lnTo>
+                    <a:pt x="1249825" y="6858000"/>
+                  </a:lnTo>
+                  <a:lnTo>
+                    <a:pt x="1109382" y="6858000"/>
+                  </a:lnTo>
+                  <a:lnTo>
+                    <a:pt x="0" y="0"/>
+                  </a:lnTo>
+                  <a:close/>
+                </a:path>
+              </a:pathLst>
+            </a:custGeom>
+            <a:solidFill>
+              <a:schemeClr val="accent1">
+                <a:alpha val="65000"/>
+              </a:schemeClr>
+            </a:solidFill>
+            <a:ln>
+              <a:noFill/>
+            </a:ln>
+            <a:effectLst/>
+          </p:spPr>
+          <p:style>
+            <a:lnRef idx="1">
+              <a:schemeClr val="accent1"/>
+            </a:lnRef>
+            <a:fillRef idx="3">
+              <a:schemeClr val="accent1"/>
+            </a:fillRef>
+            <a:effectRef idx="2">
+              <a:schemeClr val="accent1"/>
+            </a:effectRef>
+            <a:fontRef idx="minor">
+              <a:schemeClr val="lt1"/>
+            </a:fontRef>
+          </p:style>
+        </p:sp>
+        <p:sp>
+          <p:nvSpPr>
+            <p:cNvPr id="28" name="Isosceles Triangle 27"/>
+            <p:cNvSpPr/>
+            <p:nvPr/>
+          </p:nvSpPr>
+          <p:spPr>
+            <a:xfrm>
+              <a:off x="10371666" y="3589867"/>
+              <a:ext cx="1817159" cy="3268133"/>
+            </a:xfrm>
+            <a:prstGeom prst="triangle">
+              <a:avLst>
+                <a:gd name="adj" fmla="val 100000"/>
+              </a:avLst>
+            </a:prstGeom>
+            <a:solidFill>
+              <a:schemeClr val="accent1">
+                <a:alpha val="80000"/>
+              </a:schemeClr>
+            </a:solidFill>
+            <a:ln>
+              <a:noFill/>
+            </a:ln>
+            <a:effectLst/>
+          </p:spPr>
+          <p:style>
+            <a:lnRef idx="1">
+              <a:schemeClr val="accent1"/>
+            </a:lnRef>
+            <a:fillRef idx="3">
+              <a:schemeClr val="accent1"/>
+            </a:fillRef>
+            <a:effectRef idx="2">
+              <a:schemeClr val="accent1"/>
+            </a:effectRef>
+            <a:fontRef idx="minor">
+              <a:schemeClr val="lt1"/>
+            </a:fontRef>
+          </p:style>
+        </p:sp>
+        <p:sp>
+          <p:nvSpPr>
+            <p:cNvPr id="29" name="Isosceles Triangle 28"/>
+            <p:cNvSpPr/>
+            <p:nvPr/>
+          </p:nvSpPr>
+          <p:spPr>
+            <a:xfrm>
+              <a:off x="0" y="4013200"/>
+              <a:ext cx="448733" cy="2844800"/>
+            </a:xfrm>
+            <a:prstGeom prst="triangle">
+              <a:avLst>
+                <a:gd name="adj" fmla="val 0"/>
+              </a:avLst>
+            </a:prstGeom>
+            <a:solidFill>
+              <a:schemeClr val="accent1">
+                <a:alpha val="85000"/>
+              </a:schemeClr>
+            </a:solidFill>
+            <a:ln>
+              <a:noFill/>
+            </a:ln>
+            <a:effectLst/>
+          </p:spPr>
+          <p:style>
+            <a:lnRef idx="1">
+              <a:schemeClr val="accent1"/>
+            </a:lnRef>
+            <a:fillRef idx="3">
+              <a:schemeClr val="accent1"/>
+            </a:fillRef>
+            <a:effectRef idx="2">
+              <a:schemeClr val="accent1"/>
+            </a:effectRef>
+            <a:fontRef idx="minor">
+              <a:schemeClr val="lt1"/>
+            </a:fontRef>
+          </p:style>
+        </p:sp>
+      </p:grpSp>
       <p:sp>
         <p:nvSpPr>
           <p:cNvPr id="2" name="Title Placeholder 1"/>
@@ -3269,15 +8130,15 @@
         </p:nvSpPr>
         <p:spPr>
           <a:xfrm>
-            <a:off x="838200" y="365125"/>
-            <a:ext cx="10515600" cy="1325563"/>
+            <a:off x="677334" y="609600"/>
+            <a:ext cx="8596668" cy="1320800"/>
           </a:xfrm>
           <a:prstGeom prst="rect">
             <a:avLst/>
           </a:prstGeom>
         </p:spPr>
         <p:txBody>
-          <a:bodyPr vert="horz" lIns="91440" tIns="45720" rIns="91440" bIns="45720" rtlCol="0" anchor="ctr">
+          <a:bodyPr vert="horz" lIns="91440" tIns="45720" rIns="91440" bIns="45720" rtlCol="0" anchor="t">
             <a:normAutofit/>
           </a:bodyPr>
           <a:lstStyle/>
@@ -3286,6 +8147,7 @@
               <a:rPr lang="en-US"/>
               <a:t>Click to edit Master title style</a:t>
             </a:r>
+            <a:endParaRPr lang="en-US" dirty="0"/>
           </a:p>
         </p:txBody>
       </p:sp>
@@ -3301,8 +8163,8 @@
         </p:nvSpPr>
         <p:spPr>
           <a:xfrm>
-            <a:off x="838200" y="1825625"/>
-            <a:ext cx="10515600" cy="4351338"/>
+            <a:off x="677334" y="2160589"/>
+            <a:ext cx="8596668" cy="3880773"/>
           </a:xfrm>
           <a:prstGeom prst="rect">
             <a:avLst/>
@@ -3347,6 +8209,7 @@
               <a:rPr lang="en-US"/>
               <a:t>Fifth level</a:t>
             </a:r>
+            <a:endParaRPr lang="en-US" dirty="0"/>
           </a:p>
         </p:txBody>
       </p:sp>
@@ -3362,8 +8225,8 @@
         </p:nvSpPr>
         <p:spPr>
           <a:xfrm>
-            <a:off x="838200" y="6356350"/>
-            <a:ext cx="2743200" cy="365125"/>
+            <a:off x="7205133" y="6041362"/>
+            <a:ext cx="911939" cy="365125"/>
           </a:xfrm>
           <a:prstGeom prst="rect">
             <a:avLst/>
@@ -3372,8 +8235,8 @@
         <p:txBody>
           <a:bodyPr vert="horz" lIns="91440" tIns="45720" rIns="91440" bIns="45720" rtlCol="0" anchor="ctr"/>
           <a:lstStyle>
-            <a:lvl1pPr algn="l">
-              <a:defRPr sz="1200">
+            <a:lvl1pPr algn="r">
+              <a:defRPr sz="900">
                 <a:solidFill>
                   <a:schemeClr val="tx1">
                     <a:tint val="75000"/>
@@ -3385,7 +8248,7 @@
           <a:p>
             <a:fld id="{0F92F7F0-426F-4870-B636-B1A7C95EC8B7}" type="datetimeFigureOut">
               <a:rPr lang="en-US" smtClean="0"/>
-              <a:t>4/10/2016</a:t>
+              <a:t>4/11/2016</a:t>
             </a:fld>
             <a:endParaRPr lang="en-US"/>
           </a:p>
@@ -3403,8 +8266,8 @@
         </p:nvSpPr>
         <p:spPr>
           <a:xfrm>
-            <a:off x="4038600" y="6356350"/>
-            <a:ext cx="4114800" cy="365125"/>
+            <a:off x="677334" y="6041362"/>
+            <a:ext cx="6297612" cy="365125"/>
           </a:xfrm>
           <a:prstGeom prst="rect">
             <a:avLst/>
@@ -3413,8 +8276,8 @@
         <p:txBody>
           <a:bodyPr vert="horz" lIns="91440" tIns="45720" rIns="91440" bIns="45720" rtlCol="0" anchor="ctr"/>
           <a:lstStyle>
-            <a:lvl1pPr algn="ctr">
-              <a:defRPr sz="1200">
+            <a:lvl1pPr algn="l">
+              <a:defRPr sz="900">
                 <a:solidFill>
                   <a:schemeClr val="tx1">
                     <a:tint val="75000"/>
@@ -3440,8 +8303,8 @@
         </p:nvSpPr>
         <p:spPr>
           <a:xfrm>
-            <a:off x="8610600" y="6356350"/>
-            <a:ext cx="2743200" cy="365125"/>
+            <a:off x="8590663" y="6041362"/>
+            <a:ext cx="683339" cy="365125"/>
           </a:xfrm>
           <a:prstGeom prst="rect">
             <a:avLst/>
@@ -3451,11 +8314,9 @@
           <a:bodyPr vert="horz" lIns="91440" tIns="45720" rIns="91440" bIns="45720" rtlCol="0" anchor="ctr"/>
           <a:lstStyle>
             <a:lvl1pPr algn="r">
-              <a:defRPr sz="1200">
+              <a:defRPr sz="900">
                 <a:solidFill>
-                  <a:schemeClr val="tx1">
-                    <a:tint val="75000"/>
-                  </a:schemeClr>
+                  <a:schemeClr val="accent1"/>
                 </a:solidFill>
               </a:defRPr>
             </a:lvl1pPr>
@@ -3472,201 +8333,322 @@
     </p:spTree>
     <p:extLst>
       <p:ext uri="{BB962C8B-B14F-4D97-AF65-F5344CB8AC3E}">
-        <p14:creationId xmlns:p14="http://schemas.microsoft.com/office/powerpoint/2010/main" val="3104685502"/>
+        <p14:creationId xmlns:p14="http://schemas.microsoft.com/office/powerpoint/2010/main" val="3936817120"/>
       </p:ext>
     </p:extLst>
   </p:cSld>
   <p:clrMap bg1="lt1" tx1="dk1" bg2="lt2" tx2="dk2" accent1="accent1" accent2="accent2" accent3="accent3" accent4="accent4" accent5="accent5" accent6="accent6" hlink="hlink" folHlink="folHlink"/>
   <p:sldLayoutIdLst>
-    <p:sldLayoutId id="2147483649" r:id="rId1"/>
-    <p:sldLayoutId id="2147483650" r:id="rId2"/>
-    <p:sldLayoutId id="2147483651" r:id="rId3"/>
-    <p:sldLayoutId id="2147483652" r:id="rId4"/>
-    <p:sldLayoutId id="2147483653" r:id="rId5"/>
-    <p:sldLayoutId id="2147483654" r:id="rId6"/>
-    <p:sldLayoutId id="2147483655" r:id="rId7"/>
-    <p:sldLayoutId id="2147483656" r:id="rId8"/>
-    <p:sldLayoutId id="2147483657" r:id="rId9"/>
-    <p:sldLayoutId id="2147483658" r:id="rId10"/>
-    <p:sldLayoutId id="2147483659" r:id="rId11"/>
+    <p:sldLayoutId id="2147483661" r:id="rId1"/>
+    <p:sldLayoutId id="2147483662" r:id="rId2"/>
+    <p:sldLayoutId id="2147483663" r:id="rId3"/>
+    <p:sldLayoutId id="2147483664" r:id="rId4"/>
+    <p:sldLayoutId id="2147483665" r:id="rId5"/>
+    <p:sldLayoutId id="2147483666" r:id="rId6"/>
+    <p:sldLayoutId id="2147483667" r:id="rId7"/>
+    <p:sldLayoutId id="2147483668" r:id="rId8"/>
+    <p:sldLayoutId id="2147483669" r:id="rId9"/>
+    <p:sldLayoutId id="2147483670" r:id="rId10"/>
+    <p:sldLayoutId id="2147483671" r:id="rId11"/>
+    <p:sldLayoutId id="2147483672" r:id="rId12"/>
+    <p:sldLayoutId id="2147483673" r:id="rId13"/>
+    <p:sldLayoutId id="2147483674" r:id="rId14"/>
+    <p:sldLayoutId id="2147483675" r:id="rId15"/>
+    <p:sldLayoutId id="2147483676" r:id="rId16"/>
   </p:sldLayoutIdLst>
   <p:txStyles>
     <p:titleStyle>
-      <a:lvl1pPr algn="l" defTabSz="914400" rtl="0" eaLnBrk="1" latinLnBrk="0" hangingPunct="1">
-        <a:lnSpc>
-          <a:spcPct val="90000"/>
-        </a:lnSpc>
+      <a:lvl1pPr algn="l" defTabSz="457200" rtl="0" eaLnBrk="1" latinLnBrk="0" hangingPunct="1">
         <a:spcBef>
           <a:spcPct val="0"/>
         </a:spcBef>
         <a:buNone/>
-        <a:defRPr sz="4400" kern="1200">
+        <a:defRPr sz="3600" kern="1200">
           <a:solidFill>
-            <a:schemeClr val="tx1"/>
+            <a:schemeClr val="accent1"/>
           </a:solidFill>
           <a:latin typeface="+mj-lt"/>
           <a:ea typeface="+mj-ea"/>
           <a:cs typeface="+mj-cs"/>
         </a:defRPr>
       </a:lvl1pPr>
+      <a:lvl2pPr eaLnBrk="1" hangingPunct="1">
+        <a:defRPr>
+          <a:solidFill>
+            <a:schemeClr val="tx2"/>
+          </a:solidFill>
+        </a:defRPr>
+      </a:lvl2pPr>
+      <a:lvl3pPr eaLnBrk="1" hangingPunct="1">
+        <a:defRPr>
+          <a:solidFill>
+            <a:schemeClr val="tx2"/>
+          </a:solidFill>
+        </a:defRPr>
+      </a:lvl3pPr>
+      <a:lvl4pPr eaLnBrk="1" hangingPunct="1">
+        <a:defRPr>
+          <a:solidFill>
+            <a:schemeClr val="tx2"/>
+          </a:solidFill>
+        </a:defRPr>
+      </a:lvl4pPr>
+      <a:lvl5pPr eaLnBrk="1" hangingPunct="1">
+        <a:defRPr>
+          <a:solidFill>
+            <a:schemeClr val="tx2"/>
+          </a:solidFill>
+        </a:defRPr>
+      </a:lvl5pPr>
+      <a:lvl6pPr eaLnBrk="1" hangingPunct="1">
+        <a:defRPr>
+          <a:solidFill>
+            <a:schemeClr val="tx2"/>
+          </a:solidFill>
+        </a:defRPr>
+      </a:lvl6pPr>
+      <a:lvl7pPr eaLnBrk="1" hangingPunct="1">
+        <a:defRPr>
+          <a:solidFill>
+            <a:schemeClr val="tx2"/>
+          </a:solidFill>
+        </a:defRPr>
+      </a:lvl7pPr>
+      <a:lvl8pPr eaLnBrk="1" hangingPunct="1">
+        <a:defRPr>
+          <a:solidFill>
+            <a:schemeClr val="tx2"/>
+          </a:solidFill>
+        </a:defRPr>
+      </a:lvl8pPr>
+      <a:lvl9pPr eaLnBrk="1" hangingPunct="1">
+        <a:defRPr>
+          <a:solidFill>
+            <a:schemeClr val="tx2"/>
+          </a:solidFill>
+        </a:defRPr>
+      </a:lvl9pPr>
     </p:titleStyle>
     <p:bodyStyle>
-      <a:lvl1pPr marL="228600" indent="-228600" algn="l" defTabSz="914400" rtl="0" eaLnBrk="1" latinLnBrk="0" hangingPunct="1">
-        <a:lnSpc>
-          <a:spcPct val="90000"/>
-        </a:lnSpc>
+      <a:lvl1pPr marL="342900" indent="-342900" algn="l" defTabSz="457200" rtl="0" eaLnBrk="1" latinLnBrk="0" hangingPunct="1">
         <a:spcBef>
           <a:spcPts val="1000"/>
         </a:spcBef>
-        <a:buFont typeface="Arial" panose="020B0604020202020204" pitchFamily="34" charset="0"/>
-        <a:buChar char="•"/>
-        <a:defRPr sz="2800" kern="1200">
+        <a:spcAft>
+          <a:spcPts val="0"/>
+        </a:spcAft>
+        <a:buClr>
+          <a:schemeClr val="accent1"/>
+        </a:buClr>
+        <a:buSzPct val="80000"/>
+        <a:buFont typeface="Wingdings 3" charset="2"/>
+        <a:buChar char=""/>
+        <a:defRPr sz="1800" kern="1200">
           <a:solidFill>
-            <a:schemeClr val="tx1"/>
+            <a:schemeClr val="tx1">
+              <a:lumMod val="75000"/>
+              <a:lumOff val="25000"/>
+            </a:schemeClr>
           </a:solidFill>
           <a:latin typeface="+mn-lt"/>
           <a:ea typeface="+mn-ea"/>
           <a:cs typeface="+mn-cs"/>
         </a:defRPr>
       </a:lvl1pPr>
-      <a:lvl2pPr marL="685800" indent="-228600" algn="l" defTabSz="914400" rtl="0" eaLnBrk="1" latinLnBrk="0" hangingPunct="1">
-        <a:lnSpc>
-          <a:spcPct val="90000"/>
-        </a:lnSpc>
+      <a:lvl2pPr marL="742950" indent="-285750" algn="l" defTabSz="457200" rtl="0" eaLnBrk="1" latinLnBrk="0" hangingPunct="1">
         <a:spcBef>
-          <a:spcPts val="500"/>
+          <a:spcPts val="1000"/>
         </a:spcBef>
-        <a:buFont typeface="Arial" panose="020B0604020202020204" pitchFamily="34" charset="0"/>
-        <a:buChar char="•"/>
-        <a:defRPr sz="2400" kern="1200">
+        <a:spcAft>
+          <a:spcPts val="0"/>
+        </a:spcAft>
+        <a:buClr>
+          <a:schemeClr val="accent1"/>
+        </a:buClr>
+        <a:buSzPct val="80000"/>
+        <a:buFont typeface="Wingdings 3" charset="2"/>
+        <a:buChar char=""/>
+        <a:defRPr sz="1600" kern="1200">
           <a:solidFill>
-            <a:schemeClr val="tx1"/>
+            <a:schemeClr val="tx1">
+              <a:lumMod val="75000"/>
+              <a:lumOff val="25000"/>
+            </a:schemeClr>
           </a:solidFill>
           <a:latin typeface="+mn-lt"/>
           <a:ea typeface="+mn-ea"/>
           <a:cs typeface="+mn-cs"/>
         </a:defRPr>
       </a:lvl2pPr>
-      <a:lvl3pPr marL="1143000" indent="-228600" algn="l" defTabSz="914400" rtl="0" eaLnBrk="1" latinLnBrk="0" hangingPunct="1">
-        <a:lnSpc>
-          <a:spcPct val="90000"/>
-        </a:lnSpc>
+      <a:lvl3pPr marL="1143000" indent="-228600" algn="l" defTabSz="457200" rtl="0" eaLnBrk="1" latinLnBrk="0" hangingPunct="1">
         <a:spcBef>
-          <a:spcPts val="500"/>
+          <a:spcPts val="1000"/>
         </a:spcBef>
-        <a:buFont typeface="Arial" panose="020B0604020202020204" pitchFamily="34" charset="0"/>
-        <a:buChar char="•"/>
-        <a:defRPr sz="2000" kern="1200">
+        <a:spcAft>
+          <a:spcPts val="0"/>
+        </a:spcAft>
+        <a:buClr>
+          <a:schemeClr val="accent1"/>
+        </a:buClr>
+        <a:buSzPct val="80000"/>
+        <a:buFont typeface="Wingdings 3" charset="2"/>
+        <a:buChar char=""/>
+        <a:defRPr sz="1400" kern="1200">
           <a:solidFill>
-            <a:schemeClr val="tx1"/>
+            <a:schemeClr val="tx1">
+              <a:lumMod val="75000"/>
+              <a:lumOff val="25000"/>
+            </a:schemeClr>
           </a:solidFill>
           <a:latin typeface="+mn-lt"/>
           <a:ea typeface="+mn-ea"/>
           <a:cs typeface="+mn-cs"/>
         </a:defRPr>
       </a:lvl3pPr>
-      <a:lvl4pPr marL="1600200" indent="-228600" algn="l" defTabSz="914400" rtl="0" eaLnBrk="1" latinLnBrk="0" hangingPunct="1">
-        <a:lnSpc>
-          <a:spcPct val="90000"/>
-        </a:lnSpc>
+      <a:lvl4pPr marL="1600200" indent="-228600" algn="l" defTabSz="457200" rtl="0" eaLnBrk="1" latinLnBrk="0" hangingPunct="1">
         <a:spcBef>
-          <a:spcPts val="500"/>
+          <a:spcPts val="1000"/>
         </a:spcBef>
-        <a:buFont typeface="Arial" panose="020B0604020202020204" pitchFamily="34" charset="0"/>
-        <a:buChar char="•"/>
-        <a:defRPr sz="1800" kern="1200">
+        <a:spcAft>
+          <a:spcPts val="0"/>
+        </a:spcAft>
+        <a:buClr>
+          <a:schemeClr val="accent1"/>
+        </a:buClr>
+        <a:buSzPct val="80000"/>
+        <a:buFont typeface="Wingdings 3" charset="2"/>
+        <a:buChar char=""/>
+        <a:defRPr sz="1200" kern="1200">
           <a:solidFill>
-            <a:schemeClr val="tx1"/>
+            <a:schemeClr val="tx1">
+              <a:lumMod val="75000"/>
+              <a:lumOff val="25000"/>
+            </a:schemeClr>
           </a:solidFill>
           <a:latin typeface="+mn-lt"/>
           <a:ea typeface="+mn-ea"/>
           <a:cs typeface="+mn-cs"/>
         </a:defRPr>
       </a:lvl4pPr>
-      <a:lvl5pPr marL="2057400" indent="-228600" algn="l" defTabSz="914400" rtl="0" eaLnBrk="1" latinLnBrk="0" hangingPunct="1">
-        <a:lnSpc>
-          <a:spcPct val="90000"/>
-        </a:lnSpc>
+      <a:lvl5pPr marL="2057400" indent="-228600" algn="l" defTabSz="457200" rtl="0" eaLnBrk="1" latinLnBrk="0" hangingPunct="1">
         <a:spcBef>
-          <a:spcPts val="500"/>
+          <a:spcPts val="1000"/>
         </a:spcBef>
-        <a:buFont typeface="Arial" panose="020B0604020202020204" pitchFamily="34" charset="0"/>
-        <a:buChar char="•"/>
-        <a:defRPr sz="1800" kern="1200">
+        <a:spcAft>
+          <a:spcPts val="0"/>
+        </a:spcAft>
+        <a:buClr>
+          <a:schemeClr val="accent1"/>
+        </a:buClr>
+        <a:buSzPct val="80000"/>
+        <a:buFont typeface="Wingdings 3" charset="2"/>
+        <a:buChar char=""/>
+        <a:defRPr sz="1200" kern="1200">
           <a:solidFill>
-            <a:schemeClr val="tx1"/>
+            <a:schemeClr val="tx1">
+              <a:lumMod val="75000"/>
+              <a:lumOff val="25000"/>
+            </a:schemeClr>
           </a:solidFill>
           <a:latin typeface="+mn-lt"/>
           <a:ea typeface="+mn-ea"/>
           <a:cs typeface="+mn-cs"/>
         </a:defRPr>
       </a:lvl5pPr>
-      <a:lvl6pPr marL="2514600" indent="-228600" algn="l" defTabSz="914400" rtl="0" eaLnBrk="1" latinLnBrk="0" hangingPunct="1">
-        <a:lnSpc>
-          <a:spcPct val="90000"/>
-        </a:lnSpc>
+      <a:lvl6pPr marL="2514600" indent="-228600" algn="l" defTabSz="457200" rtl="0" eaLnBrk="1" latinLnBrk="0" hangingPunct="1">
         <a:spcBef>
-          <a:spcPts val="500"/>
+          <a:spcPts val="1000"/>
         </a:spcBef>
-        <a:buFont typeface="Arial" panose="020B0604020202020204" pitchFamily="34" charset="0"/>
-        <a:buChar char="•"/>
-        <a:defRPr sz="1800" kern="1200">
+        <a:spcAft>
+          <a:spcPts val="0"/>
+        </a:spcAft>
+        <a:buClr>
+          <a:schemeClr val="accent1"/>
+        </a:buClr>
+        <a:buSzPct val="80000"/>
+        <a:buFont typeface="Wingdings 3" charset="2"/>
+        <a:buChar char=""/>
+        <a:defRPr sz="1200" kern="1200">
           <a:solidFill>
-            <a:schemeClr val="tx1"/>
+            <a:schemeClr val="tx1">
+              <a:lumMod val="75000"/>
+              <a:lumOff val="25000"/>
+            </a:schemeClr>
           </a:solidFill>
           <a:latin typeface="+mn-lt"/>
           <a:ea typeface="+mn-ea"/>
           <a:cs typeface="+mn-cs"/>
         </a:defRPr>
       </a:lvl6pPr>
-      <a:lvl7pPr marL="2971800" indent="-228600" algn="l" defTabSz="914400" rtl="0" eaLnBrk="1" latinLnBrk="0" hangingPunct="1">
-        <a:lnSpc>
-          <a:spcPct val="90000"/>
-        </a:lnSpc>
+      <a:lvl7pPr marL="2971800" indent="-228600" algn="l" defTabSz="457200" rtl="0" eaLnBrk="1" latinLnBrk="0" hangingPunct="1">
         <a:spcBef>
-          <a:spcPts val="500"/>
+          <a:spcPts val="1000"/>
         </a:spcBef>
-        <a:buFont typeface="Arial" panose="020B0604020202020204" pitchFamily="34" charset="0"/>
-        <a:buChar char="•"/>
-        <a:defRPr sz="1800" kern="1200">
+        <a:spcAft>
+          <a:spcPts val="0"/>
+        </a:spcAft>
+        <a:buClr>
+          <a:schemeClr val="accent1"/>
+        </a:buClr>
+        <a:buSzPct val="80000"/>
+        <a:buFont typeface="Wingdings 3" charset="2"/>
+        <a:buChar char=""/>
+        <a:defRPr sz="1200" kern="1200">
           <a:solidFill>
-            <a:schemeClr val="tx1"/>
+            <a:schemeClr val="tx1">
+              <a:lumMod val="75000"/>
+              <a:lumOff val="25000"/>
+            </a:schemeClr>
           </a:solidFill>
           <a:latin typeface="+mn-lt"/>
           <a:ea typeface="+mn-ea"/>
           <a:cs typeface="+mn-cs"/>
         </a:defRPr>
       </a:lvl7pPr>
-      <a:lvl8pPr marL="3429000" indent="-228600" algn="l" defTabSz="914400" rtl="0" eaLnBrk="1" latinLnBrk="0" hangingPunct="1">
-        <a:lnSpc>
-          <a:spcPct val="90000"/>
-        </a:lnSpc>
+      <a:lvl8pPr marL="3429000" indent="-228600" algn="l" defTabSz="457200" rtl="0" eaLnBrk="1" latinLnBrk="0" hangingPunct="1">
         <a:spcBef>
-          <a:spcPts val="500"/>
+          <a:spcPts val="1000"/>
         </a:spcBef>
-        <a:buFont typeface="Arial" panose="020B0604020202020204" pitchFamily="34" charset="0"/>
-        <a:buChar char="•"/>
-        <a:defRPr sz="1800" kern="1200">
+        <a:spcAft>
+          <a:spcPts val="0"/>
+        </a:spcAft>
+        <a:buClr>
+          <a:schemeClr val="accent1"/>
+        </a:buClr>
+        <a:buSzPct val="80000"/>
+        <a:buFont typeface="Wingdings 3" charset="2"/>
+        <a:buChar char=""/>
+        <a:defRPr sz="1200" kern="1200">
           <a:solidFill>
-            <a:schemeClr val="tx1"/>
+            <a:schemeClr val="tx1">
+              <a:lumMod val="75000"/>
+              <a:lumOff val="25000"/>
+            </a:schemeClr>
           </a:solidFill>
           <a:latin typeface="+mn-lt"/>
           <a:ea typeface="+mn-ea"/>
           <a:cs typeface="+mn-cs"/>
         </a:defRPr>
       </a:lvl8pPr>
-      <a:lvl9pPr marL="3886200" indent="-228600" algn="l" defTabSz="914400" rtl="0" eaLnBrk="1" latinLnBrk="0" hangingPunct="1">
-        <a:lnSpc>
-          <a:spcPct val="90000"/>
-        </a:lnSpc>
+      <a:lvl9pPr marL="3886200" indent="-228600" algn="l" defTabSz="457200" rtl="0" eaLnBrk="1" latinLnBrk="0" hangingPunct="1">
         <a:spcBef>
-          <a:spcPts val="500"/>
+          <a:spcPts val="1000"/>
         </a:spcBef>
-        <a:buFont typeface="Arial" panose="020B0604020202020204" pitchFamily="34" charset="0"/>
-        <a:buChar char="•"/>
-        <a:defRPr sz="1800" kern="1200">
+        <a:spcAft>
+          <a:spcPts val="0"/>
+        </a:spcAft>
+        <a:buClr>
+          <a:schemeClr val="accent1"/>
+        </a:buClr>
+        <a:buSzPct val="80000"/>
+        <a:buFont typeface="Wingdings 3" charset="2"/>
+        <a:buChar char=""/>
+        <a:defRPr sz="1200" kern="1200">
           <a:solidFill>
-            <a:schemeClr val="tx1"/>
+            <a:schemeClr val="tx1">
+              <a:lumMod val="75000"/>
+              <a:lumOff val="25000"/>
+            </a:schemeClr>
           </a:solidFill>
           <a:latin typeface="+mn-lt"/>
           <a:ea typeface="+mn-ea"/>
@@ -3678,7 +8660,7 @@
       <a:defPPr>
         <a:defRPr lang="en-US"/>
       </a:defPPr>
-      <a:lvl1pPr marL="0" algn="l" defTabSz="914400" rtl="0" eaLnBrk="1" latinLnBrk="0" hangingPunct="1">
+      <a:lvl1pPr marL="0" algn="l" defTabSz="457200" rtl="0" eaLnBrk="1" latinLnBrk="0" hangingPunct="1">
         <a:defRPr sz="1800" kern="1200">
           <a:solidFill>
             <a:schemeClr val="tx1"/>
@@ -3688,7 +8670,7 @@
           <a:cs typeface="+mn-cs"/>
         </a:defRPr>
       </a:lvl1pPr>
-      <a:lvl2pPr marL="457200" algn="l" defTabSz="914400" rtl="0" eaLnBrk="1" latinLnBrk="0" hangingPunct="1">
+      <a:lvl2pPr marL="457200" algn="l" defTabSz="457200" rtl="0" eaLnBrk="1" latinLnBrk="0" hangingPunct="1">
         <a:defRPr sz="1800" kern="1200">
           <a:solidFill>
             <a:schemeClr val="tx1"/>
@@ -3698,7 +8680,7 @@
           <a:cs typeface="+mn-cs"/>
         </a:defRPr>
       </a:lvl2pPr>
-      <a:lvl3pPr marL="914400" algn="l" defTabSz="914400" rtl="0" eaLnBrk="1" latinLnBrk="0" hangingPunct="1">
+      <a:lvl3pPr marL="914400" algn="l" defTabSz="457200" rtl="0" eaLnBrk="1" latinLnBrk="0" hangingPunct="1">
         <a:defRPr sz="1800" kern="1200">
           <a:solidFill>
             <a:schemeClr val="tx1"/>
@@ -3708,7 +8690,7 @@
           <a:cs typeface="+mn-cs"/>
         </a:defRPr>
       </a:lvl3pPr>
-      <a:lvl4pPr marL="1371600" algn="l" defTabSz="914400" rtl="0" eaLnBrk="1" latinLnBrk="0" hangingPunct="1">
+      <a:lvl4pPr marL="1371600" algn="l" defTabSz="457200" rtl="0" eaLnBrk="1" latinLnBrk="0" hangingPunct="1">
         <a:defRPr sz="1800" kern="1200">
           <a:solidFill>
             <a:schemeClr val="tx1"/>
@@ -3718,7 +8700,7 @@
           <a:cs typeface="+mn-cs"/>
         </a:defRPr>
       </a:lvl4pPr>
-      <a:lvl5pPr marL="1828800" algn="l" defTabSz="914400" rtl="0" eaLnBrk="1" latinLnBrk="0" hangingPunct="1">
+      <a:lvl5pPr marL="1828800" algn="l" defTabSz="457200" rtl="0" eaLnBrk="1" latinLnBrk="0" hangingPunct="1">
         <a:defRPr sz="1800" kern="1200">
           <a:solidFill>
             <a:schemeClr val="tx1"/>
@@ -3728,7 +8710,7 @@
           <a:cs typeface="+mn-cs"/>
         </a:defRPr>
       </a:lvl5pPr>
-      <a:lvl6pPr marL="2286000" algn="l" defTabSz="914400" rtl="0" eaLnBrk="1" latinLnBrk="0" hangingPunct="1">
+      <a:lvl6pPr marL="2286000" algn="l" defTabSz="457200" rtl="0" eaLnBrk="1" latinLnBrk="0" hangingPunct="1">
         <a:defRPr sz="1800" kern="1200">
           <a:solidFill>
             <a:schemeClr val="tx1"/>
@@ -3738,7 +8720,7 @@
           <a:cs typeface="+mn-cs"/>
         </a:defRPr>
       </a:lvl6pPr>
-      <a:lvl7pPr marL="2743200" algn="l" defTabSz="914400" rtl="0" eaLnBrk="1" latinLnBrk="0" hangingPunct="1">
+      <a:lvl7pPr marL="2743200" algn="l" defTabSz="457200" rtl="0" eaLnBrk="1" latinLnBrk="0" hangingPunct="1">
         <a:defRPr sz="1800" kern="1200">
           <a:solidFill>
             <a:schemeClr val="tx1"/>
@@ -3748,7 +8730,7 @@
           <a:cs typeface="+mn-cs"/>
         </a:defRPr>
       </a:lvl7pPr>
-      <a:lvl8pPr marL="3200400" algn="l" defTabSz="914400" rtl="0" eaLnBrk="1" latinLnBrk="0" hangingPunct="1">
+      <a:lvl8pPr marL="3200400" algn="l" defTabSz="457200" rtl="0" eaLnBrk="1" latinLnBrk="0" hangingPunct="1">
         <a:defRPr sz="1800" kern="1200">
           <a:solidFill>
             <a:schemeClr val="tx1"/>
@@ -3758,7 +8740,7 @@
           <a:cs typeface="+mn-cs"/>
         </a:defRPr>
       </a:lvl8pPr>
-      <a:lvl9pPr marL="3657600" algn="l" defTabSz="914400" rtl="0" eaLnBrk="1" latinLnBrk="0" hangingPunct="1">
+      <a:lvl9pPr marL="3657600" algn="l" defTabSz="457200" rtl="0" eaLnBrk="1" latinLnBrk="0" hangingPunct="1">
         <a:defRPr sz="1800" kern="1200">
           <a:solidFill>
             <a:schemeClr val="tx1"/>
@@ -3800,7 +8782,12 @@
             <p:ph type="ctrTitle"/>
           </p:nvPr>
         </p:nvSpPr>
-        <p:spPr/>
+        <p:spPr>
+          <a:xfrm>
+            <a:off x="1177883" y="959782"/>
+            <a:ext cx="7766936" cy="1646302"/>
+          </a:xfrm>
+        </p:spPr>
         <p:txBody>
           <a:bodyPr/>
           <a:lstStyle/>
@@ -3824,17 +8811,17 @@
         </p:nvSpPr>
         <p:spPr>
           <a:xfrm>
-            <a:off x="9865360" y="4876800"/>
+            <a:off x="4907280" y="4667814"/>
             <a:ext cx="1989182" cy="1556656"/>
           </a:xfrm>
         </p:spPr>
         <p:txBody>
           <a:bodyPr>
-            <a:normAutofit lnSpcReduction="10000"/>
+            <a:normAutofit fontScale="92500" lnSpcReduction="10000"/>
           </a:bodyPr>
           <a:lstStyle/>
           <a:p>
-            <a:pPr algn="r"/>
+            <a:pPr algn="ctr"/>
             <a:r>
               <a:rPr lang="en-US" sz="1400" dirty="0" err="1"/>
               <a:t>Ahien</a:t>
@@ -3850,7 +8837,7 @@
             <a:endParaRPr lang="en-US" sz="1400" dirty="0"/>
           </a:p>
           <a:p>
-            <a:pPr algn="r"/>
+            <a:pPr algn="ctr"/>
             <a:r>
               <a:rPr lang="en-US" sz="1400" dirty="0" err="1"/>
               <a:t>Namrata</a:t>
@@ -3866,14 +8853,14 @@
             <a:endParaRPr lang="en-US" sz="1400" dirty="0"/>
           </a:p>
           <a:p>
-            <a:pPr algn="r"/>
+            <a:pPr algn="ctr"/>
             <a:r>
               <a:rPr lang="en-US" sz="1400" dirty="0"/>
               <a:t>Sonam Gupta</a:t>
             </a:r>
           </a:p>
           <a:p>
-            <a:pPr algn="r"/>
+            <a:pPr algn="ctr"/>
             <a:r>
               <a:rPr lang="en-US" sz="1400" dirty="0" err="1"/>
               <a:t>Suparna</a:t>
@@ -3889,7 +8876,7 @@
             <a:endParaRPr lang="en-US" sz="1400" dirty="0"/>
           </a:p>
           <a:p>
-            <a:pPr algn="r"/>
+            <a:pPr algn="ctr"/>
             <a:r>
               <a:rPr lang="en-US" sz="1400" dirty="0" err="1"/>
               <a:t>Yash</a:t>
@@ -3905,7 +8892,7 @@
             <a:endParaRPr lang="en-US" sz="1400" dirty="0"/>
           </a:p>
           <a:p>
-            <a:pPr algn="r"/>
+            <a:pPr algn="ctr"/>
             <a:endParaRPr lang="en-US" sz="1400" dirty="0"/>
           </a:p>
         </p:txBody>
@@ -3918,7 +8905,7 @@
         </p:nvSpPr>
         <p:spPr>
           <a:xfrm>
-            <a:off x="4907280" y="3799840"/>
+            <a:off x="4870631" y="2667452"/>
             <a:ext cx="2062480" cy="646331"/>
           </a:xfrm>
           <a:prstGeom prst="rect">
@@ -3947,7 +8934,6 @@
               <a:rPr lang="en-US" dirty="0"/>
               <a:t>Spring 2016</a:t>
             </a:r>
-            <a:endParaRPr lang="en-US" dirty="0"/>
           </a:p>
         </p:txBody>
       </p:sp>
@@ -3998,10 +8984,9 @@
           <a:p>
             <a:pPr algn="ctr"/>
             <a:r>
-              <a:rPr lang="en-US" dirty="0" smtClean="0"/>
+              <a:rPr lang="en-US" dirty="0"/>
               <a:t>Test and Evaluation</a:t>
             </a:r>
-            <a:endParaRPr lang="en-US" dirty="0"/>
           </a:p>
         </p:txBody>
       </p:sp>
@@ -4021,13 +9006,13 @@
           <a:lstStyle/>
           <a:p>
             <a:r>
-              <a:rPr lang="en-US" dirty="0" smtClean="0"/>
+              <a:rPr lang="en-US" dirty="0"/>
               <a:t>Dataset = entire population: sales for every month available</a:t>
             </a:r>
           </a:p>
           <a:p>
             <a:r>
-              <a:rPr lang="en-US" dirty="0" smtClean="0"/>
+              <a:rPr lang="en-US" dirty="0"/>
               <a:t>Distribution : slightly right skewed with 3 outliers</a:t>
             </a:r>
           </a:p>
@@ -4045,27 +9030,27 @@
             </a:r>
           </a:p>
           <a:p>
-            <a:endParaRPr lang="en-US" dirty="0" smtClean="0"/>
-          </a:p>
-          <a:p>
-            <a:r>
-              <a:rPr lang="en-US" dirty="0" smtClean="0"/>
+            <a:endParaRPr lang="en-US" dirty="0"/>
+          </a:p>
+          <a:p>
+            <a:r>
+              <a:rPr lang="en-US" dirty="0"/>
               <a:t>Large enough sample size and no extreme outliers </a:t>
             </a:r>
             <a:r>
-              <a:rPr lang="en-US" dirty="0" smtClean="0">
+              <a:rPr lang="en-US" dirty="0">
                 <a:sym typeface="Wingdings" panose="05000000000000000000" pitchFamily="2" charset="2"/>
               </a:rPr>
               <a:t></a:t>
             </a:r>
             <a:r>
-              <a:rPr lang="en-US" dirty="0" smtClean="0"/>
+              <a:rPr lang="en-US" dirty="0"/>
               <a:t> nearly normal distribution</a:t>
             </a:r>
           </a:p>
           <a:p>
             <a:r>
-              <a:rPr lang="en-US" dirty="0" smtClean="0"/>
+              <a:rPr lang="en-US" dirty="0"/>
               <a:t>Tesla sales: nearly normal with a recent upwards trend</a:t>
             </a:r>
           </a:p>
@@ -4190,10 +9175,9 @@
           <a:p>
             <a:pPr algn="ctr"/>
             <a:r>
-              <a:rPr lang="en-US" dirty="0" smtClean="0"/>
+              <a:rPr lang="en-US" dirty="0"/>
               <a:t>FUTURE WORK</a:t>
             </a:r>
-            <a:endParaRPr lang="en-US" dirty="0"/>
           </a:p>
         </p:txBody>
       </p:sp>
@@ -4215,60 +9199,59 @@
           <a:lstStyle/>
           <a:p>
             <a:r>
-              <a:rPr lang="en-US" dirty="0" smtClean="0"/>
+              <a:rPr lang="en-US" dirty="0"/>
               <a:t>Sound model</a:t>
             </a:r>
           </a:p>
           <a:p>
             <a:r>
-              <a:rPr lang="en-US" dirty="0" smtClean="0"/>
+              <a:rPr lang="en-US" dirty="0"/>
               <a:t>Small </a:t>
             </a:r>
             <a:r>
-              <a:rPr lang="en-US" dirty="0" err="1" smtClean="0"/>
+              <a:rPr lang="en-US" dirty="0" err="1"/>
               <a:t>Adj</a:t>
             </a:r>
             <a:r>
-              <a:rPr lang="en-US" dirty="0" smtClean="0"/>
+              <a:rPr lang="en-US" dirty="0"/>
               <a:t> R-</a:t>
             </a:r>
             <a:r>
-              <a:rPr lang="en-US" dirty="0" err="1" smtClean="0"/>
+              <a:rPr lang="en-US" dirty="0" err="1"/>
               <a:t>sq</a:t>
             </a:r>
             <a:r>
-              <a:rPr lang="en-US" dirty="0" smtClean="0"/>
+              <a:rPr lang="en-US" dirty="0"/>
               <a:t>: other relevant variables</a:t>
             </a:r>
           </a:p>
           <a:p>
             <a:r>
-              <a:rPr lang="en-US" dirty="0" smtClean="0"/>
+              <a:rPr lang="en-US" dirty="0"/>
               <a:t>Potential relevant variables:</a:t>
             </a:r>
           </a:p>
           <a:p>
             <a:pPr lvl="1"/>
             <a:r>
-              <a:rPr lang="en-US" dirty="0" smtClean="0"/>
+              <a:rPr lang="en-US" dirty="0"/>
               <a:t>Sales of Tesla’s competitors according to Tesla: other luxury cars </a:t>
             </a:r>
           </a:p>
           <a:p>
             <a:pPr lvl="1"/>
             <a:r>
-              <a:rPr lang="en-US" dirty="0" smtClean="0"/>
+              <a:rPr lang="en-US" dirty="0"/>
               <a:t>Example: Audi A7-A8, BMW 6-7Series, Jaguar XJ, Lexus LS, Mercedes-Benz CLS-Class, Mercedes-Benz S-Class, Porsche </a:t>
             </a:r>
             <a:r>
-              <a:rPr lang="en-US" dirty="0" err="1" smtClean="0"/>
+              <a:rPr lang="en-US" dirty="0" err="1"/>
               <a:t>Panamera</a:t>
             </a:r>
             <a:r>
-              <a:rPr lang="en-US" dirty="0" smtClean="0"/>
+              <a:rPr lang="en-US" dirty="0"/>
               <a:t>)</a:t>
             </a:r>
-            <a:endParaRPr lang="en-US" dirty="0"/>
           </a:p>
         </p:txBody>
       </p:sp>
@@ -4302,6 +9285,340 @@
           <a:chExt cx="0" cy="0"/>
         </a:xfrm>
       </p:grpSpPr>
+      <p:sp>
+        <p:nvSpPr>
+          <p:cNvPr id="2" name="Title 1"/>
+          <p:cNvSpPr>
+            <a:spLocks noGrp="1"/>
+          </p:cNvSpPr>
+          <p:nvPr>
+            <p:ph type="title"/>
+          </p:nvPr>
+        </p:nvSpPr>
+        <p:spPr/>
+        <p:txBody>
+          <a:bodyPr/>
+          <a:lstStyle/>
+          <a:p>
+            <a:r>
+              <a:rPr lang="en-US" dirty="0"/>
+              <a:t>Appendix and models developed</a:t>
+            </a:r>
+          </a:p>
+        </p:txBody>
+      </p:sp>
+      <p:sp>
+        <p:nvSpPr>
+          <p:cNvPr id="3" name="Content Placeholder 2"/>
+          <p:cNvSpPr>
+            <a:spLocks noGrp="1"/>
+          </p:cNvSpPr>
+          <p:nvPr>
+            <p:ph idx="1"/>
+          </p:nvPr>
+        </p:nvSpPr>
+        <p:spPr/>
+        <p:txBody>
+          <a:bodyPr>
+            <a:normAutofit fontScale="77500" lnSpcReduction="20000"/>
+          </a:bodyPr>
+          <a:lstStyle/>
+          <a:p>
+            <a:r>
+              <a:rPr lang="en-US" b="1" u="sng" dirty="0"/>
+              <a:t>Price Paid Per Unit of Car by Months</a:t>
+            </a:r>
+            <a:endParaRPr lang="en-US" dirty="0"/>
+          </a:p>
+          <a:p>
+            <a:pPr lvl="1"/>
+            <a:r>
+              <a:rPr lang="en-US" dirty="0"/>
+              <a:t>One of our inputs in the Regression and correlation analysis was the price paid per unit of electric cars. The data can be seen below and this would make it difficult to use the data. </a:t>
+            </a:r>
+          </a:p>
+          <a:p>
+            <a:pPr lvl="1"/>
+            <a:r>
+              <a:rPr lang="en-US" dirty="0"/>
+              <a:t>The data obtained was secondary data that gave sale by months and below table is the aggregate of the Year this data was then normalized to create the input data by months</a:t>
+            </a:r>
+          </a:p>
+          <a:p>
+            <a:pPr lvl="1"/>
+            <a:r>
+              <a:rPr lang="en-US" dirty="0"/>
+              <a:t>The original cost of all cars the outliers such as the Porsche 918 </a:t>
+            </a:r>
+            <a:r>
+              <a:rPr lang="en-US" dirty="0" err="1"/>
+              <a:t>Spyder</a:t>
+            </a:r>
+            <a:r>
+              <a:rPr lang="en-US" dirty="0"/>
+              <a:t> and Others were removed from the calculation as they were outliers too expensive or undeterminable mix not given</a:t>
+            </a:r>
+          </a:p>
+          <a:p>
+            <a:r>
+              <a:rPr lang="en-US" u="sng" dirty="0"/>
+              <a:t>Values</a:t>
+            </a:r>
+            <a:endParaRPr lang="en-US" dirty="0"/>
+          </a:p>
+          <a:p>
+            <a:r>
+              <a:rPr lang="en-US" dirty="0"/>
+              <a:t>Three values were deciphered using same formula the values were </a:t>
+            </a:r>
+          </a:p>
+          <a:p>
+            <a:pPr lvl="1"/>
+            <a:r>
+              <a:rPr lang="en-US" dirty="0"/>
+              <a:t>Price Paid per unit of Tesla, </a:t>
+            </a:r>
+          </a:p>
+          <a:p>
+            <a:pPr lvl="1"/>
+            <a:r>
+              <a:rPr lang="en-US" dirty="0"/>
+              <a:t>Price per Unit of Electric Cars minus outliers (including tesla) and</a:t>
+            </a:r>
+          </a:p>
+          <a:p>
+            <a:pPr lvl="1"/>
+            <a:r>
+              <a:rPr lang="en-US" dirty="0"/>
+              <a:t>Price Paid per Electric Cars Minus Outliers and Tesla</a:t>
+            </a:r>
+          </a:p>
+          <a:p>
+            <a:endParaRPr lang="en-US" dirty="0"/>
+          </a:p>
+          <a:p>
+            <a:r>
+              <a:rPr lang="en-US" u="sng" dirty="0"/>
+              <a:t>Formula</a:t>
+            </a:r>
+            <a:endParaRPr lang="en-US" dirty="0"/>
+          </a:p>
+          <a:p>
+            <a:r>
+              <a:rPr lang="en-US" dirty="0"/>
+              <a:t>Sum of (Number of Unit of each car sold * Price of the car) / Sum of car sold in that month</a:t>
+            </a:r>
+          </a:p>
+          <a:p>
+            <a:endParaRPr lang="en-US" dirty="0"/>
+          </a:p>
+        </p:txBody>
+      </p:sp>
+    </p:spTree>
+    <p:extLst>
+      <p:ext uri="{BB962C8B-B14F-4D97-AF65-F5344CB8AC3E}">
+        <p14:creationId xmlns:p14="http://schemas.microsoft.com/office/powerpoint/2010/main" val="319543582"/>
+      </p:ext>
+    </p:extLst>
+  </p:cSld>
+  <p:clrMapOvr>
+    <a:masterClrMapping/>
+  </p:clrMapOvr>
+</p:sld>
+</file>
+
+<file path=ppt/slides/slide14.xml><?xml version="1.0" encoding="utf-8"?>
+<p:sld xmlns:a="http://schemas.openxmlformats.org/drawingml/2006/main" xmlns:r="http://schemas.openxmlformats.org/officeDocument/2006/relationships" xmlns:p="http://schemas.openxmlformats.org/presentationml/2006/main">
+  <p:cSld>
+    <p:spTree>
+      <p:nvGrpSpPr>
+        <p:cNvPr id="1" name=""/>
+        <p:cNvGrpSpPr/>
+        <p:nvPr/>
+      </p:nvGrpSpPr>
+      <p:grpSpPr>
+        <a:xfrm>
+          <a:off x="0" y="0"/>
+          <a:ext cx="0" cy="0"/>
+          <a:chOff x="0" y="0"/>
+          <a:chExt cx="0" cy="0"/>
+        </a:xfrm>
+      </p:grpSpPr>
+      <p:sp>
+        <p:nvSpPr>
+          <p:cNvPr id="2" name="Title 1"/>
+          <p:cNvSpPr>
+            <a:spLocks noGrp="1"/>
+          </p:cNvSpPr>
+          <p:nvPr>
+            <p:ph type="title"/>
+          </p:nvPr>
+        </p:nvSpPr>
+        <p:spPr/>
+        <p:txBody>
+          <a:bodyPr/>
+          <a:lstStyle/>
+          <a:p>
+            <a:r>
+              <a:rPr lang="en-US" dirty="0"/>
+              <a:t>Appendix and models developed</a:t>
+            </a:r>
+          </a:p>
+        </p:txBody>
+      </p:sp>
+      <p:graphicFrame>
+        <p:nvGraphicFramePr>
+          <p:cNvPr id="4" name="Content Placeholder 3"/>
+          <p:cNvGraphicFramePr>
+            <a:graphicFrameLocks noGrp="1"/>
+          </p:cNvGraphicFramePr>
+          <p:nvPr>
+            <p:ph idx="1"/>
+            <p:extLst>
+              <p:ext uri="{D42A27DB-BD31-4B8C-83A1-F6EECF244321}">
+                <p14:modId xmlns:p14="http://schemas.microsoft.com/office/powerpoint/2010/main" val="85275308"/>
+              </p:ext>
+            </p:extLst>
+          </p:nvPr>
+        </p:nvGraphicFramePr>
+        <p:xfrm>
+          <a:off x="677863" y="2160588"/>
+          <a:ext cx="8596312" cy="3881437"/>
+        </p:xfrm>
+        <a:graphic>
+          <a:graphicData uri="http://schemas.openxmlformats.org/drawingml/2006/chart">
+            <c:chart xmlns:c="http://schemas.openxmlformats.org/drawingml/2006/chart" xmlns:r="http://schemas.openxmlformats.org/officeDocument/2006/relationships" r:id="rId2"/>
+          </a:graphicData>
+        </a:graphic>
+      </p:graphicFrame>
+    </p:spTree>
+    <p:extLst>
+      <p:ext uri="{BB962C8B-B14F-4D97-AF65-F5344CB8AC3E}">
+        <p14:creationId xmlns:p14="http://schemas.microsoft.com/office/powerpoint/2010/main" val="754996155"/>
+      </p:ext>
+    </p:extLst>
+  </p:cSld>
+  <p:clrMapOvr>
+    <a:masterClrMapping/>
+  </p:clrMapOvr>
+</p:sld>
+</file>
+
+<file path=ppt/slides/slide15.xml><?xml version="1.0" encoding="utf-8"?>
+<p:sld xmlns:a="http://schemas.openxmlformats.org/drawingml/2006/main" xmlns:r="http://schemas.openxmlformats.org/officeDocument/2006/relationships" xmlns:p="http://schemas.openxmlformats.org/presentationml/2006/main">
+  <p:cSld>
+    <p:spTree>
+      <p:nvGrpSpPr>
+        <p:cNvPr id="1" name=""/>
+        <p:cNvGrpSpPr/>
+        <p:nvPr/>
+      </p:nvGrpSpPr>
+      <p:grpSpPr>
+        <a:xfrm>
+          <a:off x="0" y="0"/>
+          <a:ext cx="0" cy="0"/>
+          <a:chOff x="0" y="0"/>
+          <a:chExt cx="0" cy="0"/>
+        </a:xfrm>
+      </p:grpSpPr>
+      <p:sp>
+        <p:nvSpPr>
+          <p:cNvPr id="2" name="Title 1"/>
+          <p:cNvSpPr>
+            <a:spLocks noGrp="1"/>
+          </p:cNvSpPr>
+          <p:nvPr>
+            <p:ph type="title"/>
+          </p:nvPr>
+        </p:nvSpPr>
+        <p:spPr/>
+        <p:txBody>
+          <a:bodyPr/>
+          <a:lstStyle/>
+          <a:p>
+            <a:r>
+              <a:rPr lang="en-US" dirty="0"/>
+              <a:t>Exclusions</a:t>
+            </a:r>
+          </a:p>
+        </p:txBody>
+      </p:sp>
+      <p:sp>
+        <p:nvSpPr>
+          <p:cNvPr id="3" name="Content Placeholder 2"/>
+          <p:cNvSpPr>
+            <a:spLocks noGrp="1"/>
+          </p:cNvSpPr>
+          <p:nvPr>
+            <p:ph idx="1"/>
+          </p:nvPr>
+        </p:nvSpPr>
+        <p:spPr/>
+        <p:txBody>
+          <a:bodyPr/>
+          <a:lstStyle/>
+          <a:p>
+            <a:r>
+              <a:rPr lang="en-US" dirty="0"/>
+              <a:t>Other than the outliers not included the early data for 2010 is also not included as there were no breakdowns available and the early industry trends would distort the data due to the novelty sales to early adopters.</a:t>
+            </a:r>
+          </a:p>
+        </p:txBody>
+      </p:sp>
+      <p:pic>
+        <p:nvPicPr>
+          <p:cNvPr id="4" name="Picture 3"/>
+          <p:cNvPicPr>
+            <a:picLocks noChangeAspect="1"/>
+          </p:cNvPicPr>
+          <p:nvPr/>
+        </p:nvPicPr>
+        <p:blipFill>
+          <a:blip r:embed="rId2"/>
+          <a:stretch>
+            <a:fillRect/>
+          </a:stretch>
+        </p:blipFill>
+        <p:spPr>
+          <a:xfrm>
+            <a:off x="1120140" y="3272300"/>
+            <a:ext cx="4439412" cy="2609654"/>
+          </a:xfrm>
+          <a:prstGeom prst="rect">
+            <a:avLst/>
+          </a:prstGeom>
+        </p:spPr>
+      </p:pic>
+    </p:spTree>
+    <p:extLst>
+      <p:ext uri="{BB962C8B-B14F-4D97-AF65-F5344CB8AC3E}">
+        <p14:creationId xmlns:p14="http://schemas.microsoft.com/office/powerpoint/2010/main" val="43035316"/>
+      </p:ext>
+    </p:extLst>
+  </p:cSld>
+  <p:clrMapOvr>
+    <a:masterClrMapping/>
+  </p:clrMapOvr>
+</p:sld>
+</file>
+
+<file path=ppt/slides/slide16.xml><?xml version="1.0" encoding="utf-8"?>
+<p:sld xmlns:a="http://schemas.openxmlformats.org/drawingml/2006/main" xmlns:r="http://schemas.openxmlformats.org/officeDocument/2006/relationships" xmlns:p="http://schemas.openxmlformats.org/presentationml/2006/main">
+  <p:cSld>
+    <p:spTree>
+      <p:nvGrpSpPr>
+        <p:cNvPr id="1" name=""/>
+        <p:cNvGrpSpPr/>
+        <p:nvPr/>
+      </p:nvGrpSpPr>
+      <p:grpSpPr>
+        <a:xfrm>
+          <a:off x="0" y="0"/>
+          <a:ext cx="0" cy="0"/>
+          <a:chOff x="0" y="0"/>
+          <a:chExt cx="0" cy="0"/>
+        </a:xfrm>
+      </p:grpSpPr>
       <p:pic>
         <p:nvPicPr>
           <p:cNvPr id="4" name="Content Placeholder 3"/>
@@ -4326,8 +9643,8 @@
         </p:blipFill>
         <p:spPr>
           <a:xfrm>
-            <a:off x="8863731" y="4064000"/>
-            <a:ext cx="2279707" cy="2278062"/>
+            <a:off x="3837175" y="2962463"/>
+            <a:ext cx="2277687" cy="2277687"/>
           </a:xfrm>
         </p:spPr>
       </p:pic>
@@ -4408,10 +9725,9 @@
           <a:p>
             <a:pPr algn="ctr"/>
             <a:r>
-              <a:rPr lang="en-US" dirty="0" smtClean="0"/>
+              <a:rPr lang="en-US" dirty="0"/>
               <a:t>Introduction</a:t>
             </a:r>
-            <a:endParaRPr lang="en-US" dirty="0"/>
           </a:p>
         </p:txBody>
       </p:sp>
@@ -4504,10 +9820,21 @@
         </p:nvSpPr>
         <p:spPr/>
         <p:txBody>
-          <a:bodyPr/>
+          <a:bodyPr>
+            <a:normAutofit/>
+          </a:bodyPr>
           <a:lstStyle/>
           <a:p>
-            <a:endParaRPr lang="en-US"/>
+            <a:r>
+              <a:rPr lang="en-US" sz="2800" dirty="0"/>
+              <a:t>Does the falling oil prices affect the sale of electric car specially Tesla</a:t>
+            </a:r>
+          </a:p>
+          <a:p>
+            <a:r>
+              <a:rPr lang="en-US" sz="2800" dirty="0"/>
+              <a:t>Does the Price Paid by consumer of other supplementary electric cars have an effect on the sale of Tesla</a:t>
+            </a:r>
           </a:p>
         </p:txBody>
       </p:sp>
@@ -4563,10 +9890,9 @@
           <a:p>
             <a:pPr algn="ctr"/>
             <a:r>
-              <a:rPr lang="en-US" dirty="0" smtClean="0"/>
+              <a:rPr lang="en-US" dirty="0"/>
               <a:t>Related Work</a:t>
             </a:r>
-            <a:endParaRPr lang="en-US" dirty="0"/>
           </a:p>
         </p:txBody>
       </p:sp>
@@ -4657,7 +9983,28 @@
           <a:bodyPr/>
           <a:lstStyle/>
           <a:p>
-            <a:endParaRPr lang="en-US"/>
+            <a:r>
+              <a:rPr lang="en-US" dirty="0"/>
+              <a:t>Cost of Oil and Oil products by month</a:t>
+            </a:r>
+          </a:p>
+          <a:p>
+            <a:r>
+              <a:rPr lang="en-US" dirty="0"/>
+              <a:t>Number of units of electric cars sold from conception in December 2010 to March 2016</a:t>
+            </a:r>
+          </a:p>
+          <a:p>
+            <a:r>
+              <a:rPr lang="en-US" dirty="0"/>
+              <a:t>Price of electric cars</a:t>
+            </a:r>
+          </a:p>
+          <a:p>
+            <a:r>
+              <a:rPr lang="en-US" dirty="0"/>
+              <a:t>Yahoo Finance: We obtained the stock prices of Tesla Motors Inc. (Nasdaq Code- TSLA) for the time period starting from January 2011 through March 2016 from Yahoo Finance. The raw data contained daily data with a few missing data points. The raw data consists of the following fields (all prices are in US dollars): </a:t>
+            </a:r>
           </a:p>
         </p:txBody>
       </p:sp>
@@ -4708,10 +10055,9 @@
           <a:p>
             <a:pPr algn="ctr"/>
             <a:r>
-              <a:rPr lang="en-US" dirty="0" smtClean="0"/>
+              <a:rPr lang="en-US" dirty="0"/>
               <a:t>Technical Approach</a:t>
             </a:r>
-            <a:endParaRPr lang="en-US" dirty="0"/>
           </a:p>
         </p:txBody>
       </p:sp>
@@ -4739,43 +10085,39 @@
             <a:pPr lvl="1"/>
             <a:r>
               <a:rPr lang="en-US" dirty="0"/>
-              <a:t>Fluctuations in oil prices and money spent on other electric cars in </a:t>
-            </a:r>
-            <a:r>
-              <a:rPr lang="en-US" dirty="0" smtClean="0"/>
-              <a:t>general</a:t>
-            </a:r>
-          </a:p>
-          <a:p>
-            <a:r>
-              <a:rPr lang="en-US" dirty="0" smtClean="0"/>
+              <a:t>Fluctuations in oil prices and money spent on other electric cars in general</a:t>
+            </a:r>
+          </a:p>
+          <a:p>
+            <a:r>
+              <a:rPr lang="en-US" dirty="0"/>
               <a:t>Linear Regression Model</a:t>
             </a:r>
           </a:p>
           <a:p>
             <a:r>
-              <a:rPr lang="en-US" dirty="0" smtClean="0"/>
+              <a:rPr lang="en-US" dirty="0"/>
               <a:t>Final Dataset – 45 standardized monthly observations from June 2012 to March 2016: </a:t>
             </a:r>
           </a:p>
           <a:p>
             <a:pPr lvl="1"/>
             <a:r>
-              <a:rPr lang="en-US" dirty="0" smtClean="0"/>
+              <a:rPr lang="en-US" dirty="0"/>
               <a:t>Sales of Tesla</a:t>
             </a:r>
           </a:p>
           <a:p>
             <a:pPr lvl="1"/>
             <a:r>
-              <a:rPr lang="en-US" dirty="0" smtClean="0"/>
+              <a:rPr lang="en-US" dirty="0"/>
               <a:t>Oil Prices</a:t>
             </a:r>
           </a:p>
           <a:p>
             <a:pPr lvl="1"/>
             <a:r>
-              <a:rPr lang="en-US" dirty="0" smtClean="0"/>
+              <a:rPr lang="en-US" dirty="0"/>
               <a:t>Substitute Unit Price</a:t>
             </a:r>
           </a:p>
@@ -4828,10 +10170,9 @@
           <a:p>
             <a:pPr algn="ctr"/>
             <a:r>
-              <a:rPr lang="en-US" dirty="0" smtClean="0"/>
+              <a:rPr lang="en-US" dirty="0"/>
               <a:t>Multi-Linear Regression Model (R) </a:t>
             </a:r>
-            <a:endParaRPr lang="en-US" dirty="0"/>
           </a:p>
         </p:txBody>
       </p:sp>
@@ -4851,15 +10192,15 @@
           <a:lstStyle/>
           <a:p>
             <a:r>
-              <a:rPr lang="en-US" dirty="0" smtClean="0"/>
+              <a:rPr lang="en-US" dirty="0"/>
               <a:t>1</a:t>
             </a:r>
             <a:r>
-              <a:rPr lang="en-US" baseline="30000" dirty="0" smtClean="0"/>
+              <a:rPr lang="en-US" baseline="30000" dirty="0"/>
               <a:t>st</a:t>
             </a:r>
             <a:r>
-              <a:rPr lang="en-US" dirty="0" smtClean="0"/>
+              <a:rPr lang="en-US" dirty="0"/>
               <a:t> Iteration</a:t>
             </a:r>
           </a:p>
@@ -4882,45 +10223,40 @@
           <a:p>
             <a:r>
               <a:rPr lang="en-US" dirty="0"/>
-              <a:t> </a:t>
-            </a:r>
-            <a:r>
-              <a:rPr lang="en-US" dirty="0" smtClean="0"/>
-              <a:t>model significant as a whole</a:t>
-            </a:r>
-          </a:p>
-          <a:p>
-            <a:r>
-              <a:rPr lang="en-US" dirty="0" smtClean="0"/>
+              <a:t> model significant as a whole</a:t>
+            </a:r>
+          </a:p>
+          <a:p>
+            <a:r>
+              <a:rPr lang="en-US" dirty="0"/>
               <a:t>Oil price </a:t>
             </a:r>
             <a:r>
-              <a:rPr lang="en-US" dirty="0" err="1" smtClean="0"/>
+              <a:rPr lang="en-US" dirty="0" err="1"/>
               <a:t>valriable</a:t>
             </a:r>
             <a:r>
-              <a:rPr lang="en-US" dirty="0" smtClean="0"/>
+              <a:rPr lang="en-US" dirty="0"/>
               <a:t> is not significant</a:t>
             </a:r>
           </a:p>
           <a:p>
             <a:r>
-              <a:rPr lang="en-US" dirty="0" err="1" smtClean="0"/>
+              <a:rPr lang="en-US" dirty="0" err="1"/>
               <a:t>Adj</a:t>
             </a:r>
             <a:r>
-              <a:rPr lang="en-US" dirty="0" smtClean="0"/>
+              <a:rPr lang="en-US" dirty="0"/>
               <a:t> R-</a:t>
             </a:r>
             <a:r>
-              <a:rPr lang="en-US" dirty="0" err="1" smtClean="0"/>
+              <a:rPr lang="en-US" dirty="0" err="1"/>
               <a:t>sq</a:t>
             </a:r>
             <a:r>
-              <a:rPr lang="en-US" dirty="0" smtClean="0"/>
+              <a:rPr lang="en-US" dirty="0"/>
               <a:t>: 33.82%</a:t>
             </a:r>
-            <a:endParaRPr lang="en-US" dirty="0"/>
           </a:p>
           <a:p>
             <a:endParaRPr lang="en-US" dirty="0"/>
@@ -4943,7 +10279,7 @@
           <a:lstStyle/>
           <a:p>
             <a:r>
-              <a:rPr lang="en-US" dirty="0" smtClean="0"/>
+              <a:rPr lang="en-US" dirty="0"/>
               <a:t>2d iteration</a:t>
             </a:r>
           </a:p>
@@ -4964,48 +10300,47 @@
           </a:p>
           <a:p>
             <a:r>
-              <a:rPr lang="en-US" dirty="0" smtClean="0"/>
+              <a:rPr lang="en-US" dirty="0"/>
               <a:t>Model significant as a whole</a:t>
             </a:r>
           </a:p>
           <a:p>
             <a:r>
-              <a:rPr lang="en-US" dirty="0" smtClean="0"/>
+              <a:rPr lang="en-US" dirty="0"/>
               <a:t>No non-significant variables</a:t>
             </a:r>
           </a:p>
           <a:p>
             <a:r>
-              <a:rPr lang="en-US" dirty="0" err="1" smtClean="0"/>
+              <a:rPr lang="en-US" dirty="0" err="1"/>
               <a:t>Adj</a:t>
             </a:r>
             <a:r>
-              <a:rPr lang="en-US" dirty="0" smtClean="0"/>
+              <a:rPr lang="en-US" dirty="0"/>
               <a:t> R-</a:t>
             </a:r>
             <a:r>
-              <a:rPr lang="en-US" dirty="0" err="1" smtClean="0"/>
+              <a:rPr lang="en-US" dirty="0" err="1"/>
               <a:t>sq</a:t>
             </a:r>
             <a:r>
-              <a:rPr lang="en-US" dirty="0" smtClean="0"/>
+              <a:rPr lang="en-US" dirty="0"/>
               <a:t>: 34.98% (increase from 1</a:t>
             </a:r>
             <a:r>
-              <a:rPr lang="en-US" baseline="30000" dirty="0" smtClean="0"/>
+              <a:rPr lang="en-US" baseline="30000" dirty="0"/>
               <a:t>st</a:t>
             </a:r>
             <a:r>
-              <a:rPr lang="en-US" dirty="0" smtClean="0"/>
+              <a:rPr lang="en-US" dirty="0"/>
               <a:t> iteration)</a:t>
             </a:r>
           </a:p>
           <a:p>
             <a:r>
-              <a:rPr lang="en-US" dirty="0" smtClean="0"/>
+              <a:rPr lang="en-US" dirty="0"/>
               <a:t>FINAL MODEL</a:t>
             </a:r>
-            <a:endParaRPr lang="en-US" dirty="0"/>
           </a:p>
         </p:txBody>
       </p:sp>
@@ -5056,10 +10391,9 @@
           <a:p>
             <a:pPr algn="ctr"/>
             <a:r>
-              <a:rPr lang="en-US" dirty="0" smtClean="0"/>
+              <a:rPr lang="en-US" dirty="0"/>
               <a:t>Model Conclusion</a:t>
             </a:r>
-            <a:endParaRPr lang="en-US" dirty="0"/>
           </a:p>
         </p:txBody>
       </p:sp>
@@ -5082,27 +10416,7 @@
           <a:p>
             <a:r>
               <a:rPr lang="en-US" dirty="0"/>
-              <a:t>E</a:t>
-            </a:r>
-            <a:r>
-              <a:rPr lang="en-US" dirty="0" smtClean="0"/>
-              <a:t>ach </a:t>
-            </a:r>
-            <a:r>
-              <a:rPr lang="en-US" dirty="0"/>
-              <a:t>unit increase in the standardized substitute </a:t>
-            </a:r>
-            <a:r>
-              <a:rPr lang="en-US" dirty="0" smtClean="0"/>
-              <a:t>unit prices gives </a:t>
-            </a:r>
-            <a:r>
-              <a:rPr lang="en-US" dirty="0"/>
-              <a:t>us an increase of 0.6 units in the standardized Tesla monthly </a:t>
-            </a:r>
-            <a:r>
-              <a:rPr lang="en-US" dirty="0" smtClean="0"/>
-              <a:t>sales on average</a:t>
+              <a:t>Each unit increase in the standardized substitute unit prices gives us an increase of 0.6 units in the standardized Tesla monthly sales on average</a:t>
             </a:r>
           </a:p>
           <a:p>
@@ -5110,45 +10424,30 @@
               <a:rPr lang="en-US" dirty="0"/>
               <a:t>35% of the variability in the Tesla monthly sales is explained by the model. </a:t>
             </a:r>
-            <a:endParaRPr lang="en-US" dirty="0" smtClean="0"/>
-          </a:p>
-          <a:p>
-            <a:r>
-              <a:rPr lang="en-US" dirty="0" err="1" smtClean="0"/>
+          </a:p>
+          <a:p>
+            <a:r>
+              <a:rPr lang="en-US" dirty="0" err="1"/>
               <a:t>Adj</a:t>
             </a:r>
             <a:r>
-              <a:rPr lang="en-US" dirty="0" smtClean="0"/>
+              <a:rPr lang="en-US" dirty="0"/>
               <a:t> R-</a:t>
             </a:r>
             <a:r>
-              <a:rPr lang="en-US" dirty="0" err="1" smtClean="0"/>
+              <a:rPr lang="en-US" dirty="0" err="1"/>
               <a:t>sq</a:t>
             </a:r>
             <a:r>
-              <a:rPr lang="en-US" dirty="0" smtClean="0"/>
+              <a:rPr lang="en-US" dirty="0"/>
               <a:t> is below 40%</a:t>
             </a:r>
-            <a:endParaRPr lang="en-US" dirty="0"/>
-          </a:p>
-          <a:p>
-            <a:r>
-              <a:rPr lang="en-US" dirty="0" smtClean="0"/>
-              <a:t>Safe assumption: Several </a:t>
-            </a:r>
+          </a:p>
+          <a:p>
             <a:r>
               <a:rPr lang="en-US" dirty="0"/>
-              <a:t>other </a:t>
-            </a:r>
-            <a:r>
-              <a:rPr lang="en-US" dirty="0" smtClean="0"/>
-              <a:t>factors not present in this analysis are </a:t>
-            </a:r>
-            <a:r>
-              <a:rPr lang="en-US" dirty="0"/>
-              <a:t>responsible for the movements in the Tesla monthly sales. </a:t>
-            </a:r>
-            <a:endParaRPr lang="en-US" dirty="0"/>
+              <a:t>Safe assumption: Several other factors not present in this analysis are responsible for the movements in the Tesla monthly sales. </a:t>
+            </a:r>
           </a:p>
         </p:txBody>
       </p:sp>
@@ -5218,7 +10517,7 @@
         <p:spPr/>
         <p:txBody>
           <a:bodyPr>
-            <a:normAutofit fontScale="85000" lnSpcReduction="20000"/>
+            <a:normAutofit fontScale="92500" lnSpcReduction="10000"/>
           </a:bodyPr>
           <a:lstStyle/>
           <a:p>
@@ -5233,64 +10532,39 @@
             </a:pPr>
             <a:r>
               <a:rPr lang="en-US" dirty="0"/>
-              <a:t>H0:  slope = </a:t>
-            </a:r>
-            <a:r>
-              <a:rPr lang="en-US" dirty="0" smtClean="0"/>
-              <a:t>0 and Ha</a:t>
-            </a:r>
+              <a:t>H0:  slope = 0 and Ha: slope ≠ 0</a:t>
+            </a:r>
+          </a:p>
+          <a:p>
+            <a:pPr marL="0" indent="0">
+              <a:buNone/>
+            </a:pPr>
+            <a:endParaRPr lang="en-US" dirty="0"/>
+          </a:p>
+          <a:p>
             <a:r>
               <a:rPr lang="en-US" dirty="0"/>
-              <a:t>: slope ≠ 0</a:t>
-            </a:r>
-          </a:p>
-          <a:p>
-            <a:pPr marL="0" indent="0">
-              <a:buNone/>
-            </a:pPr>
-            <a:endParaRPr lang="en-US" dirty="0" smtClean="0"/>
-          </a:p>
-          <a:p>
-            <a:r>
-              <a:rPr lang="en-US" dirty="0" smtClean="0"/>
-              <a:t>We </a:t>
-            </a:r>
+              <a:t>We are 95% confident that one-unit increase in the standardized substitute unit price leads to an increase ranging from 0.35 to 0.85 units in standardized Tesla sales on average. </a:t>
+            </a:r>
+          </a:p>
+          <a:p>
             <a:r>
               <a:rPr lang="en-US" dirty="0"/>
-              <a:t>are 95% confident that one-unit increase in the standardized substitute unit price leads to an increase ranging from 0.35 to 0.85 units in standardized Tesla </a:t>
-            </a:r>
-            <a:r>
-              <a:rPr lang="en-US" dirty="0" smtClean="0"/>
-              <a:t>sales on average. </a:t>
-            </a:r>
-          </a:p>
-          <a:p>
-            <a:r>
-              <a:rPr lang="en-US" dirty="0"/>
-              <a:t>95% </a:t>
-            </a:r>
-            <a:r>
-              <a:rPr lang="en-US" dirty="0" smtClean="0"/>
-              <a:t>CI is above 0  </a:t>
-            </a:r>
-            <a:r>
-              <a:rPr lang="en-US" dirty="0" smtClean="0">
+              <a:t>95% CI is above 0  </a:t>
+            </a:r>
+            <a:r>
+              <a:rPr lang="en-US" dirty="0">
                 <a:sym typeface="Wingdings" panose="05000000000000000000" pitchFamily="2" charset="2"/>
               </a:rPr>
               <a:t> </a:t>
             </a:r>
             <a:r>
-              <a:rPr lang="en-US" dirty="0" smtClean="0"/>
-              <a:t>positive </a:t>
-            </a:r>
-            <a:r>
               <a:rPr lang="en-US" dirty="0"/>
-              <a:t>relationship between Tesla sales and substitute unit prices</a:t>
-            </a:r>
-            <a:endParaRPr lang="en-US" dirty="0" smtClean="0"/>
-          </a:p>
-          <a:p>
-            <a:endParaRPr lang="en-US" dirty="0" smtClean="0"/>
+              <a:t>positive relationship between Tesla sales and substitute unit prices</a:t>
+            </a:r>
+          </a:p>
+          <a:p>
+            <a:endParaRPr lang="en-US" dirty="0"/>
           </a:p>
           <a:p>
             <a:pPr marL="0" indent="0">
@@ -5313,7 +10587,7 @@
         <p:spPr/>
         <p:txBody>
           <a:bodyPr>
-            <a:normAutofit fontScale="85000" lnSpcReduction="20000"/>
+            <a:normAutofit fontScale="92500" lnSpcReduction="10000"/>
           </a:bodyPr>
           <a:lstStyle/>
           <a:p>
@@ -5365,9 +10639,9 @@
 </file>
 
 <file path=ppt/theme/theme1.xml><?xml version="1.0" encoding="utf-8"?>
-<a:theme xmlns:a="http://schemas.openxmlformats.org/drawingml/2006/main" name="Office Theme">
+<a:theme xmlns:a="http://schemas.openxmlformats.org/drawingml/2006/main" name="Facet">
   <a:themeElements>
-    <a:clrScheme name="Office">
+    <a:clrScheme name="Facet">
       <a:dk1>
         <a:sysClr val="windowText" lastClr="000000"/>
       </a:dk1>
@@ -5375,52 +10649,52 @@
         <a:sysClr val="window" lastClr="FFFFFF"/>
       </a:lt1>
       <a:dk2>
-        <a:srgbClr val="44546A"/>
+        <a:srgbClr val="2C3C43"/>
       </a:dk2>
       <a:lt2>
-        <a:srgbClr val="E7E6E6"/>
+        <a:srgbClr val="EBEBEB"/>
       </a:lt2>
       <a:accent1>
-        <a:srgbClr val="5B9BD5"/>
+        <a:srgbClr val="90C226"/>
       </a:accent1>
       <a:accent2>
-        <a:srgbClr val="ED7D31"/>
+        <a:srgbClr val="54A021"/>
       </a:accent2>
       <a:accent3>
-        <a:srgbClr val="A5A5A5"/>
+        <a:srgbClr val="E6B91E"/>
       </a:accent3>
       <a:accent4>
-        <a:srgbClr val="FFC000"/>
+        <a:srgbClr val="E76618"/>
       </a:accent4>
       <a:accent5>
-        <a:srgbClr val="4472C4"/>
+        <a:srgbClr val="C42F1A"/>
       </a:accent5>
       <a:accent6>
-        <a:srgbClr val="70AD47"/>
+        <a:srgbClr val="918655"/>
       </a:accent6>
       <a:hlink>
-        <a:srgbClr val="0563C1"/>
+        <a:srgbClr val="99CA3C"/>
       </a:hlink>
       <a:folHlink>
-        <a:srgbClr val="954F72"/>
+        <a:srgbClr val="B9D181"/>
       </a:folHlink>
     </a:clrScheme>
-    <a:fontScheme name="Office">
+    <a:fontScheme name="Facet">
       <a:majorFont>
-        <a:latin typeface="Calibri Light" panose="020F0302020204030204"/>
+        <a:latin typeface="Trebuchet MS" panose="020B0603020202020204"/>
         <a:ea typeface=""/>
         <a:cs typeface=""/>
-        <a:font script="Jpan" typeface="游ゴシック Light"/>
+        <a:font script="Jpan" typeface="メイリオ"/>
         <a:font script="Hang" typeface="맑은 고딕"/>
-        <a:font script="Hans" typeface="等线 Light"/>
-        <a:font script="Hant" typeface="新細明體"/>
-        <a:font script="Arab" typeface="Times New Roman"/>
-        <a:font script="Hebr" typeface="Times New Roman"/>
-        <a:font script="Thai" typeface="Angsana New"/>
+        <a:font script="Hans" typeface="方正姚体"/>
+        <a:font script="Hant" typeface="微軟正黑體"/>
+        <a:font script="Arab" typeface="Tahoma"/>
+        <a:font script="Hebr" typeface="Arial"/>
+        <a:font script="Thai" typeface="Cordia New"/>
         <a:font script="Ethi" typeface="Nyala"/>
         <a:font script="Beng" typeface="Vrinda"/>
         <a:font script="Gujr" typeface="Shruti"/>
-        <a:font script="Khmr" typeface="MoolBoran"/>
+        <a:font script="Khmr" typeface="DaunPenh"/>
         <a:font script="Knda" typeface="Tunga"/>
         <a:font script="Guru" typeface="Raavi"/>
         <a:font script="Cans" typeface="Euphemia"/>
@@ -5437,38 +10711,21 @@
         <a:font script="Laoo" typeface="DokChampa"/>
         <a:font script="Sinh" typeface="Iskoola Pota"/>
         <a:font script="Mong" typeface="Mongolian Baiti"/>
-        <a:font script="Viet" typeface="Times New Roman"/>
+        <a:font script="Viet" typeface="Tahoma"/>
         <a:font script="Uigh" typeface="Microsoft Uighur"/>
         <a:font script="Geor" typeface="Sylfaen"/>
-        <a:font script="Armn" typeface="Arial"/>
-        <a:font script="Bugi" typeface="Leelawadee UI"/>
-        <a:font script="Bopo" typeface="Microsoft JhengHei"/>
-        <a:font script="Java" typeface="Javanese Text"/>
-        <a:font script="Lisu" typeface="Segoe UI"/>
-        <a:font script="Mymr" typeface="Myanmar Text"/>
-        <a:font script="Nkoo" typeface="Ebrima"/>
-        <a:font script="Olck" typeface="Nirmala UI"/>
-        <a:font script="Osma" typeface="Ebrima"/>
-        <a:font script="Phag" typeface="Phagspa"/>
-        <a:font script="Syrn" typeface="Estrangelo Edessa"/>
-        <a:font script="Syrj" typeface="Estrangelo Edessa"/>
-        <a:font script="Syre" typeface="Estrangelo Edessa"/>
-        <a:font script="Sora" typeface="Nirmala UI"/>
-        <a:font script="Tale" typeface="Microsoft Tai Le"/>
-        <a:font script="Talu" typeface="Microsoft New Tai Lue"/>
-        <a:font script="Tfng" typeface="Ebrima"/>
       </a:majorFont>
       <a:minorFont>
-        <a:latin typeface="Calibri" panose="020F0502020204030204"/>
+        <a:latin typeface="Trebuchet MS" panose="020B0603020202020204"/>
         <a:ea typeface=""/>
         <a:cs typeface=""/>
-        <a:font script="Jpan" typeface="游ゴシック"/>
-        <a:font script="Hang" typeface="맑은 고딕"/>
-        <a:font script="Hans" typeface="等线"/>
-        <a:font script="Hant" typeface="新細明體"/>
-        <a:font script="Arab" typeface="Arial"/>
-        <a:font script="Hebr" typeface="Arial"/>
-        <a:font script="Thai" typeface="Cordia New"/>
+        <a:font script="Jpan" typeface="メイリオ"/>
+        <a:font script="Hang" typeface="HY그래픽M"/>
+        <a:font script="Hans" typeface="华文新魏"/>
+        <a:font script="Hant" typeface="微軟正黑體"/>
+        <a:font script="Arab" typeface="Tahoma"/>
+        <a:font script="Hebr" typeface="Gisha"/>
+        <a:font script="Thai" typeface="IrisUPC"/>
         <a:font script="Ethi" typeface="Nyala"/>
         <a:font script="Beng" typeface="Vrinda"/>
         <a:font script="Gujr" typeface="Shruti"/>
@@ -5492,26 +10749,9 @@
         <a:font script="Viet" typeface="Arial"/>
         <a:font script="Uigh" typeface="Microsoft Uighur"/>
         <a:font script="Geor" typeface="Sylfaen"/>
-        <a:font script="Armn" typeface="Arial"/>
-        <a:font script="Bugi" typeface="Leelawadee UI"/>
-        <a:font script="Bopo" typeface="Microsoft JhengHei"/>
-        <a:font script="Java" typeface="Javanese Text"/>
-        <a:font script="Lisu" typeface="Segoe UI"/>
-        <a:font script="Mymr" typeface="Myanmar Text"/>
-        <a:font script="Nkoo" typeface="Ebrima"/>
-        <a:font script="Olck" typeface="Nirmala UI"/>
-        <a:font script="Osma" typeface="Ebrima"/>
-        <a:font script="Phag" typeface="Phagspa"/>
-        <a:font script="Syrn" typeface="Estrangelo Edessa"/>
-        <a:font script="Syrj" typeface="Estrangelo Edessa"/>
-        <a:font script="Syre" typeface="Estrangelo Edessa"/>
-        <a:font script="Sora" typeface="Nirmala UI"/>
-        <a:font script="Tale" typeface="Microsoft Tai Le"/>
-        <a:font script="Talu" typeface="Microsoft New Tai Lue"/>
-        <a:font script="Tfng" typeface="Ebrima"/>
       </a:minorFont>
     </a:fontScheme>
-    <a:fmtScheme name="Office">
+    <a:fmtScheme name="Facet">
       <a:fillStyleLst>
         <a:solidFill>
           <a:schemeClr val="phClr"/>
@@ -5520,23 +10760,13 @@
           <a:gsLst>
             <a:gs pos="0">
               <a:schemeClr val="phClr">
+                <a:tint val="65000"/>
                 <a:lumMod val="110000"/>
-                <a:satMod val="105000"/>
-                <a:tint val="67000"/>
               </a:schemeClr>
             </a:gs>
-            <a:gs pos="50000">
+            <a:gs pos="88000">
               <a:schemeClr val="phClr">
-                <a:lumMod val="105000"/>
-                <a:satMod val="103000"/>
-                <a:tint val="73000"/>
-              </a:schemeClr>
-            </a:gs>
-            <a:gs pos="100000">
-              <a:schemeClr val="phClr">
-                <a:lumMod val="105000"/>
-                <a:satMod val="109000"/>
-                <a:tint val="81000"/>
+                <a:tint val="90000"/>
               </a:schemeClr>
             </a:gs>
           </a:gsLst>
@@ -5546,23 +10776,14 @@
           <a:gsLst>
             <a:gs pos="0">
               <a:schemeClr val="phClr">
-                <a:satMod val="103000"/>
-                <a:lumMod val="102000"/>
-                <a:tint val="94000"/>
+                <a:tint val="96000"/>
+                <a:lumMod val="100000"/>
               </a:schemeClr>
             </a:gs>
-            <a:gs pos="50000">
+            <a:gs pos="78000">
               <a:schemeClr val="phClr">
-                <a:satMod val="110000"/>
-                <a:lumMod val="100000"/>
-                <a:shade val="100000"/>
-              </a:schemeClr>
-            </a:gs>
-            <a:gs pos="100000">
-              <a:schemeClr val="phClr">
-                <a:lumMod val="99000"/>
-                <a:satMod val="120000"/>
-                <a:shade val="78000"/>
+                <a:shade val="94000"/>
+                <a:lumMod val="94000"/>
               </a:schemeClr>
             </a:gs>
           </a:gsLst>
@@ -5570,26 +10791,23 @@
         </a:gradFill>
       </a:fillStyleLst>
       <a:lnStyleLst>
-        <a:ln w="6350" cap="flat" cmpd="sng" algn="ctr">
+        <a:ln w="12700" cap="rnd" cmpd="sng" algn="ctr">
           <a:solidFill>
             <a:schemeClr val="phClr"/>
           </a:solidFill>
           <a:prstDash val="solid"/>
-          <a:miter lim="800000"/>
         </a:ln>
-        <a:ln w="12700" cap="flat" cmpd="sng" algn="ctr">
+        <a:ln w="19050" cap="rnd" cmpd="sng" algn="ctr">
           <a:solidFill>
             <a:schemeClr val="phClr"/>
           </a:solidFill>
           <a:prstDash val="solid"/>
-          <a:miter lim="800000"/>
         </a:ln>
-        <a:ln w="19050" cap="flat" cmpd="sng" algn="ctr">
+        <a:ln w="25400" cap="rnd" cmpd="sng" algn="ctr">
           <a:solidFill>
             <a:schemeClr val="phClr"/>
           </a:solidFill>
           <a:prstDash val="solid"/>
-          <a:miter lim="800000"/>
         </a:ln>
       </a:lnStyleLst>
       <a:effectStyleLst>
@@ -5597,54 +10815,72 @@
           <a:effectLst/>
         </a:effectStyle>
         <a:effectStyle>
-          <a:effectLst/>
+          <a:effectLst>
+            <a:outerShdw blurRad="38100" dist="25400" dir="5400000" rotWithShape="0">
+              <a:srgbClr val="000000">
+                <a:alpha val="35000"/>
+              </a:srgbClr>
+            </a:outerShdw>
+          </a:effectLst>
         </a:effectStyle>
         <a:effectStyle>
           <a:effectLst>
-            <a:outerShdw blurRad="57150" dist="19050" dir="5400000" algn="ctr" rotWithShape="0">
+            <a:outerShdw blurRad="50800" dist="38100" dir="5400000" rotWithShape="0">
               <a:srgbClr val="000000">
-                <a:alpha val="63000"/>
+                <a:alpha val="35000"/>
               </a:srgbClr>
             </a:outerShdw>
           </a:effectLst>
+          <a:scene3d>
+            <a:camera prst="orthographicFront">
+              <a:rot lat="0" lon="0" rev="0"/>
+            </a:camera>
+            <a:lightRig rig="threePt" dir="tl"/>
+          </a:scene3d>
+          <a:sp3d prstMaterial="plastic">
+            <a:bevelT w="0" h="0"/>
+          </a:sp3d>
         </a:effectStyle>
       </a:effectStyleLst>
       <a:bgFillStyleLst>
         <a:solidFill>
           <a:schemeClr val="phClr"/>
         </a:solidFill>
-        <a:solidFill>
-          <a:schemeClr val="phClr">
-            <a:tint val="95000"/>
-            <a:satMod val="170000"/>
-          </a:schemeClr>
-        </a:solidFill>
         <a:gradFill rotWithShape="1">
           <a:gsLst>
             <a:gs pos="0">
               <a:schemeClr val="phClr">
-                <a:tint val="93000"/>
-                <a:satMod val="150000"/>
-                <a:shade val="98000"/>
-                <a:lumMod val="102000"/>
+                <a:tint val="90000"/>
+                <a:lumMod val="104000"/>
               </a:schemeClr>
             </a:gs>
-            <a:gs pos="50000">
+            <a:gs pos="94000">
               <a:schemeClr val="phClr">
-                <a:tint val="98000"/>
-                <a:satMod val="130000"/>
-                <a:shade val="90000"/>
-                <a:lumMod val="103000"/>
+                <a:shade val="96000"/>
+                <a:lumMod val="82000"/>
+              </a:schemeClr>
+            </a:gs>
+          </a:gsLst>
+          <a:lin ang="5400000" scaled="0"/>
+        </a:gradFill>
+        <a:gradFill rotWithShape="1">
+          <a:gsLst>
+            <a:gs pos="0">
+              <a:schemeClr val="phClr">
+                <a:tint val="90000"/>
+                <a:lumMod val="110000"/>
               </a:schemeClr>
             </a:gs>
             <a:gs pos="100000">
               <a:schemeClr val="phClr">
-                <a:shade val="63000"/>
-                <a:satMod val="120000"/>
+                <a:shade val="94000"/>
+                <a:lumMod val="96000"/>
               </a:schemeClr>
             </a:gs>
           </a:gsLst>
-          <a:lin ang="5400000" scaled="0"/>
+          <a:path path="circle">
+            <a:fillToRect l="50000" t="50000" r="100000" b="100000"/>
+          </a:path>
         </a:gradFill>
       </a:bgFillStyleLst>
     </a:fmtScheme>
@@ -5653,7 +10889,7 @@
   <a:extraClrSchemeLst/>
   <a:extLst>
     <a:ext uri="{05A4C25C-085E-4340-85A3-A5531E510DB2}">
-      <thm15:themeFamily xmlns:thm15="http://schemas.microsoft.com/office/thememl/2012/main" name="Office Theme" id="{62F939B6-93AF-4DB8-9C6B-D6C7DFDC589F}" vid="{4A3C46E8-61CC-4603-A589-7422A47A8E4A}"/>
+      <thm15:themeFamily xmlns:thm15="http://schemas.microsoft.com/office/thememl/2012/main" name="Facet" id="{C0C680CD-088A-49FC-A102-D699147F32B2}" vid="{CFBC31BA-B70F-4F30-BCAA-4F3011E16C4D}"/>
     </a:ext>
   </a:extLst>
 </a:theme>

--- a/finalPptTesla.pptx
+++ b/finalPptTesla.pptx
@@ -131,7 +131,7 @@
 </file>
 
 <file path=ppt/charts/chart1.xml><?xml version="1.0" encoding="utf-8"?>
-<c:chartSpace xmlns:c="http://schemas.openxmlformats.org/drawingml/2006/chart" xmlns:a="http://schemas.openxmlformats.org/drawingml/2006/main" xmlns:r="http://schemas.openxmlformats.org/officeDocument/2006/relationships" xmlns:c16r2="http://schemas.microsoft.com/office/drawing/2015/06/chart">
+<c:chartSpace xmlns:c="http://schemas.openxmlformats.org/drawingml/2006/chart" xmlns:a="http://schemas.openxmlformats.org/drawingml/2006/main" xmlns:r="http://schemas.openxmlformats.org/officeDocument/2006/relationships">
   <c:date1904 val="0"/>
   <c:lang val="en-US"/>
   <c:roundedCorners val="0"/>
@@ -603,7 +603,7 @@
             </c:numRef>
           </c:val>
           <c:smooth val="0"/>
-          <c:extLst>
+          <c:extLst xmlns:c16r2="http://schemas.microsoft.com/office/drawing/2015/06/chart">
             <c:ext xmlns:c16="http://schemas.microsoft.com/office/drawing/2014/chart" uri="{C3380CC4-5D6E-409C-BE32-E72D297353CC}">
               <c16:uniqueId val="{00000000-4C13-45A4-AD39-59BACAC34026}"/>
             </c:ext>
@@ -1062,7 +1062,7 @@
             </c:numRef>
           </c:val>
           <c:smooth val="0"/>
-          <c:extLst>
+          <c:extLst xmlns:c16r2="http://schemas.microsoft.com/office/drawing/2015/06/chart">
             <c:ext xmlns:c16="http://schemas.microsoft.com/office/drawing/2014/chart" uri="{C3380CC4-5D6E-409C-BE32-E72D297353CC}">
               <c16:uniqueId val="{00000001-4C13-45A4-AD39-59BACAC34026}"/>
             </c:ext>
@@ -1521,7 +1521,7 @@
             </c:numRef>
           </c:val>
           <c:smooth val="0"/>
-          <c:extLst>
+          <c:extLst xmlns:c16r2="http://schemas.microsoft.com/office/drawing/2015/06/chart">
             <c:ext xmlns:c16="http://schemas.microsoft.com/office/drawing/2014/chart" uri="{C3380CC4-5D6E-409C-BE32-E72D297353CC}">
               <c16:uniqueId val="{00000002-4C13-45A4-AD39-59BACAC34026}"/>
             </c:ext>
@@ -1536,11 +1536,11 @@
           <c:showBubbleSize val="0"/>
         </c:dLbls>
         <c:smooth val="0"/>
-        <c:axId val="375851040"/>
-        <c:axId val="375844480"/>
+        <c:axId val="252251992"/>
+        <c:axId val="344170824"/>
       </c:lineChart>
       <c:catAx>
-        <c:axId val="375851040"/>
+        <c:axId val="252251992"/>
         <c:scaling>
           <c:orientation val="minMax"/>
         </c:scaling>
@@ -1583,7 +1583,7 @@
             <a:endParaRPr lang="en-US"/>
           </a:p>
         </c:txPr>
-        <c:crossAx val="375844480"/>
+        <c:crossAx val="344170824"/>
         <c:crosses val="autoZero"/>
         <c:auto val="1"/>
         <c:lblAlgn val="ctr"/>
@@ -1591,7 +1591,7 @@
         <c:noMultiLvlLbl val="0"/>
       </c:catAx>
       <c:valAx>
-        <c:axId val="375844480"/>
+        <c:axId val="344170824"/>
         <c:scaling>
           <c:orientation val="minMax"/>
         </c:scaling>
@@ -1628,7 +1628,7 @@
             <a:endParaRPr lang="en-US"/>
           </a:p>
         </c:txPr>
-        <c:crossAx val="375851040"/>
+        <c:crossAx val="252251992"/>
         <c:crosses val="autoZero"/>
         <c:crossBetween val="between"/>
       </c:valAx>
@@ -1642,6 +1642,7 @@
     </c:plotArea>
     <c:legend>
       <c:legendPos val="b"/>
+      <c:layout/>
       <c:overlay val="0"/>
       <c:spPr>
         <a:noFill/>
@@ -2336,7 +2337,7 @@
           <a:p>
             <a:fld id="{C2B9AC2E-834A-4B9F-9F48-FC68BC61F1C3}" type="datetimeFigureOut">
               <a:rPr lang="en-US" smtClean="0"/>
-              <a:t>4/11/2016</a:t>
+              <a:t>4/12/2016</a:t>
             </a:fld>
             <a:endParaRPr lang="en-US"/>
           </a:p>
@@ -2837,7 +2838,11 @@
             </a:r>
             <a:r>
               <a:rPr lang="en-US" baseline="0" dirty="0"/>
-              <a:t> our null and alternate hypotheses</a:t>
+              <a:t> our null and alternate </a:t>
+            </a:r>
+            <a:r>
+              <a:rPr lang="en-US" baseline="0" dirty="0" smtClean="0"/>
+              <a:t>hypotheses – we have hypotheses in the hypothesis testing part not where we define the model (please confirm)</a:t>
             </a:r>
             <a:endParaRPr lang="en-US" dirty="0"/>
           </a:p>
@@ -3777,7 +3782,7 @@
           <a:p>
             <a:fld id="{0F92F7F0-426F-4870-B636-B1A7C95EC8B7}" type="datetimeFigureOut">
               <a:rPr lang="en-US" smtClean="0"/>
-              <a:t>4/11/2016</a:t>
+              <a:t>4/12/2016</a:t>
             </a:fld>
             <a:endParaRPr lang="en-US"/>
           </a:p>
@@ -4028,7 +4033,7 @@
           <a:p>
             <a:fld id="{0F92F7F0-426F-4870-B636-B1A7C95EC8B7}" type="datetimeFigureOut">
               <a:rPr lang="en-US" smtClean="0"/>
-              <a:t>4/11/2016</a:t>
+              <a:t>4/12/2016</a:t>
             </a:fld>
             <a:endParaRPr lang="en-US"/>
           </a:p>
@@ -4342,7 +4347,7 @@
           <a:p>
             <a:fld id="{0F92F7F0-426F-4870-B636-B1A7C95EC8B7}" type="datetimeFigureOut">
               <a:rPr lang="en-US" smtClean="0"/>
-              <a:t>4/11/2016</a:t>
+              <a:t>4/12/2016</a:t>
             </a:fld>
             <a:endParaRPr lang="en-US"/>
           </a:p>
@@ -4683,7 +4688,7 @@
           <a:p>
             <a:fld id="{0F92F7F0-426F-4870-B636-B1A7C95EC8B7}" type="datetimeFigureOut">
               <a:rPr lang="en-US" smtClean="0"/>
-              <a:t>4/11/2016</a:t>
+              <a:t>4/12/2016</a:t>
             </a:fld>
             <a:endParaRPr lang="en-US"/>
           </a:p>
@@ -4997,7 +5002,7 @@
           <a:p>
             <a:fld id="{0F92F7F0-426F-4870-B636-B1A7C95EC8B7}" type="datetimeFigureOut">
               <a:rPr lang="en-US" smtClean="0"/>
-              <a:t>4/11/2016</a:t>
+              <a:t>4/12/2016</a:t>
             </a:fld>
             <a:endParaRPr lang="en-US"/>
           </a:p>
@@ -5390,7 +5395,7 @@
           <a:p>
             <a:fld id="{0F92F7F0-426F-4870-B636-B1A7C95EC8B7}" type="datetimeFigureOut">
               <a:rPr lang="en-US" smtClean="0"/>
-              <a:t>4/11/2016</a:t>
+              <a:t>4/12/2016</a:t>
             </a:fld>
             <a:endParaRPr lang="en-US"/>
           </a:p>
@@ -5560,7 +5565,7 @@
           <a:p>
             <a:fld id="{0F92F7F0-426F-4870-B636-B1A7C95EC8B7}" type="datetimeFigureOut">
               <a:rPr lang="en-US" smtClean="0"/>
-              <a:t>4/11/2016</a:t>
+              <a:t>4/12/2016</a:t>
             </a:fld>
             <a:endParaRPr lang="en-US"/>
           </a:p>
@@ -5740,7 +5745,7 @@
           <a:p>
             <a:fld id="{0F92F7F0-426F-4870-B636-B1A7C95EC8B7}" type="datetimeFigureOut">
               <a:rPr lang="en-US" smtClean="0"/>
-              <a:t>4/11/2016</a:t>
+              <a:t>4/12/2016</a:t>
             </a:fld>
             <a:endParaRPr lang="en-US"/>
           </a:p>
@@ -5916,7 +5921,7 @@
           <a:p>
             <a:fld id="{0F92F7F0-426F-4870-B636-B1A7C95EC8B7}" type="datetimeFigureOut">
               <a:rPr lang="en-US" smtClean="0"/>
-              <a:t>4/11/2016</a:t>
+              <a:t>4/12/2016</a:t>
             </a:fld>
             <a:endParaRPr lang="en-US"/>
           </a:p>
@@ -6163,7 +6168,7 @@
           <a:p>
             <a:fld id="{0F92F7F0-426F-4870-B636-B1A7C95EC8B7}" type="datetimeFigureOut">
               <a:rPr lang="en-US" smtClean="0"/>
-              <a:t>4/11/2016</a:t>
+              <a:t>4/12/2016</a:t>
             </a:fld>
             <a:endParaRPr lang="en-US"/>
           </a:p>
@@ -6395,7 +6400,7 @@
           <a:p>
             <a:fld id="{0F92F7F0-426F-4870-B636-B1A7C95EC8B7}" type="datetimeFigureOut">
               <a:rPr lang="en-US" smtClean="0"/>
-              <a:t>4/11/2016</a:t>
+              <a:t>4/12/2016</a:t>
             </a:fld>
             <a:endParaRPr lang="en-US"/>
           </a:p>
@@ -6769,7 +6774,7 @@
           <a:p>
             <a:fld id="{0F92F7F0-426F-4870-B636-B1A7C95EC8B7}" type="datetimeFigureOut">
               <a:rPr lang="en-US" smtClean="0"/>
-              <a:t>4/11/2016</a:t>
+              <a:t>4/12/2016</a:t>
             </a:fld>
             <a:endParaRPr lang="en-US"/>
           </a:p>
@@ -6892,7 +6897,7 @@
           <a:p>
             <a:fld id="{0F92F7F0-426F-4870-B636-B1A7C95EC8B7}" type="datetimeFigureOut">
               <a:rPr lang="en-US" smtClean="0"/>
-              <a:t>4/11/2016</a:t>
+              <a:t>4/12/2016</a:t>
             </a:fld>
             <a:endParaRPr lang="en-US"/>
           </a:p>
@@ -6987,7 +6992,7 @@
           <a:p>
             <a:fld id="{0F92F7F0-426F-4870-B636-B1A7C95EC8B7}" type="datetimeFigureOut">
               <a:rPr lang="en-US" smtClean="0"/>
-              <a:t>4/11/2016</a:t>
+              <a:t>4/12/2016</a:t>
             </a:fld>
             <a:endParaRPr lang="en-US"/>
           </a:p>
@@ -7242,7 +7247,7 @@
           <a:p>
             <a:fld id="{0F92F7F0-426F-4870-B636-B1A7C95EC8B7}" type="datetimeFigureOut">
               <a:rPr lang="en-US" smtClean="0"/>
-              <a:t>4/11/2016</a:t>
+              <a:t>4/12/2016</a:t>
             </a:fld>
             <a:endParaRPr lang="en-US"/>
           </a:p>
@@ -7505,7 +7510,7 @@
           <a:p>
             <a:fld id="{0F92F7F0-426F-4870-B636-B1A7C95EC8B7}" type="datetimeFigureOut">
               <a:rPr lang="en-US" smtClean="0"/>
-              <a:t>4/11/2016</a:t>
+              <a:t>4/12/2016</a:t>
             </a:fld>
             <a:endParaRPr lang="en-US"/>
           </a:p>
@@ -8248,7 +8253,7 @@
           <a:p>
             <a:fld id="{0F92F7F0-426F-4870-B636-B1A7C95EC8B7}" type="datetimeFigureOut">
               <a:rPr lang="en-US" smtClean="0"/>
-              <a:t>4/11/2016</a:t>
+              <a:t>4/12/2016</a:t>
             </a:fld>
             <a:endParaRPr lang="en-US"/>
           </a:p>
@@ -9035,7 +9040,15 @@
           <a:p>
             <a:r>
               <a:rPr lang="en-US" dirty="0"/>
-              <a:t>Large enough sample size and no extreme outliers </a:t>
+              <a:t>Large enough </a:t>
+            </a:r>
+            <a:r>
+              <a:rPr lang="en-US" dirty="0" smtClean="0"/>
+              <a:t>size </a:t>
+            </a:r>
+            <a:r>
+              <a:rPr lang="en-US" dirty="0"/>
+              <a:t>and no extreme outliers </a:t>
             </a:r>
             <a:r>
               <a:rPr lang="en-US" dirty="0">
@@ -9045,13 +9058,21 @@
             </a:r>
             <a:r>
               <a:rPr lang="en-US" dirty="0"/>
-              <a:t> nearly normal distribution</a:t>
-            </a:r>
-          </a:p>
-          <a:p>
+              <a:t> nearly normal </a:t>
+            </a:r>
+            <a:r>
+              <a:rPr lang="en-US" dirty="0" smtClean="0"/>
+              <a:t>distribution</a:t>
+            </a:r>
+          </a:p>
+          <a:p>
+            <a:r>
+              <a:rPr lang="en-US" dirty="0" smtClean="0"/>
+              <a:t>Tesla </a:t>
+            </a:r>
             <a:r>
               <a:rPr lang="en-US" dirty="0"/>
-              <a:t>Tesla sales: nearly normal with a recent upwards trend</a:t>
+              <a:t>sales: nearly normal with a recent upwards trend</a:t>
             </a:r>
           </a:p>
         </p:txBody>
@@ -9643,7 +9664,7 @@
         </p:blipFill>
         <p:spPr>
           <a:xfrm>
-            <a:off x="3837175" y="2962463"/>
+            <a:off x="7125498" y="3475005"/>
             <a:ext cx="2277687" cy="2277687"/>
           </a:xfrm>
         </p:spPr>
@@ -10285,18 +10306,18 @@
           </a:p>
           <a:p>
             <a:r>
-              <a:rPr lang="en-US" dirty="0" err="1"/>
+              <a:rPr lang="en-US" b="1" dirty="0" err="1"/>
               <a:t>T.Sales</a:t>
             </a:r>
             <a:r>
-              <a:rPr lang="en-US" dirty="0"/>
+              <a:rPr lang="en-US" b="1" dirty="0"/>
               <a:t> = -9.812e-11 + 0.6 x </a:t>
             </a:r>
             <a:r>
-              <a:rPr lang="en-US" dirty="0" err="1"/>
+              <a:rPr lang="en-US" b="1" dirty="0" err="1"/>
               <a:t>substitute.unit.price</a:t>
             </a:r>
-            <a:endParaRPr lang="en-US" dirty="0"/>
+            <a:endParaRPr lang="en-US" b="1" dirty="0"/>
           </a:p>
           <a:p>
             <a:r>
@@ -10511,13 +10532,13 @@
             <a:spLocks noGrp="1"/>
           </p:cNvSpPr>
           <p:nvPr>
-            <p:ph sz="half" idx="1"/>
+            <p:ph idx="1"/>
           </p:nvPr>
         </p:nvSpPr>
         <p:spPr/>
         <p:txBody>
           <a:bodyPr>
-            <a:normAutofit fontScale="92500" lnSpcReduction="10000"/>
+            <a:normAutofit lnSpcReduction="10000"/>
           </a:bodyPr>
           <a:lstStyle/>
           <a:p>
@@ -10532,7 +10553,21 @@
             </a:pPr>
             <a:r>
               <a:rPr lang="en-US" dirty="0"/>
-              <a:t>H0:  slope = 0 and Ha: slope ≠ 0</a:t>
+              <a:t>H0:  slope = 0 </a:t>
+            </a:r>
+            <a:endParaRPr lang="en-US" dirty="0" smtClean="0"/>
+          </a:p>
+          <a:p>
+            <a:pPr marL="0" indent="0">
+              <a:buNone/>
+            </a:pPr>
+            <a:r>
+              <a:rPr lang="en-US" dirty="0" smtClean="0"/>
+              <a:t>Ha</a:t>
+            </a:r>
+            <a:r>
+              <a:rPr lang="en-US" dirty="0"/>
+              <a:t>: slope ≠ 0</a:t>
             </a:r>
           </a:p>
           <a:p>
@@ -10544,7 +10579,20 @@
           <a:p>
             <a:r>
               <a:rPr lang="en-US" dirty="0"/>
-              <a:t>We are 95% confident that one-unit increase in the standardized substitute unit price leads to an increase ranging from 0.35 to 0.85 units in standardized Tesla sales on average. </a:t>
+              <a:t>95% CI: [0.35 ; 0.85]</a:t>
+            </a:r>
+          </a:p>
+          <a:p>
+            <a:endParaRPr lang="en-US" dirty="0" smtClean="0"/>
+          </a:p>
+          <a:p>
+            <a:r>
+              <a:rPr lang="en-US" dirty="0" smtClean="0"/>
+              <a:t>We </a:t>
+            </a:r>
+            <a:r>
+              <a:rPr lang="en-US" dirty="0"/>
+              <a:t>are 95% confident that one-unit increase in the standardized substitute unit price leads to an increase ranging from 0.35 to 0.85 units in standardized Tesla sales on average. </a:t>
             </a:r>
           </a:p>
           <a:p>
@@ -10560,8 +10608,15 @@
             </a:r>
             <a:r>
               <a:rPr lang="en-US" dirty="0"/>
-              <a:t>positive relationship between Tesla sales and substitute unit prices</a:t>
-            </a:r>
+              <a:t>positive relationship between Tesla sales and substitute unit </a:t>
+            </a:r>
+            <a:r>
+              <a:rPr lang="en-US" dirty="0" smtClean="0"/>
+              <a:t>prices</a:t>
+            </a:r>
+          </a:p>
+          <a:p>
+            <a:endParaRPr lang="en-US" dirty="0"/>
           </a:p>
           <a:p>
             <a:endParaRPr lang="en-US" dirty="0"/>
@@ -10574,57 +10629,6 @@
           </a:p>
         </p:txBody>
       </p:sp>
-      <p:sp>
-        <p:nvSpPr>
-          <p:cNvPr id="7" name="Content Placeholder 6"/>
-          <p:cNvSpPr>
-            <a:spLocks noGrp="1"/>
-          </p:cNvSpPr>
-          <p:nvPr>
-            <p:ph sz="half" idx="2"/>
-          </p:nvPr>
-        </p:nvSpPr>
-        <p:spPr/>
-        <p:txBody>
-          <a:bodyPr>
-            <a:normAutofit fontScale="92500" lnSpcReduction="10000"/>
-          </a:bodyPr>
-          <a:lstStyle/>
-          <a:p>
-            <a:r>
-              <a:rPr lang="en-US" dirty="0"/>
-              <a:t>95% CI: [0.35 ; 0.85]</a:t>
-            </a:r>
-          </a:p>
-          <a:p>
-            <a:endParaRPr lang="en-US" dirty="0"/>
-          </a:p>
-        </p:txBody>
-      </p:sp>
-      <p:pic>
-        <p:nvPicPr>
-          <p:cNvPr id="6" name="Picture 5"/>
-          <p:cNvPicPr>
-            <a:picLocks noChangeAspect="1"/>
-          </p:cNvPicPr>
-          <p:nvPr/>
-        </p:nvPicPr>
-        <p:blipFill>
-          <a:blip r:embed="rId2"/>
-          <a:stretch>
-            <a:fillRect/>
-          </a:stretch>
-        </p:blipFill>
-        <p:spPr>
-          <a:xfrm>
-            <a:off x="6603206" y="3221787"/>
-            <a:ext cx="4319588" cy="1070972"/>
-          </a:xfrm>
-          <a:prstGeom prst="rect">
-            <a:avLst/>
-          </a:prstGeom>
-        </p:spPr>
-      </p:pic>
     </p:spTree>
     <p:extLst>
       <p:ext uri="{BB962C8B-B14F-4D97-AF65-F5344CB8AC3E}">

--- a/finalPptTesla.pptx
+++ b/finalPptTesla.pptx
@@ -131,7 +131,7 @@
 </file>
 
 <file path=ppt/charts/chart1.xml><?xml version="1.0" encoding="utf-8"?>
-<c:chartSpace xmlns:c="http://schemas.openxmlformats.org/drawingml/2006/chart" xmlns:a="http://schemas.openxmlformats.org/drawingml/2006/main" xmlns:r="http://schemas.openxmlformats.org/officeDocument/2006/relationships">
+<c:chartSpace xmlns:c="http://schemas.openxmlformats.org/drawingml/2006/chart" xmlns:a="http://schemas.openxmlformats.org/drawingml/2006/main" xmlns:r="http://schemas.openxmlformats.org/officeDocument/2006/relationships" xmlns:c16r2="http://schemas.microsoft.com/office/drawing/2015/06/chart">
   <c:date1904 val="0"/>
   <c:lang val="en-US"/>
   <c:roundedCorners val="0"/>
@@ -603,7 +603,7 @@
             </c:numRef>
           </c:val>
           <c:smooth val="0"/>
-          <c:extLst xmlns:c16r2="http://schemas.microsoft.com/office/drawing/2015/06/chart">
+          <c:extLst>
             <c:ext xmlns:c16="http://schemas.microsoft.com/office/drawing/2014/chart" uri="{C3380CC4-5D6E-409C-BE32-E72D297353CC}">
               <c16:uniqueId val="{00000000-4C13-45A4-AD39-59BACAC34026}"/>
             </c:ext>
@@ -1062,7 +1062,7 @@
             </c:numRef>
           </c:val>
           <c:smooth val="0"/>
-          <c:extLst xmlns:c16r2="http://schemas.microsoft.com/office/drawing/2015/06/chart">
+          <c:extLst>
             <c:ext xmlns:c16="http://schemas.microsoft.com/office/drawing/2014/chart" uri="{C3380CC4-5D6E-409C-BE32-E72D297353CC}">
               <c16:uniqueId val="{00000001-4C13-45A4-AD39-59BACAC34026}"/>
             </c:ext>
@@ -1521,7 +1521,7 @@
             </c:numRef>
           </c:val>
           <c:smooth val="0"/>
-          <c:extLst xmlns:c16r2="http://schemas.microsoft.com/office/drawing/2015/06/chart">
+          <c:extLst>
             <c:ext xmlns:c16="http://schemas.microsoft.com/office/drawing/2014/chart" uri="{C3380CC4-5D6E-409C-BE32-E72D297353CC}">
               <c16:uniqueId val="{00000002-4C13-45A4-AD39-59BACAC34026}"/>
             </c:ext>
@@ -1642,7 +1642,6 @@
     </c:plotArea>
     <c:legend>
       <c:legendPos val="b"/>
-      <c:layout/>
       <c:overlay val="0"/>
       <c:spPr>
         <a:noFill/>
@@ -2337,7 +2336,7 @@
           <a:p>
             <a:fld id="{C2B9AC2E-834A-4B9F-9F48-FC68BC61F1C3}" type="datetimeFigureOut">
               <a:rPr lang="en-US" smtClean="0"/>
-              <a:t>4/12/2016</a:t>
+              <a:t>4/13/2016</a:t>
             </a:fld>
             <a:endParaRPr lang="en-US"/>
           </a:p>
@@ -2648,14 +2647,6 @@
           <a:bodyPr/>
           <a:lstStyle/>
           <a:p>
-            <a:r>
-              <a:rPr lang="en-US" dirty="0"/>
-              <a:t>Points</a:t>
-            </a:r>
-            <a:r>
-              <a:rPr lang="en-US" baseline="0" dirty="0"/>
-              <a:t> to cover in the slide/talk: mention what’s in the case study</a:t>
-            </a:r>
             <a:endParaRPr lang="en-US" dirty="0"/>
           </a:p>
         </p:txBody>
@@ -2677,7 +2668,7 @@
           <a:p>
             <a:fld id="{FE609A5C-843E-40EB-A8F7-D1CCF10D1F32}" type="slidenum">
               <a:rPr lang="en-US" smtClean="0"/>
-              <a:t>4</a:t>
+              <a:t>1</a:t>
             </a:fld>
             <a:endParaRPr lang="en-US"/>
           </a:p>
@@ -2686,7 +2677,91 @@
     </p:spTree>
     <p:extLst>
       <p:ext uri="{BB962C8B-B14F-4D97-AF65-F5344CB8AC3E}">
-        <p14:creationId xmlns:p14="http://schemas.microsoft.com/office/powerpoint/2010/main" val="149086423"/>
+        <p14:creationId xmlns:p14="http://schemas.microsoft.com/office/powerpoint/2010/main" val="1957998806"/>
+      </p:ext>
+    </p:extLst>
+  </p:cSld>
+  <p:clrMapOvr>
+    <a:masterClrMapping/>
+  </p:clrMapOvr>
+</p:notes>
+</file>
+
+<file path=ppt/notesSlides/notesSlide10.xml><?xml version="1.0" encoding="utf-8"?>
+<p:notes xmlns:a="http://schemas.openxmlformats.org/drawingml/2006/main" xmlns:r="http://schemas.openxmlformats.org/officeDocument/2006/relationships" xmlns:p="http://schemas.openxmlformats.org/presentationml/2006/main">
+  <p:cSld>
+    <p:spTree>
+      <p:nvGrpSpPr>
+        <p:cNvPr id="1" name=""/>
+        <p:cNvGrpSpPr/>
+        <p:nvPr/>
+      </p:nvGrpSpPr>
+      <p:grpSpPr>
+        <a:xfrm>
+          <a:off x="0" y="0"/>
+          <a:ext cx="0" cy="0"/>
+          <a:chOff x="0" y="0"/>
+          <a:chExt cx="0" cy="0"/>
+        </a:xfrm>
+      </p:grpSpPr>
+      <p:sp>
+        <p:nvSpPr>
+          <p:cNvPr id="2" name="Slide Image Placeholder 1"/>
+          <p:cNvSpPr>
+            <a:spLocks noGrp="1" noRot="1" noChangeAspect="1"/>
+          </p:cNvSpPr>
+          <p:nvPr>
+            <p:ph type="sldImg"/>
+          </p:nvPr>
+        </p:nvSpPr>
+        <p:spPr/>
+      </p:sp>
+      <p:sp>
+        <p:nvSpPr>
+          <p:cNvPr id="3" name="Notes Placeholder 2"/>
+          <p:cNvSpPr>
+            <a:spLocks noGrp="1"/>
+          </p:cNvSpPr>
+          <p:nvPr>
+            <p:ph type="body" idx="1"/>
+          </p:nvPr>
+        </p:nvSpPr>
+        <p:spPr/>
+        <p:txBody>
+          <a:bodyPr/>
+          <a:lstStyle/>
+          <a:p>
+            <a:endParaRPr lang="en-US" dirty="0"/>
+          </a:p>
+        </p:txBody>
+      </p:sp>
+      <p:sp>
+        <p:nvSpPr>
+          <p:cNvPr id="4" name="Slide Number Placeholder 3"/>
+          <p:cNvSpPr>
+            <a:spLocks noGrp="1"/>
+          </p:cNvSpPr>
+          <p:nvPr>
+            <p:ph type="sldNum" sz="quarter" idx="10"/>
+          </p:nvPr>
+        </p:nvSpPr>
+        <p:spPr/>
+        <p:txBody>
+          <a:bodyPr/>
+          <a:lstStyle/>
+          <a:p>
+            <a:fld id="{FE609A5C-843E-40EB-A8F7-D1CCF10D1F32}" type="slidenum">
+              <a:rPr lang="en-US" smtClean="0"/>
+              <a:t>12</a:t>
+            </a:fld>
+            <a:endParaRPr lang="en-US"/>
+          </a:p>
+        </p:txBody>
+      </p:sp>
+    </p:spTree>
+    <p:extLst>
+      <p:ext uri="{BB962C8B-B14F-4D97-AF65-F5344CB8AC3E}">
+        <p14:creationId xmlns:p14="http://schemas.microsoft.com/office/powerpoint/2010/main" val="948110627"/>
       </p:ext>
     </p:extLst>
   </p:cSld>
@@ -2740,14 +2815,6 @@
           <a:bodyPr/>
           <a:lstStyle/>
           <a:p>
-            <a:r>
-              <a:rPr lang="en-US" dirty="0"/>
-              <a:t>Names</a:t>
-            </a:r>
-            <a:r>
-              <a:rPr lang="en-US" baseline="0" dirty="0"/>
-              <a:t> of data sets, and we can explain what dataset has what</a:t>
-            </a:r>
             <a:endParaRPr lang="en-US" dirty="0"/>
           </a:p>
         </p:txBody>
@@ -2769,7 +2836,7 @@
           <a:p>
             <a:fld id="{FE609A5C-843E-40EB-A8F7-D1CCF10D1F32}" type="slidenum">
               <a:rPr lang="en-US" smtClean="0"/>
-              <a:t>5</a:t>
+              <a:t>2</a:t>
             </a:fld>
             <a:endParaRPr lang="en-US"/>
           </a:p>
@@ -2778,7 +2845,7 @@
     </p:spTree>
     <p:extLst>
       <p:ext uri="{BB962C8B-B14F-4D97-AF65-F5344CB8AC3E}">
-        <p14:creationId xmlns:p14="http://schemas.microsoft.com/office/powerpoint/2010/main" val="3034813491"/>
+        <p14:creationId xmlns:p14="http://schemas.microsoft.com/office/powerpoint/2010/main" val="1426297552"/>
       </p:ext>
     </p:extLst>
   </p:cSld>
@@ -2832,18 +2899,6 @@
           <a:bodyPr/>
           <a:lstStyle/>
           <a:p>
-            <a:r>
-              <a:rPr lang="en-US" dirty="0"/>
-              <a:t>Specify</a:t>
-            </a:r>
-            <a:r>
-              <a:rPr lang="en-US" baseline="0" dirty="0"/>
-              <a:t> our null and alternate </a:t>
-            </a:r>
-            <a:r>
-              <a:rPr lang="en-US" baseline="0" dirty="0" smtClean="0"/>
-              <a:t>hypotheses – we have hypotheses in the hypothesis testing part not where we define the model (please confirm)</a:t>
-            </a:r>
             <a:endParaRPr lang="en-US" dirty="0"/>
           </a:p>
         </p:txBody>
@@ -2865,7 +2920,7 @@
           <a:p>
             <a:fld id="{FE609A5C-843E-40EB-A8F7-D1CCF10D1F32}" type="slidenum">
               <a:rPr lang="en-US" smtClean="0"/>
-              <a:t>6</a:t>
+              <a:t>3</a:t>
             </a:fld>
             <a:endParaRPr lang="en-US"/>
           </a:p>
@@ -2874,7 +2929,7 @@
     </p:spTree>
     <p:extLst>
       <p:ext uri="{BB962C8B-B14F-4D97-AF65-F5344CB8AC3E}">
-        <p14:creationId xmlns:p14="http://schemas.microsoft.com/office/powerpoint/2010/main" val="365662392"/>
+        <p14:creationId xmlns:p14="http://schemas.microsoft.com/office/powerpoint/2010/main" val="2939613603"/>
       </p:ext>
     </p:extLst>
   </p:cSld>
@@ -2930,11 +2985,11 @@
           <a:p>
             <a:r>
               <a:rPr lang="en-US" dirty="0"/>
-              <a:t>So final conclusion</a:t>
+              <a:t>Points</a:t>
             </a:r>
             <a:r>
               <a:rPr lang="en-US" baseline="0" dirty="0"/>
-              <a:t> should talk about what affected the sales of Tesla cars, if we could have used different dataset, would we have different results..</a:t>
+              <a:t> to cover in the slide/talk: mention what’s in the case study</a:t>
             </a:r>
             <a:endParaRPr lang="en-US" dirty="0"/>
           </a:p>
@@ -2957,7 +3012,7 @@
           <a:p>
             <a:fld id="{FE609A5C-843E-40EB-A8F7-D1CCF10D1F32}" type="slidenum">
               <a:rPr lang="en-US" smtClean="0"/>
-              <a:t>11</a:t>
+              <a:t>4</a:t>
             </a:fld>
             <a:endParaRPr lang="en-US"/>
           </a:p>
@@ -2966,7 +3021,7 @@
     </p:spTree>
     <p:extLst>
       <p:ext uri="{BB962C8B-B14F-4D97-AF65-F5344CB8AC3E}">
-        <p14:creationId xmlns:p14="http://schemas.microsoft.com/office/powerpoint/2010/main" val="2529993770"/>
+        <p14:creationId xmlns:p14="http://schemas.microsoft.com/office/powerpoint/2010/main" val="149086423"/>
       </p:ext>
     </p:extLst>
   </p:cSld>
@@ -3020,6 +3075,14 @@
           <a:bodyPr/>
           <a:lstStyle/>
           <a:p>
+            <a:r>
+              <a:rPr lang="en-US" dirty="0"/>
+              <a:t>Names</a:t>
+            </a:r>
+            <a:r>
+              <a:rPr lang="en-US" baseline="0" dirty="0"/>
+              <a:t> of data sets, and we can explain what dataset has what</a:t>
+            </a:r>
             <a:endParaRPr lang="en-US" dirty="0"/>
           </a:p>
         </p:txBody>
@@ -3041,7 +3104,7 @@
           <a:p>
             <a:fld id="{FE609A5C-843E-40EB-A8F7-D1CCF10D1F32}" type="slidenum">
               <a:rPr lang="en-US" smtClean="0"/>
-              <a:t>12</a:t>
+              <a:t>5</a:t>
             </a:fld>
             <a:endParaRPr lang="en-US"/>
           </a:p>
@@ -3050,7 +3113,359 @@
     </p:spTree>
     <p:extLst>
       <p:ext uri="{BB962C8B-B14F-4D97-AF65-F5344CB8AC3E}">
-        <p14:creationId xmlns:p14="http://schemas.microsoft.com/office/powerpoint/2010/main" val="948110627"/>
+        <p14:creationId xmlns:p14="http://schemas.microsoft.com/office/powerpoint/2010/main" val="3034813491"/>
+      </p:ext>
+    </p:extLst>
+  </p:cSld>
+  <p:clrMapOvr>
+    <a:masterClrMapping/>
+  </p:clrMapOvr>
+</p:notes>
+</file>
+
+<file path=ppt/notesSlides/notesSlide6.xml><?xml version="1.0" encoding="utf-8"?>
+<p:notes xmlns:a="http://schemas.openxmlformats.org/drawingml/2006/main" xmlns:r="http://schemas.openxmlformats.org/officeDocument/2006/relationships" xmlns:p="http://schemas.openxmlformats.org/presentationml/2006/main">
+  <p:cSld>
+    <p:spTree>
+      <p:nvGrpSpPr>
+        <p:cNvPr id="1" name=""/>
+        <p:cNvGrpSpPr/>
+        <p:nvPr/>
+      </p:nvGrpSpPr>
+      <p:grpSpPr>
+        <a:xfrm>
+          <a:off x="0" y="0"/>
+          <a:ext cx="0" cy="0"/>
+          <a:chOff x="0" y="0"/>
+          <a:chExt cx="0" cy="0"/>
+        </a:xfrm>
+      </p:grpSpPr>
+      <p:sp>
+        <p:nvSpPr>
+          <p:cNvPr id="2" name="Slide Image Placeholder 1"/>
+          <p:cNvSpPr>
+            <a:spLocks noGrp="1" noRot="1" noChangeAspect="1"/>
+          </p:cNvSpPr>
+          <p:nvPr>
+            <p:ph type="sldImg"/>
+          </p:nvPr>
+        </p:nvSpPr>
+        <p:spPr/>
+      </p:sp>
+      <p:sp>
+        <p:nvSpPr>
+          <p:cNvPr id="3" name="Notes Placeholder 2"/>
+          <p:cNvSpPr>
+            <a:spLocks noGrp="1"/>
+          </p:cNvSpPr>
+          <p:nvPr>
+            <p:ph type="body" idx="1"/>
+          </p:nvPr>
+        </p:nvSpPr>
+        <p:spPr/>
+        <p:txBody>
+          <a:bodyPr/>
+          <a:lstStyle/>
+          <a:p>
+            <a:r>
+              <a:rPr lang="en-US" dirty="0"/>
+              <a:t>Specify</a:t>
+            </a:r>
+            <a:r>
+              <a:rPr lang="en-US" baseline="0" dirty="0"/>
+              <a:t> our null and alternate hypotheses – we have hypotheses in the hypothesis testing part not where we define the model (please confirm)</a:t>
+            </a:r>
+            <a:endParaRPr lang="en-US" dirty="0"/>
+          </a:p>
+        </p:txBody>
+      </p:sp>
+      <p:sp>
+        <p:nvSpPr>
+          <p:cNvPr id="4" name="Slide Number Placeholder 3"/>
+          <p:cNvSpPr>
+            <a:spLocks noGrp="1"/>
+          </p:cNvSpPr>
+          <p:nvPr>
+            <p:ph type="sldNum" sz="quarter" idx="10"/>
+          </p:nvPr>
+        </p:nvSpPr>
+        <p:spPr/>
+        <p:txBody>
+          <a:bodyPr/>
+          <a:lstStyle/>
+          <a:p>
+            <a:fld id="{FE609A5C-843E-40EB-A8F7-D1CCF10D1F32}" type="slidenum">
+              <a:rPr lang="en-US" smtClean="0"/>
+              <a:t>6</a:t>
+            </a:fld>
+            <a:endParaRPr lang="en-US"/>
+          </a:p>
+        </p:txBody>
+      </p:sp>
+    </p:spTree>
+    <p:extLst>
+      <p:ext uri="{BB962C8B-B14F-4D97-AF65-F5344CB8AC3E}">
+        <p14:creationId xmlns:p14="http://schemas.microsoft.com/office/powerpoint/2010/main" val="365662392"/>
+      </p:ext>
+    </p:extLst>
+  </p:cSld>
+  <p:clrMapOvr>
+    <a:masterClrMapping/>
+  </p:clrMapOvr>
+</p:notes>
+</file>
+
+<file path=ppt/notesSlides/notesSlide7.xml><?xml version="1.0" encoding="utf-8"?>
+<p:notes xmlns:a="http://schemas.openxmlformats.org/drawingml/2006/main" xmlns:r="http://schemas.openxmlformats.org/officeDocument/2006/relationships" xmlns:p="http://schemas.openxmlformats.org/presentationml/2006/main">
+  <p:cSld>
+    <p:spTree>
+      <p:nvGrpSpPr>
+        <p:cNvPr id="1" name=""/>
+        <p:cNvGrpSpPr/>
+        <p:nvPr/>
+      </p:nvGrpSpPr>
+      <p:grpSpPr>
+        <a:xfrm>
+          <a:off x="0" y="0"/>
+          <a:ext cx="0" cy="0"/>
+          <a:chOff x="0" y="0"/>
+          <a:chExt cx="0" cy="0"/>
+        </a:xfrm>
+      </p:grpSpPr>
+      <p:sp>
+        <p:nvSpPr>
+          <p:cNvPr id="2" name="Slide Image Placeholder 1"/>
+          <p:cNvSpPr>
+            <a:spLocks noGrp="1" noRot="1" noChangeAspect="1"/>
+          </p:cNvSpPr>
+          <p:nvPr>
+            <p:ph type="sldImg"/>
+          </p:nvPr>
+        </p:nvSpPr>
+        <p:spPr/>
+      </p:sp>
+      <p:sp>
+        <p:nvSpPr>
+          <p:cNvPr id="3" name="Notes Placeholder 2"/>
+          <p:cNvSpPr>
+            <a:spLocks noGrp="1"/>
+          </p:cNvSpPr>
+          <p:nvPr>
+            <p:ph type="body" idx="1"/>
+          </p:nvPr>
+        </p:nvSpPr>
+        <p:spPr/>
+        <p:txBody>
+          <a:bodyPr/>
+          <a:lstStyle/>
+          <a:p>
+            <a:endParaRPr lang="en-US" dirty="0"/>
+          </a:p>
+        </p:txBody>
+      </p:sp>
+      <p:sp>
+        <p:nvSpPr>
+          <p:cNvPr id="4" name="Slide Number Placeholder 3"/>
+          <p:cNvSpPr>
+            <a:spLocks noGrp="1"/>
+          </p:cNvSpPr>
+          <p:nvPr>
+            <p:ph type="sldNum" sz="quarter" idx="10"/>
+          </p:nvPr>
+        </p:nvSpPr>
+        <p:spPr/>
+        <p:txBody>
+          <a:bodyPr/>
+          <a:lstStyle/>
+          <a:p>
+            <a:fld id="{FE609A5C-843E-40EB-A8F7-D1CCF10D1F32}" type="slidenum">
+              <a:rPr lang="en-US" smtClean="0"/>
+              <a:t>9</a:t>
+            </a:fld>
+            <a:endParaRPr lang="en-US"/>
+          </a:p>
+        </p:txBody>
+      </p:sp>
+    </p:spTree>
+    <p:extLst>
+      <p:ext uri="{BB962C8B-B14F-4D97-AF65-F5344CB8AC3E}">
+        <p14:creationId xmlns:p14="http://schemas.microsoft.com/office/powerpoint/2010/main" val="1990521730"/>
+      </p:ext>
+    </p:extLst>
+  </p:cSld>
+  <p:clrMapOvr>
+    <a:masterClrMapping/>
+  </p:clrMapOvr>
+</p:notes>
+</file>
+
+<file path=ppt/notesSlides/notesSlide8.xml><?xml version="1.0" encoding="utf-8"?>
+<p:notes xmlns:a="http://schemas.openxmlformats.org/drawingml/2006/main" xmlns:r="http://schemas.openxmlformats.org/officeDocument/2006/relationships" xmlns:p="http://schemas.openxmlformats.org/presentationml/2006/main">
+  <p:cSld>
+    <p:spTree>
+      <p:nvGrpSpPr>
+        <p:cNvPr id="1" name=""/>
+        <p:cNvGrpSpPr/>
+        <p:nvPr/>
+      </p:nvGrpSpPr>
+      <p:grpSpPr>
+        <a:xfrm>
+          <a:off x="0" y="0"/>
+          <a:ext cx="0" cy="0"/>
+          <a:chOff x="0" y="0"/>
+          <a:chExt cx="0" cy="0"/>
+        </a:xfrm>
+      </p:grpSpPr>
+      <p:sp>
+        <p:nvSpPr>
+          <p:cNvPr id="2" name="Slide Image Placeholder 1"/>
+          <p:cNvSpPr>
+            <a:spLocks noGrp="1" noRot="1" noChangeAspect="1"/>
+          </p:cNvSpPr>
+          <p:nvPr>
+            <p:ph type="sldImg"/>
+          </p:nvPr>
+        </p:nvSpPr>
+        <p:spPr/>
+      </p:sp>
+      <p:sp>
+        <p:nvSpPr>
+          <p:cNvPr id="3" name="Notes Placeholder 2"/>
+          <p:cNvSpPr>
+            <a:spLocks noGrp="1"/>
+          </p:cNvSpPr>
+          <p:nvPr>
+            <p:ph type="body" idx="1"/>
+          </p:nvPr>
+        </p:nvSpPr>
+        <p:spPr/>
+        <p:txBody>
+          <a:bodyPr/>
+          <a:lstStyle/>
+          <a:p>
+            <a:endParaRPr lang="en-US" dirty="0"/>
+          </a:p>
+        </p:txBody>
+      </p:sp>
+      <p:sp>
+        <p:nvSpPr>
+          <p:cNvPr id="4" name="Slide Number Placeholder 3"/>
+          <p:cNvSpPr>
+            <a:spLocks noGrp="1"/>
+          </p:cNvSpPr>
+          <p:nvPr>
+            <p:ph type="sldNum" sz="quarter" idx="10"/>
+          </p:nvPr>
+        </p:nvSpPr>
+        <p:spPr/>
+        <p:txBody>
+          <a:bodyPr/>
+          <a:lstStyle/>
+          <a:p>
+            <a:fld id="{FE609A5C-843E-40EB-A8F7-D1CCF10D1F32}" type="slidenum">
+              <a:rPr lang="en-US" smtClean="0"/>
+              <a:t>10</a:t>
+            </a:fld>
+            <a:endParaRPr lang="en-US"/>
+          </a:p>
+        </p:txBody>
+      </p:sp>
+    </p:spTree>
+    <p:extLst>
+      <p:ext uri="{BB962C8B-B14F-4D97-AF65-F5344CB8AC3E}">
+        <p14:creationId xmlns:p14="http://schemas.microsoft.com/office/powerpoint/2010/main" val="3640847351"/>
+      </p:ext>
+    </p:extLst>
+  </p:cSld>
+  <p:clrMapOvr>
+    <a:masterClrMapping/>
+  </p:clrMapOvr>
+</p:notes>
+</file>
+
+<file path=ppt/notesSlides/notesSlide9.xml><?xml version="1.0" encoding="utf-8"?>
+<p:notes xmlns:a="http://schemas.openxmlformats.org/drawingml/2006/main" xmlns:r="http://schemas.openxmlformats.org/officeDocument/2006/relationships" xmlns:p="http://schemas.openxmlformats.org/presentationml/2006/main">
+  <p:cSld>
+    <p:spTree>
+      <p:nvGrpSpPr>
+        <p:cNvPr id="1" name=""/>
+        <p:cNvGrpSpPr/>
+        <p:nvPr/>
+      </p:nvGrpSpPr>
+      <p:grpSpPr>
+        <a:xfrm>
+          <a:off x="0" y="0"/>
+          <a:ext cx="0" cy="0"/>
+          <a:chOff x="0" y="0"/>
+          <a:chExt cx="0" cy="0"/>
+        </a:xfrm>
+      </p:grpSpPr>
+      <p:sp>
+        <p:nvSpPr>
+          <p:cNvPr id="2" name="Slide Image Placeholder 1"/>
+          <p:cNvSpPr>
+            <a:spLocks noGrp="1" noRot="1" noChangeAspect="1"/>
+          </p:cNvSpPr>
+          <p:nvPr>
+            <p:ph type="sldImg"/>
+          </p:nvPr>
+        </p:nvSpPr>
+        <p:spPr/>
+      </p:sp>
+      <p:sp>
+        <p:nvSpPr>
+          <p:cNvPr id="3" name="Notes Placeholder 2"/>
+          <p:cNvSpPr>
+            <a:spLocks noGrp="1"/>
+          </p:cNvSpPr>
+          <p:nvPr>
+            <p:ph type="body" idx="1"/>
+          </p:nvPr>
+        </p:nvSpPr>
+        <p:spPr/>
+        <p:txBody>
+          <a:bodyPr/>
+          <a:lstStyle/>
+          <a:p>
+            <a:r>
+              <a:rPr lang="en-US" dirty="0"/>
+              <a:t>So final conclusion</a:t>
+            </a:r>
+            <a:r>
+              <a:rPr lang="en-US" baseline="0" dirty="0"/>
+              <a:t> should talk about what affected the sales of Tesla cars, if we could have used different dataset, would we have different results..</a:t>
+            </a:r>
+            <a:endParaRPr lang="en-US" dirty="0"/>
+          </a:p>
+        </p:txBody>
+      </p:sp>
+      <p:sp>
+        <p:nvSpPr>
+          <p:cNvPr id="4" name="Slide Number Placeholder 3"/>
+          <p:cNvSpPr>
+            <a:spLocks noGrp="1"/>
+          </p:cNvSpPr>
+          <p:nvPr>
+            <p:ph type="sldNum" sz="quarter" idx="10"/>
+          </p:nvPr>
+        </p:nvSpPr>
+        <p:spPr/>
+        <p:txBody>
+          <a:bodyPr/>
+          <a:lstStyle/>
+          <a:p>
+            <a:fld id="{FE609A5C-843E-40EB-A8F7-D1CCF10D1F32}" type="slidenum">
+              <a:rPr lang="en-US" smtClean="0"/>
+              <a:t>11</a:t>
+            </a:fld>
+            <a:endParaRPr lang="en-US"/>
+          </a:p>
+        </p:txBody>
+      </p:sp>
+    </p:spTree>
+    <p:extLst>
+      <p:ext uri="{BB962C8B-B14F-4D97-AF65-F5344CB8AC3E}">
+        <p14:creationId xmlns:p14="http://schemas.microsoft.com/office/powerpoint/2010/main" val="2529993770"/>
       </p:ext>
     </p:extLst>
   </p:cSld>
@@ -3782,7 +4197,7 @@
           <a:p>
             <a:fld id="{0F92F7F0-426F-4870-B636-B1A7C95EC8B7}" type="datetimeFigureOut">
               <a:rPr lang="en-US" smtClean="0"/>
-              <a:t>4/12/2016</a:t>
+              <a:t>4/13/2016</a:t>
             </a:fld>
             <a:endParaRPr lang="en-US"/>
           </a:p>
@@ -4033,7 +4448,7 @@
           <a:p>
             <a:fld id="{0F92F7F0-426F-4870-B636-B1A7C95EC8B7}" type="datetimeFigureOut">
               <a:rPr lang="en-US" smtClean="0"/>
-              <a:t>4/12/2016</a:t>
+              <a:t>4/13/2016</a:t>
             </a:fld>
             <a:endParaRPr lang="en-US"/>
           </a:p>
@@ -4347,7 +4762,7 @@
           <a:p>
             <a:fld id="{0F92F7F0-426F-4870-B636-B1A7C95EC8B7}" type="datetimeFigureOut">
               <a:rPr lang="en-US" smtClean="0"/>
-              <a:t>4/12/2016</a:t>
+              <a:t>4/13/2016</a:t>
             </a:fld>
             <a:endParaRPr lang="en-US"/>
           </a:p>
@@ -4688,7 +5103,7 @@
           <a:p>
             <a:fld id="{0F92F7F0-426F-4870-B636-B1A7C95EC8B7}" type="datetimeFigureOut">
               <a:rPr lang="en-US" smtClean="0"/>
-              <a:t>4/12/2016</a:t>
+              <a:t>4/13/2016</a:t>
             </a:fld>
             <a:endParaRPr lang="en-US"/>
           </a:p>
@@ -5002,7 +5417,7 @@
           <a:p>
             <a:fld id="{0F92F7F0-426F-4870-B636-B1A7C95EC8B7}" type="datetimeFigureOut">
               <a:rPr lang="en-US" smtClean="0"/>
-              <a:t>4/12/2016</a:t>
+              <a:t>4/13/2016</a:t>
             </a:fld>
             <a:endParaRPr lang="en-US"/>
           </a:p>
@@ -5395,7 +5810,7 @@
           <a:p>
             <a:fld id="{0F92F7F0-426F-4870-B636-B1A7C95EC8B7}" type="datetimeFigureOut">
               <a:rPr lang="en-US" smtClean="0"/>
-              <a:t>4/12/2016</a:t>
+              <a:t>4/13/2016</a:t>
             </a:fld>
             <a:endParaRPr lang="en-US"/>
           </a:p>
@@ -5565,7 +5980,7 @@
           <a:p>
             <a:fld id="{0F92F7F0-426F-4870-B636-B1A7C95EC8B7}" type="datetimeFigureOut">
               <a:rPr lang="en-US" smtClean="0"/>
-              <a:t>4/12/2016</a:t>
+              <a:t>4/13/2016</a:t>
             </a:fld>
             <a:endParaRPr lang="en-US"/>
           </a:p>
@@ -5745,7 +6160,7 @@
           <a:p>
             <a:fld id="{0F92F7F0-426F-4870-B636-B1A7C95EC8B7}" type="datetimeFigureOut">
               <a:rPr lang="en-US" smtClean="0"/>
-              <a:t>4/12/2016</a:t>
+              <a:t>4/13/2016</a:t>
             </a:fld>
             <a:endParaRPr lang="en-US"/>
           </a:p>
@@ -5921,7 +6336,7 @@
           <a:p>
             <a:fld id="{0F92F7F0-426F-4870-B636-B1A7C95EC8B7}" type="datetimeFigureOut">
               <a:rPr lang="en-US" smtClean="0"/>
-              <a:t>4/12/2016</a:t>
+              <a:t>4/13/2016</a:t>
             </a:fld>
             <a:endParaRPr lang="en-US"/>
           </a:p>
@@ -6168,7 +6583,7 @@
           <a:p>
             <a:fld id="{0F92F7F0-426F-4870-B636-B1A7C95EC8B7}" type="datetimeFigureOut">
               <a:rPr lang="en-US" smtClean="0"/>
-              <a:t>4/12/2016</a:t>
+              <a:t>4/13/2016</a:t>
             </a:fld>
             <a:endParaRPr lang="en-US"/>
           </a:p>
@@ -6400,7 +6815,7 @@
           <a:p>
             <a:fld id="{0F92F7F0-426F-4870-B636-B1A7C95EC8B7}" type="datetimeFigureOut">
               <a:rPr lang="en-US" smtClean="0"/>
-              <a:t>4/12/2016</a:t>
+              <a:t>4/13/2016</a:t>
             </a:fld>
             <a:endParaRPr lang="en-US"/>
           </a:p>
@@ -6774,7 +7189,7 @@
           <a:p>
             <a:fld id="{0F92F7F0-426F-4870-B636-B1A7C95EC8B7}" type="datetimeFigureOut">
               <a:rPr lang="en-US" smtClean="0"/>
-              <a:t>4/12/2016</a:t>
+              <a:t>4/13/2016</a:t>
             </a:fld>
             <a:endParaRPr lang="en-US"/>
           </a:p>
@@ -6897,7 +7312,7 @@
           <a:p>
             <a:fld id="{0F92F7F0-426F-4870-B636-B1A7C95EC8B7}" type="datetimeFigureOut">
               <a:rPr lang="en-US" smtClean="0"/>
-              <a:t>4/12/2016</a:t>
+              <a:t>4/13/2016</a:t>
             </a:fld>
             <a:endParaRPr lang="en-US"/>
           </a:p>
@@ -6992,7 +7407,7 @@
           <a:p>
             <a:fld id="{0F92F7F0-426F-4870-B636-B1A7C95EC8B7}" type="datetimeFigureOut">
               <a:rPr lang="en-US" smtClean="0"/>
-              <a:t>4/12/2016</a:t>
+              <a:t>4/13/2016</a:t>
             </a:fld>
             <a:endParaRPr lang="en-US"/>
           </a:p>
@@ -7247,7 +7662,7 @@
           <a:p>
             <a:fld id="{0F92F7F0-426F-4870-B636-B1A7C95EC8B7}" type="datetimeFigureOut">
               <a:rPr lang="en-US" smtClean="0"/>
-              <a:t>4/12/2016</a:t>
+              <a:t>4/13/2016</a:t>
             </a:fld>
             <a:endParaRPr lang="en-US"/>
           </a:p>
@@ -7510,7 +7925,7 @@
           <a:p>
             <a:fld id="{0F92F7F0-426F-4870-B636-B1A7C95EC8B7}" type="datetimeFigureOut">
               <a:rPr lang="en-US" smtClean="0"/>
-              <a:t>4/12/2016</a:t>
+              <a:t>4/13/2016</a:t>
             </a:fld>
             <a:endParaRPr lang="en-US"/>
           </a:p>
@@ -8253,7 +8668,7 @@
           <a:p>
             <a:fld id="{0F92F7F0-426F-4870-B636-B1A7C95EC8B7}" type="datetimeFigureOut">
               <a:rPr lang="en-US" smtClean="0"/>
-              <a:t>4/12/2016</a:t>
+              <a:t>4/13/2016</a:t>
             </a:fld>
             <a:endParaRPr lang="en-US"/>
           </a:p>
@@ -8789,7 +9204,7 @@
         </p:nvSpPr>
         <p:spPr>
           <a:xfrm>
-            <a:off x="1177883" y="959782"/>
+            <a:off x="2018403" y="794682"/>
             <a:ext cx="7766936" cy="1646302"/>
           </a:xfrm>
         </p:spPr>
@@ -8797,6 +9212,7 @@
           <a:bodyPr/>
           <a:lstStyle/>
           <a:p>
+            <a:pPr algn="ctr"/>
             <a:r>
               <a:rPr lang="en-US" dirty="0"/>
               <a:t>Analysis of Tesla’s Sales Performance</a:t>
@@ -8910,7 +9326,7 @@
         </p:nvSpPr>
         <p:spPr>
           <a:xfrm>
-            <a:off x="4870631" y="2667452"/>
+            <a:off x="4756331" y="3404052"/>
             <a:ext cx="2062480" cy="646331"/>
           </a:xfrm>
           <a:prstGeom prst="rect">
@@ -9035,20 +9451,9 @@
             </a:r>
           </a:p>
           <a:p>
-            <a:endParaRPr lang="en-US" dirty="0"/>
-          </a:p>
-          <a:p>
             <a:r>
               <a:rPr lang="en-US" dirty="0"/>
-              <a:t>Large enough </a:t>
-            </a:r>
-            <a:r>
-              <a:rPr lang="en-US" dirty="0" smtClean="0"/>
-              <a:t>size </a:t>
-            </a:r>
-            <a:r>
-              <a:rPr lang="en-US" dirty="0"/>
-              <a:t>and no extreme outliers </a:t>
+              <a:t>Large enough size and no extreme outliers </a:t>
             </a:r>
             <a:r>
               <a:rPr lang="en-US" dirty="0">
@@ -9058,21 +9463,13 @@
             </a:r>
             <a:r>
               <a:rPr lang="en-US" dirty="0"/>
-              <a:t> nearly normal </a:t>
-            </a:r>
-            <a:r>
-              <a:rPr lang="en-US" dirty="0" smtClean="0"/>
-              <a:t>distribution</a:t>
-            </a:r>
-          </a:p>
-          <a:p>
-            <a:r>
-              <a:rPr lang="en-US" dirty="0" smtClean="0"/>
-              <a:t>Tesla </a:t>
-            </a:r>
+              <a:t> nearly normal distribution</a:t>
+            </a:r>
+          </a:p>
+          <a:p>
             <a:r>
               <a:rPr lang="en-US" dirty="0"/>
-              <a:t>sales: nearly normal with a recent upwards trend</a:t>
+              <a:t>Tesla sales: nearly normal with a recent upwards trend</a:t>
             </a:r>
           </a:p>
         </p:txBody>
@@ -9772,7 +10169,34 @@
           <a:bodyPr/>
           <a:lstStyle/>
           <a:p>
-            <a:endParaRPr lang="en-US"/>
+            <a:r>
+              <a:rPr lang="en-US" dirty="0"/>
+              <a:t>Government making efforts to let people adapt to the culture of electric vehicles</a:t>
+            </a:r>
+          </a:p>
+          <a:p>
+            <a:r>
+              <a:rPr lang="en-US" dirty="0"/>
+              <a:t>Elon Musk, CEO of Tesla Motors Inc., thinks of Tesla setting a legacy in future</a:t>
+            </a:r>
+          </a:p>
+          <a:p>
+            <a:r>
+              <a:rPr lang="en-US" dirty="0"/>
+              <a:t>Musk’s speculates about Tesla if the business pattern is sustainable with the increase in competition in electric vehicle market</a:t>
+            </a:r>
+          </a:p>
+          <a:p>
+            <a:r>
+              <a:rPr lang="en-US" dirty="0"/>
+              <a:t>Elon Musk wants to make an action plan to be sure of Tesla’s success</a:t>
+            </a:r>
+          </a:p>
+          <a:p>
+            <a:r>
+              <a:rPr lang="en-US" dirty="0"/>
+              <a:t>Factors that are potential to affect the sales performance of Tesla cars, leads to our research question</a:t>
+            </a:r>
           </a:p>
         </p:txBody>
       </p:sp>
@@ -9848,13 +10272,13 @@
           <a:p>
             <a:r>
               <a:rPr lang="en-US" sz="2800" dirty="0"/>
-              <a:t>Does the falling oil prices affect the sale of electric car specially Tesla</a:t>
+              <a:t>Will the fluctuations in oil prices affect the sales performance of Tesla?</a:t>
             </a:r>
           </a:p>
           <a:p>
             <a:r>
               <a:rPr lang="en-US" sz="2800" dirty="0"/>
-              <a:t>Does the Price Paid by consumer of other supplementary electric cars have an effect on the sale of Tesla</a:t>
+              <a:t>Does the price paid by consumers of other supplementary electric cars have an effect on the sales of Tesla?</a:t>
             </a:r>
           </a:p>
         </p:txBody>
@@ -9901,7 +10325,7 @@
         </p:nvSpPr>
         <p:spPr>
           <a:xfrm>
-            <a:off x="838200" y="0"/>
+            <a:off x="0" y="625642"/>
             <a:ext cx="10515600" cy="1325563"/>
           </a:xfrm>
         </p:spPr>
@@ -9932,7 +10356,28 @@
           <a:bodyPr/>
           <a:lstStyle/>
           <a:p>
-            <a:endParaRPr lang="en-US" dirty="0"/>
+            <a:r>
+              <a:rPr lang="en-US" dirty="0"/>
+              <a:t>Fall of oil prices created a fuss in electric vehicles market</a:t>
+            </a:r>
+          </a:p>
+          <a:p>
+            <a:r>
+              <a:rPr lang="en-US" dirty="0"/>
+              <a:t>Along with Tesla, other companies like Nissan, Ford, Toyota began to worry</a:t>
+            </a:r>
+          </a:p>
+          <a:p>
+            <a:r>
+              <a:rPr lang="en-US" dirty="0"/>
+              <a:t>Review of sales of these companies was done </a:t>
+            </a:r>
+          </a:p>
+          <a:p>
+            <a:r>
+              <a:rPr lang="en-US" dirty="0"/>
+              <a:t>Mostly the hybrid and other plugin electric vehicles were mostly hurt due to the decrease in oil prices. </a:t>
+            </a:r>
           </a:p>
         </p:txBody>
       </p:sp>
@@ -10538,7 +10983,7 @@
         <p:spPr/>
         <p:txBody>
           <a:bodyPr>
-            <a:normAutofit lnSpcReduction="10000"/>
+            <a:normAutofit/>
           </a:bodyPr>
           <a:lstStyle/>
           <a:p>
@@ -10553,46 +10998,36 @@
             </a:pPr>
             <a:r>
               <a:rPr lang="en-US" dirty="0"/>
-              <a:t>H0:  slope = 0 </a:t>
-            </a:r>
-            <a:endParaRPr lang="en-US" dirty="0" smtClean="0"/>
+              <a:t>H</a:t>
+            </a:r>
+            <a:r>
+              <a:rPr lang="en-US" baseline="-25000" dirty="0"/>
+              <a:t>0</a:t>
+            </a:r>
+            <a:r>
+              <a:rPr lang="en-US" dirty="0"/>
+              <a:t>:  slope = 0 </a:t>
+            </a:r>
           </a:p>
           <a:p>
             <a:pPr marL="0" indent="0">
               <a:buNone/>
             </a:pPr>
             <a:r>
-              <a:rPr lang="en-US" dirty="0" smtClean="0"/>
-              <a:t>Ha</a:t>
-            </a:r>
-            <a:r>
               <a:rPr lang="en-US" dirty="0"/>
-              <a:t>: slope ≠ 0</a:t>
-            </a:r>
-          </a:p>
-          <a:p>
-            <a:pPr marL="0" indent="0">
-              <a:buNone/>
-            </a:pPr>
-            <a:endParaRPr lang="en-US" dirty="0"/>
+              <a:t>Ha: slope ≠ 0</a:t>
+            </a:r>
           </a:p>
           <a:p>
             <a:r>
               <a:rPr lang="en-US" dirty="0"/>
-              <a:t>95% CI: [0.35 ; 0.85]</a:t>
-            </a:r>
-          </a:p>
-          <a:p>
-            <a:endParaRPr lang="en-US" dirty="0" smtClean="0"/>
-          </a:p>
-          <a:p>
-            <a:r>
-              <a:rPr lang="en-US" dirty="0" smtClean="0"/>
-              <a:t>We </a:t>
-            </a:r>
+              <a:t>95% Confidence Interval (CI): [0.35 ; 0.85]</a:t>
+            </a:r>
+          </a:p>
+          <a:p>
             <a:r>
               <a:rPr lang="en-US" dirty="0"/>
-              <a:t>are 95% confident that one-unit increase in the standardized substitute unit price leads to an increase ranging from 0.35 to 0.85 units in standardized Tesla sales on average. </a:t>
+              <a:t>We are 95% confident that one-unit increase in the standardized substitute unit price leads to an increase ranging from 0.35 to 0.85 units in standardized Tesla sales on average. </a:t>
             </a:r>
           </a:p>
           <a:p>
@@ -10608,11 +11043,7 @@
             </a:r>
             <a:r>
               <a:rPr lang="en-US" dirty="0"/>
-              <a:t>positive relationship between Tesla sales and substitute unit </a:t>
-            </a:r>
-            <a:r>
-              <a:rPr lang="en-US" dirty="0" smtClean="0"/>
-              <a:t>prices</a:t>
+              <a:t>positive relationship between Tesla sales and substitute unit prices</a:t>
             </a:r>
           </a:p>
           <a:p>

--- a/finalPptTesla.pptx
+++ b/finalPptTesla.pptx
@@ -5,7 +5,7 @@
     <p:sldMasterId id="2147483660" r:id="rId1"/>
   </p:sldMasterIdLst>
   <p:notesMasterIdLst>
-    <p:notesMasterId r:id="rId18"/>
+    <p:notesMasterId r:id="rId19"/>
   </p:notesMasterIdLst>
   <p:sldIdLst>
     <p:sldId id="256" r:id="rId2"/>
@@ -13,17 +13,18 @@
     <p:sldId id="258" r:id="rId4"/>
     <p:sldId id="257" r:id="rId5"/>
     <p:sldId id="259" r:id="rId6"/>
-    <p:sldId id="261" r:id="rId7"/>
-    <p:sldId id="266" r:id="rId8"/>
-    <p:sldId id="267" r:id="rId9"/>
-    <p:sldId id="262" r:id="rId10"/>
-    <p:sldId id="268" r:id="rId11"/>
-    <p:sldId id="264" r:id="rId12"/>
-    <p:sldId id="263" r:id="rId13"/>
-    <p:sldId id="270" r:id="rId14"/>
-    <p:sldId id="271" r:id="rId15"/>
-    <p:sldId id="272" r:id="rId16"/>
-    <p:sldId id="265" r:id="rId17"/>
+    <p:sldId id="273" r:id="rId7"/>
+    <p:sldId id="261" r:id="rId8"/>
+    <p:sldId id="266" r:id="rId9"/>
+    <p:sldId id="267" r:id="rId10"/>
+    <p:sldId id="262" r:id="rId11"/>
+    <p:sldId id="268" r:id="rId12"/>
+    <p:sldId id="264" r:id="rId13"/>
+    <p:sldId id="263" r:id="rId14"/>
+    <p:sldId id="270" r:id="rId15"/>
+    <p:sldId id="271" r:id="rId16"/>
+    <p:sldId id="272" r:id="rId17"/>
+    <p:sldId id="265" r:id="rId18"/>
   </p:sldIdLst>
   <p:sldSz cx="12192000" cy="6858000"/>
   <p:notesSz cx="6858000" cy="9144000"/>
@@ -131,7 +132,7 @@
 </file>
 
 <file path=ppt/charts/chart1.xml><?xml version="1.0" encoding="utf-8"?>
-<c:chartSpace xmlns:c="http://schemas.openxmlformats.org/drawingml/2006/chart" xmlns:a="http://schemas.openxmlformats.org/drawingml/2006/main" xmlns:r="http://schemas.openxmlformats.org/officeDocument/2006/relationships" xmlns:c16r2="http://schemas.microsoft.com/office/drawing/2015/06/chart">
+<c:chartSpace xmlns:c="http://schemas.openxmlformats.org/drawingml/2006/chart" xmlns:a="http://schemas.openxmlformats.org/drawingml/2006/main" xmlns:r="http://schemas.openxmlformats.org/officeDocument/2006/relationships">
   <c:date1904 val="0"/>
   <c:lang val="en-US"/>
   <c:roundedCorners val="0"/>
@@ -603,7 +604,7 @@
             </c:numRef>
           </c:val>
           <c:smooth val="0"/>
-          <c:extLst>
+          <c:extLst xmlns:c16r2="http://schemas.microsoft.com/office/drawing/2015/06/chart">
             <c:ext xmlns:c16="http://schemas.microsoft.com/office/drawing/2014/chart" uri="{C3380CC4-5D6E-409C-BE32-E72D297353CC}">
               <c16:uniqueId val="{00000000-4C13-45A4-AD39-59BACAC34026}"/>
             </c:ext>
@@ -1062,7 +1063,7 @@
             </c:numRef>
           </c:val>
           <c:smooth val="0"/>
-          <c:extLst>
+          <c:extLst xmlns:c16r2="http://schemas.microsoft.com/office/drawing/2015/06/chart">
             <c:ext xmlns:c16="http://schemas.microsoft.com/office/drawing/2014/chart" uri="{C3380CC4-5D6E-409C-BE32-E72D297353CC}">
               <c16:uniqueId val="{00000001-4C13-45A4-AD39-59BACAC34026}"/>
             </c:ext>
@@ -1521,7 +1522,7 @@
             </c:numRef>
           </c:val>
           <c:smooth val="0"/>
-          <c:extLst>
+          <c:extLst xmlns:c16r2="http://schemas.microsoft.com/office/drawing/2015/06/chart">
             <c:ext xmlns:c16="http://schemas.microsoft.com/office/drawing/2014/chart" uri="{C3380CC4-5D6E-409C-BE32-E72D297353CC}">
               <c16:uniqueId val="{00000002-4C13-45A4-AD39-59BACAC34026}"/>
             </c:ext>
@@ -1536,11 +1537,11 @@
           <c:showBubbleSize val="0"/>
         </c:dLbls>
         <c:smooth val="0"/>
-        <c:axId val="252251992"/>
-        <c:axId val="344170824"/>
+        <c:axId val="246713024"/>
+        <c:axId val="246714984"/>
       </c:lineChart>
       <c:catAx>
-        <c:axId val="252251992"/>
+        <c:axId val="246713024"/>
         <c:scaling>
           <c:orientation val="minMax"/>
         </c:scaling>
@@ -1583,7 +1584,7 @@
             <a:endParaRPr lang="en-US"/>
           </a:p>
         </c:txPr>
-        <c:crossAx val="344170824"/>
+        <c:crossAx val="246714984"/>
         <c:crosses val="autoZero"/>
         <c:auto val="1"/>
         <c:lblAlgn val="ctr"/>
@@ -1591,7 +1592,7 @@
         <c:noMultiLvlLbl val="0"/>
       </c:catAx>
       <c:valAx>
-        <c:axId val="344170824"/>
+        <c:axId val="246714984"/>
         <c:scaling>
           <c:orientation val="minMax"/>
         </c:scaling>
@@ -1628,7 +1629,7 @@
             <a:endParaRPr lang="en-US"/>
           </a:p>
         </c:txPr>
-        <c:crossAx val="252251992"/>
+        <c:crossAx val="246713024"/>
         <c:crosses val="autoZero"/>
         <c:crossBetween val="between"/>
       </c:valAx>
@@ -2752,7 +2753,7 @@
           <a:p>
             <a:fld id="{FE609A5C-843E-40EB-A8F7-D1CCF10D1F32}" type="slidenum">
               <a:rPr lang="en-US" smtClean="0"/>
-              <a:t>12</a:t>
+              <a:t>13</a:t>
             </a:fld>
             <a:endParaRPr lang="en-US"/>
           </a:p>
@@ -3196,7 +3197,7 @@
           <a:p>
             <a:fld id="{FE609A5C-843E-40EB-A8F7-D1CCF10D1F32}" type="slidenum">
               <a:rPr lang="en-US" smtClean="0"/>
-              <a:t>6</a:t>
+              <a:t>7</a:t>
             </a:fld>
             <a:endParaRPr lang="en-US"/>
           </a:p>
@@ -3280,7 +3281,7 @@
           <a:p>
             <a:fld id="{FE609A5C-843E-40EB-A8F7-D1CCF10D1F32}" type="slidenum">
               <a:rPr lang="en-US" smtClean="0"/>
-              <a:t>9</a:t>
+              <a:t>10</a:t>
             </a:fld>
             <a:endParaRPr lang="en-US"/>
           </a:p>
@@ -3364,7 +3365,7 @@
           <a:p>
             <a:fld id="{FE609A5C-843E-40EB-A8F7-D1CCF10D1F32}" type="slidenum">
               <a:rPr lang="en-US" smtClean="0"/>
-              <a:t>10</a:t>
+              <a:t>11</a:t>
             </a:fld>
             <a:endParaRPr lang="en-US"/>
           </a:p>
@@ -3456,7 +3457,7 @@
           <a:p>
             <a:fld id="{FE609A5C-843E-40EB-A8F7-D1CCF10D1F32}" type="slidenum">
               <a:rPr lang="en-US" smtClean="0"/>
-              <a:t>11</a:t>
+              <a:t>12</a:t>
             </a:fld>
             <a:endParaRPr lang="en-US"/>
           </a:p>
@@ -9390,7 +9391,7 @@
       </p:grpSpPr>
       <p:sp>
         <p:nvSpPr>
-          <p:cNvPr id="7" name="Title 6"/>
+          <p:cNvPr id="2" name="Title 1"/>
           <p:cNvSpPr>
             <a:spLocks noGrp="1"/>
           </p:cNvSpPr>
@@ -9406,14 +9407,14 @@
             <a:pPr algn="ctr"/>
             <a:r>
               <a:rPr lang="en-US" dirty="0"/>
-              <a:t>Test and Evaluation</a:t>
-            </a:r>
-          </a:p>
-        </p:txBody>
-      </p:sp>
-      <p:sp>
-        <p:nvSpPr>
-          <p:cNvPr id="8" name="Content Placeholder 7"/>
+              <a:t>Hypothesis Testing</a:t>
+            </a:r>
+          </a:p>
+        </p:txBody>
+      </p:sp>
+      <p:sp>
+        <p:nvSpPr>
+          <p:cNvPr id="3" name="Content Placeholder 2"/>
           <p:cNvSpPr>
             <a:spLocks noGrp="1"/>
           </p:cNvSpPr>
@@ -9423,61 +9424,88 @@
         </p:nvSpPr>
         <p:spPr/>
         <p:txBody>
-          <a:bodyPr/>
+          <a:bodyPr>
+            <a:normAutofit/>
+          </a:bodyPr>
           <a:lstStyle/>
           <a:p>
             <a:r>
               <a:rPr lang="en-US" dirty="0"/>
-              <a:t>Dataset = entire population: sales for every month available</a:t>
-            </a:r>
-          </a:p>
-          <a:p>
+              <a:t>Is the relationship between substitute unit prices and tesla Sales significant?</a:t>
+            </a:r>
+          </a:p>
+          <a:p>
+            <a:pPr marL="0" indent="0">
+              <a:buNone/>
+            </a:pPr>
             <a:r>
               <a:rPr lang="en-US" dirty="0"/>
-              <a:t>Distribution : slightly right skewed with 3 outliers</a:t>
-            </a:r>
-          </a:p>
-          <a:p>
+              <a:t>H</a:t>
+            </a:r>
+            <a:r>
+              <a:rPr lang="en-US" baseline="-25000" dirty="0"/>
+              <a:t>0</a:t>
+            </a:r>
             <a:r>
               <a:rPr lang="en-US" dirty="0"/>
-              <a:t>Chose to keep outliers: recent sales numbers</a:t>
-            </a:r>
-          </a:p>
-          <a:p>
-            <a:pPr lvl="1"/>
+              <a:t>:  slope = 0 </a:t>
+            </a:r>
+          </a:p>
+          <a:p>
+            <a:pPr marL="0" indent="0">
+              <a:buNone/>
+            </a:pPr>
             <a:r>
               <a:rPr lang="en-US" dirty="0"/>
-              <a:t>Indicative of future upwards trend for Tesla Sales</a:t>
+              <a:t>Ha: slope ≠ 0</a:t>
             </a:r>
           </a:p>
           <a:p>
             <a:r>
               <a:rPr lang="en-US" dirty="0"/>
-              <a:t>Large enough size and no extreme outliers </a:t>
+              <a:t>95% Confidence Interval (CI): [0.35 ; 0.85]</a:t>
+            </a:r>
+          </a:p>
+          <a:p>
+            <a:r>
+              <a:rPr lang="en-US" dirty="0"/>
+              <a:t>We are 95% confident that one-unit increase in the standardized substitute unit price leads to an increase ranging from 0.35 to 0.85 units in standardized Tesla sales on average. </a:t>
+            </a:r>
+          </a:p>
+          <a:p>
+            <a:r>
+              <a:rPr lang="en-US" dirty="0"/>
+              <a:t>95% CI is above 0  </a:t>
             </a:r>
             <a:r>
               <a:rPr lang="en-US" dirty="0">
                 <a:sym typeface="Wingdings" panose="05000000000000000000" pitchFamily="2" charset="2"/>
               </a:rPr>
-              <a:t></a:t>
+              <a:t> </a:t>
             </a:r>
             <a:r>
               <a:rPr lang="en-US" dirty="0"/>
-              <a:t> nearly normal distribution</a:t>
-            </a:r>
-          </a:p>
-          <a:p>
-            <a:r>
-              <a:rPr lang="en-US" dirty="0"/>
-              <a:t>Tesla sales: nearly normal with a recent upwards trend</a:t>
-            </a:r>
+              <a:t>positive relationship between Tesla sales and substitute unit prices</a:t>
+            </a:r>
+          </a:p>
+          <a:p>
+            <a:endParaRPr lang="en-US" dirty="0"/>
+          </a:p>
+          <a:p>
+            <a:endParaRPr lang="en-US" dirty="0"/>
+          </a:p>
+          <a:p>
+            <a:pPr marL="0" indent="0">
+              <a:buNone/>
+            </a:pPr>
+            <a:endParaRPr lang="en-US" dirty="0"/>
           </a:p>
         </p:txBody>
       </p:sp>
     </p:spTree>
     <p:extLst>
       <p:ext uri="{BB962C8B-B14F-4D97-AF65-F5344CB8AC3E}">
-        <p14:creationId xmlns:p14="http://schemas.microsoft.com/office/powerpoint/2010/main" val="1458754961"/>
+        <p14:creationId xmlns:p14="http://schemas.microsoft.com/office/powerpoint/2010/main" val="1227465640"/>
       </p:ext>
     </p:extLst>
   </p:cSld>
@@ -9506,7 +9534,7 @@
       </p:grpSpPr>
       <p:sp>
         <p:nvSpPr>
-          <p:cNvPr id="2" name="Title 1"/>
+          <p:cNvPr id="7" name="Title 6"/>
           <p:cNvSpPr>
             <a:spLocks noGrp="1"/>
           </p:cNvSpPr>
@@ -9522,14 +9550,14 @@
             <a:pPr algn="ctr"/>
             <a:r>
               <a:rPr lang="en-US" dirty="0"/>
-              <a:t>Conclusion</a:t>
-            </a:r>
-          </a:p>
-        </p:txBody>
-      </p:sp>
-      <p:sp>
-        <p:nvSpPr>
-          <p:cNvPr id="3" name="Content Placeholder 2"/>
+              <a:t>Test and Evaluation</a:t>
+            </a:r>
+          </a:p>
+        </p:txBody>
+      </p:sp>
+      <p:sp>
+        <p:nvSpPr>
+          <p:cNvPr id="8" name="Content Placeholder 7"/>
           <p:cNvSpPr>
             <a:spLocks noGrp="1"/>
           </p:cNvSpPr>
@@ -9542,14 +9570,58 @@
           <a:bodyPr/>
           <a:lstStyle/>
           <a:p>
-            <a:endParaRPr lang="en-US"/>
+            <a:r>
+              <a:rPr lang="en-US" dirty="0"/>
+              <a:t>Dataset = entire population: sales for every month available</a:t>
+            </a:r>
+          </a:p>
+          <a:p>
+            <a:r>
+              <a:rPr lang="en-US" dirty="0"/>
+              <a:t>Distribution : slightly right skewed with 3 outliers</a:t>
+            </a:r>
+          </a:p>
+          <a:p>
+            <a:r>
+              <a:rPr lang="en-US" dirty="0"/>
+              <a:t>Chose to keep outliers: recent sales numbers</a:t>
+            </a:r>
+          </a:p>
+          <a:p>
+            <a:pPr lvl="1"/>
+            <a:r>
+              <a:rPr lang="en-US" dirty="0"/>
+              <a:t>Indicative of future upwards trend for Tesla Sales</a:t>
+            </a:r>
+          </a:p>
+          <a:p>
+            <a:r>
+              <a:rPr lang="en-US" dirty="0"/>
+              <a:t>Large enough size and no extreme outliers </a:t>
+            </a:r>
+            <a:r>
+              <a:rPr lang="en-US" dirty="0">
+                <a:sym typeface="Wingdings" panose="05000000000000000000" pitchFamily="2" charset="2"/>
+              </a:rPr>
+              <a:t></a:t>
+            </a:r>
+            <a:r>
+              <a:rPr lang="en-US" dirty="0"/>
+              <a:t> nearly normal distribution</a:t>
+            </a:r>
+          </a:p>
+          <a:p>
+            <a:r>
+              <a:rPr lang="en-US" dirty="0"/>
+              <a:t>Tesla sales: nearly normal with a recent upwards trend</a:t>
+            </a:r>
           </a:p>
         </p:txBody>
       </p:sp>
     </p:spTree>
     <p:extLst>
       <p:ext uri="{BB962C8B-B14F-4D97-AF65-F5344CB8AC3E}">
-        <p14:creationId xmlns:p14="http://schemas.microsoft.com/office/powerpoint/2010/main" val="216197502"/>
+        <p14:creationId xmlns:p14="http://schemas.microsoft.com/office/powerpoint/2010/main" val="1458754961"/>
       </p:ext>
     </p:extLst>
   </p:cSld>
@@ -9594,7 +9666,7 @@
             <a:pPr algn="ctr"/>
             <a:r>
               <a:rPr lang="en-US" dirty="0"/>
-              <a:t>FUTURE WORK</a:t>
+              <a:t>Conclusion</a:t>
             </a:r>
           </a:p>
         </p:txBody>
@@ -9611,72 +9683,17 @@
         </p:nvSpPr>
         <p:spPr/>
         <p:txBody>
-          <a:bodyPr>
-            <a:normAutofit/>
-          </a:bodyPr>
-          <a:lstStyle/>
-          <a:p>
-            <a:r>
-              <a:rPr lang="en-US" dirty="0"/>
-              <a:t>Sound model</a:t>
-            </a:r>
-          </a:p>
-          <a:p>
-            <a:r>
-              <a:rPr lang="en-US" dirty="0"/>
-              <a:t>Small </a:t>
-            </a:r>
-            <a:r>
-              <a:rPr lang="en-US" dirty="0" err="1"/>
-              <a:t>Adj</a:t>
-            </a:r>
-            <a:r>
-              <a:rPr lang="en-US" dirty="0"/>
-              <a:t> R-</a:t>
-            </a:r>
-            <a:r>
-              <a:rPr lang="en-US" dirty="0" err="1"/>
-              <a:t>sq</a:t>
-            </a:r>
-            <a:r>
-              <a:rPr lang="en-US" dirty="0"/>
-              <a:t>: other relevant variables</a:t>
-            </a:r>
-          </a:p>
-          <a:p>
-            <a:r>
-              <a:rPr lang="en-US" dirty="0"/>
-              <a:t>Potential relevant variables:</a:t>
-            </a:r>
-          </a:p>
-          <a:p>
-            <a:pPr lvl="1"/>
-            <a:r>
-              <a:rPr lang="en-US" dirty="0"/>
-              <a:t>Sales of Tesla’s competitors according to Tesla: other luxury cars </a:t>
-            </a:r>
-          </a:p>
-          <a:p>
-            <a:pPr lvl="1"/>
-            <a:r>
-              <a:rPr lang="en-US" dirty="0"/>
-              <a:t>Example: Audi A7-A8, BMW 6-7Series, Jaguar XJ, Lexus LS, Mercedes-Benz CLS-Class, Mercedes-Benz S-Class, Porsche </a:t>
-            </a:r>
-            <a:r>
-              <a:rPr lang="en-US" dirty="0" err="1"/>
-              <a:t>Panamera</a:t>
-            </a:r>
-            <a:r>
-              <a:rPr lang="en-US" dirty="0"/>
-              <a:t>)</a:t>
-            </a:r>
+          <a:bodyPr/>
+          <a:lstStyle/>
+          <a:p>
+            <a:endParaRPr lang="en-US"/>
           </a:p>
         </p:txBody>
       </p:sp>
     </p:spTree>
     <p:extLst>
       <p:ext uri="{BB962C8B-B14F-4D97-AF65-F5344CB8AC3E}">
-        <p14:creationId xmlns:p14="http://schemas.microsoft.com/office/powerpoint/2010/main" val="206297815"/>
+        <p14:creationId xmlns:p14="http://schemas.microsoft.com/office/powerpoint/2010/main" val="216197502"/>
       </p:ext>
     </p:extLst>
   </p:cSld>
@@ -9718,9 +9735,10 @@
           <a:bodyPr/>
           <a:lstStyle/>
           <a:p>
+            <a:pPr algn="ctr"/>
             <a:r>
               <a:rPr lang="en-US" dirty="0"/>
-              <a:t>Appendix and models developed</a:t>
+              <a:t>FUTURE WORK</a:t>
             </a:r>
           </a:p>
         </p:txBody>
@@ -9738,104 +9756,71 @@
         <p:spPr/>
         <p:txBody>
           <a:bodyPr>
-            <a:normAutofit fontScale="77500" lnSpcReduction="20000"/>
+            <a:normAutofit/>
           </a:bodyPr>
           <a:lstStyle/>
           <a:p>
             <a:r>
-              <a:rPr lang="en-US" b="1" u="sng" dirty="0"/>
-              <a:t>Price Paid Per Unit of Car by Months</a:t>
-            </a:r>
-            <a:endParaRPr lang="en-US" dirty="0"/>
+              <a:rPr lang="en-US" dirty="0"/>
+              <a:t>Sound model</a:t>
+            </a:r>
+          </a:p>
+          <a:p>
+            <a:r>
+              <a:rPr lang="en-US" dirty="0"/>
+              <a:t>Small </a:t>
+            </a:r>
+            <a:r>
+              <a:rPr lang="en-US" dirty="0" err="1"/>
+              <a:t>Adj</a:t>
+            </a:r>
+            <a:r>
+              <a:rPr lang="en-US" dirty="0"/>
+              <a:t> R-</a:t>
+            </a:r>
+            <a:r>
+              <a:rPr lang="en-US" dirty="0" err="1"/>
+              <a:t>sq</a:t>
+            </a:r>
+            <a:r>
+              <a:rPr lang="en-US" dirty="0"/>
+              <a:t>: other relevant variables</a:t>
+            </a:r>
+          </a:p>
+          <a:p>
+            <a:r>
+              <a:rPr lang="en-US" dirty="0"/>
+              <a:t>Potential relevant variables:</a:t>
+            </a:r>
           </a:p>
           <a:p>
             <a:pPr lvl="1"/>
             <a:r>
               <a:rPr lang="en-US" dirty="0"/>
-              <a:t>One of our inputs in the Regression and correlation analysis was the price paid per unit of electric cars. The data can be seen below and this would make it difficult to use the data. </a:t>
+              <a:t>Sales of Tesla’s competitors according to Tesla: other luxury cars </a:t>
             </a:r>
           </a:p>
           <a:p>
             <a:pPr lvl="1"/>
             <a:r>
               <a:rPr lang="en-US" dirty="0"/>
-              <a:t>The data obtained was secondary data that gave sale by months and below table is the aggregate of the Year this data was then normalized to create the input data by months</a:t>
-            </a:r>
-          </a:p>
-          <a:p>
-            <a:pPr lvl="1"/>
+              <a:t>Example: Audi A7-A8, BMW 6-7Series, Jaguar XJ, Lexus LS, Mercedes-Benz CLS-Class, Mercedes-Benz S-Class, Porsche </a:t>
+            </a:r>
+            <a:r>
+              <a:rPr lang="en-US" dirty="0" err="1"/>
+              <a:t>Panamera</a:t>
+            </a:r>
             <a:r>
               <a:rPr lang="en-US" dirty="0"/>
-              <a:t>The original cost of all cars the outliers such as the Porsche 918 </a:t>
-            </a:r>
-            <a:r>
-              <a:rPr lang="en-US" dirty="0" err="1"/>
-              <a:t>Spyder</a:t>
-            </a:r>
-            <a:r>
-              <a:rPr lang="en-US" dirty="0"/>
-              <a:t> and Others were removed from the calculation as they were outliers too expensive or undeterminable mix not given</a:t>
-            </a:r>
-          </a:p>
-          <a:p>
-            <a:r>
-              <a:rPr lang="en-US" u="sng" dirty="0"/>
-              <a:t>Values</a:t>
-            </a:r>
-            <a:endParaRPr lang="en-US" dirty="0"/>
-          </a:p>
-          <a:p>
-            <a:r>
-              <a:rPr lang="en-US" dirty="0"/>
-              <a:t>Three values were deciphered using same formula the values were </a:t>
-            </a:r>
-          </a:p>
-          <a:p>
-            <a:pPr lvl="1"/>
-            <a:r>
-              <a:rPr lang="en-US" dirty="0"/>
-              <a:t>Price Paid per unit of Tesla, </a:t>
-            </a:r>
-          </a:p>
-          <a:p>
-            <a:pPr lvl="1"/>
-            <a:r>
-              <a:rPr lang="en-US" dirty="0"/>
-              <a:t>Price per Unit of Electric Cars minus outliers (including tesla) and</a:t>
-            </a:r>
-          </a:p>
-          <a:p>
-            <a:pPr lvl="1"/>
-            <a:r>
-              <a:rPr lang="en-US" dirty="0"/>
-              <a:t>Price Paid per Electric Cars Minus Outliers and Tesla</a:t>
-            </a:r>
-          </a:p>
-          <a:p>
-            <a:endParaRPr lang="en-US" dirty="0"/>
-          </a:p>
-          <a:p>
-            <a:r>
-              <a:rPr lang="en-US" u="sng" dirty="0"/>
-              <a:t>Formula</a:t>
-            </a:r>
-            <a:endParaRPr lang="en-US" dirty="0"/>
-          </a:p>
-          <a:p>
-            <a:r>
-              <a:rPr lang="en-US" dirty="0"/>
-              <a:t>Sum of (Number of Unit of each car sold * Price of the car) / Sum of car sold in that month</a:t>
-            </a:r>
-          </a:p>
-          <a:p>
-            <a:endParaRPr lang="en-US" dirty="0"/>
+              <a:t>)</a:t>
+            </a:r>
           </a:p>
         </p:txBody>
       </p:sp>
     </p:spTree>
     <p:extLst>
       <p:ext uri="{BB962C8B-B14F-4D97-AF65-F5344CB8AC3E}">
-        <p14:creationId xmlns:p14="http://schemas.microsoft.com/office/powerpoint/2010/main" val="319543582"/>
+        <p14:creationId xmlns:p14="http://schemas.microsoft.com/office/powerpoint/2010/main" val="206297815"/>
       </p:ext>
     </p:extLst>
   </p:cSld>
@@ -9884,6 +9869,165 @@
           </a:p>
         </p:txBody>
       </p:sp>
+      <p:sp>
+        <p:nvSpPr>
+          <p:cNvPr id="3" name="Content Placeholder 2"/>
+          <p:cNvSpPr>
+            <a:spLocks noGrp="1"/>
+          </p:cNvSpPr>
+          <p:nvPr>
+            <p:ph idx="1"/>
+          </p:nvPr>
+        </p:nvSpPr>
+        <p:spPr/>
+        <p:txBody>
+          <a:bodyPr>
+            <a:normAutofit fontScale="77500" lnSpcReduction="20000"/>
+          </a:bodyPr>
+          <a:lstStyle/>
+          <a:p>
+            <a:r>
+              <a:rPr lang="en-US" b="1" u="sng" dirty="0"/>
+              <a:t>Price Paid Per Unit of Car by Months</a:t>
+            </a:r>
+            <a:endParaRPr lang="en-US" dirty="0"/>
+          </a:p>
+          <a:p>
+            <a:pPr lvl="1"/>
+            <a:r>
+              <a:rPr lang="en-US" dirty="0"/>
+              <a:t>One of our inputs in the Regression and correlation analysis was the price paid per unit of electric cars. The data can be seen below and this would make it difficult to use the data. </a:t>
+            </a:r>
+          </a:p>
+          <a:p>
+            <a:pPr lvl="1"/>
+            <a:r>
+              <a:rPr lang="en-US" dirty="0"/>
+              <a:t>The data obtained was secondary data that gave sale by months and below table is the aggregate of the Year this data was then normalized to create the input data by months</a:t>
+            </a:r>
+          </a:p>
+          <a:p>
+            <a:pPr lvl="1"/>
+            <a:r>
+              <a:rPr lang="en-US" dirty="0"/>
+              <a:t>The original cost of all cars the outliers such as the Porsche 918 </a:t>
+            </a:r>
+            <a:r>
+              <a:rPr lang="en-US" dirty="0" err="1"/>
+              <a:t>Spyder</a:t>
+            </a:r>
+            <a:r>
+              <a:rPr lang="en-US" dirty="0"/>
+              <a:t> and Others were removed from the calculation as they were outliers too expensive or undeterminable mix not given</a:t>
+            </a:r>
+          </a:p>
+          <a:p>
+            <a:r>
+              <a:rPr lang="en-US" u="sng" dirty="0"/>
+              <a:t>Values</a:t>
+            </a:r>
+            <a:endParaRPr lang="en-US" dirty="0"/>
+          </a:p>
+          <a:p>
+            <a:r>
+              <a:rPr lang="en-US" dirty="0"/>
+              <a:t>Three values were deciphered using same formula the values were </a:t>
+            </a:r>
+          </a:p>
+          <a:p>
+            <a:pPr lvl="1"/>
+            <a:r>
+              <a:rPr lang="en-US" dirty="0"/>
+              <a:t>Price Paid per unit of Tesla, </a:t>
+            </a:r>
+          </a:p>
+          <a:p>
+            <a:pPr lvl="1"/>
+            <a:r>
+              <a:rPr lang="en-US" dirty="0"/>
+              <a:t>Price per Unit of Electric Cars minus outliers (including tesla) and</a:t>
+            </a:r>
+          </a:p>
+          <a:p>
+            <a:pPr lvl="1"/>
+            <a:r>
+              <a:rPr lang="en-US" dirty="0"/>
+              <a:t>Price Paid per Electric Cars Minus Outliers and Tesla</a:t>
+            </a:r>
+          </a:p>
+          <a:p>
+            <a:endParaRPr lang="en-US" dirty="0"/>
+          </a:p>
+          <a:p>
+            <a:r>
+              <a:rPr lang="en-US" u="sng" dirty="0"/>
+              <a:t>Formula</a:t>
+            </a:r>
+            <a:endParaRPr lang="en-US" dirty="0"/>
+          </a:p>
+          <a:p>
+            <a:r>
+              <a:rPr lang="en-US" dirty="0"/>
+              <a:t>Sum of (Number of Unit of each car sold * Price of the car) / Sum of car sold in that month</a:t>
+            </a:r>
+          </a:p>
+          <a:p>
+            <a:endParaRPr lang="en-US" dirty="0"/>
+          </a:p>
+        </p:txBody>
+      </p:sp>
+    </p:spTree>
+    <p:extLst>
+      <p:ext uri="{BB962C8B-B14F-4D97-AF65-F5344CB8AC3E}">
+        <p14:creationId xmlns:p14="http://schemas.microsoft.com/office/powerpoint/2010/main" val="319543582"/>
+      </p:ext>
+    </p:extLst>
+  </p:cSld>
+  <p:clrMapOvr>
+    <a:masterClrMapping/>
+  </p:clrMapOvr>
+</p:sld>
+</file>
+
+<file path=ppt/slides/slide15.xml><?xml version="1.0" encoding="utf-8"?>
+<p:sld xmlns:a="http://schemas.openxmlformats.org/drawingml/2006/main" xmlns:r="http://schemas.openxmlformats.org/officeDocument/2006/relationships" xmlns:p="http://schemas.openxmlformats.org/presentationml/2006/main">
+  <p:cSld>
+    <p:spTree>
+      <p:nvGrpSpPr>
+        <p:cNvPr id="1" name=""/>
+        <p:cNvGrpSpPr/>
+        <p:nvPr/>
+      </p:nvGrpSpPr>
+      <p:grpSpPr>
+        <a:xfrm>
+          <a:off x="0" y="0"/>
+          <a:ext cx="0" cy="0"/>
+          <a:chOff x="0" y="0"/>
+          <a:chExt cx="0" cy="0"/>
+        </a:xfrm>
+      </p:grpSpPr>
+      <p:sp>
+        <p:nvSpPr>
+          <p:cNvPr id="2" name="Title 1"/>
+          <p:cNvSpPr>
+            <a:spLocks noGrp="1"/>
+          </p:cNvSpPr>
+          <p:nvPr>
+            <p:ph type="title"/>
+          </p:nvPr>
+        </p:nvSpPr>
+        <p:spPr/>
+        <p:txBody>
+          <a:bodyPr/>
+          <a:lstStyle/>
+          <a:p>
+            <a:r>
+              <a:rPr lang="en-US" dirty="0"/>
+              <a:t>Appendix and models developed</a:t>
+            </a:r>
+          </a:p>
+        </p:txBody>
+      </p:sp>
       <p:graphicFrame>
         <p:nvGraphicFramePr>
           <p:cNvPr id="4" name="Content Placeholder 3"/>
@@ -9922,7 +10066,7 @@
 </p:sld>
 </file>
 
-<file path=ppt/slides/slide15.xml><?xml version="1.0" encoding="utf-8"?>
+<file path=ppt/slides/slide16.xml><?xml version="1.0" encoding="utf-8"?>
 <p:sld xmlns:a="http://schemas.openxmlformats.org/drawingml/2006/main" xmlns:r="http://schemas.openxmlformats.org/officeDocument/2006/relationships" xmlns:p="http://schemas.openxmlformats.org/presentationml/2006/main">
   <p:cSld>
     <p:spTree>
@@ -10020,7 +10164,7 @@
 </p:sld>
 </file>
 
-<file path=ppt/slides/slide16.xml><?xml version="1.0" encoding="utf-8"?>
+<file path=ppt/slides/slide17.xml><?xml version="1.0" encoding="utf-8"?>
 <p:sld xmlns:a="http://schemas.openxmlformats.org/drawingml/2006/main" xmlns:r="http://schemas.openxmlformats.org/officeDocument/2006/relationships" xmlns:p="http://schemas.openxmlformats.org/presentationml/2006/main">
   <p:cSld>
     <p:spTree>
@@ -10484,6 +10628,13 @@
   <p:clrMapOvr>
     <a:masterClrMapping/>
   </p:clrMapOvr>
+  <p:timing>
+    <p:tnLst>
+      <p:par>
+        <p:cTn id="1" dur="indefinite" restart="never" nodeType="tmRoot"/>
+      </p:par>
+    </p:tnLst>
+  </p:timing>
 </p:sld>
 </file>
 
@@ -10506,7 +10657,7 @@
       </p:grpSpPr>
       <p:sp>
         <p:nvSpPr>
-          <p:cNvPr id="2" name="Title 1"/>
+          <p:cNvPr id="5" name="Title 1"/>
           <p:cNvSpPr>
             <a:spLocks noGrp="1"/>
           </p:cNvSpPr>
@@ -10514,91 +10665,388 @@
             <p:ph type="title"/>
           </p:nvPr>
         </p:nvSpPr>
-        <p:spPr/>
+        <p:spPr>
+          <a:xfrm>
+            <a:off x="677334" y="609600"/>
+            <a:ext cx="8596668" cy="1320800"/>
+          </a:xfrm>
+        </p:spPr>
         <p:txBody>
           <a:bodyPr/>
           <a:lstStyle/>
           <a:p>
             <a:pPr algn="ctr"/>
             <a:r>
-              <a:rPr lang="en-US" dirty="0"/>
-              <a:t>Technical Approach</a:t>
-            </a:r>
-          </a:p>
-        </p:txBody>
-      </p:sp>
-      <p:sp>
-        <p:nvSpPr>
-          <p:cNvPr id="3" name="Content Placeholder 2"/>
-          <p:cNvSpPr>
-            <a:spLocks noGrp="1"/>
-          </p:cNvSpPr>
-          <p:nvPr>
-            <p:ph idx="1"/>
-          </p:nvPr>
-        </p:nvSpPr>
-        <p:spPr/>
-        <p:txBody>
-          <a:bodyPr/>
-          <a:lstStyle/>
-          <a:p>
-            <a:r>
-              <a:rPr lang="en-US" dirty="0"/>
-              <a:t>Analyze Tesla’s sales – impact of external factors </a:t>
-            </a:r>
-          </a:p>
-          <a:p>
-            <a:pPr lvl="1"/>
-            <a:r>
-              <a:rPr lang="en-US" dirty="0"/>
-              <a:t>Fluctuations in oil prices and money spent on other electric cars in general</a:t>
-            </a:r>
-          </a:p>
-          <a:p>
-            <a:r>
-              <a:rPr lang="en-US" dirty="0"/>
-              <a:t>Linear Regression Model</a:t>
-            </a:r>
-          </a:p>
-          <a:p>
-            <a:r>
-              <a:rPr lang="en-US" dirty="0"/>
-              <a:t>Final Dataset – 45 standardized monthly observations from June 2012 to March 2016: </a:t>
-            </a:r>
-          </a:p>
-          <a:p>
-            <a:pPr lvl="1"/>
-            <a:r>
-              <a:rPr lang="en-US" dirty="0"/>
-              <a:t>Sales of Tesla</a:t>
-            </a:r>
-          </a:p>
-          <a:p>
-            <a:pPr lvl="1"/>
-            <a:r>
-              <a:rPr lang="en-US" dirty="0"/>
-              <a:t>Oil Prices</a:t>
-            </a:r>
-          </a:p>
-          <a:p>
-            <a:pPr lvl="1"/>
-            <a:r>
-              <a:rPr lang="en-US" dirty="0"/>
-              <a:t>Substitute Unit Price</a:t>
-            </a:r>
-          </a:p>
-        </p:txBody>
-      </p:sp>
+              <a:rPr lang="en-US" dirty="0" smtClean="0"/>
+              <a:t>Normalization</a:t>
+            </a:r>
+            <a:endParaRPr lang="en-US" dirty="0"/>
+          </a:p>
+        </p:txBody>
+      </p:sp>
+      <p:sp>
+        <p:nvSpPr>
+          <p:cNvPr id="8" name="Rectangle 7"/>
+          <p:cNvSpPr/>
+          <p:nvPr/>
+        </p:nvSpPr>
+        <p:spPr>
+          <a:xfrm>
+            <a:off x="718263" y="1949589"/>
+            <a:ext cx="8616507" cy="707886"/>
+          </a:xfrm>
+          <a:prstGeom prst="rect">
+            <a:avLst/>
+          </a:prstGeom>
+        </p:spPr>
+        <p:txBody>
+          <a:bodyPr wrap="square">
+            <a:spAutoFit/>
+          </a:bodyPr>
+          <a:lstStyle/>
+          <a:p>
+            <a:pPr marL="57150">
+              <a:lnSpc>
+                <a:spcPct val="200000"/>
+              </a:lnSpc>
+            </a:pPr>
+            <a:r>
+              <a:rPr lang="en-US" sz="2000" dirty="0">
+                <a:ea typeface="SimSun" panose="02010600030101010101" pitchFamily="2" charset="-122"/>
+                <a:cs typeface="Times New Roman" panose="02020603050405020304" pitchFamily="18" charset="0"/>
+              </a:rPr>
+              <a:t>Normalization (oil prices) = Mean of all months’ oil </a:t>
+            </a:r>
+            <a:r>
+              <a:rPr lang="en-US" sz="2000" dirty="0" smtClean="0">
+                <a:ea typeface="SimSun" panose="02010600030101010101" pitchFamily="2" charset="-122"/>
+                <a:cs typeface="Times New Roman" panose="02020603050405020304" pitchFamily="18" charset="0"/>
+              </a:rPr>
+              <a:t>prices</a:t>
+            </a:r>
+            <a:endParaRPr lang="en-US" sz="2000" dirty="0">
+              <a:ea typeface="SimSun" panose="02010600030101010101" pitchFamily="2" charset="-122"/>
+              <a:cs typeface="Times New Roman" panose="02020603050405020304" pitchFamily="18" charset="0"/>
+            </a:endParaRPr>
+          </a:p>
+        </p:txBody>
+      </p:sp>
+      <p:sp>
+        <p:nvSpPr>
+          <p:cNvPr id="9" name="Rectangle 8"/>
+          <p:cNvSpPr/>
+          <p:nvPr/>
+        </p:nvSpPr>
+        <p:spPr>
+          <a:xfrm>
+            <a:off x="3947670" y="2590661"/>
+            <a:ext cx="3559372" cy="707886"/>
+          </a:xfrm>
+          <a:prstGeom prst="rect">
+            <a:avLst/>
+          </a:prstGeom>
+        </p:spPr>
+        <p:txBody>
+          <a:bodyPr wrap="none">
+            <a:spAutoFit/>
+          </a:bodyPr>
+          <a:lstStyle/>
+          <a:p>
+            <a:pPr marL="57150" algn="ctr">
+              <a:lnSpc>
+                <a:spcPct val="200000"/>
+              </a:lnSpc>
+            </a:pPr>
+            <a:r>
+              <a:rPr lang="en-US" sz="2000" dirty="0">
+                <a:ea typeface="SimSun" panose="02010600030101010101" pitchFamily="2" charset="-122"/>
+                <a:cs typeface="Times New Roman" panose="02020603050405020304" pitchFamily="18" charset="0"/>
+              </a:rPr>
+              <a:t>Average of 6 years’ oil prices</a:t>
+            </a:r>
+          </a:p>
+        </p:txBody>
+      </p:sp>
+      <p:cxnSp>
+        <p:nvCxnSpPr>
+          <p:cNvPr id="11" name="Straight Connector 10"/>
+          <p:cNvCxnSpPr/>
+          <p:nvPr/>
+        </p:nvCxnSpPr>
+        <p:spPr>
+          <a:xfrm>
+            <a:off x="3947670" y="2638425"/>
+            <a:ext cx="3229859" cy="19050"/>
+          </a:xfrm>
+          <a:prstGeom prst="line">
+            <a:avLst/>
+          </a:prstGeom>
+        </p:spPr>
+        <p:style>
+          <a:lnRef idx="1">
+            <a:schemeClr val="accent1"/>
+          </a:lnRef>
+          <a:fillRef idx="0">
+            <a:schemeClr val="accent1"/>
+          </a:fillRef>
+          <a:effectRef idx="0">
+            <a:schemeClr val="accent1"/>
+          </a:effectRef>
+          <a:fontRef idx="minor">
+            <a:schemeClr val="tx1"/>
+          </a:fontRef>
+        </p:style>
+      </p:cxnSp>
+      <mc:AlternateContent xmlns:mc="http://schemas.openxmlformats.org/markup-compatibility/2006" xmlns:a14="http://schemas.microsoft.com/office/drawing/2010/main">
+        <mc:Choice Requires="a14">
+          <p:sp>
+            <p:nvSpPr>
+              <p:cNvPr id="12" name="Rectangle 11"/>
+              <p:cNvSpPr/>
+              <p:nvPr/>
+            </p:nvSpPr>
+            <p:spPr>
+              <a:xfrm>
+                <a:off x="-552450" y="3939619"/>
+                <a:ext cx="8229600" cy="692434"/>
+              </a:xfrm>
+              <a:prstGeom prst="rect">
+                <a:avLst/>
+              </a:prstGeom>
+            </p:spPr>
+            <p:txBody>
+              <a:bodyPr wrap="square">
+                <a:spAutoFit/>
+              </a:bodyPr>
+              <a:lstStyle/>
+              <a:p>
+                <a:pPr/>
+                <a14:m>
+                  <m:oMathPara xmlns:m="http://schemas.openxmlformats.org/officeDocument/2006/math">
+                    <m:oMathParaPr>
+                      <m:jc m:val="centerGroup"/>
+                    </m:oMathParaPr>
+                    <m:oMath xmlns:m="http://schemas.openxmlformats.org/officeDocument/2006/math">
+                      <m:d>
+                        <m:dPr>
+                          <m:begChr m:val=""/>
+                          <m:endChr m:val=""/>
+                          <m:ctrlPr>
+                            <a:rPr lang="en-US" sz="2000" i="1">
+                              <a:latin typeface="Cambria Math" panose="02040503050406030204" pitchFamily="18" charset="0"/>
+                            </a:rPr>
+                          </m:ctrlPr>
+                        </m:dPr>
+                        <m:e>
+                          <m:r>
+                            <m:rPr>
+                              <m:sty m:val="p"/>
+                            </m:rPr>
+                            <a:rPr lang="en-US" sz="2000" i="0">
+                              <a:latin typeface="Cambria Math" panose="02040503050406030204" pitchFamily="18" charset="0"/>
+                            </a:rPr>
+                            <m:t>Monthly</m:t>
+                          </m:r>
+                          <m:r>
+                            <a:rPr lang="en-US" sz="2000" i="0">
+                              <a:latin typeface="Cambria Math" panose="02040503050406030204" pitchFamily="18" charset="0"/>
+                            </a:rPr>
+                            <m:t> </m:t>
+                          </m:r>
+                          <m:r>
+                            <m:rPr>
+                              <m:sty m:val="p"/>
+                            </m:rPr>
+                            <a:rPr lang="en-US" sz="2000" i="0">
+                              <a:latin typeface="Cambria Math" panose="02040503050406030204" pitchFamily="18" charset="0"/>
+                            </a:rPr>
+                            <m:t>Stock</m:t>
+                          </m:r>
+                          <m:r>
+                            <a:rPr lang="en-US" sz="2000" i="0">
+                              <a:latin typeface="Cambria Math" panose="02040503050406030204" pitchFamily="18" charset="0"/>
+                            </a:rPr>
+                            <m:t> </m:t>
+                          </m:r>
+                          <m:r>
+                            <m:rPr>
+                              <m:sty m:val="p"/>
+                            </m:rPr>
+                            <a:rPr lang="en-US" sz="2000" i="0">
+                              <a:latin typeface="Cambria Math" panose="02040503050406030204" pitchFamily="18" charset="0"/>
+                            </a:rPr>
+                            <m:t>Price</m:t>
+                          </m:r>
+                        </m:e>
+                      </m:d>
+                      <m:r>
+                        <a:rPr lang="en-US" sz="2000" i="0">
+                          <a:latin typeface="Cambria Math" panose="02040503050406030204" pitchFamily="18" charset="0"/>
+                        </a:rPr>
+                        <m:t>=</m:t>
+                      </m:r>
+                      <m:nary>
+                        <m:naryPr>
+                          <m:chr m:val="∑"/>
+                          <m:limLoc m:val="subSup"/>
+                          <m:grow m:val="on"/>
+                          <m:ctrlPr>
+                            <a:rPr lang="en-US" sz="2000" i="1">
+                              <a:latin typeface="Cambria Math" panose="02040503050406030204" pitchFamily="18" charset="0"/>
+                            </a:rPr>
+                          </m:ctrlPr>
+                        </m:naryPr>
+                        <m:sub>
+                          <m:r>
+                            <m:rPr>
+                              <m:sty m:val="p"/>
+                            </m:rPr>
+                            <a:rPr lang="en-US" sz="2000" i="0">
+                              <a:latin typeface="Cambria Math" panose="02040503050406030204" pitchFamily="18" charset="0"/>
+                            </a:rPr>
+                            <m:t>k</m:t>
+                          </m:r>
+                          <m:r>
+                            <a:rPr lang="en-US" sz="2000" i="0">
+                              <a:latin typeface="Cambria Math" panose="02040503050406030204" pitchFamily="18" charset="0"/>
+                            </a:rPr>
+                            <m:t>=0</m:t>
+                          </m:r>
+                        </m:sub>
+                        <m:sup>
+                          <m:r>
+                            <m:rPr>
+                              <m:sty m:val="p"/>
+                            </m:rPr>
+                            <a:rPr lang="en-US" sz="2000" i="0">
+                              <a:latin typeface="Cambria Math" panose="02040503050406030204" pitchFamily="18" charset="0"/>
+                            </a:rPr>
+                            <m:t>n</m:t>
+                          </m:r>
+                        </m:sup>
+                        <m:e>
+                          <m:r>
+                            <m:rPr>
+                              <m:sty m:val="p"/>
+                            </m:rPr>
+                            <a:rPr lang="en-US" sz="2000" i="0">
+                              <a:latin typeface="Cambria Math" panose="02040503050406030204" pitchFamily="18" charset="0"/>
+                            </a:rPr>
+                            <m:t>Adjusted</m:t>
+                          </m:r>
+                          <m:r>
+                            <a:rPr lang="en-US" sz="2000" i="0">
+                              <a:latin typeface="Cambria Math" panose="02040503050406030204" pitchFamily="18" charset="0"/>
+                            </a:rPr>
+                            <m:t> </m:t>
+                          </m:r>
+                          <m:r>
+                            <m:rPr>
+                              <m:sty m:val="p"/>
+                            </m:rPr>
+                            <a:rPr lang="en-US" sz="2000" i="0">
+                              <a:latin typeface="Cambria Math" panose="02040503050406030204" pitchFamily="18" charset="0"/>
+                            </a:rPr>
+                            <m:t>Clos</m:t>
+                          </m:r>
+                          <m:f>
+                            <m:fPr>
+                              <m:type m:val="lin"/>
+                              <m:ctrlPr>
+                                <a:rPr lang="en-US" sz="2000" i="1">
+                                  <a:latin typeface="Cambria Math" panose="02040503050406030204" pitchFamily="18" charset="0"/>
+                                </a:rPr>
+                              </m:ctrlPr>
+                            </m:fPr>
+                            <m:num>
+                              <m:r>
+                                <m:rPr>
+                                  <m:sty m:val="p"/>
+                                </m:rPr>
+                                <a:rPr lang="en-US" sz="2000" i="0">
+                                  <a:latin typeface="Cambria Math" panose="02040503050406030204" pitchFamily="18" charset="0"/>
+                                </a:rPr>
+                                <m:t>e</m:t>
+                              </m:r>
+                            </m:num>
+                            <m:den>
+                              <m:r>
+                                <m:rPr>
+                                  <m:sty m:val="p"/>
+                                </m:rPr>
+                                <a:rPr lang="en-US" sz="2000" i="0">
+                                  <a:latin typeface="Cambria Math" panose="02040503050406030204" pitchFamily="18" charset="0"/>
+                                </a:rPr>
+                                <m:t>n</m:t>
+                              </m:r>
+                            </m:den>
+                          </m:f>
+                        </m:e>
+                      </m:nary>
+                    </m:oMath>
+                  </m:oMathPara>
+                </a14:m>
+                <a:endParaRPr lang="en-US" sz="2000" dirty="0"/>
+              </a:p>
+            </p:txBody>
+          </p:sp>
+        </mc:Choice>
+        <mc:Fallback xmlns="">
+          <p:sp>
+            <p:nvSpPr>
+              <p:cNvPr id="12" name="Rectangle 11"/>
+              <p:cNvSpPr>
+                <a:spLocks noRot="1" noChangeAspect="1" noMove="1" noResize="1" noEditPoints="1" noAdjustHandles="1" noChangeArrowheads="1" noChangeShapeType="1" noTextEdit="1"/>
+              </p:cNvSpPr>
+              <p:nvPr/>
+            </p:nvSpPr>
+            <p:spPr>
+              <a:xfrm>
+                <a:off x="-552450" y="3939619"/>
+                <a:ext cx="8229600" cy="692434"/>
+              </a:xfrm>
+              <a:prstGeom prst="rect">
+                <a:avLst/>
+              </a:prstGeom>
+              <a:blipFill rotWithShape="0">
+                <a:blip r:embed="rId2"/>
+                <a:stretch>
+                  <a:fillRect/>
+                </a:stretch>
+              </a:blipFill>
+            </p:spPr>
+            <p:txBody>
+              <a:bodyPr/>
+              <a:lstStyle/>
+              <a:p>
+                <a:r>
+                  <a:rPr lang="en-US">
+                    <a:noFill/>
+                  </a:rPr>
+                  <a:t> </a:t>
+                </a:r>
+              </a:p>
+            </p:txBody>
+          </p:sp>
+        </mc:Fallback>
+      </mc:AlternateContent>
     </p:spTree>
     <p:extLst>
       <p:ext uri="{BB962C8B-B14F-4D97-AF65-F5344CB8AC3E}">
-        <p14:creationId xmlns:p14="http://schemas.microsoft.com/office/powerpoint/2010/main" val="2968355345"/>
+        <p14:creationId xmlns:p14="http://schemas.microsoft.com/office/powerpoint/2010/main" val="3306002641"/>
       </p:ext>
     </p:extLst>
   </p:cSld>
   <p:clrMapOvr>
     <a:masterClrMapping/>
   </p:clrMapOvr>
+  <p:timing>
+    <p:tnLst>
+      <p:par>
+        <p:cTn id="1" dur="indefinite" restart="never" nodeType="tmRoot"/>
+      </p:par>
+    </p:tnLst>
+  </p:timing>
 </p:sld>
 </file>
 
@@ -10637,19 +11085,19 @@
             <a:pPr algn="ctr"/>
             <a:r>
               <a:rPr lang="en-US" dirty="0"/>
-              <a:t>Multi-Linear Regression Model (R) </a:t>
-            </a:r>
-          </a:p>
-        </p:txBody>
-      </p:sp>
-      <p:sp>
-        <p:nvSpPr>
-          <p:cNvPr id="4" name="Content Placeholder 3"/>
-          <p:cNvSpPr>
-            <a:spLocks noGrp="1"/>
-          </p:cNvSpPr>
-          <p:nvPr>
-            <p:ph sz="half" idx="1"/>
+              <a:t>Technical Approach</a:t>
+            </a:r>
+          </a:p>
+        </p:txBody>
+      </p:sp>
+      <p:sp>
+        <p:nvSpPr>
+          <p:cNvPr id="3" name="Content Placeholder 2"/>
+          <p:cNvSpPr>
+            <a:spLocks noGrp="1"/>
+          </p:cNvSpPr>
+          <p:nvPr>
+            <p:ph idx="1"/>
           </p:nvPr>
         </p:nvSpPr>
         <p:spPr/>
@@ -10659,153 +11107,47 @@
           <a:p>
             <a:r>
               <a:rPr lang="en-US" dirty="0"/>
-              <a:t>1</a:t>
-            </a:r>
-            <a:r>
-              <a:rPr lang="en-US" baseline="30000" dirty="0"/>
-              <a:t>st</a:t>
-            </a:r>
+              <a:t>Analyze Tesla’s sales – impact of external factors </a:t>
+            </a:r>
+          </a:p>
+          <a:p>
+            <a:pPr lvl="1"/>
             <a:r>
               <a:rPr lang="en-US" dirty="0"/>
-              <a:t> Iteration</a:t>
-            </a:r>
-          </a:p>
-          <a:p>
-            <a:pPr latinLnBrk="1"/>
-            <a:r>
-              <a:rPr lang="en-US" dirty="0" err="1"/>
-              <a:t>T.Sales</a:t>
-            </a:r>
+              <a:t>Fluctuations in oil prices and money spent on other electric cars in general</a:t>
+            </a:r>
+          </a:p>
+          <a:p>
             <a:r>
               <a:rPr lang="en-US" dirty="0"/>
-              <a:t> = -1.055e-10 – 0.14 x oil price + 0.48 x </a:t>
-            </a:r>
-            <a:r>
-              <a:rPr lang="en-US" dirty="0" err="1"/>
-              <a:t>substitute.unit.price</a:t>
-            </a:r>
-            <a:endParaRPr lang="en-US" dirty="0"/>
+              <a:t>Linear Regression Model</a:t>
+            </a:r>
           </a:p>
           <a:p>
             <a:r>
               <a:rPr lang="en-US" dirty="0"/>
-              <a:t> model significant as a whole</a:t>
-            </a:r>
-          </a:p>
-          <a:p>
+              <a:t>Final Dataset – 45 standardized monthly observations from June 2012 to March 2016: </a:t>
+            </a:r>
+          </a:p>
+          <a:p>
+            <a:pPr lvl="1"/>
             <a:r>
               <a:rPr lang="en-US" dirty="0"/>
-              <a:t>Oil price </a:t>
-            </a:r>
-            <a:r>
-              <a:rPr lang="en-US" dirty="0" err="1"/>
-              <a:t>valriable</a:t>
-            </a:r>
+              <a:t>Sales of Tesla</a:t>
+            </a:r>
+          </a:p>
+          <a:p>
+            <a:pPr lvl="1"/>
             <a:r>
               <a:rPr lang="en-US" dirty="0"/>
-              <a:t> is not significant</a:t>
-            </a:r>
-          </a:p>
-          <a:p>
-            <a:r>
-              <a:rPr lang="en-US" dirty="0" err="1"/>
-              <a:t>Adj</a:t>
-            </a:r>
+              <a:t>Oil Prices</a:t>
+            </a:r>
+          </a:p>
+          <a:p>
+            <a:pPr lvl="1"/>
             <a:r>
               <a:rPr lang="en-US" dirty="0"/>
-              <a:t> R-</a:t>
-            </a:r>
-            <a:r>
-              <a:rPr lang="en-US" dirty="0" err="1"/>
-              <a:t>sq</a:t>
-            </a:r>
-            <a:r>
-              <a:rPr lang="en-US" dirty="0"/>
-              <a:t>: 33.82%</a:t>
-            </a:r>
-          </a:p>
-          <a:p>
-            <a:endParaRPr lang="en-US" dirty="0"/>
-          </a:p>
-        </p:txBody>
-      </p:sp>
-      <p:sp>
-        <p:nvSpPr>
-          <p:cNvPr id="5" name="Content Placeholder 4"/>
-          <p:cNvSpPr>
-            <a:spLocks noGrp="1"/>
-          </p:cNvSpPr>
-          <p:nvPr>
-            <p:ph sz="half" idx="2"/>
-          </p:nvPr>
-        </p:nvSpPr>
-        <p:spPr/>
-        <p:txBody>
-          <a:bodyPr/>
-          <a:lstStyle/>
-          <a:p>
-            <a:r>
-              <a:rPr lang="en-US" dirty="0"/>
-              <a:t>2d iteration</a:t>
-            </a:r>
-          </a:p>
-          <a:p>
-            <a:r>
-              <a:rPr lang="en-US" b="1" dirty="0" err="1"/>
-              <a:t>T.Sales</a:t>
-            </a:r>
-            <a:r>
-              <a:rPr lang="en-US" b="1" dirty="0"/>
-              <a:t> = -9.812e-11 + 0.6 x </a:t>
-            </a:r>
-            <a:r>
-              <a:rPr lang="en-US" b="1" dirty="0" err="1"/>
-              <a:t>substitute.unit.price</a:t>
-            </a:r>
-            <a:endParaRPr lang="en-US" b="1" dirty="0"/>
-          </a:p>
-          <a:p>
-            <a:r>
-              <a:rPr lang="en-US" dirty="0"/>
-              <a:t>Model significant as a whole</a:t>
-            </a:r>
-          </a:p>
-          <a:p>
-            <a:r>
-              <a:rPr lang="en-US" dirty="0"/>
-              <a:t>No non-significant variables</a:t>
-            </a:r>
-          </a:p>
-          <a:p>
-            <a:r>
-              <a:rPr lang="en-US" dirty="0" err="1"/>
-              <a:t>Adj</a:t>
-            </a:r>
-            <a:r>
-              <a:rPr lang="en-US" dirty="0"/>
-              <a:t> R-</a:t>
-            </a:r>
-            <a:r>
-              <a:rPr lang="en-US" dirty="0" err="1"/>
-              <a:t>sq</a:t>
-            </a:r>
-            <a:r>
-              <a:rPr lang="en-US" dirty="0"/>
-              <a:t>: 34.98% (increase from 1</a:t>
-            </a:r>
-            <a:r>
-              <a:rPr lang="en-US" baseline="30000" dirty="0"/>
-              <a:t>st</a:t>
-            </a:r>
-            <a:r>
-              <a:rPr lang="en-US" dirty="0"/>
-              <a:t> iteration)</a:t>
-            </a:r>
-          </a:p>
-          <a:p>
-            <a:r>
-              <a:rPr lang="en-US" dirty="0"/>
-              <a:t>FINAL MODEL</a:t>
+              <a:t>Substitute Unit Price</a:t>
             </a:r>
           </a:p>
         </p:txBody>
@@ -10813,13 +11155,20 @@
     </p:spTree>
     <p:extLst>
       <p:ext uri="{BB962C8B-B14F-4D97-AF65-F5344CB8AC3E}">
-        <p14:creationId xmlns:p14="http://schemas.microsoft.com/office/powerpoint/2010/main" val="2441050392"/>
+        <p14:creationId xmlns:p14="http://schemas.microsoft.com/office/powerpoint/2010/main" val="2968355345"/>
       </p:ext>
     </p:extLst>
   </p:cSld>
   <p:clrMapOvr>
     <a:masterClrMapping/>
   </p:clrMapOvr>
+  <p:timing>
+    <p:tnLst>
+      <p:par>
+        <p:cTn id="1" dur="indefinite" restart="never" nodeType="tmRoot"/>
+      </p:par>
+    </p:tnLst>
+  </p:timing>
 </p:sld>
 </file>
 
@@ -10858,37 +11207,73 @@
             <a:pPr algn="ctr"/>
             <a:r>
               <a:rPr lang="en-US" dirty="0"/>
-              <a:t>Model Conclusion</a:t>
-            </a:r>
-          </a:p>
-        </p:txBody>
-      </p:sp>
-      <p:sp>
-        <p:nvSpPr>
-          <p:cNvPr id="5" name="Content Placeholder 4"/>
-          <p:cNvSpPr>
-            <a:spLocks noGrp="1"/>
-          </p:cNvSpPr>
-          <p:nvPr>
-            <p:ph idx="1"/>
+              <a:t>Multi-Linear Regression Model (R) </a:t>
+            </a:r>
+          </a:p>
+        </p:txBody>
+      </p:sp>
+      <p:sp>
+        <p:nvSpPr>
+          <p:cNvPr id="4" name="Content Placeholder 3"/>
+          <p:cNvSpPr>
+            <a:spLocks noGrp="1"/>
+          </p:cNvSpPr>
+          <p:nvPr>
+            <p:ph sz="half" idx="1"/>
           </p:nvPr>
         </p:nvSpPr>
         <p:spPr/>
         <p:txBody>
-          <a:bodyPr>
-            <a:normAutofit/>
-          </a:bodyPr>
+          <a:bodyPr/>
           <a:lstStyle/>
           <a:p>
             <a:r>
               <a:rPr lang="en-US" dirty="0"/>
-              <a:t>Each unit increase in the standardized substitute unit prices gives us an increase of 0.6 units in the standardized Tesla monthly sales on average</a:t>
-            </a:r>
-          </a:p>
-          <a:p>
+              <a:t>1</a:t>
+            </a:r>
+            <a:r>
+              <a:rPr lang="en-US" baseline="30000" dirty="0"/>
+              <a:t>st</a:t>
+            </a:r>
             <a:r>
               <a:rPr lang="en-US" dirty="0"/>
-              <a:t>35% of the variability in the Tesla monthly sales is explained by the model. </a:t>
+              <a:t> Iteration</a:t>
+            </a:r>
+          </a:p>
+          <a:p>
+            <a:pPr latinLnBrk="1"/>
+            <a:r>
+              <a:rPr lang="en-US" dirty="0" err="1"/>
+              <a:t>T.Sales</a:t>
+            </a:r>
+            <a:r>
+              <a:rPr lang="en-US" dirty="0"/>
+              <a:t> = -1.055e-10 – 0.14 x oil price + 0.48 x </a:t>
+            </a:r>
+            <a:r>
+              <a:rPr lang="en-US" dirty="0" err="1"/>
+              <a:t>substitute.unit.price</a:t>
+            </a:r>
+            <a:endParaRPr lang="en-US" dirty="0"/>
+          </a:p>
+          <a:p>
+            <a:r>
+              <a:rPr lang="en-US" dirty="0"/>
+              <a:t> model significant as a whole</a:t>
+            </a:r>
+          </a:p>
+          <a:p>
+            <a:r>
+              <a:rPr lang="en-US" dirty="0"/>
+              <a:t>Oil price </a:t>
+            </a:r>
+            <a:r>
+              <a:rPr lang="en-US" dirty="0" err="1"/>
+              <a:t>valriable</a:t>
+            </a:r>
+            <a:r>
+              <a:rPr lang="en-US" dirty="0"/>
+              <a:t> is not significant</a:t>
             </a:r>
           </a:p>
           <a:p>
@@ -10906,13 +11291,91 @@
             </a:r>
             <a:r>
               <a:rPr lang="en-US" dirty="0"/>
-              <a:t> is below 40%</a:t>
-            </a:r>
-          </a:p>
+              <a:t>: 33.82%</a:t>
+            </a:r>
+          </a:p>
+          <a:p>
+            <a:endParaRPr lang="en-US" dirty="0"/>
+          </a:p>
+        </p:txBody>
+      </p:sp>
+      <p:sp>
+        <p:nvSpPr>
+          <p:cNvPr id="5" name="Content Placeholder 4"/>
+          <p:cNvSpPr>
+            <a:spLocks noGrp="1"/>
+          </p:cNvSpPr>
+          <p:nvPr>
+            <p:ph sz="half" idx="2"/>
+          </p:nvPr>
+        </p:nvSpPr>
+        <p:spPr/>
+        <p:txBody>
+          <a:bodyPr/>
+          <a:lstStyle/>
           <a:p>
             <a:r>
               <a:rPr lang="en-US" dirty="0"/>
-              <a:t>Safe assumption: Several other factors not present in this analysis are responsible for the movements in the Tesla monthly sales. </a:t>
+              <a:t>2d iteration</a:t>
+            </a:r>
+          </a:p>
+          <a:p>
+            <a:r>
+              <a:rPr lang="en-US" b="1" dirty="0" err="1"/>
+              <a:t>T.Sales</a:t>
+            </a:r>
+            <a:r>
+              <a:rPr lang="en-US" b="1" dirty="0"/>
+              <a:t> = -9.812e-11 + 0.6 x </a:t>
+            </a:r>
+            <a:r>
+              <a:rPr lang="en-US" b="1" dirty="0" err="1"/>
+              <a:t>substitute.unit.price</a:t>
+            </a:r>
+            <a:endParaRPr lang="en-US" b="1" dirty="0"/>
+          </a:p>
+          <a:p>
+            <a:r>
+              <a:rPr lang="en-US" dirty="0"/>
+              <a:t>Model significant as a whole</a:t>
+            </a:r>
+          </a:p>
+          <a:p>
+            <a:r>
+              <a:rPr lang="en-US" dirty="0"/>
+              <a:t>No non-significant variables</a:t>
+            </a:r>
+          </a:p>
+          <a:p>
+            <a:r>
+              <a:rPr lang="en-US" dirty="0" err="1"/>
+              <a:t>Adj</a:t>
+            </a:r>
+            <a:r>
+              <a:rPr lang="en-US" dirty="0"/>
+              <a:t> R-</a:t>
+            </a:r>
+            <a:r>
+              <a:rPr lang="en-US" dirty="0" err="1"/>
+              <a:t>sq</a:t>
+            </a:r>
+            <a:r>
+              <a:rPr lang="en-US" dirty="0"/>
+              <a:t>: 34.98% (increase from 1</a:t>
+            </a:r>
+            <a:r>
+              <a:rPr lang="en-US" baseline="30000" dirty="0"/>
+              <a:t>st</a:t>
+            </a:r>
+            <a:r>
+              <a:rPr lang="en-US" dirty="0"/>
+              <a:t> iteration)</a:t>
+            </a:r>
+          </a:p>
+          <a:p>
+            <a:r>
+              <a:rPr lang="en-US" dirty="0"/>
+              <a:t>FINAL MODEL</a:t>
             </a:r>
           </a:p>
         </p:txBody>
@@ -10920,7 +11383,7 @@
     </p:spTree>
     <p:extLst>
       <p:ext uri="{BB962C8B-B14F-4D97-AF65-F5344CB8AC3E}">
-        <p14:creationId xmlns:p14="http://schemas.microsoft.com/office/powerpoint/2010/main" val="191724664"/>
+        <p14:creationId xmlns:p14="http://schemas.microsoft.com/office/powerpoint/2010/main" val="2441050392"/>
       </p:ext>
     </p:extLst>
   </p:cSld>
@@ -10965,14 +11428,14 @@
             <a:pPr algn="ctr"/>
             <a:r>
               <a:rPr lang="en-US" dirty="0"/>
-              <a:t>Hypothesis Testing</a:t>
-            </a:r>
-          </a:p>
-        </p:txBody>
-      </p:sp>
-      <p:sp>
-        <p:nvSpPr>
-          <p:cNvPr id="3" name="Content Placeholder 2"/>
+              <a:t>Model Conclusion</a:t>
+            </a:r>
+          </a:p>
+        </p:txBody>
+      </p:sp>
+      <p:sp>
+        <p:nvSpPr>
+          <p:cNvPr id="5" name="Content Placeholder 4"/>
           <p:cNvSpPr>
             <a:spLocks noGrp="1"/>
           </p:cNvSpPr>
@@ -10989,81 +11452,45 @@
           <a:p>
             <a:r>
               <a:rPr lang="en-US" dirty="0"/>
-              <a:t>Is the relationship between substitute unit prices and tesla Sales significant?</a:t>
-            </a:r>
-          </a:p>
-          <a:p>
-            <a:pPr marL="0" indent="0">
-              <a:buNone/>
-            </a:pPr>
+              <a:t>Each unit increase in the standardized substitute unit prices gives us an increase of 0.6 units in the standardized Tesla monthly sales on average</a:t>
+            </a:r>
+          </a:p>
+          <a:p>
             <a:r>
               <a:rPr lang="en-US" dirty="0"/>
-              <a:t>H</a:t>
-            </a:r>
-            <a:r>
-              <a:rPr lang="en-US" baseline="-25000" dirty="0"/>
-              <a:t>0</a:t>
+              <a:t>35% of the variability in the Tesla monthly sales is explained by the model. </a:t>
+            </a:r>
+          </a:p>
+          <a:p>
+            <a:r>
+              <a:rPr lang="en-US" dirty="0" err="1"/>
+              <a:t>Adj</a:t>
             </a:r>
             <a:r>
               <a:rPr lang="en-US" dirty="0"/>
-              <a:t>:  slope = 0 </a:t>
-            </a:r>
-          </a:p>
-          <a:p>
-            <a:pPr marL="0" indent="0">
-              <a:buNone/>
-            </a:pPr>
+              <a:t> R-</a:t>
+            </a:r>
+            <a:r>
+              <a:rPr lang="en-US" dirty="0" err="1"/>
+              <a:t>sq</a:t>
+            </a:r>
             <a:r>
               <a:rPr lang="en-US" dirty="0"/>
-              <a:t>Ha: slope ≠ 0</a:t>
+              <a:t> is below 40%</a:t>
             </a:r>
           </a:p>
           <a:p>
             <a:r>
               <a:rPr lang="en-US" dirty="0"/>
-              <a:t>95% Confidence Interval (CI): [0.35 ; 0.85]</a:t>
-            </a:r>
-          </a:p>
-          <a:p>
-            <a:r>
-              <a:rPr lang="en-US" dirty="0"/>
-              <a:t>We are 95% confident that one-unit increase in the standardized substitute unit price leads to an increase ranging from 0.35 to 0.85 units in standardized Tesla sales on average. </a:t>
-            </a:r>
-          </a:p>
-          <a:p>
-            <a:r>
-              <a:rPr lang="en-US" dirty="0"/>
-              <a:t>95% CI is above 0  </a:t>
-            </a:r>
-            <a:r>
-              <a:rPr lang="en-US" dirty="0">
-                <a:sym typeface="Wingdings" panose="05000000000000000000" pitchFamily="2" charset="2"/>
-              </a:rPr>
-              <a:t> </a:t>
-            </a:r>
-            <a:r>
-              <a:rPr lang="en-US" dirty="0"/>
-              <a:t>positive relationship between Tesla sales and substitute unit prices</a:t>
-            </a:r>
-          </a:p>
-          <a:p>
-            <a:endParaRPr lang="en-US" dirty="0"/>
-          </a:p>
-          <a:p>
-            <a:endParaRPr lang="en-US" dirty="0"/>
-          </a:p>
-          <a:p>
-            <a:pPr marL="0" indent="0">
-              <a:buNone/>
-            </a:pPr>
-            <a:endParaRPr lang="en-US" dirty="0"/>
+              <a:t>Safe assumption: Several other factors not present in this analysis are responsible for the movements in the Tesla monthly sales. </a:t>
+            </a:r>
           </a:p>
         </p:txBody>
       </p:sp>
     </p:spTree>
     <p:extLst>
       <p:ext uri="{BB962C8B-B14F-4D97-AF65-F5344CB8AC3E}">
-        <p14:creationId xmlns:p14="http://schemas.microsoft.com/office/powerpoint/2010/main" val="1227465640"/>
+        <p14:creationId xmlns:p14="http://schemas.microsoft.com/office/powerpoint/2010/main" val="191724664"/>
       </p:ext>
     </p:extLst>
   </p:cSld>

--- a/finalPptTesla.pptx
+++ b/finalPptTesla.pptx
@@ -132,7 +132,7 @@
 </file>
 
 <file path=ppt/charts/chart1.xml><?xml version="1.0" encoding="utf-8"?>
-<c:chartSpace xmlns:c="http://schemas.openxmlformats.org/drawingml/2006/chart" xmlns:a="http://schemas.openxmlformats.org/drawingml/2006/main" xmlns:r="http://schemas.openxmlformats.org/officeDocument/2006/relationships">
+<c:chartSpace xmlns:c="http://schemas.openxmlformats.org/drawingml/2006/chart" xmlns:a="http://schemas.openxmlformats.org/drawingml/2006/main" xmlns:r="http://schemas.openxmlformats.org/officeDocument/2006/relationships" xmlns:c16r2="http://schemas.microsoft.com/office/drawing/2015/06/chart">
   <c:date1904 val="0"/>
   <c:lang val="en-US"/>
   <c:roundedCorners val="0"/>
@@ -604,7 +604,7 @@
             </c:numRef>
           </c:val>
           <c:smooth val="0"/>
-          <c:extLst xmlns:c16r2="http://schemas.microsoft.com/office/drawing/2015/06/chart">
+          <c:extLst>
             <c:ext xmlns:c16="http://schemas.microsoft.com/office/drawing/2014/chart" uri="{C3380CC4-5D6E-409C-BE32-E72D297353CC}">
               <c16:uniqueId val="{00000000-4C13-45A4-AD39-59BACAC34026}"/>
             </c:ext>
@@ -1063,7 +1063,7 @@
             </c:numRef>
           </c:val>
           <c:smooth val="0"/>
-          <c:extLst xmlns:c16r2="http://schemas.microsoft.com/office/drawing/2015/06/chart">
+          <c:extLst>
             <c:ext xmlns:c16="http://schemas.microsoft.com/office/drawing/2014/chart" uri="{C3380CC4-5D6E-409C-BE32-E72D297353CC}">
               <c16:uniqueId val="{00000001-4C13-45A4-AD39-59BACAC34026}"/>
             </c:ext>
@@ -1522,7 +1522,7 @@
             </c:numRef>
           </c:val>
           <c:smooth val="0"/>
-          <c:extLst xmlns:c16r2="http://schemas.microsoft.com/office/drawing/2015/06/chart">
+          <c:extLst>
             <c:ext xmlns:c16="http://schemas.microsoft.com/office/drawing/2014/chart" uri="{C3380CC4-5D6E-409C-BE32-E72D297353CC}">
               <c16:uniqueId val="{00000002-4C13-45A4-AD39-59BACAC34026}"/>
             </c:ext>
@@ -2732,6 +2732,98 @@
           <a:bodyPr/>
           <a:lstStyle/>
           <a:p>
+            <a:r>
+              <a:rPr lang="en-US" dirty="0"/>
+              <a:t>So final conclusion</a:t>
+            </a:r>
+            <a:r>
+              <a:rPr lang="en-US" baseline="0" dirty="0"/>
+              <a:t> should talk about what affected the sales of Tesla cars, if we could have used different dataset, would we have different results..</a:t>
+            </a:r>
+            <a:endParaRPr lang="en-US" dirty="0"/>
+          </a:p>
+        </p:txBody>
+      </p:sp>
+      <p:sp>
+        <p:nvSpPr>
+          <p:cNvPr id="4" name="Slide Number Placeholder 3"/>
+          <p:cNvSpPr>
+            <a:spLocks noGrp="1"/>
+          </p:cNvSpPr>
+          <p:nvPr>
+            <p:ph type="sldNum" sz="quarter" idx="10"/>
+          </p:nvPr>
+        </p:nvSpPr>
+        <p:spPr/>
+        <p:txBody>
+          <a:bodyPr/>
+          <a:lstStyle/>
+          <a:p>
+            <a:fld id="{FE609A5C-843E-40EB-A8F7-D1CCF10D1F32}" type="slidenum">
+              <a:rPr lang="en-US" smtClean="0"/>
+              <a:t>12</a:t>
+            </a:fld>
+            <a:endParaRPr lang="en-US"/>
+          </a:p>
+        </p:txBody>
+      </p:sp>
+    </p:spTree>
+    <p:extLst>
+      <p:ext uri="{BB962C8B-B14F-4D97-AF65-F5344CB8AC3E}">
+        <p14:creationId xmlns:p14="http://schemas.microsoft.com/office/powerpoint/2010/main" val="2529993770"/>
+      </p:ext>
+    </p:extLst>
+  </p:cSld>
+  <p:clrMapOvr>
+    <a:masterClrMapping/>
+  </p:clrMapOvr>
+</p:notes>
+</file>
+
+<file path=ppt/notesSlides/notesSlide11.xml><?xml version="1.0" encoding="utf-8"?>
+<p:notes xmlns:a="http://schemas.openxmlformats.org/drawingml/2006/main" xmlns:r="http://schemas.openxmlformats.org/officeDocument/2006/relationships" xmlns:p="http://schemas.openxmlformats.org/presentationml/2006/main">
+  <p:cSld>
+    <p:spTree>
+      <p:nvGrpSpPr>
+        <p:cNvPr id="1" name=""/>
+        <p:cNvGrpSpPr/>
+        <p:nvPr/>
+      </p:nvGrpSpPr>
+      <p:grpSpPr>
+        <a:xfrm>
+          <a:off x="0" y="0"/>
+          <a:ext cx="0" cy="0"/>
+          <a:chOff x="0" y="0"/>
+          <a:chExt cx="0" cy="0"/>
+        </a:xfrm>
+      </p:grpSpPr>
+      <p:sp>
+        <p:nvSpPr>
+          <p:cNvPr id="2" name="Slide Image Placeholder 1"/>
+          <p:cNvSpPr>
+            <a:spLocks noGrp="1" noRot="1" noChangeAspect="1"/>
+          </p:cNvSpPr>
+          <p:nvPr>
+            <p:ph type="sldImg"/>
+          </p:nvPr>
+        </p:nvSpPr>
+        <p:spPr/>
+      </p:sp>
+      <p:sp>
+        <p:nvSpPr>
+          <p:cNvPr id="3" name="Notes Placeholder 2"/>
+          <p:cNvSpPr>
+            <a:spLocks noGrp="1"/>
+          </p:cNvSpPr>
+          <p:nvPr>
+            <p:ph type="body" idx="1"/>
+          </p:nvPr>
+        </p:nvSpPr>
+        <p:spPr/>
+        <p:txBody>
+          <a:bodyPr/>
+          <a:lstStyle/>
+          <a:p>
             <a:endParaRPr lang="en-US" dirty="0"/>
           </a:p>
         </p:txBody>
@@ -2763,6 +2855,90 @@
     <p:extLst>
       <p:ext uri="{BB962C8B-B14F-4D97-AF65-F5344CB8AC3E}">
         <p14:creationId xmlns:p14="http://schemas.microsoft.com/office/powerpoint/2010/main" val="948110627"/>
+      </p:ext>
+    </p:extLst>
+  </p:cSld>
+  <p:clrMapOvr>
+    <a:masterClrMapping/>
+  </p:clrMapOvr>
+</p:notes>
+</file>
+
+<file path=ppt/notesSlides/notesSlide12.xml><?xml version="1.0" encoding="utf-8"?>
+<p:notes xmlns:a="http://schemas.openxmlformats.org/drawingml/2006/main" xmlns:r="http://schemas.openxmlformats.org/officeDocument/2006/relationships" xmlns:p="http://schemas.openxmlformats.org/presentationml/2006/main">
+  <p:cSld>
+    <p:spTree>
+      <p:nvGrpSpPr>
+        <p:cNvPr id="1" name=""/>
+        <p:cNvGrpSpPr/>
+        <p:nvPr/>
+      </p:nvGrpSpPr>
+      <p:grpSpPr>
+        <a:xfrm>
+          <a:off x="0" y="0"/>
+          <a:ext cx="0" cy="0"/>
+          <a:chOff x="0" y="0"/>
+          <a:chExt cx="0" cy="0"/>
+        </a:xfrm>
+      </p:grpSpPr>
+      <p:sp>
+        <p:nvSpPr>
+          <p:cNvPr id="2" name="Slide Image Placeholder 1"/>
+          <p:cNvSpPr>
+            <a:spLocks noGrp="1" noRot="1" noChangeAspect="1"/>
+          </p:cNvSpPr>
+          <p:nvPr>
+            <p:ph type="sldImg"/>
+          </p:nvPr>
+        </p:nvSpPr>
+        <p:spPr/>
+      </p:sp>
+      <p:sp>
+        <p:nvSpPr>
+          <p:cNvPr id="3" name="Notes Placeholder 2"/>
+          <p:cNvSpPr>
+            <a:spLocks noGrp="1"/>
+          </p:cNvSpPr>
+          <p:nvPr>
+            <p:ph type="body" idx="1"/>
+          </p:nvPr>
+        </p:nvSpPr>
+        <p:spPr/>
+        <p:txBody>
+          <a:bodyPr/>
+          <a:lstStyle/>
+          <a:p>
+            <a:endParaRPr lang="en-US" dirty="0"/>
+          </a:p>
+        </p:txBody>
+      </p:sp>
+      <p:sp>
+        <p:nvSpPr>
+          <p:cNvPr id="4" name="Slide Number Placeholder 3"/>
+          <p:cNvSpPr>
+            <a:spLocks noGrp="1"/>
+          </p:cNvSpPr>
+          <p:nvPr>
+            <p:ph type="sldNum" sz="quarter" idx="10"/>
+          </p:nvPr>
+        </p:nvSpPr>
+        <p:spPr/>
+        <p:txBody>
+          <a:bodyPr/>
+          <a:lstStyle/>
+          <a:p>
+            <a:fld id="{FE609A5C-843E-40EB-A8F7-D1CCF10D1F32}" type="slidenum">
+              <a:rPr lang="en-US" smtClean="0"/>
+              <a:t>14</a:t>
+            </a:fld>
+            <a:endParaRPr lang="en-US"/>
+          </a:p>
+        </p:txBody>
+      </p:sp>
+    </p:spTree>
+    <p:extLst>
+      <p:ext uri="{BB962C8B-B14F-4D97-AF65-F5344CB8AC3E}">
+        <p14:creationId xmlns:p14="http://schemas.microsoft.com/office/powerpoint/2010/main" val="835092664"/>
       </p:ext>
     </p:extLst>
   </p:cSld>
@@ -3281,7 +3457,7 @@
           <a:p>
             <a:fld id="{FE609A5C-843E-40EB-A8F7-D1CCF10D1F32}" type="slidenum">
               <a:rPr lang="en-US" smtClean="0"/>
-              <a:t>10</a:t>
+              <a:t>8</a:t>
             </a:fld>
             <a:endParaRPr lang="en-US"/>
           </a:p>
@@ -3290,7 +3466,7 @@
     </p:spTree>
     <p:extLst>
       <p:ext uri="{BB962C8B-B14F-4D97-AF65-F5344CB8AC3E}">
-        <p14:creationId xmlns:p14="http://schemas.microsoft.com/office/powerpoint/2010/main" val="1990521730"/>
+        <p14:creationId xmlns:p14="http://schemas.microsoft.com/office/powerpoint/2010/main" val="146699336"/>
       </p:ext>
     </p:extLst>
   </p:cSld>
@@ -3365,7 +3541,7 @@
           <a:p>
             <a:fld id="{FE609A5C-843E-40EB-A8F7-D1CCF10D1F32}" type="slidenum">
               <a:rPr lang="en-US" smtClean="0"/>
-              <a:t>11</a:t>
+              <a:t>10</a:t>
             </a:fld>
             <a:endParaRPr lang="en-US"/>
           </a:p>
@@ -3374,7 +3550,7 @@
     </p:spTree>
     <p:extLst>
       <p:ext uri="{BB962C8B-B14F-4D97-AF65-F5344CB8AC3E}">
-        <p14:creationId xmlns:p14="http://schemas.microsoft.com/office/powerpoint/2010/main" val="3640847351"/>
+        <p14:creationId xmlns:p14="http://schemas.microsoft.com/office/powerpoint/2010/main" val="1990521730"/>
       </p:ext>
     </p:extLst>
   </p:cSld>
@@ -3428,14 +3604,6 @@
           <a:bodyPr/>
           <a:lstStyle/>
           <a:p>
-            <a:r>
-              <a:rPr lang="en-US" dirty="0"/>
-              <a:t>So final conclusion</a:t>
-            </a:r>
-            <a:r>
-              <a:rPr lang="en-US" baseline="0" dirty="0"/>
-              <a:t> should talk about what affected the sales of Tesla cars, if we could have used different dataset, would we have different results..</a:t>
-            </a:r>
             <a:endParaRPr lang="en-US" dirty="0"/>
           </a:p>
         </p:txBody>
@@ -3457,7 +3625,7 @@
           <a:p>
             <a:fld id="{FE609A5C-843E-40EB-A8F7-D1CCF10D1F32}" type="slidenum">
               <a:rPr lang="en-US" smtClean="0"/>
-              <a:t>12</a:t>
+              <a:t>11</a:t>
             </a:fld>
             <a:endParaRPr lang="en-US"/>
           </a:p>
@@ -3466,7 +3634,7 @@
     </p:spTree>
     <p:extLst>
       <p:ext uri="{BB962C8B-B14F-4D97-AF65-F5344CB8AC3E}">
-        <p14:creationId xmlns:p14="http://schemas.microsoft.com/office/powerpoint/2010/main" val="2529993770"/>
+        <p14:creationId xmlns:p14="http://schemas.microsoft.com/office/powerpoint/2010/main" val="3640847351"/>
       </p:ext>
     </p:extLst>
   </p:cSld>
@@ -9738,7 +9906,7 @@
             <a:pPr algn="ctr"/>
             <a:r>
               <a:rPr lang="en-US" dirty="0"/>
-              <a:t>FUTURE WORK</a:t>
+              <a:t>Future Work</a:t>
             </a:r>
           </a:p>
         </p:txBody>
@@ -9862,9 +10030,10 @@
           <a:bodyPr/>
           <a:lstStyle/>
           <a:p>
+            <a:pPr algn="ctr"/>
             <a:r>
               <a:rPr lang="en-US" dirty="0"/>
-              <a:t>Appendix and models developed</a:t>
+              <a:t>Appendix and Models Developed</a:t>
             </a:r>
           </a:p>
         </p:txBody>
@@ -9879,10 +10048,15 @@
             <p:ph idx="1"/>
           </p:nvPr>
         </p:nvSpPr>
-        <p:spPr/>
+        <p:spPr>
+          <a:xfrm>
+            <a:off x="677334" y="1511301"/>
+            <a:ext cx="8596668" cy="5041900"/>
+          </a:xfrm>
+        </p:spPr>
         <p:txBody>
           <a:bodyPr>
-            <a:normAutofit fontScale="77500" lnSpcReduction="20000"/>
+            <a:normAutofit fontScale="92500" lnSpcReduction="20000"/>
           </a:bodyPr>
           <a:lstStyle/>
           <a:p>
@@ -9961,14 +10135,16 @@
           <a:p>
             <a:r>
               <a:rPr lang="en-US" u="sng" dirty="0"/>
-              <a:t>Formula</a:t>
-            </a:r>
-            <a:endParaRPr lang="en-US" dirty="0"/>
-          </a:p>
-          <a:p>
+              <a:t>Formula: </a:t>
+            </a:r>
+          </a:p>
+          <a:p>
+            <a:pPr marL="0" indent="0">
+              <a:buNone/>
+            </a:pPr>
             <a:r>
               <a:rPr lang="en-US" dirty="0"/>
-              <a:t>Sum of (Number of Unit of each car sold * Price of the car) / Sum of car sold in that month</a:t>
+              <a:t>	Sum of (Number of Unit of each car sold * Price of the car) / Sum of car sold in that month</a:t>
             </a:r>
           </a:p>
           <a:p>
@@ -10021,9 +10197,10 @@
           <a:bodyPr/>
           <a:lstStyle/>
           <a:p>
+            <a:pPr algn="ctr"/>
             <a:r>
               <a:rPr lang="en-US" dirty="0"/>
-              <a:t>Appendix and models developed</a:t>
+              <a:t>Appendix and Models Developed</a:t>
             </a:r>
           </a:p>
         </p:txBody>
@@ -10098,6 +10275,7 @@
           <a:bodyPr/>
           <a:lstStyle/>
           <a:p>
+            <a:pPr algn="ctr"/>
             <a:r>
               <a:rPr lang="en-US" dirty="0"/>
               <a:t>Exclusions</a:t>
@@ -10115,14 +10293,19 @@
             <p:ph idx="1"/>
           </p:nvPr>
         </p:nvSpPr>
-        <p:spPr/>
+        <p:spPr>
+          <a:xfrm>
+            <a:off x="677334" y="1562101"/>
+            <a:ext cx="8596668" cy="4479262"/>
+          </a:xfrm>
+        </p:spPr>
         <p:txBody>
           <a:bodyPr/>
           <a:lstStyle/>
           <a:p>
             <a:r>
               <a:rPr lang="en-US" dirty="0"/>
-              <a:t>Other than the outliers not included the early data for 2010 is also not included as there were no breakdowns available and the early industry trends would distort the data due to the novelty sales to early adopters.</a:t>
+              <a:t>Outliers and the early data for 2010 are not included as there were no breakdowns available and the early industry trends would distort the data due to the novelty sales to early adopters.</a:t>
             </a:r>
           </a:p>
         </p:txBody>
@@ -10143,7 +10326,7 @@
         </p:blipFill>
         <p:spPr>
           <a:xfrm>
-            <a:off x="1120140" y="3272300"/>
+            <a:off x="2440940" y="2882901"/>
             <a:ext cx="4439412" cy="2609654"/>
           </a:xfrm>
           <a:prstGeom prst="rect">
@@ -10628,13 +10811,6 @@
   <p:clrMapOvr>
     <a:masterClrMapping/>
   </p:clrMapOvr>
-  <p:timing>
-    <p:tnLst>
-      <p:par>
-        <p:cTn id="1" dur="indefinite" restart="never" nodeType="tmRoot"/>
-      </p:par>
-    </p:tnLst>
-  </p:timing>
 </p:sld>
 </file>
 
@@ -10677,10 +10853,9 @@
           <a:p>
             <a:pPr algn="ctr"/>
             <a:r>
-              <a:rPr lang="en-US" dirty="0" smtClean="0"/>
+              <a:rPr lang="en-US" dirty="0"/>
               <a:t>Normalization</a:t>
             </a:r>
-            <a:endParaRPr lang="en-US" dirty="0"/>
           </a:p>
         </p:txBody>
       </p:sp>
@@ -10715,19 +10890,8 @@
                 <a:ea typeface="SimSun" panose="02010600030101010101" pitchFamily="2" charset="-122"/>
                 <a:cs typeface="Times New Roman" panose="02020603050405020304" pitchFamily="18" charset="0"/>
               </a:rPr>
-              <a:t>Normalization (oil prices) = Mean of all months’ oil </a:t>
-            </a:r>
-            <a:r>
-              <a:rPr lang="en-US" sz="2000" dirty="0" smtClean="0">
-                <a:ea typeface="SimSun" panose="02010600030101010101" pitchFamily="2" charset="-122"/>
-                <a:cs typeface="Times New Roman" panose="02020603050405020304" pitchFamily="18" charset="0"/>
-              </a:rPr>
-              <a:t>prices</a:t>
-            </a:r>
-            <a:endParaRPr lang="en-US" sz="2000" dirty="0">
-              <a:ea typeface="SimSun" panose="02010600030101010101" pitchFamily="2" charset="-122"/>
-              <a:cs typeface="Times New Roman" panose="02020603050405020304" pitchFamily="18" charset="0"/>
-            </a:endParaRPr>
+              <a:t>Normalization (oil prices) = Mean of all months’ oil prices</a:t>
+            </a:r>
           </a:p>
         </p:txBody>
       </p:sp>
@@ -11040,13 +11204,6 @@
   <p:clrMapOvr>
     <a:masterClrMapping/>
   </p:clrMapOvr>
-  <p:timing>
-    <p:tnLst>
-      <p:par>
-        <p:cTn id="1" dur="indefinite" restart="never" nodeType="tmRoot"/>
-      </p:par>
-    </p:tnLst>
-  </p:timing>
 </p:sld>
 </file>
 
@@ -11162,13 +11319,6 @@
   <p:clrMapOvr>
     <a:masterClrMapping/>
   </p:clrMapOvr>
-  <p:timing>
-    <p:tnLst>
-      <p:par>
-        <p:cTn id="1" dur="indefinite" restart="never" nodeType="tmRoot"/>
-      </p:par>
-    </p:tnLst>
-  </p:timing>
 </p:sld>
 </file>
 
@@ -11241,7 +11391,7 @@
             </a:r>
           </a:p>
           <a:p>
-            <a:pPr latinLnBrk="1"/>
+            <a:pPr lvl="1" latinLnBrk="1"/>
             <a:r>
               <a:rPr lang="en-US" dirty="0" err="1"/>
               <a:t>T.Sales</a:t>
@@ -11257,12 +11407,14 @@
             <a:endParaRPr lang="en-US" dirty="0"/>
           </a:p>
           <a:p>
+            <a:pPr lvl="1"/>
             <a:r>
               <a:rPr lang="en-US" dirty="0"/>
               <a:t> model significant as a whole</a:t>
             </a:r>
           </a:p>
           <a:p>
+            <a:pPr lvl="1"/>
             <a:r>
               <a:rPr lang="en-US" dirty="0"/>
               <a:t>Oil price </a:t>
@@ -11277,6 +11429,7 @@
             </a:r>
           </a:p>
           <a:p>
+            <a:pPr lvl="1"/>
             <a:r>
               <a:rPr lang="en-US" dirty="0" err="1"/>
               <a:t>Adj</a:t>
@@ -11316,10 +11469,19 @@
           <a:p>
             <a:r>
               <a:rPr lang="en-US" dirty="0"/>
-              <a:t>2d iteration</a:t>
-            </a:r>
-          </a:p>
-          <a:p>
+              <a:t>2</a:t>
+            </a:r>
+            <a:r>
+              <a:rPr lang="en-US" baseline="30000" dirty="0"/>
+              <a:t>nd</a:t>
+            </a:r>
+            <a:r>
+              <a:rPr lang="en-US" dirty="0"/>
+              <a:t> iteration</a:t>
+            </a:r>
+          </a:p>
+          <a:p>
+            <a:pPr lvl="1"/>
             <a:r>
               <a:rPr lang="en-US" b="1" dirty="0" err="1"/>
               <a:t>T.Sales</a:t>
@@ -11335,18 +11497,21 @@
             <a:endParaRPr lang="en-US" b="1" dirty="0"/>
           </a:p>
           <a:p>
+            <a:pPr lvl="1"/>
             <a:r>
               <a:rPr lang="en-US" dirty="0"/>
               <a:t>Model significant as a whole</a:t>
             </a:r>
           </a:p>
           <a:p>
+            <a:pPr lvl="1"/>
             <a:r>
               <a:rPr lang="en-US" dirty="0"/>
               <a:t>No non-significant variables</a:t>
             </a:r>
           </a:p>
           <a:p>
+            <a:pPr lvl="1"/>
             <a:r>
               <a:rPr lang="en-US" dirty="0" err="1"/>
               <a:t>Adj</a:t>
@@ -11373,6 +11538,7 @@
             </a:r>
           </a:p>
           <a:p>
+            <a:pPr lvl="1"/>
             <a:r>
               <a:rPr lang="en-US" dirty="0"/>
               <a:t>FINAL MODEL</a:t>

--- a/finalPptTesla.pptx
+++ b/finalPptTesla.pptx
@@ -14,11 +14,11 @@
     <p:sldId id="257" r:id="rId5"/>
     <p:sldId id="259" r:id="rId6"/>
     <p:sldId id="273" r:id="rId7"/>
-    <p:sldId id="261" r:id="rId8"/>
-    <p:sldId id="266" r:id="rId9"/>
-    <p:sldId id="267" r:id="rId10"/>
-    <p:sldId id="262" r:id="rId11"/>
-    <p:sldId id="268" r:id="rId12"/>
+    <p:sldId id="268" r:id="rId8"/>
+    <p:sldId id="261" r:id="rId9"/>
+    <p:sldId id="266" r:id="rId10"/>
+    <p:sldId id="267" r:id="rId11"/>
+    <p:sldId id="262" r:id="rId12"/>
     <p:sldId id="264" r:id="rId13"/>
     <p:sldId id="263" r:id="rId14"/>
     <p:sldId id="270" r:id="rId15"/>
@@ -132,7 +132,7 @@
 </file>
 
 <file path=ppt/charts/chart1.xml><?xml version="1.0" encoding="utf-8"?>
-<c:chartSpace xmlns:c="http://schemas.openxmlformats.org/drawingml/2006/chart" xmlns:a="http://schemas.openxmlformats.org/drawingml/2006/main" xmlns:r="http://schemas.openxmlformats.org/officeDocument/2006/relationships" xmlns:c16r2="http://schemas.microsoft.com/office/drawing/2015/06/chart">
+<c:chartSpace xmlns:c="http://schemas.openxmlformats.org/drawingml/2006/chart" xmlns:a="http://schemas.openxmlformats.org/drawingml/2006/main" xmlns:r="http://schemas.openxmlformats.org/officeDocument/2006/relationships">
   <c:date1904 val="0"/>
   <c:lang val="en-US"/>
   <c:roundedCorners val="0"/>
@@ -604,7 +604,7 @@
             </c:numRef>
           </c:val>
           <c:smooth val="0"/>
-          <c:extLst>
+          <c:extLst xmlns:c16r2="http://schemas.microsoft.com/office/drawing/2015/06/chart">
             <c:ext xmlns:c16="http://schemas.microsoft.com/office/drawing/2014/chart" uri="{C3380CC4-5D6E-409C-BE32-E72D297353CC}">
               <c16:uniqueId val="{00000000-4C13-45A4-AD39-59BACAC34026}"/>
             </c:ext>
@@ -1063,7 +1063,7 @@
             </c:numRef>
           </c:val>
           <c:smooth val="0"/>
-          <c:extLst>
+          <c:extLst xmlns:c16r2="http://schemas.microsoft.com/office/drawing/2015/06/chart">
             <c:ext xmlns:c16="http://schemas.microsoft.com/office/drawing/2014/chart" uri="{C3380CC4-5D6E-409C-BE32-E72D297353CC}">
               <c16:uniqueId val="{00000001-4C13-45A4-AD39-59BACAC34026}"/>
             </c:ext>
@@ -1522,7 +1522,7 @@
             </c:numRef>
           </c:val>
           <c:smooth val="0"/>
-          <c:extLst>
+          <c:extLst xmlns:c16r2="http://schemas.microsoft.com/office/drawing/2015/06/chart">
             <c:ext xmlns:c16="http://schemas.microsoft.com/office/drawing/2014/chart" uri="{C3380CC4-5D6E-409C-BE32-E72D297353CC}">
               <c16:uniqueId val="{00000002-4C13-45A4-AD39-59BACAC34026}"/>
             </c:ext>
@@ -1537,11 +1537,11 @@
           <c:showBubbleSize val="0"/>
         </c:dLbls>
         <c:smooth val="0"/>
-        <c:axId val="246713024"/>
-        <c:axId val="246714984"/>
+        <c:axId val="285437080"/>
+        <c:axId val="285436688"/>
       </c:lineChart>
       <c:catAx>
-        <c:axId val="246713024"/>
+        <c:axId val="285437080"/>
         <c:scaling>
           <c:orientation val="minMax"/>
         </c:scaling>
@@ -1584,7 +1584,7 @@
             <a:endParaRPr lang="en-US"/>
           </a:p>
         </c:txPr>
-        <c:crossAx val="246714984"/>
+        <c:crossAx val="285436688"/>
         <c:crosses val="autoZero"/>
         <c:auto val="1"/>
         <c:lblAlgn val="ctr"/>
@@ -1592,7 +1592,7 @@
         <c:noMultiLvlLbl val="0"/>
       </c:catAx>
       <c:valAx>
-        <c:axId val="246714984"/>
+        <c:axId val="285436688"/>
         <c:scaling>
           <c:orientation val="minMax"/>
         </c:scaling>
@@ -1629,7 +1629,7 @@
             <a:endParaRPr lang="en-US"/>
           </a:p>
         </c:txPr>
-        <c:crossAx val="246713024"/>
+        <c:crossAx val="285437080"/>
         <c:crosses val="autoZero"/>
         <c:crossBetween val="between"/>
       </c:valAx>
@@ -2337,7 +2337,7 @@
           <a:p>
             <a:fld id="{C2B9AC2E-834A-4B9F-9F48-FC68BC61F1C3}" type="datetimeFigureOut">
               <a:rPr lang="en-US" smtClean="0"/>
-              <a:t>4/13/2016</a:t>
+              <a:t>4/14/2016</a:t>
             </a:fld>
             <a:endParaRPr lang="en-US"/>
           </a:p>
@@ -2648,6 +2648,50 @@
           <a:bodyPr/>
           <a:lstStyle/>
           <a:p>
+            <a:r>
+              <a:rPr lang="en-US" dirty="0" err="1" smtClean="0"/>
+              <a:t>Sonam</a:t>
+            </a:r>
+            <a:r>
+              <a:rPr lang="en-US" dirty="0" smtClean="0"/>
+              <a:t> – 3</a:t>
+            </a:r>
+          </a:p>
+          <a:p>
+            <a:r>
+              <a:rPr lang="en-US" dirty="0" err="1" smtClean="0"/>
+              <a:t>Suparna</a:t>
+            </a:r>
+            <a:r>
+              <a:rPr lang="en-US" dirty="0" smtClean="0"/>
+              <a:t> – 3 </a:t>
+            </a:r>
+          </a:p>
+          <a:p>
+            <a:r>
+              <a:rPr lang="en-US" dirty="0" err="1" smtClean="0"/>
+              <a:t>Namrata</a:t>
+            </a:r>
+            <a:r>
+              <a:rPr lang="en-US" dirty="0" smtClean="0"/>
+              <a:t> - 4</a:t>
+            </a:r>
+          </a:p>
+          <a:p>
+            <a:r>
+              <a:rPr lang="en-US" dirty="0" err="1" smtClean="0"/>
+              <a:t>Yash</a:t>
+            </a:r>
+            <a:r>
+              <a:rPr lang="en-US" dirty="0" smtClean="0"/>
+              <a:t> - 3</a:t>
+            </a:r>
+          </a:p>
+          <a:p>
+            <a:r>
+              <a:rPr lang="en-US" dirty="0" smtClean="0"/>
+              <a:t>Clem - 3</a:t>
+            </a:r>
             <a:endParaRPr lang="en-US" dirty="0"/>
           </a:p>
         </p:txBody>
@@ -2733,12 +2777,8 @@
           <a:lstStyle/>
           <a:p>
             <a:r>
-              <a:rPr lang="en-US" dirty="0"/>
-              <a:t>So final conclusion</a:t>
-            </a:r>
-            <a:r>
-              <a:rPr lang="en-US" baseline="0" dirty="0"/>
-              <a:t> should talk about what affected the sales of Tesla cars, if we could have used different dataset, would we have different results..</a:t>
+              <a:rPr lang="en-US" dirty="0" smtClean="0"/>
+              <a:t>Clem</a:t>
             </a:r>
             <a:endParaRPr lang="en-US" dirty="0"/>
           </a:p>
@@ -2761,7 +2801,7 @@
           <a:p>
             <a:fld id="{FE609A5C-843E-40EB-A8F7-D1CCF10D1F32}" type="slidenum">
               <a:rPr lang="en-US" smtClean="0"/>
-              <a:t>12</a:t>
+              <a:t>10</a:t>
             </a:fld>
             <a:endParaRPr lang="en-US"/>
           </a:p>
@@ -2770,7 +2810,7 @@
     </p:spTree>
     <p:extLst>
       <p:ext uri="{BB962C8B-B14F-4D97-AF65-F5344CB8AC3E}">
-        <p14:creationId xmlns:p14="http://schemas.microsoft.com/office/powerpoint/2010/main" val="2529993770"/>
+        <p14:creationId xmlns:p14="http://schemas.microsoft.com/office/powerpoint/2010/main" val="2579153008"/>
       </p:ext>
     </p:extLst>
   </p:cSld>
@@ -2824,6 +2864,14 @@
           <a:bodyPr/>
           <a:lstStyle/>
           <a:p>
+            <a:r>
+              <a:rPr lang="en-US" dirty="0" err="1" smtClean="0"/>
+              <a:t>Namrata</a:t>
+            </a:r>
+            <a:r>
+              <a:rPr lang="en-US" dirty="0" smtClean="0"/>
+              <a:t> </a:t>
+            </a:r>
             <a:endParaRPr lang="en-US" dirty="0"/>
           </a:p>
         </p:txBody>
@@ -2845,7 +2893,7 @@
           <a:p>
             <a:fld id="{FE609A5C-843E-40EB-A8F7-D1CCF10D1F32}" type="slidenum">
               <a:rPr lang="en-US" smtClean="0"/>
-              <a:t>13</a:t>
+              <a:t>11</a:t>
             </a:fld>
             <a:endParaRPr lang="en-US"/>
           </a:p>
@@ -2854,7 +2902,7 @@
     </p:spTree>
     <p:extLst>
       <p:ext uri="{BB962C8B-B14F-4D97-AF65-F5344CB8AC3E}">
-        <p14:creationId xmlns:p14="http://schemas.microsoft.com/office/powerpoint/2010/main" val="948110627"/>
+        <p14:creationId xmlns:p14="http://schemas.microsoft.com/office/powerpoint/2010/main" val="1990521730"/>
       </p:ext>
     </p:extLst>
   </p:cSld>
@@ -2908,6 +2956,274 @@
           <a:bodyPr/>
           <a:lstStyle/>
           <a:p>
+            <a:r>
+              <a:rPr lang="en-US" dirty="0" err="1" smtClean="0"/>
+              <a:t>Sonam</a:t>
+            </a:r>
+            <a:endParaRPr lang="en-US" dirty="0" smtClean="0"/>
+          </a:p>
+          <a:p>
+            <a:r>
+              <a:rPr lang="en-US" dirty="0" smtClean="0"/>
+              <a:t>So </a:t>
+            </a:r>
+            <a:r>
+              <a:rPr lang="en-US" dirty="0"/>
+              <a:t>final conclusion</a:t>
+            </a:r>
+            <a:r>
+              <a:rPr lang="en-US" baseline="0" dirty="0"/>
+              <a:t> should talk about what affected the sales of Tesla cars, if we could have used different dataset, would we have different results..</a:t>
+            </a:r>
+            <a:endParaRPr lang="en-US" dirty="0"/>
+          </a:p>
+        </p:txBody>
+      </p:sp>
+      <p:sp>
+        <p:nvSpPr>
+          <p:cNvPr id="4" name="Slide Number Placeholder 3"/>
+          <p:cNvSpPr>
+            <a:spLocks noGrp="1"/>
+          </p:cNvSpPr>
+          <p:nvPr>
+            <p:ph type="sldNum" sz="quarter" idx="10"/>
+          </p:nvPr>
+        </p:nvSpPr>
+        <p:spPr/>
+        <p:txBody>
+          <a:bodyPr/>
+          <a:lstStyle/>
+          <a:p>
+            <a:fld id="{FE609A5C-843E-40EB-A8F7-D1CCF10D1F32}" type="slidenum">
+              <a:rPr lang="en-US" smtClean="0"/>
+              <a:t>12</a:t>
+            </a:fld>
+            <a:endParaRPr lang="en-US"/>
+          </a:p>
+        </p:txBody>
+      </p:sp>
+    </p:spTree>
+    <p:extLst>
+      <p:ext uri="{BB962C8B-B14F-4D97-AF65-F5344CB8AC3E}">
+        <p14:creationId xmlns:p14="http://schemas.microsoft.com/office/powerpoint/2010/main" val="2529993770"/>
+      </p:ext>
+    </p:extLst>
+  </p:cSld>
+  <p:clrMapOvr>
+    <a:masterClrMapping/>
+  </p:clrMapOvr>
+</p:notes>
+</file>
+
+<file path=ppt/notesSlides/notesSlide13.xml><?xml version="1.0" encoding="utf-8"?>
+<p:notes xmlns:a="http://schemas.openxmlformats.org/drawingml/2006/main" xmlns:r="http://schemas.openxmlformats.org/officeDocument/2006/relationships" xmlns:p="http://schemas.openxmlformats.org/presentationml/2006/main">
+  <p:cSld>
+    <p:spTree>
+      <p:nvGrpSpPr>
+        <p:cNvPr id="1" name=""/>
+        <p:cNvGrpSpPr/>
+        <p:nvPr/>
+      </p:nvGrpSpPr>
+      <p:grpSpPr>
+        <a:xfrm>
+          <a:off x="0" y="0"/>
+          <a:ext cx="0" cy="0"/>
+          <a:chOff x="0" y="0"/>
+          <a:chExt cx="0" cy="0"/>
+        </a:xfrm>
+      </p:grpSpPr>
+      <p:sp>
+        <p:nvSpPr>
+          <p:cNvPr id="2" name="Slide Image Placeholder 1"/>
+          <p:cNvSpPr>
+            <a:spLocks noGrp="1" noRot="1" noChangeAspect="1"/>
+          </p:cNvSpPr>
+          <p:nvPr>
+            <p:ph type="sldImg"/>
+          </p:nvPr>
+        </p:nvSpPr>
+        <p:spPr/>
+      </p:sp>
+      <p:sp>
+        <p:nvSpPr>
+          <p:cNvPr id="3" name="Notes Placeholder 2"/>
+          <p:cNvSpPr>
+            <a:spLocks noGrp="1"/>
+          </p:cNvSpPr>
+          <p:nvPr>
+            <p:ph type="body" idx="1"/>
+          </p:nvPr>
+        </p:nvSpPr>
+        <p:spPr/>
+        <p:txBody>
+          <a:bodyPr/>
+          <a:lstStyle/>
+          <a:p>
+            <a:r>
+              <a:rPr lang="en-US" dirty="0" err="1" smtClean="0"/>
+              <a:t>Suparna</a:t>
+            </a:r>
+            <a:endParaRPr lang="en-US" dirty="0"/>
+          </a:p>
+        </p:txBody>
+      </p:sp>
+      <p:sp>
+        <p:nvSpPr>
+          <p:cNvPr id="4" name="Slide Number Placeholder 3"/>
+          <p:cNvSpPr>
+            <a:spLocks noGrp="1"/>
+          </p:cNvSpPr>
+          <p:nvPr>
+            <p:ph type="sldNum" sz="quarter" idx="10"/>
+          </p:nvPr>
+        </p:nvSpPr>
+        <p:spPr/>
+        <p:txBody>
+          <a:bodyPr/>
+          <a:lstStyle/>
+          <a:p>
+            <a:fld id="{FE609A5C-843E-40EB-A8F7-D1CCF10D1F32}" type="slidenum">
+              <a:rPr lang="en-US" smtClean="0"/>
+              <a:t>13</a:t>
+            </a:fld>
+            <a:endParaRPr lang="en-US"/>
+          </a:p>
+        </p:txBody>
+      </p:sp>
+    </p:spTree>
+    <p:extLst>
+      <p:ext uri="{BB962C8B-B14F-4D97-AF65-F5344CB8AC3E}">
+        <p14:creationId xmlns:p14="http://schemas.microsoft.com/office/powerpoint/2010/main" val="948110627"/>
+      </p:ext>
+    </p:extLst>
+  </p:cSld>
+  <p:clrMapOvr>
+    <a:masterClrMapping/>
+  </p:clrMapOvr>
+</p:notes>
+</file>
+
+<file path=ppt/notesSlides/notesSlide14.xml><?xml version="1.0" encoding="utf-8"?>
+<p:notes xmlns:a="http://schemas.openxmlformats.org/drawingml/2006/main" xmlns:r="http://schemas.openxmlformats.org/officeDocument/2006/relationships" xmlns:p="http://schemas.openxmlformats.org/presentationml/2006/main">
+  <p:cSld>
+    <p:spTree>
+      <p:nvGrpSpPr>
+        <p:cNvPr id="1" name=""/>
+        <p:cNvGrpSpPr/>
+        <p:nvPr/>
+      </p:nvGrpSpPr>
+      <p:grpSpPr>
+        <a:xfrm>
+          <a:off x="0" y="0"/>
+          <a:ext cx="0" cy="0"/>
+          <a:chOff x="0" y="0"/>
+          <a:chExt cx="0" cy="0"/>
+        </a:xfrm>
+      </p:grpSpPr>
+      <p:sp>
+        <p:nvSpPr>
+          <p:cNvPr id="2" name="Slide Image Placeholder 1"/>
+          <p:cNvSpPr>
+            <a:spLocks noGrp="1" noRot="1" noChangeAspect="1"/>
+          </p:cNvSpPr>
+          <p:nvPr>
+            <p:ph type="sldImg"/>
+          </p:nvPr>
+        </p:nvSpPr>
+        <p:spPr/>
+      </p:sp>
+      <p:sp>
+        <p:nvSpPr>
+          <p:cNvPr id="3" name="Notes Placeholder 2"/>
+          <p:cNvSpPr>
+            <a:spLocks noGrp="1"/>
+          </p:cNvSpPr>
+          <p:nvPr>
+            <p:ph type="body" idx="1"/>
+          </p:nvPr>
+        </p:nvSpPr>
+        <p:spPr/>
+        <p:txBody>
+          <a:bodyPr/>
+          <a:lstStyle/>
+          <a:p>
+            <a:r>
+              <a:rPr lang="en-US" dirty="0" err="1" smtClean="0"/>
+              <a:t>Yash</a:t>
+            </a:r>
+            <a:endParaRPr lang="en-US" dirty="0" smtClean="0"/>
+          </a:p>
+          <a:p>
+            <a:r>
+              <a:rPr lang="en-US" b="1" u="sng" dirty="0" smtClean="0"/>
+              <a:t>Price Paid Per Unit of Car by Months</a:t>
+            </a:r>
+            <a:endParaRPr lang="en-US" dirty="0" smtClean="0"/>
+          </a:p>
+          <a:p>
+            <a:pPr lvl="1"/>
+            <a:r>
+              <a:rPr lang="en-US" dirty="0" smtClean="0"/>
+              <a:t>One of our inputs in the Regression and correlation analysis was the price paid per unit of electric cars. The data can be seen below and this would make it difficult to use the data. </a:t>
+            </a:r>
+          </a:p>
+          <a:p>
+            <a:pPr lvl="1"/>
+            <a:r>
+              <a:rPr lang="en-US" dirty="0" smtClean="0"/>
+              <a:t>The data obtained was secondary data that gave sale by months and below table is the aggregate of the Year this data was then normalized to create the input data by months</a:t>
+            </a:r>
+          </a:p>
+          <a:p>
+            <a:pPr lvl="1"/>
+            <a:r>
+              <a:rPr lang="en-US" dirty="0" smtClean="0"/>
+              <a:t>The original cost of all cars the outliers such as the Porsche 918 </a:t>
+            </a:r>
+            <a:r>
+              <a:rPr lang="en-US" dirty="0" err="1" smtClean="0"/>
+              <a:t>Spyder</a:t>
+            </a:r>
+            <a:r>
+              <a:rPr lang="en-US" dirty="0" smtClean="0"/>
+              <a:t> and Others were removed from the calculation as they were outliers too expensive or undeterminable mix not given</a:t>
+            </a:r>
+          </a:p>
+          <a:p>
+            <a:r>
+              <a:rPr lang="en-US" u="sng" dirty="0" smtClean="0"/>
+              <a:t>Values</a:t>
+            </a:r>
+            <a:endParaRPr lang="en-US" dirty="0" smtClean="0"/>
+          </a:p>
+          <a:p>
+            <a:r>
+              <a:rPr lang="en-US" dirty="0" smtClean="0"/>
+              <a:t>Three values were deciphered using same formula the values were </a:t>
+            </a:r>
+          </a:p>
+          <a:p>
+            <a:pPr lvl="1"/>
+            <a:r>
+              <a:rPr lang="en-US" dirty="0" smtClean="0"/>
+              <a:t>Price Paid per unit of Tesla, </a:t>
+            </a:r>
+          </a:p>
+          <a:p>
+            <a:pPr lvl="1"/>
+            <a:r>
+              <a:rPr lang="en-US" dirty="0" smtClean="0"/>
+              <a:t>Price per Unit of Electric Cars minus outliers (including tesla) and</a:t>
+            </a:r>
+          </a:p>
+          <a:p>
+            <a:pPr lvl="1"/>
+            <a:r>
+              <a:rPr lang="en-US" dirty="0" smtClean="0"/>
+              <a:t>Price Paid per Electric Cars Minus Outliers and Tesla</a:t>
+            </a:r>
+          </a:p>
+          <a:p>
             <a:endParaRPr lang="en-US" dirty="0"/>
           </a:p>
         </p:txBody>
@@ -2939,6 +3255,225 @@
     <p:extLst>
       <p:ext uri="{BB962C8B-B14F-4D97-AF65-F5344CB8AC3E}">
         <p14:creationId xmlns:p14="http://schemas.microsoft.com/office/powerpoint/2010/main" val="835092664"/>
+      </p:ext>
+    </p:extLst>
+  </p:cSld>
+  <p:clrMapOvr>
+    <a:masterClrMapping/>
+  </p:clrMapOvr>
+</p:notes>
+</file>
+
+<file path=ppt/notesSlides/notesSlide15.xml><?xml version="1.0" encoding="utf-8"?>
+<p:notes xmlns:a="http://schemas.openxmlformats.org/drawingml/2006/main" xmlns:r="http://schemas.openxmlformats.org/officeDocument/2006/relationships" xmlns:p="http://schemas.openxmlformats.org/presentationml/2006/main">
+  <p:cSld>
+    <p:spTree>
+      <p:nvGrpSpPr>
+        <p:cNvPr id="1" name=""/>
+        <p:cNvGrpSpPr/>
+        <p:nvPr/>
+      </p:nvGrpSpPr>
+      <p:grpSpPr>
+        <a:xfrm>
+          <a:off x="0" y="0"/>
+          <a:ext cx="0" cy="0"/>
+          <a:chOff x="0" y="0"/>
+          <a:chExt cx="0" cy="0"/>
+        </a:xfrm>
+      </p:grpSpPr>
+      <p:sp>
+        <p:nvSpPr>
+          <p:cNvPr id="2" name="Slide Image Placeholder 1"/>
+          <p:cNvSpPr>
+            <a:spLocks noGrp="1" noRot="1" noChangeAspect="1"/>
+          </p:cNvSpPr>
+          <p:nvPr>
+            <p:ph type="sldImg"/>
+          </p:nvPr>
+        </p:nvSpPr>
+        <p:spPr/>
+      </p:sp>
+      <p:sp>
+        <p:nvSpPr>
+          <p:cNvPr id="3" name="Notes Placeholder 2"/>
+          <p:cNvSpPr>
+            <a:spLocks noGrp="1"/>
+          </p:cNvSpPr>
+          <p:nvPr>
+            <p:ph type="body" idx="1"/>
+          </p:nvPr>
+        </p:nvSpPr>
+        <p:spPr/>
+        <p:txBody>
+          <a:bodyPr/>
+          <a:lstStyle/>
+          <a:p>
+            <a:r>
+              <a:rPr lang="en-US" dirty="0" err="1" smtClean="0"/>
+              <a:t>Yash</a:t>
+            </a:r>
+            <a:endParaRPr lang="en-US" dirty="0"/>
+          </a:p>
+        </p:txBody>
+      </p:sp>
+      <p:sp>
+        <p:nvSpPr>
+          <p:cNvPr id="4" name="Slide Number Placeholder 3"/>
+          <p:cNvSpPr>
+            <a:spLocks noGrp="1"/>
+          </p:cNvSpPr>
+          <p:nvPr>
+            <p:ph type="sldNum" sz="quarter" idx="10"/>
+          </p:nvPr>
+        </p:nvSpPr>
+        <p:spPr/>
+        <p:txBody>
+          <a:bodyPr/>
+          <a:lstStyle/>
+          <a:p>
+            <a:fld id="{FE609A5C-843E-40EB-A8F7-D1CCF10D1F32}" type="slidenum">
+              <a:rPr lang="en-US" smtClean="0"/>
+              <a:t>15</a:t>
+            </a:fld>
+            <a:endParaRPr lang="en-US"/>
+          </a:p>
+        </p:txBody>
+      </p:sp>
+    </p:spTree>
+    <p:extLst>
+      <p:ext uri="{BB962C8B-B14F-4D97-AF65-F5344CB8AC3E}">
+        <p14:creationId xmlns:p14="http://schemas.microsoft.com/office/powerpoint/2010/main" val="1583824250"/>
+      </p:ext>
+    </p:extLst>
+  </p:cSld>
+  <p:clrMapOvr>
+    <a:masterClrMapping/>
+  </p:clrMapOvr>
+</p:notes>
+</file>
+
+<file path=ppt/notesSlides/notesSlide16.xml><?xml version="1.0" encoding="utf-8"?>
+<p:notes xmlns:a="http://schemas.openxmlformats.org/drawingml/2006/main" xmlns:r="http://schemas.openxmlformats.org/officeDocument/2006/relationships" xmlns:p="http://schemas.openxmlformats.org/presentationml/2006/main">
+  <p:cSld>
+    <p:spTree>
+      <p:nvGrpSpPr>
+        <p:cNvPr id="1" name=""/>
+        <p:cNvGrpSpPr/>
+        <p:nvPr/>
+      </p:nvGrpSpPr>
+      <p:grpSpPr>
+        <a:xfrm>
+          <a:off x="0" y="0"/>
+          <a:ext cx="0" cy="0"/>
+          <a:chOff x="0" y="0"/>
+          <a:chExt cx="0" cy="0"/>
+        </a:xfrm>
+      </p:grpSpPr>
+      <p:sp>
+        <p:nvSpPr>
+          <p:cNvPr id="2" name="Slide Image Placeholder 1"/>
+          <p:cNvSpPr>
+            <a:spLocks noGrp="1" noRot="1" noChangeAspect="1"/>
+          </p:cNvSpPr>
+          <p:nvPr>
+            <p:ph type="sldImg"/>
+          </p:nvPr>
+        </p:nvSpPr>
+        <p:spPr/>
+      </p:sp>
+      <p:sp>
+        <p:nvSpPr>
+          <p:cNvPr id="3" name="Notes Placeholder 2"/>
+          <p:cNvSpPr>
+            <a:spLocks noGrp="1"/>
+          </p:cNvSpPr>
+          <p:nvPr>
+            <p:ph type="body" idx="1"/>
+          </p:nvPr>
+        </p:nvSpPr>
+        <p:spPr/>
+        <p:txBody>
+          <a:bodyPr/>
+          <a:lstStyle/>
+          <a:p>
+            <a:pPr marL="0" marR="0" indent="0" algn="l" defTabSz="914400" rtl="0" eaLnBrk="1" fontAlgn="auto" latinLnBrk="0" hangingPunct="1">
+              <a:lnSpc>
+                <a:spcPct val="100000"/>
+              </a:lnSpc>
+              <a:spcBef>
+                <a:spcPts val="0"/>
+              </a:spcBef>
+              <a:spcAft>
+                <a:spcPts val="0"/>
+              </a:spcAft>
+              <a:buClrTx/>
+              <a:buSzTx/>
+              <a:buFontTx/>
+              <a:buNone/>
+              <a:tabLst/>
+              <a:defRPr/>
+            </a:pPr>
+            <a:r>
+              <a:rPr lang="en-US" dirty="0" err="1" smtClean="0"/>
+              <a:t>Yash</a:t>
+            </a:r>
+            <a:endParaRPr lang="en-US" dirty="0" smtClean="0"/>
+          </a:p>
+          <a:p>
+            <a:pPr marL="0" marR="0" indent="0" algn="l" defTabSz="914400" rtl="0" eaLnBrk="1" fontAlgn="auto" latinLnBrk="0" hangingPunct="1">
+              <a:lnSpc>
+                <a:spcPct val="100000"/>
+              </a:lnSpc>
+              <a:spcBef>
+                <a:spcPts val="0"/>
+              </a:spcBef>
+              <a:spcAft>
+                <a:spcPts val="0"/>
+              </a:spcAft>
+              <a:buClrTx/>
+              <a:buSzTx/>
+              <a:buFontTx/>
+              <a:buNone/>
+              <a:tabLst/>
+              <a:defRPr/>
+            </a:pPr>
+            <a:r>
+              <a:rPr lang="en-US" dirty="0" smtClean="0"/>
+              <a:t>Outliers and early data for 2010 not included: no breakdowns available and the early industry trends would distort the data due to the novelty sales to early adopters.</a:t>
+            </a:r>
+          </a:p>
+          <a:p>
+            <a:endParaRPr lang="en-US" dirty="0"/>
+          </a:p>
+        </p:txBody>
+      </p:sp>
+      <p:sp>
+        <p:nvSpPr>
+          <p:cNvPr id="4" name="Slide Number Placeholder 3"/>
+          <p:cNvSpPr>
+            <a:spLocks noGrp="1"/>
+          </p:cNvSpPr>
+          <p:nvPr>
+            <p:ph type="sldNum" sz="quarter" idx="10"/>
+          </p:nvPr>
+        </p:nvSpPr>
+        <p:spPr/>
+        <p:txBody>
+          <a:bodyPr/>
+          <a:lstStyle/>
+          <a:p>
+            <a:fld id="{FE609A5C-843E-40EB-A8F7-D1CCF10D1F32}" type="slidenum">
+              <a:rPr lang="en-US" smtClean="0"/>
+              <a:t>16</a:t>
+            </a:fld>
+            <a:endParaRPr lang="en-US"/>
+          </a:p>
+        </p:txBody>
+      </p:sp>
+    </p:spTree>
+    <p:extLst>
+      <p:ext uri="{BB962C8B-B14F-4D97-AF65-F5344CB8AC3E}">
+        <p14:creationId xmlns:p14="http://schemas.microsoft.com/office/powerpoint/2010/main" val="3722737703"/>
       </p:ext>
     </p:extLst>
   </p:cSld>
@@ -2991,6 +3526,82 @@
         <p:txBody>
           <a:bodyPr/>
           <a:lstStyle/>
+          <a:p>
+            <a:r>
+              <a:rPr lang="en-US" dirty="0" err="1" smtClean="0"/>
+              <a:t>Sonam</a:t>
+            </a:r>
+            <a:endParaRPr lang="en-US" dirty="0" smtClean="0"/>
+          </a:p>
+          <a:p>
+            <a:endParaRPr lang="en-US" dirty="0" smtClean="0"/>
+          </a:p>
+          <a:p>
+            <a:r>
+              <a:rPr lang="en-US" dirty="0" smtClean="0"/>
+              <a:t>Musk’s speculates about Tesla if the business pattern is sustainable with the increase in competition in electric vehicle market </a:t>
+            </a:r>
+          </a:p>
+          <a:p>
+            <a:pPr marL="0" marR="0" indent="0" algn="l" defTabSz="914400" rtl="0" eaLnBrk="1" fontAlgn="auto" latinLnBrk="0" hangingPunct="1">
+              <a:lnSpc>
+                <a:spcPct val="100000"/>
+              </a:lnSpc>
+              <a:spcBef>
+                <a:spcPts val="0"/>
+              </a:spcBef>
+              <a:spcAft>
+                <a:spcPts val="0"/>
+              </a:spcAft>
+              <a:buClrTx/>
+              <a:buSzTx/>
+              <a:buFontTx/>
+              <a:buNone/>
+              <a:tabLst/>
+              <a:defRPr/>
+            </a:pPr>
+            <a:r>
+              <a:rPr lang="en-US" dirty="0" smtClean="0"/>
+              <a:t>Factors that are potential to affect the sales performance of Tesla cars, leads to our research question</a:t>
+            </a:r>
+          </a:p>
+          <a:p>
+            <a:r>
+              <a:rPr lang="en-US" sz="1200" dirty="0" smtClean="0"/>
+              <a:t>Government making efforts to let people adapt to the culture of electric vehicles</a:t>
+            </a:r>
+          </a:p>
+          <a:p>
+            <a:r>
+              <a:rPr lang="en-US" sz="1200" dirty="0" smtClean="0"/>
+              <a:t>Elon Musk, CEO of Tesla Motors Inc., thinks of Tesla setting a legacy in future</a:t>
+            </a:r>
+          </a:p>
+          <a:p>
+            <a:r>
+              <a:rPr lang="en-US" sz="1200" dirty="0" smtClean="0"/>
+              <a:t>Musk’s speculation about Tesla sustainability </a:t>
+            </a:r>
+          </a:p>
+          <a:p>
+            <a:r>
+              <a:rPr lang="en-US" sz="1200" dirty="0" smtClean="0"/>
+              <a:t>Elon Musk wants to make an action plan to be sure of Tesla’s success</a:t>
+            </a:r>
+          </a:p>
+          <a:p>
+            <a:r>
+              <a:rPr lang="en-US" sz="1200" dirty="0" smtClean="0"/>
+              <a:t>Potential Factors for tesla’s sales performance </a:t>
+            </a:r>
+            <a:r>
+              <a:rPr lang="en-US" sz="1200" dirty="0" smtClean="0">
+                <a:sym typeface="Wingdings" panose="05000000000000000000" pitchFamily="2" charset="2"/>
+              </a:rPr>
+              <a:t> Research question</a:t>
+            </a:r>
+            <a:endParaRPr lang="en-US" sz="1200" dirty="0" smtClean="0"/>
+          </a:p>
           <a:p>
             <a:endParaRPr lang="en-US" dirty="0"/>
           </a:p>
@@ -3076,6 +3687,10 @@
           <a:bodyPr/>
           <a:lstStyle/>
           <a:p>
+            <a:r>
+              <a:rPr lang="en-US" dirty="0" err="1" smtClean="0"/>
+              <a:t>Sonam</a:t>
+            </a:r>
             <a:endParaRPr lang="en-US" dirty="0"/>
           </a:p>
         </p:txBody>
@@ -3161,13 +3776,67 @@
           <a:lstStyle/>
           <a:p>
             <a:r>
-              <a:rPr lang="en-US" dirty="0"/>
+              <a:rPr lang="en-US" dirty="0" err="1" smtClean="0"/>
+              <a:t>Suparna</a:t>
+            </a:r>
+            <a:endParaRPr lang="en-US" dirty="0" smtClean="0"/>
+          </a:p>
+          <a:p>
+            <a:r>
+              <a:rPr lang="en-US" dirty="0" smtClean="0"/>
               <a:t>Points</a:t>
             </a:r>
             <a:r>
+              <a:rPr lang="en-US" baseline="0" dirty="0" smtClean="0"/>
+              <a:t> </a:t>
+            </a:r>
+            <a:r>
               <a:rPr lang="en-US" baseline="0" dirty="0"/>
-              <a:t> to cover in the slide/talk: mention what’s in the case study</a:t>
-            </a:r>
+              <a:t>to cover in the </a:t>
+            </a:r>
+            <a:r>
+              <a:rPr lang="en-US" baseline="0" dirty="0" smtClean="0"/>
+              <a:t>slide/talk: mention what’s in the case study</a:t>
+            </a:r>
+          </a:p>
+          <a:p>
+            <a:endParaRPr lang="en-US" baseline="0" dirty="0" smtClean="0"/>
+          </a:p>
+          <a:p>
+            <a:r>
+              <a:rPr lang="en-US" sz="1200" dirty="0" smtClean="0"/>
+              <a:t>Fall of oil prices </a:t>
+            </a:r>
+            <a:r>
+              <a:rPr lang="en-US" sz="1200" dirty="0" smtClean="0">
+                <a:sym typeface="Wingdings" panose="05000000000000000000" pitchFamily="2" charset="2"/>
+              </a:rPr>
+              <a:t> </a:t>
+            </a:r>
+            <a:r>
+              <a:rPr lang="en-US" sz="1200" dirty="0" smtClean="0"/>
+              <a:t>fuss in electric vehicles market</a:t>
+            </a:r>
+          </a:p>
+          <a:p>
+            <a:r>
+              <a:rPr lang="en-US" sz="1200" dirty="0" smtClean="0"/>
+              <a:t>Along with Tesla, other companies like Nissan, Ford, Toyota began to worry</a:t>
+            </a:r>
+          </a:p>
+          <a:p>
+            <a:r>
+              <a:rPr lang="en-US" sz="1200" dirty="0" smtClean="0"/>
+              <a:t>Review of sales of these companies was done </a:t>
+            </a:r>
+          </a:p>
+          <a:p>
+            <a:r>
+              <a:rPr lang="en-US" sz="1200" dirty="0" smtClean="0"/>
+              <a:t>Mostly the hybrid and other plugin electric vehicles were mostly hurt due to the decrease in oil prices. </a:t>
+            </a:r>
+          </a:p>
+          <a:p>
             <a:endParaRPr lang="en-US" dirty="0"/>
           </a:p>
         </p:txBody>
@@ -3253,12 +3922,57 @@
           <a:lstStyle/>
           <a:p>
             <a:r>
-              <a:rPr lang="en-US" dirty="0"/>
+              <a:rPr lang="en-US" dirty="0" err="1" smtClean="0"/>
+              <a:t>Suparna</a:t>
+            </a:r>
+            <a:endParaRPr lang="en-US" dirty="0" smtClean="0"/>
+          </a:p>
+          <a:p>
+            <a:r>
+              <a:rPr lang="en-US" dirty="0" smtClean="0"/>
               <a:t>Names</a:t>
             </a:r>
             <a:r>
+              <a:rPr lang="en-US" baseline="0" dirty="0" smtClean="0"/>
+              <a:t> </a:t>
+            </a:r>
+            <a:r>
               <a:rPr lang="en-US" baseline="0" dirty="0"/>
-              <a:t> of data sets, and we can explain what dataset has what</a:t>
+              <a:t>of </a:t>
+            </a:r>
+            <a:endParaRPr lang="en-US" baseline="0" dirty="0" smtClean="0"/>
+          </a:p>
+          <a:p>
+            <a:pPr marL="0" marR="0" indent="0" algn="l" defTabSz="914400" rtl="0" eaLnBrk="1" fontAlgn="auto" latinLnBrk="0" hangingPunct="1">
+              <a:lnSpc>
+                <a:spcPct val="100000"/>
+              </a:lnSpc>
+              <a:spcBef>
+                <a:spcPts val="0"/>
+              </a:spcBef>
+              <a:spcAft>
+                <a:spcPts val="0"/>
+              </a:spcAft>
+              <a:buClrTx/>
+              <a:buSzTx/>
+              <a:buFontTx/>
+              <a:buNone/>
+              <a:tabLst/>
+              <a:defRPr/>
+            </a:pPr>
+            <a:r>
+              <a:rPr lang="en-US" dirty="0" smtClean="0"/>
+              <a:t>: We obtained the stock prices of Tesla Motors Inc. (Nasdaq Code- TSLA) for the time period starting from January 2011 through March 2016 from Yahoo Finance. The raw data contained daily data with a few missing data points. The raw data consists of the following fields (all prices are in US dollars): </a:t>
+            </a:r>
+          </a:p>
+          <a:p>
+            <a:r>
+              <a:rPr lang="en-US" baseline="0" dirty="0" smtClean="0"/>
+              <a:t>data </a:t>
+            </a:r>
+            <a:r>
+              <a:rPr lang="en-US" baseline="0" dirty="0"/>
+              <a:t>sets, and we can explain what dataset has what</a:t>
             </a:r>
             <a:endParaRPr lang="en-US" dirty="0"/>
           </a:p>
@@ -3345,12 +4059,8 @@
           <a:lstStyle/>
           <a:p>
             <a:r>
-              <a:rPr lang="en-US" dirty="0"/>
-              <a:t>Specify</a:t>
-            </a:r>
-            <a:r>
-              <a:rPr lang="en-US" baseline="0" dirty="0"/>
-              <a:t> our null and alternate hypotheses – we have hypotheses in the hypothesis testing part not where we define the model (please confirm)</a:t>
+              <a:rPr lang="en-US" dirty="0" err="1" smtClean="0"/>
+              <a:t>Namrata</a:t>
             </a:r>
             <a:endParaRPr lang="en-US" dirty="0"/>
           </a:p>
@@ -3373,7 +4083,7 @@
           <a:p>
             <a:fld id="{FE609A5C-843E-40EB-A8F7-D1CCF10D1F32}" type="slidenum">
               <a:rPr lang="en-US" smtClean="0"/>
-              <a:t>7</a:t>
+              <a:t>6</a:t>
             </a:fld>
             <a:endParaRPr lang="en-US"/>
           </a:p>
@@ -3382,7 +4092,7 @@
     </p:spTree>
     <p:extLst>
       <p:ext uri="{BB962C8B-B14F-4D97-AF65-F5344CB8AC3E}">
-        <p14:creationId xmlns:p14="http://schemas.microsoft.com/office/powerpoint/2010/main" val="365662392"/>
+        <p14:creationId xmlns:p14="http://schemas.microsoft.com/office/powerpoint/2010/main" val="3497372992"/>
       </p:ext>
     </p:extLst>
   </p:cSld>
@@ -3436,6 +4146,60 @@
           <a:bodyPr/>
           <a:lstStyle/>
           <a:p>
+            <a:r>
+              <a:rPr lang="en-US" dirty="0" err="1" smtClean="0"/>
+              <a:t>Namrata</a:t>
+            </a:r>
+            <a:endParaRPr lang="en-US" dirty="0" smtClean="0"/>
+          </a:p>
+          <a:p>
+            <a:r>
+              <a:rPr lang="en-US" dirty="0" smtClean="0"/>
+              <a:t>Dataset = entire population: sales for every month available</a:t>
+            </a:r>
+          </a:p>
+          <a:p>
+            <a:r>
+              <a:rPr lang="en-US" dirty="0" smtClean="0"/>
+              <a:t>Distribution : slightly right skewed with 3 outliers</a:t>
+            </a:r>
+          </a:p>
+          <a:p>
+            <a:r>
+              <a:rPr lang="en-US" dirty="0" smtClean="0"/>
+              <a:t>Chose to keep outliers: recent sales numbers</a:t>
+            </a:r>
+          </a:p>
+          <a:p>
+            <a:pPr lvl="1"/>
+            <a:r>
+              <a:rPr lang="en-US" dirty="0" smtClean="0"/>
+              <a:t>Indicative of future upwards trend for Tesla Sales</a:t>
+            </a:r>
+          </a:p>
+          <a:p>
+            <a:r>
+              <a:rPr lang="en-US" dirty="0" smtClean="0"/>
+              <a:t>Large enough size and no extreme outliers </a:t>
+            </a:r>
+            <a:r>
+              <a:rPr lang="en-US" dirty="0" smtClean="0">
+                <a:sym typeface="Wingdings" panose="05000000000000000000" pitchFamily="2" charset="2"/>
+              </a:rPr>
+              <a:t></a:t>
+            </a:r>
+            <a:r>
+              <a:rPr lang="en-US" dirty="0" smtClean="0"/>
+              <a:t> nearly normal distribution</a:t>
+            </a:r>
+          </a:p>
+          <a:p>
+            <a:r>
+              <a:rPr lang="en-US" smtClean="0"/>
+              <a:t>Tesla sales: nearly normal with a recent upwards trend</a:t>
+            </a:r>
+          </a:p>
+          <a:p>
             <a:endParaRPr lang="en-US" dirty="0"/>
           </a:p>
         </p:txBody>
@@ -3457,7 +4221,7 @@
           <a:p>
             <a:fld id="{FE609A5C-843E-40EB-A8F7-D1CCF10D1F32}" type="slidenum">
               <a:rPr lang="en-US" smtClean="0"/>
-              <a:t>8</a:t>
+              <a:t>7</a:t>
             </a:fld>
             <a:endParaRPr lang="en-US"/>
           </a:p>
@@ -3466,7 +4230,7 @@
     </p:spTree>
     <p:extLst>
       <p:ext uri="{BB962C8B-B14F-4D97-AF65-F5344CB8AC3E}">
-        <p14:creationId xmlns:p14="http://schemas.microsoft.com/office/powerpoint/2010/main" val="146699336"/>
+        <p14:creationId xmlns:p14="http://schemas.microsoft.com/office/powerpoint/2010/main" val="3640847351"/>
       </p:ext>
     </p:extLst>
   </p:cSld>
@@ -3520,6 +4284,24 @@
           <a:bodyPr/>
           <a:lstStyle/>
           <a:p>
+            <a:r>
+              <a:rPr lang="en-US" dirty="0" smtClean="0"/>
+              <a:t>Clem</a:t>
+            </a:r>
+          </a:p>
+          <a:p>
+            <a:r>
+              <a:rPr lang="en-US" dirty="0" smtClean="0"/>
+              <a:t>Specify</a:t>
+            </a:r>
+            <a:r>
+              <a:rPr lang="en-US" baseline="0" dirty="0" smtClean="0"/>
+              <a:t> </a:t>
+            </a:r>
+            <a:r>
+              <a:rPr lang="en-US" baseline="0" dirty="0"/>
+              <a:t>our null and alternate hypotheses – we have hypotheses in the hypothesis testing part not where we define the model (please confirm)</a:t>
+            </a:r>
             <a:endParaRPr lang="en-US" dirty="0"/>
           </a:p>
         </p:txBody>
@@ -3541,7 +4323,7 @@
           <a:p>
             <a:fld id="{FE609A5C-843E-40EB-A8F7-D1CCF10D1F32}" type="slidenum">
               <a:rPr lang="en-US" smtClean="0"/>
-              <a:t>10</a:t>
+              <a:t>8</a:t>
             </a:fld>
             <a:endParaRPr lang="en-US"/>
           </a:p>
@@ -3550,7 +4332,7 @@
     </p:spTree>
     <p:extLst>
       <p:ext uri="{BB962C8B-B14F-4D97-AF65-F5344CB8AC3E}">
-        <p14:creationId xmlns:p14="http://schemas.microsoft.com/office/powerpoint/2010/main" val="1990521730"/>
+        <p14:creationId xmlns:p14="http://schemas.microsoft.com/office/powerpoint/2010/main" val="365662392"/>
       </p:ext>
     </p:extLst>
   </p:cSld>
@@ -3604,6 +4386,10 @@
           <a:bodyPr/>
           <a:lstStyle/>
           <a:p>
+            <a:r>
+              <a:rPr lang="en-US" dirty="0" smtClean="0"/>
+              <a:t>Clem</a:t>
+            </a:r>
             <a:endParaRPr lang="en-US" dirty="0"/>
           </a:p>
         </p:txBody>
@@ -3625,7 +4411,7 @@
           <a:p>
             <a:fld id="{FE609A5C-843E-40EB-A8F7-D1CCF10D1F32}" type="slidenum">
               <a:rPr lang="en-US" smtClean="0"/>
-              <a:t>11</a:t>
+              <a:t>9</a:t>
             </a:fld>
             <a:endParaRPr lang="en-US"/>
           </a:p>
@@ -3634,7 +4420,7 @@
     </p:spTree>
     <p:extLst>
       <p:ext uri="{BB962C8B-B14F-4D97-AF65-F5344CB8AC3E}">
-        <p14:creationId xmlns:p14="http://schemas.microsoft.com/office/powerpoint/2010/main" val="3640847351"/>
+        <p14:creationId xmlns:p14="http://schemas.microsoft.com/office/powerpoint/2010/main" val="146699336"/>
       </p:ext>
     </p:extLst>
   </p:cSld>
@@ -4366,7 +5152,7 @@
           <a:p>
             <a:fld id="{0F92F7F0-426F-4870-B636-B1A7C95EC8B7}" type="datetimeFigureOut">
               <a:rPr lang="en-US" smtClean="0"/>
-              <a:t>4/13/2016</a:t>
+              <a:t>4/14/2016</a:t>
             </a:fld>
             <a:endParaRPr lang="en-US"/>
           </a:p>
@@ -4617,7 +5403,7 @@
           <a:p>
             <a:fld id="{0F92F7F0-426F-4870-B636-B1A7C95EC8B7}" type="datetimeFigureOut">
               <a:rPr lang="en-US" smtClean="0"/>
-              <a:t>4/13/2016</a:t>
+              <a:t>4/14/2016</a:t>
             </a:fld>
             <a:endParaRPr lang="en-US"/>
           </a:p>
@@ -4931,7 +5717,7 @@
           <a:p>
             <a:fld id="{0F92F7F0-426F-4870-B636-B1A7C95EC8B7}" type="datetimeFigureOut">
               <a:rPr lang="en-US" smtClean="0"/>
-              <a:t>4/13/2016</a:t>
+              <a:t>4/14/2016</a:t>
             </a:fld>
             <a:endParaRPr lang="en-US"/>
           </a:p>
@@ -5272,7 +6058,7 @@
           <a:p>
             <a:fld id="{0F92F7F0-426F-4870-B636-B1A7C95EC8B7}" type="datetimeFigureOut">
               <a:rPr lang="en-US" smtClean="0"/>
-              <a:t>4/13/2016</a:t>
+              <a:t>4/14/2016</a:t>
             </a:fld>
             <a:endParaRPr lang="en-US"/>
           </a:p>
@@ -5586,7 +6372,7 @@
           <a:p>
             <a:fld id="{0F92F7F0-426F-4870-B636-B1A7C95EC8B7}" type="datetimeFigureOut">
               <a:rPr lang="en-US" smtClean="0"/>
-              <a:t>4/13/2016</a:t>
+              <a:t>4/14/2016</a:t>
             </a:fld>
             <a:endParaRPr lang="en-US"/>
           </a:p>
@@ -5979,7 +6765,7 @@
           <a:p>
             <a:fld id="{0F92F7F0-426F-4870-B636-B1A7C95EC8B7}" type="datetimeFigureOut">
               <a:rPr lang="en-US" smtClean="0"/>
-              <a:t>4/13/2016</a:t>
+              <a:t>4/14/2016</a:t>
             </a:fld>
             <a:endParaRPr lang="en-US"/>
           </a:p>
@@ -6149,7 +6935,7 @@
           <a:p>
             <a:fld id="{0F92F7F0-426F-4870-B636-B1A7C95EC8B7}" type="datetimeFigureOut">
               <a:rPr lang="en-US" smtClean="0"/>
-              <a:t>4/13/2016</a:t>
+              <a:t>4/14/2016</a:t>
             </a:fld>
             <a:endParaRPr lang="en-US"/>
           </a:p>
@@ -6329,7 +7115,7 @@
           <a:p>
             <a:fld id="{0F92F7F0-426F-4870-B636-B1A7C95EC8B7}" type="datetimeFigureOut">
               <a:rPr lang="en-US" smtClean="0"/>
-              <a:t>4/13/2016</a:t>
+              <a:t>4/14/2016</a:t>
             </a:fld>
             <a:endParaRPr lang="en-US"/>
           </a:p>
@@ -6505,7 +7291,7 @@
           <a:p>
             <a:fld id="{0F92F7F0-426F-4870-B636-B1A7C95EC8B7}" type="datetimeFigureOut">
               <a:rPr lang="en-US" smtClean="0"/>
-              <a:t>4/13/2016</a:t>
+              <a:t>4/14/2016</a:t>
             </a:fld>
             <a:endParaRPr lang="en-US"/>
           </a:p>
@@ -6752,7 +7538,7 @@
           <a:p>
             <a:fld id="{0F92F7F0-426F-4870-B636-B1A7C95EC8B7}" type="datetimeFigureOut">
               <a:rPr lang="en-US" smtClean="0"/>
-              <a:t>4/13/2016</a:t>
+              <a:t>4/14/2016</a:t>
             </a:fld>
             <a:endParaRPr lang="en-US"/>
           </a:p>
@@ -6984,7 +7770,7 @@
           <a:p>
             <a:fld id="{0F92F7F0-426F-4870-B636-B1A7C95EC8B7}" type="datetimeFigureOut">
               <a:rPr lang="en-US" smtClean="0"/>
-              <a:t>4/13/2016</a:t>
+              <a:t>4/14/2016</a:t>
             </a:fld>
             <a:endParaRPr lang="en-US"/>
           </a:p>
@@ -7358,7 +8144,7 @@
           <a:p>
             <a:fld id="{0F92F7F0-426F-4870-B636-B1A7C95EC8B7}" type="datetimeFigureOut">
               <a:rPr lang="en-US" smtClean="0"/>
-              <a:t>4/13/2016</a:t>
+              <a:t>4/14/2016</a:t>
             </a:fld>
             <a:endParaRPr lang="en-US"/>
           </a:p>
@@ -7481,7 +8267,7 @@
           <a:p>
             <a:fld id="{0F92F7F0-426F-4870-B636-B1A7C95EC8B7}" type="datetimeFigureOut">
               <a:rPr lang="en-US" smtClean="0"/>
-              <a:t>4/13/2016</a:t>
+              <a:t>4/14/2016</a:t>
             </a:fld>
             <a:endParaRPr lang="en-US"/>
           </a:p>
@@ -7576,7 +8362,7 @@
           <a:p>
             <a:fld id="{0F92F7F0-426F-4870-B636-B1A7C95EC8B7}" type="datetimeFigureOut">
               <a:rPr lang="en-US" smtClean="0"/>
-              <a:t>4/13/2016</a:t>
+              <a:t>4/14/2016</a:t>
             </a:fld>
             <a:endParaRPr lang="en-US"/>
           </a:p>
@@ -7831,7 +8617,7 @@
           <a:p>
             <a:fld id="{0F92F7F0-426F-4870-B636-B1A7C95EC8B7}" type="datetimeFigureOut">
               <a:rPr lang="en-US" smtClean="0"/>
-              <a:t>4/13/2016</a:t>
+              <a:t>4/14/2016</a:t>
             </a:fld>
             <a:endParaRPr lang="en-US"/>
           </a:p>
@@ -8094,7 +8880,7 @@
           <a:p>
             <a:fld id="{0F92F7F0-426F-4870-B636-B1A7C95EC8B7}" type="datetimeFigureOut">
               <a:rPr lang="en-US" smtClean="0"/>
-              <a:t>4/13/2016</a:t>
+              <a:t>4/14/2016</a:t>
             </a:fld>
             <a:endParaRPr lang="en-US"/>
           </a:p>
@@ -8837,7 +9623,7 @@
           <a:p>
             <a:fld id="{0F92F7F0-426F-4870-B636-B1A7C95EC8B7}" type="datetimeFigureOut">
               <a:rPr lang="en-US" smtClean="0"/>
-              <a:t>4/13/2016</a:t>
+              <a:t>4/14/2016</a:t>
             </a:fld>
             <a:endParaRPr lang="en-US"/>
           </a:p>
@@ -9575,14 +10361,14 @@
             <a:pPr algn="ctr"/>
             <a:r>
               <a:rPr lang="en-US" dirty="0"/>
-              <a:t>Hypothesis Testing</a:t>
-            </a:r>
-          </a:p>
-        </p:txBody>
-      </p:sp>
-      <p:sp>
-        <p:nvSpPr>
-          <p:cNvPr id="3" name="Content Placeholder 2"/>
+              <a:t>Model Conclusion</a:t>
+            </a:r>
+          </a:p>
+        </p:txBody>
+      </p:sp>
+      <p:sp>
+        <p:nvSpPr>
+          <p:cNvPr id="5" name="Content Placeholder 4"/>
           <p:cNvSpPr>
             <a:spLocks noGrp="1"/>
           </p:cNvSpPr>
@@ -9598,82 +10384,85 @@
           <a:lstStyle/>
           <a:p>
             <a:r>
-              <a:rPr lang="en-US" dirty="0"/>
-              <a:t>Is the relationship between substitute unit prices and tesla Sales significant?</a:t>
-            </a:r>
-          </a:p>
-          <a:p>
-            <a:pPr marL="0" indent="0">
-              <a:buNone/>
-            </a:pPr>
-            <a:r>
-              <a:rPr lang="en-US" dirty="0"/>
-              <a:t>H</a:t>
-            </a:r>
-            <a:r>
-              <a:rPr lang="en-US" baseline="-25000" dirty="0"/>
-              <a:t>0</a:t>
-            </a:r>
-            <a:r>
-              <a:rPr lang="en-US" dirty="0"/>
-              <a:t>:  slope = 0 </a:t>
-            </a:r>
-          </a:p>
-          <a:p>
-            <a:pPr marL="0" indent="0">
-              <a:buNone/>
-            </a:pPr>
-            <a:r>
-              <a:rPr lang="en-US" dirty="0"/>
-              <a:t>Ha: slope ≠ 0</a:t>
-            </a:r>
-          </a:p>
-          <a:p>
-            <a:r>
-              <a:rPr lang="en-US" dirty="0"/>
-              <a:t>95% Confidence Interval (CI): [0.35 ; 0.85]</a:t>
-            </a:r>
-          </a:p>
-          <a:p>
-            <a:r>
-              <a:rPr lang="en-US" dirty="0"/>
-              <a:t>We are 95% confident that one-unit increase in the standardized substitute unit price leads to an increase ranging from 0.35 to 0.85 units in standardized Tesla sales on average. </a:t>
-            </a:r>
-          </a:p>
-          <a:p>
-            <a:r>
-              <a:rPr lang="en-US" dirty="0"/>
-              <a:t>95% CI is above 0  </a:t>
-            </a:r>
-            <a:r>
-              <a:rPr lang="en-US" dirty="0">
+              <a:rPr lang="en-US" sz="2400" dirty="0" smtClean="0"/>
+              <a:t>1 unit </a:t>
+            </a:r>
+            <a:r>
+              <a:rPr lang="en-US" sz="2400" dirty="0"/>
+              <a:t>increase in the standardized substitute unit prices </a:t>
+            </a:r>
+            <a:r>
+              <a:rPr lang="en-US" sz="2400" dirty="0" smtClean="0">
                 <a:sym typeface="Wingdings" panose="05000000000000000000" pitchFamily="2" charset="2"/>
               </a:rPr>
-              <a:t> </a:t>
-            </a:r>
-            <a:r>
-              <a:rPr lang="en-US" dirty="0"/>
-              <a:t>positive relationship between Tesla sales and substitute unit prices</a:t>
-            </a:r>
-          </a:p>
-          <a:p>
-            <a:endParaRPr lang="en-US" dirty="0"/>
-          </a:p>
-          <a:p>
-            <a:endParaRPr lang="en-US" dirty="0"/>
-          </a:p>
-          <a:p>
-            <a:pPr marL="0" indent="0">
-              <a:buNone/>
-            </a:pPr>
-            <a:endParaRPr lang="en-US" dirty="0"/>
+              <a:t> increase of </a:t>
+            </a:r>
+            <a:r>
+              <a:rPr lang="en-US" sz="2400" dirty="0" smtClean="0"/>
+              <a:t>0.6 </a:t>
+            </a:r>
+            <a:r>
+              <a:rPr lang="en-US" sz="2400" dirty="0"/>
+              <a:t>units in the standardized Tesla monthly sales on average</a:t>
+            </a:r>
+          </a:p>
+          <a:p>
+            <a:r>
+              <a:rPr lang="en-US" sz="2400" dirty="0"/>
+              <a:t>35% of the variability in the Tesla monthly sales is explained by the model. </a:t>
+            </a:r>
+          </a:p>
+          <a:p>
+            <a:r>
+              <a:rPr lang="en-US" sz="2400" dirty="0" err="1"/>
+              <a:t>Adj</a:t>
+            </a:r>
+            <a:r>
+              <a:rPr lang="en-US" sz="2400" dirty="0"/>
+              <a:t> R-</a:t>
+            </a:r>
+            <a:r>
+              <a:rPr lang="en-US" sz="2400" dirty="0" err="1"/>
+              <a:t>sq</a:t>
+            </a:r>
+            <a:r>
+              <a:rPr lang="en-US" sz="2400" dirty="0"/>
+              <a:t> </a:t>
+            </a:r>
+            <a:r>
+              <a:rPr lang="en-US" sz="2400" dirty="0" smtClean="0"/>
+              <a:t>&lt; 40</a:t>
+            </a:r>
+            <a:r>
+              <a:rPr lang="en-US" sz="2400" dirty="0"/>
+              <a:t>%</a:t>
+            </a:r>
+          </a:p>
+          <a:p>
+            <a:r>
+              <a:rPr lang="en-US" sz="2400" dirty="0"/>
+              <a:t>Safe assumption: Several other factors not present in this analysis </a:t>
+            </a:r>
+            <a:r>
+              <a:rPr lang="en-US" sz="2400" dirty="0" smtClean="0"/>
+              <a:t>cause for </a:t>
+            </a:r>
+            <a:r>
+              <a:rPr lang="en-US" sz="2400" dirty="0"/>
+              <a:t>Tesla monthly </a:t>
+            </a:r>
+            <a:r>
+              <a:rPr lang="en-US" sz="2400" dirty="0" smtClean="0"/>
+              <a:t>sales fluctuations. </a:t>
+            </a:r>
+            <a:endParaRPr lang="en-US" sz="2400" dirty="0"/>
           </a:p>
         </p:txBody>
       </p:sp>
     </p:spTree>
     <p:extLst>
       <p:ext uri="{BB962C8B-B14F-4D97-AF65-F5344CB8AC3E}">
-        <p14:creationId xmlns:p14="http://schemas.microsoft.com/office/powerpoint/2010/main" val="1227465640"/>
+        <p14:creationId xmlns:p14="http://schemas.microsoft.com/office/powerpoint/2010/main" val="191724664"/>
       </p:ext>
     </p:extLst>
   </p:cSld>
@@ -9702,7 +10491,7 @@
       </p:grpSpPr>
       <p:sp>
         <p:nvSpPr>
-          <p:cNvPr id="7" name="Title 6"/>
+          <p:cNvPr id="2" name="Title 1"/>
           <p:cNvSpPr>
             <a:spLocks noGrp="1"/>
           </p:cNvSpPr>
@@ -9718,14 +10507,14 @@
             <a:pPr algn="ctr"/>
             <a:r>
               <a:rPr lang="en-US" dirty="0"/>
-              <a:t>Test and Evaluation</a:t>
-            </a:r>
-          </a:p>
-        </p:txBody>
-      </p:sp>
-      <p:sp>
-        <p:nvSpPr>
-          <p:cNvPr id="8" name="Content Placeholder 7"/>
+              <a:t>Hypothesis Testing</a:t>
+            </a:r>
+          </a:p>
+        </p:txBody>
+      </p:sp>
+      <p:sp>
+        <p:nvSpPr>
+          <p:cNvPr id="3" name="Content Placeholder 2"/>
           <p:cNvSpPr>
             <a:spLocks noGrp="1"/>
           </p:cNvSpPr>
@@ -9735,61 +10524,88 @@
         </p:nvSpPr>
         <p:spPr/>
         <p:txBody>
-          <a:bodyPr/>
-          <a:lstStyle/>
-          <a:p>
-            <a:r>
-              <a:rPr lang="en-US" dirty="0"/>
-              <a:t>Dataset = entire population: sales for every month available</a:t>
-            </a:r>
-          </a:p>
-          <a:p>
-            <a:r>
-              <a:rPr lang="en-US" dirty="0"/>
-              <a:t>Distribution : slightly right skewed with 3 outliers</a:t>
-            </a:r>
-          </a:p>
-          <a:p>
-            <a:r>
-              <a:rPr lang="en-US" dirty="0"/>
-              <a:t>Chose to keep outliers: recent sales numbers</a:t>
-            </a:r>
-          </a:p>
-          <a:p>
-            <a:pPr lvl="1"/>
-            <a:r>
-              <a:rPr lang="en-US" dirty="0"/>
-              <a:t>Indicative of future upwards trend for Tesla Sales</a:t>
-            </a:r>
-          </a:p>
-          <a:p>
-            <a:r>
-              <a:rPr lang="en-US" dirty="0"/>
-              <a:t>Large enough size and no extreme outliers </a:t>
-            </a:r>
-            <a:r>
-              <a:rPr lang="en-US" dirty="0">
+          <a:bodyPr>
+            <a:normAutofit fontScale="92500" lnSpcReduction="10000"/>
+          </a:bodyPr>
+          <a:lstStyle/>
+          <a:p>
+            <a:r>
+              <a:rPr lang="en-US" sz="2400" dirty="0"/>
+              <a:t>Is the relationship between substitute unit prices and tesla Sales significant?</a:t>
+            </a:r>
+          </a:p>
+          <a:p>
+            <a:pPr marL="0" indent="0">
+              <a:buNone/>
+            </a:pPr>
+            <a:r>
+              <a:rPr lang="en-US" sz="2400" dirty="0"/>
+              <a:t>H</a:t>
+            </a:r>
+            <a:r>
+              <a:rPr lang="en-US" sz="2400" baseline="-25000" dirty="0"/>
+              <a:t>0</a:t>
+            </a:r>
+            <a:r>
+              <a:rPr lang="en-US" sz="2400" dirty="0"/>
+              <a:t>:  slope = 0 </a:t>
+            </a:r>
+          </a:p>
+          <a:p>
+            <a:pPr marL="0" indent="0">
+              <a:buNone/>
+            </a:pPr>
+            <a:r>
+              <a:rPr lang="en-US" sz="2400" dirty="0"/>
+              <a:t>Ha: slope ≠ 0</a:t>
+            </a:r>
+          </a:p>
+          <a:p>
+            <a:r>
+              <a:rPr lang="en-US" sz="2400" dirty="0"/>
+              <a:t>95% Confidence Interval (CI): [0.35 ; 0.85]</a:t>
+            </a:r>
+          </a:p>
+          <a:p>
+            <a:r>
+              <a:rPr lang="en-US" sz="2400" dirty="0"/>
+              <a:t>We are 95% confident that one-unit increase in the standardized substitute unit price leads to an increase ranging from 0.35 to 0.85 units in standardized Tesla sales on average. </a:t>
+            </a:r>
+          </a:p>
+          <a:p>
+            <a:r>
+              <a:rPr lang="en-US" sz="2400" dirty="0"/>
+              <a:t>95% CI is above 0  </a:t>
+            </a:r>
+            <a:r>
+              <a:rPr lang="en-US" sz="2400" dirty="0">
                 <a:sym typeface="Wingdings" panose="05000000000000000000" pitchFamily="2" charset="2"/>
               </a:rPr>
-              <a:t></a:t>
-            </a:r>
-            <a:r>
-              <a:rPr lang="en-US" dirty="0"/>
-              <a:t> nearly normal distribution</a:t>
-            </a:r>
-          </a:p>
-          <a:p>
-            <a:r>
-              <a:rPr lang="en-US" dirty="0"/>
-              <a:t>Tesla sales: nearly normal with a recent upwards trend</a:t>
-            </a:r>
+              <a:t> </a:t>
+            </a:r>
+            <a:r>
+              <a:rPr lang="en-US" sz="2400" dirty="0"/>
+              <a:t>positive relationship between Tesla sales and substitute unit prices</a:t>
+            </a:r>
+          </a:p>
+          <a:p>
+            <a:endParaRPr lang="en-US" dirty="0"/>
+          </a:p>
+          <a:p>
+            <a:endParaRPr lang="en-US" dirty="0"/>
+          </a:p>
+          <a:p>
+            <a:pPr marL="0" indent="0">
+              <a:buNone/>
+            </a:pPr>
+            <a:endParaRPr lang="en-US" dirty="0"/>
           </a:p>
         </p:txBody>
       </p:sp>
     </p:spTree>
     <p:extLst>
       <p:ext uri="{BB962C8B-B14F-4D97-AF65-F5344CB8AC3E}">
-        <p14:creationId xmlns:p14="http://schemas.microsoft.com/office/powerpoint/2010/main" val="1458754961"/>
+        <p14:creationId xmlns:p14="http://schemas.microsoft.com/office/powerpoint/2010/main" val="1227465640"/>
       </p:ext>
     </p:extLst>
   </p:cSld>
@@ -9851,10 +10667,77 @@
         </p:nvSpPr>
         <p:spPr/>
         <p:txBody>
-          <a:bodyPr/>
-          <a:lstStyle/>
-          <a:p>
-            <a:endParaRPr lang="en-US"/>
+          <a:bodyPr>
+            <a:normAutofit/>
+          </a:bodyPr>
+          <a:lstStyle/>
+          <a:p>
+            <a:r>
+              <a:rPr lang="en-US" sz="2400" dirty="0"/>
+              <a:t>Tesla sales are nearly normal with a very recent upward trend. </a:t>
+            </a:r>
+          </a:p>
+          <a:p>
+            <a:r>
+              <a:rPr lang="en-US" sz="2400" dirty="0" smtClean="0"/>
+              <a:t>Analysis </a:t>
+            </a:r>
+            <a:r>
+              <a:rPr lang="en-US" sz="2400" dirty="0"/>
+              <a:t>supports our hypothesis </a:t>
+            </a:r>
+          </a:p>
+          <a:p>
+            <a:pPr lvl="1"/>
+            <a:r>
+              <a:rPr lang="en-US" sz="2000" dirty="0"/>
+              <a:t>Significant positive relationship between substitute unit price and Tesla </a:t>
+            </a:r>
+            <a:r>
+              <a:rPr lang="en-US" sz="2000" dirty="0" smtClean="0"/>
+              <a:t>sales</a:t>
+            </a:r>
+          </a:p>
+          <a:p>
+            <a:pPr marL="342900" lvl="1" indent="-342900"/>
+            <a:r>
+              <a:rPr lang="en-US" sz="2000" dirty="0" smtClean="0"/>
+              <a:t>Good </a:t>
+            </a:r>
+            <a:r>
+              <a:rPr lang="en-US" sz="2000" dirty="0"/>
+              <a:t>start </a:t>
+            </a:r>
+            <a:r>
+              <a:rPr lang="en-US" sz="2000" dirty="0" smtClean="0"/>
+              <a:t>but incomplete: </a:t>
+            </a:r>
+          </a:p>
+          <a:p>
+            <a:pPr marL="742950" lvl="2" indent="-342900"/>
+            <a:r>
+              <a:rPr lang="en-US" sz="2000" dirty="0" smtClean="0"/>
+              <a:t>low </a:t>
+            </a:r>
+            <a:r>
+              <a:rPr lang="en-US" sz="2000" dirty="0"/>
+              <a:t>R-squared </a:t>
+            </a:r>
+            <a:endParaRPr lang="en-US" sz="2000" dirty="0" smtClean="0"/>
+          </a:p>
+          <a:p>
+            <a:pPr marL="742950" lvl="2" indent="-342900"/>
+            <a:r>
+              <a:rPr lang="en-US" sz="2000" dirty="0" smtClean="0"/>
+              <a:t>Lacking other </a:t>
+            </a:r>
+            <a:r>
+              <a:rPr lang="en-US" sz="2000" dirty="0"/>
+              <a:t>variables that could improve the model.</a:t>
+            </a:r>
+          </a:p>
+          <a:p>
+            <a:endParaRPr lang="en-US" dirty="0" smtClean="0"/>
           </a:p>
         </p:txBody>
       </p:sp>
@@ -9929,59 +10812,56 @@
           <a:lstStyle/>
           <a:p>
             <a:r>
-              <a:rPr lang="en-US" dirty="0"/>
+              <a:rPr lang="en-US" sz="3200" dirty="0"/>
               <a:t>Sound model</a:t>
             </a:r>
           </a:p>
           <a:p>
             <a:r>
-              <a:rPr lang="en-US" dirty="0"/>
+              <a:rPr lang="en-US" sz="3200" dirty="0"/>
               <a:t>Small </a:t>
             </a:r>
             <a:r>
-              <a:rPr lang="en-US" dirty="0" err="1"/>
+              <a:rPr lang="en-US" sz="3200" dirty="0" err="1"/>
               <a:t>Adj</a:t>
             </a:r>
             <a:r>
-              <a:rPr lang="en-US" dirty="0"/>
+              <a:rPr lang="en-US" sz="3200" dirty="0"/>
               <a:t> R-</a:t>
             </a:r>
             <a:r>
-              <a:rPr lang="en-US" dirty="0" err="1"/>
+              <a:rPr lang="en-US" sz="3200" dirty="0" err="1"/>
               <a:t>sq</a:t>
             </a:r>
             <a:r>
-              <a:rPr lang="en-US" dirty="0"/>
+              <a:rPr lang="en-US" sz="3200" dirty="0"/>
               <a:t>: other relevant variables</a:t>
             </a:r>
           </a:p>
           <a:p>
             <a:r>
-              <a:rPr lang="en-US" dirty="0"/>
+              <a:rPr lang="en-US" sz="3200" dirty="0"/>
               <a:t>Potential relevant variables:</a:t>
             </a:r>
           </a:p>
           <a:p>
             <a:pPr lvl="1"/>
             <a:r>
-              <a:rPr lang="en-US" dirty="0"/>
+              <a:rPr lang="en-US" sz="2800" dirty="0"/>
               <a:t>Sales of Tesla’s competitors according to Tesla: other luxury cars </a:t>
             </a:r>
           </a:p>
           <a:p>
             <a:pPr lvl="1"/>
             <a:r>
-              <a:rPr lang="en-US" dirty="0"/>
-              <a:t>Example: Audi A7-A8, BMW 6-7Series, Jaguar XJ, Lexus LS, Mercedes-Benz CLS-Class, Mercedes-Benz S-Class, Porsche </a:t>
-            </a:r>
-            <a:r>
-              <a:rPr lang="en-US" dirty="0" err="1"/>
-              <a:t>Panamera</a:t>
-            </a:r>
-            <a:r>
-              <a:rPr lang="en-US" dirty="0"/>
-              <a:t>)</a:t>
-            </a:r>
+              <a:rPr lang="en-US" sz="2800" dirty="0"/>
+              <a:t>Example: Audi </a:t>
+            </a:r>
+            <a:r>
+              <a:rPr lang="en-US" sz="2800" dirty="0" smtClean="0"/>
+              <a:t>A7-A8</a:t>
+            </a:r>
+            <a:endParaRPr lang="en-US" sz="2800" dirty="0"/>
           </a:p>
         </p:txBody>
       </p:sp>
@@ -10056,98 +10936,107 @@
         </p:spPr>
         <p:txBody>
           <a:bodyPr>
-            <a:normAutofit fontScale="92500" lnSpcReduction="20000"/>
+            <a:normAutofit/>
           </a:bodyPr>
           <a:lstStyle/>
           <a:p>
             <a:r>
-              <a:rPr lang="en-US" b="1" u="sng" dirty="0"/>
+              <a:rPr lang="en-US" sz="2400" b="1" u="sng" dirty="0"/>
               <a:t>Price Paid Per Unit of Car by Months</a:t>
             </a:r>
-            <a:endParaRPr lang="en-US" dirty="0"/>
+            <a:endParaRPr lang="en-US" sz="2400" dirty="0"/>
           </a:p>
           <a:p>
             <a:pPr lvl="1"/>
             <a:r>
-              <a:rPr lang="en-US" dirty="0"/>
-              <a:t>One of our inputs in the Regression and correlation analysis was the price paid per unit of electric cars. The data can be seen below and this would make it difficult to use the data. </a:t>
+              <a:rPr lang="en-US" sz="2000" dirty="0" smtClean="0"/>
+              <a:t>Secondary Data – monthly sales normalized to </a:t>
+            </a:r>
+            <a:r>
+              <a:rPr lang="en-US" sz="2000" dirty="0"/>
+              <a:t>create the input data by months</a:t>
             </a:r>
           </a:p>
           <a:p>
             <a:pPr lvl="1"/>
             <a:r>
-              <a:rPr lang="en-US" dirty="0"/>
-              <a:t>The data obtained was secondary data that gave sale by months and below table is the aggregate of the Year this data was then normalized to create the input data by months</a:t>
+              <a:rPr lang="en-US" sz="2000" dirty="0" smtClean="0"/>
+              <a:t>Original </a:t>
+            </a:r>
+            <a:r>
+              <a:rPr lang="en-US" sz="2000" dirty="0"/>
+              <a:t>cost of </a:t>
+            </a:r>
+            <a:r>
+              <a:rPr lang="en-US" sz="2000" dirty="0" smtClean="0"/>
+              <a:t>were </a:t>
+            </a:r>
+            <a:r>
+              <a:rPr lang="en-US" sz="2000" dirty="0"/>
+              <a:t>removed from the </a:t>
+            </a:r>
+            <a:r>
+              <a:rPr lang="en-US" sz="2000" dirty="0" smtClean="0"/>
+              <a:t>calculation – too expensive </a:t>
+            </a:r>
+          </a:p>
+          <a:p>
+            <a:pPr marL="0" indent="0">
+              <a:buNone/>
+            </a:pPr>
+            <a:endParaRPr lang="en-US" sz="2400" dirty="0" smtClean="0"/>
+          </a:p>
+          <a:p>
+            <a:r>
+              <a:rPr lang="en-US" sz="2400" dirty="0" smtClean="0"/>
+              <a:t>Three </a:t>
+            </a:r>
+            <a:r>
+              <a:rPr lang="en-US" sz="2400" dirty="0"/>
+              <a:t>values </a:t>
+            </a:r>
+            <a:r>
+              <a:rPr lang="en-US" sz="2400" dirty="0" smtClean="0"/>
+              <a:t>obtained </a:t>
+            </a:r>
+            <a:r>
+              <a:rPr lang="en-US" sz="2400" dirty="0"/>
+              <a:t>using same </a:t>
+            </a:r>
+            <a:r>
+              <a:rPr lang="en-US" sz="2400" dirty="0" smtClean="0"/>
+              <a:t>formula:</a:t>
             </a:r>
           </a:p>
           <a:p>
             <a:pPr lvl="1"/>
             <a:r>
-              <a:rPr lang="en-US" dirty="0"/>
-              <a:t>The original cost of all cars the outliers such as the Porsche 918 </a:t>
-            </a:r>
-            <a:r>
-              <a:rPr lang="en-US" dirty="0" err="1"/>
-              <a:t>Spyder</a:t>
-            </a:r>
-            <a:r>
-              <a:rPr lang="en-US" dirty="0"/>
-              <a:t> and Others were removed from the calculation as they were outliers too expensive or undeterminable mix not given</a:t>
-            </a:r>
-          </a:p>
-          <a:p>
-            <a:r>
-              <a:rPr lang="en-US" u="sng" dirty="0"/>
-              <a:t>Values</a:t>
-            </a:r>
-            <a:endParaRPr lang="en-US" dirty="0"/>
-          </a:p>
-          <a:p>
-            <a:r>
-              <a:rPr lang="en-US" dirty="0"/>
-              <a:t>Three values were deciphered using same formula the values were </a:t>
+              <a:rPr lang="en-US" sz="2000" dirty="0" smtClean="0"/>
+              <a:t>Price Paid per unit of Tesla, </a:t>
             </a:r>
           </a:p>
           <a:p>
             <a:pPr lvl="1"/>
             <a:r>
-              <a:rPr lang="en-US" dirty="0"/>
-              <a:t>Price Paid per unit of Tesla, </a:t>
+              <a:rPr lang="en-US" sz="2000" dirty="0" smtClean="0"/>
+              <a:t>Price </a:t>
+            </a:r>
+            <a:r>
+              <a:rPr lang="en-US" sz="2000" dirty="0"/>
+              <a:t>per Unit of Electric Cars minus outliers (including tesla) and</a:t>
             </a:r>
           </a:p>
           <a:p>
             <a:pPr lvl="1"/>
             <a:r>
-              <a:rPr lang="en-US" dirty="0"/>
-              <a:t>Price per Unit of Electric Cars minus outliers (including tesla) and</a:t>
-            </a:r>
-          </a:p>
-          <a:p>
-            <a:pPr lvl="1"/>
-            <a:r>
-              <a:rPr lang="en-US" dirty="0"/>
+              <a:rPr lang="en-US" sz="2000" dirty="0"/>
               <a:t>Price Paid per Electric Cars Minus Outliers and Tesla</a:t>
             </a:r>
           </a:p>
           <a:p>
-            <a:endParaRPr lang="en-US" dirty="0"/>
-          </a:p>
-          <a:p>
-            <a:r>
-              <a:rPr lang="en-US" u="sng" dirty="0"/>
-              <a:t>Formula: </a:t>
-            </a:r>
-          </a:p>
-          <a:p>
             <a:pPr marL="0" indent="0">
               <a:buNone/>
             </a:pPr>
-            <a:r>
-              <a:rPr lang="en-US" dirty="0"/>
-              <a:t>	Sum of (Number of Unit of each car sold * Price of the car) / Sum of car sold in that month</a:t>
-            </a:r>
-          </a:p>
-          <a:p>
             <a:endParaRPr lang="en-US" dirty="0"/>
           </a:p>
         </p:txBody>
@@ -10226,7 +11115,7 @@
         </p:xfrm>
         <a:graphic>
           <a:graphicData uri="http://schemas.openxmlformats.org/drawingml/2006/chart">
-            <c:chart xmlns:c="http://schemas.openxmlformats.org/drawingml/2006/chart" xmlns:r="http://schemas.openxmlformats.org/officeDocument/2006/relationships" r:id="rId2"/>
+            <c:chart xmlns:c="http://schemas.openxmlformats.org/drawingml/2006/chart" xmlns:r="http://schemas.openxmlformats.org/officeDocument/2006/relationships" r:id="rId3"/>
           </a:graphicData>
         </a:graphic>
       </p:graphicFrame>
@@ -10305,8 +11194,29 @@
           <a:p>
             <a:r>
               <a:rPr lang="en-US" dirty="0"/>
-              <a:t>Outliers and the early data for 2010 are not included as there were no breakdowns available and the early industry trends would distort the data due to the novelty sales to early adopters.</a:t>
-            </a:r>
+              <a:t>Outliers and </a:t>
+            </a:r>
+            <a:r>
+              <a:rPr lang="en-US" dirty="0" smtClean="0"/>
+              <a:t>early </a:t>
+            </a:r>
+            <a:r>
+              <a:rPr lang="en-US" dirty="0"/>
+              <a:t>data for 2010 </a:t>
+            </a:r>
+            <a:r>
+              <a:rPr lang="en-US" dirty="0" smtClean="0"/>
+              <a:t>not included: no </a:t>
+            </a:r>
+            <a:r>
+              <a:rPr lang="en-US" dirty="0"/>
+              <a:t>breakdowns available and </a:t>
+            </a:r>
+            <a:r>
+              <a:rPr lang="en-US" dirty="0" smtClean="0"/>
+              <a:t>risk of distortion from early adopters.</a:t>
+            </a:r>
+            <a:endParaRPr lang="en-US" dirty="0"/>
           </a:p>
         </p:txBody>
       </p:sp>
@@ -10319,7 +11229,7 @@
           <p:nvPr/>
         </p:nvPicPr>
         <p:blipFill>
-          <a:blip r:embed="rId2"/>
+          <a:blip r:embed="rId3"/>
           <a:stretch>
             <a:fillRect/>
           </a:stretch>
@@ -10493,37 +11403,59 @@
           </a:xfrm>
         </p:spPr>
         <p:txBody>
-          <a:bodyPr/>
-          <a:lstStyle/>
-          <a:p>
-            <a:r>
-              <a:rPr lang="en-US" dirty="0"/>
+          <a:bodyPr>
+            <a:normAutofit/>
+          </a:bodyPr>
+          <a:lstStyle/>
+          <a:p>
+            <a:r>
+              <a:rPr lang="en-US" sz="2400" dirty="0"/>
               <a:t>Government making efforts to let people adapt to the culture of electric vehicles</a:t>
             </a:r>
           </a:p>
           <a:p>
             <a:r>
-              <a:rPr lang="en-US" dirty="0"/>
+              <a:rPr lang="en-US" sz="2400" dirty="0"/>
               <a:t>Elon Musk, CEO of Tesla Motors Inc., thinks of Tesla setting a legacy in future</a:t>
             </a:r>
           </a:p>
           <a:p>
             <a:r>
-              <a:rPr lang="en-US" dirty="0"/>
-              <a:t>Musk’s speculates about Tesla if the business pattern is sustainable with the increase in competition in electric vehicle market</a:t>
-            </a:r>
-          </a:p>
-          <a:p>
-            <a:r>
-              <a:rPr lang="en-US" dirty="0"/>
-              <a:t>Elon Musk wants to make an action plan to be sure of Tesla’s success</a:t>
-            </a:r>
-          </a:p>
-          <a:p>
-            <a:r>
-              <a:rPr lang="en-US" dirty="0"/>
-              <a:t>Factors that are potential to affect the sales performance of Tesla cars, leads to our research question</a:t>
-            </a:r>
+              <a:rPr lang="en-US" sz="2400" dirty="0" smtClean="0"/>
+              <a:t>Musk’s speculation about Tesla sustainability </a:t>
+            </a:r>
+            <a:endParaRPr lang="en-US" sz="2400" dirty="0"/>
+          </a:p>
+          <a:p>
+            <a:r>
+              <a:rPr lang="en-US" sz="2400" dirty="0" smtClean="0"/>
+              <a:t>Elon </a:t>
+            </a:r>
+            <a:r>
+              <a:rPr lang="en-US" sz="2400" dirty="0"/>
+              <a:t>Musk wants to make an action </a:t>
+            </a:r>
+            <a:r>
+              <a:rPr lang="en-US" sz="2400" dirty="0" smtClean="0"/>
+              <a:t>plan for Tesla’s </a:t>
+            </a:r>
+            <a:r>
+              <a:rPr lang="en-US" sz="2400" dirty="0"/>
+              <a:t>success</a:t>
+            </a:r>
+          </a:p>
+          <a:p>
+            <a:r>
+              <a:rPr lang="en-US" sz="2400" dirty="0" smtClean="0"/>
+              <a:t>Potential Factors for tesla’s sales performance </a:t>
+            </a:r>
+            <a:r>
+              <a:rPr lang="en-US" sz="2400" dirty="0" smtClean="0">
+                <a:sym typeface="Wingdings" panose="05000000000000000000" pitchFamily="2" charset="2"/>
+              </a:rPr>
+              <a:t> Research question</a:t>
+            </a:r>
+            <a:endParaRPr lang="en-US" sz="2400" dirty="0"/>
           </a:p>
         </p:txBody>
       </p:sp>
@@ -10604,9 +11536,10 @@
           </a:p>
           <a:p>
             <a:r>
-              <a:rPr lang="en-US" sz="2800" dirty="0"/>
-              <a:t>Does the price paid by consumers of other supplementary electric cars have an effect on the sales of Tesla?</a:t>
-            </a:r>
+              <a:rPr lang="en-US" sz="2800" dirty="0" smtClean="0"/>
+              <a:t>How significant is the relationship Tesla Sales / Substitute Unit Price?</a:t>
+            </a:r>
+            <a:endParaRPr lang="en-US" sz="2800" dirty="0"/>
           </a:p>
         </p:txBody>
       </p:sp>
@@ -10680,31 +11613,68 @@
         </p:nvSpPr>
         <p:spPr/>
         <p:txBody>
-          <a:bodyPr/>
-          <a:lstStyle/>
-          <a:p>
-            <a:r>
-              <a:rPr lang="en-US" dirty="0"/>
-              <a:t>Fall of oil prices created a fuss in electric vehicles market</a:t>
-            </a:r>
-          </a:p>
-          <a:p>
-            <a:r>
-              <a:rPr lang="en-US" dirty="0"/>
+          <a:bodyPr>
+            <a:normAutofit/>
+          </a:bodyPr>
+          <a:lstStyle/>
+          <a:p>
+            <a:r>
+              <a:rPr lang="en-US" sz="2400" dirty="0"/>
+              <a:t>Fall of oil prices </a:t>
+            </a:r>
+            <a:r>
+              <a:rPr lang="en-US" sz="2400" dirty="0" smtClean="0">
+                <a:sym typeface="Wingdings" panose="05000000000000000000" pitchFamily="2" charset="2"/>
+              </a:rPr>
+              <a:t> </a:t>
+            </a:r>
+            <a:r>
+              <a:rPr lang="en-US" sz="2400" dirty="0" smtClean="0"/>
+              <a:t>fuss </a:t>
+            </a:r>
+            <a:r>
+              <a:rPr lang="en-US" sz="2400" dirty="0"/>
+              <a:t>in electric vehicles market</a:t>
+            </a:r>
+          </a:p>
+          <a:p>
+            <a:r>
+              <a:rPr lang="en-US" sz="2400" dirty="0"/>
               <a:t>Along with Tesla, other companies like Nissan, Ford, Toyota began to worry</a:t>
             </a:r>
           </a:p>
           <a:p>
             <a:r>
-              <a:rPr lang="en-US" dirty="0"/>
+              <a:rPr lang="en-US" sz="2400" dirty="0"/>
               <a:t>Review of sales of these companies was done </a:t>
             </a:r>
           </a:p>
           <a:p>
             <a:r>
-              <a:rPr lang="en-US" dirty="0"/>
-              <a:t>Mostly the hybrid and other plugin electric vehicles were mostly hurt due to the decrease in oil prices. </a:t>
-            </a:r>
+              <a:rPr lang="en-US" sz="2400" dirty="0"/>
+              <a:t>Mostly </a:t>
+            </a:r>
+            <a:r>
+              <a:rPr lang="en-US" sz="2400" dirty="0" smtClean="0"/>
+              <a:t>hurt by oil price </a:t>
+            </a:r>
+            <a:r>
+              <a:rPr lang="en-US" sz="2400" dirty="0" err="1" smtClean="0"/>
+              <a:t>dercease</a:t>
+            </a:r>
+            <a:r>
+              <a:rPr lang="en-US" sz="2400" dirty="0" smtClean="0"/>
+              <a:t>: hybrid </a:t>
+            </a:r>
+            <a:r>
+              <a:rPr lang="en-US" sz="2400" dirty="0"/>
+              <a:t>and other plugin electric </a:t>
+            </a:r>
+            <a:r>
+              <a:rPr lang="en-US" sz="2400" dirty="0" smtClean="0"/>
+              <a:t>vehicles</a:t>
+            </a:r>
+            <a:endParaRPr lang="en-US" sz="2400" dirty="0"/>
           </a:p>
         </p:txBody>
       </p:sp>
@@ -10773,31 +11743,42 @@
         </p:nvSpPr>
         <p:spPr/>
         <p:txBody>
-          <a:bodyPr/>
-          <a:lstStyle/>
-          <a:p>
-            <a:r>
-              <a:rPr lang="en-US" dirty="0"/>
-              <a:t>Cost of Oil and Oil products by month</a:t>
-            </a:r>
-          </a:p>
-          <a:p>
-            <a:r>
-              <a:rPr lang="en-US" dirty="0"/>
+          <a:bodyPr>
+            <a:normAutofit/>
+          </a:bodyPr>
+          <a:lstStyle/>
+          <a:p>
+            <a:r>
+              <a:rPr lang="en-US" sz="2400" dirty="0" smtClean="0"/>
+              <a:t>Cost </a:t>
+            </a:r>
+            <a:r>
+              <a:rPr lang="en-US" sz="2400" dirty="0"/>
+              <a:t>of Oil and Oil products by month</a:t>
+            </a:r>
+          </a:p>
+          <a:p>
+            <a:r>
+              <a:rPr lang="en-US" sz="2400" dirty="0"/>
               <a:t>Number of units of electric cars sold from conception in December 2010 to March 2016</a:t>
             </a:r>
           </a:p>
           <a:p>
             <a:r>
-              <a:rPr lang="en-US" dirty="0"/>
+              <a:rPr lang="en-US" sz="2400" dirty="0"/>
               <a:t>Price of electric cars</a:t>
             </a:r>
           </a:p>
           <a:p>
             <a:r>
-              <a:rPr lang="en-US" dirty="0"/>
-              <a:t>Yahoo Finance: We obtained the stock prices of Tesla Motors Inc. (Nasdaq Code- TSLA) for the time period starting from January 2011 through March 2016 from Yahoo Finance. The raw data contained daily data with a few missing data points. The raw data consists of the following fields (all prices are in US dollars): </a:t>
-            </a:r>
+              <a:rPr lang="en-US" sz="2400" dirty="0"/>
+              <a:t>Yahoo </a:t>
+            </a:r>
+            <a:r>
+              <a:rPr lang="en-US" sz="2400" dirty="0" smtClean="0"/>
+              <a:t>Finance: tesla stock price</a:t>
+            </a:r>
+            <a:endParaRPr lang="en-US" sz="2400" dirty="0"/>
           </a:p>
         </p:txBody>
       </p:sp>
@@ -10961,239 +11942,51 @@
           </a:fontRef>
         </p:style>
       </p:cxnSp>
-      <mc:AlternateContent xmlns:mc="http://schemas.openxmlformats.org/markup-compatibility/2006" xmlns:a14="http://schemas.microsoft.com/office/drawing/2010/main">
-        <mc:Choice Requires="a14">
-          <p:sp>
-            <p:nvSpPr>
-              <p:cNvPr id="12" name="Rectangle 11"/>
-              <p:cNvSpPr/>
-              <p:nvPr/>
-            </p:nvSpPr>
-            <p:spPr>
-              <a:xfrm>
-                <a:off x="-552450" y="3939619"/>
-                <a:ext cx="8229600" cy="692434"/>
-              </a:xfrm>
-              <a:prstGeom prst="rect">
-                <a:avLst/>
-              </a:prstGeom>
-            </p:spPr>
-            <p:txBody>
-              <a:bodyPr wrap="square">
-                <a:spAutoFit/>
-              </a:bodyPr>
-              <a:lstStyle/>
-              <a:p>
-                <a:pPr/>
-                <a14:m>
-                  <m:oMathPara xmlns:m="http://schemas.openxmlformats.org/officeDocument/2006/math">
-                    <m:oMathParaPr>
-                      <m:jc m:val="centerGroup"/>
-                    </m:oMathParaPr>
-                    <m:oMath xmlns:m="http://schemas.openxmlformats.org/officeDocument/2006/math">
-                      <m:d>
-                        <m:dPr>
-                          <m:begChr m:val=""/>
-                          <m:endChr m:val=""/>
-                          <m:ctrlPr>
-                            <a:rPr lang="en-US" sz="2000" i="1">
-                              <a:latin typeface="Cambria Math" panose="02040503050406030204" pitchFamily="18" charset="0"/>
-                            </a:rPr>
-                          </m:ctrlPr>
-                        </m:dPr>
-                        <m:e>
-                          <m:r>
-                            <m:rPr>
-                              <m:sty m:val="p"/>
-                            </m:rPr>
-                            <a:rPr lang="en-US" sz="2000" i="0">
-                              <a:latin typeface="Cambria Math" panose="02040503050406030204" pitchFamily="18" charset="0"/>
-                            </a:rPr>
-                            <m:t>Monthly</m:t>
-                          </m:r>
-                          <m:r>
-                            <a:rPr lang="en-US" sz="2000" i="0">
-                              <a:latin typeface="Cambria Math" panose="02040503050406030204" pitchFamily="18" charset="0"/>
-                            </a:rPr>
-                            <m:t> </m:t>
-                          </m:r>
-                          <m:r>
-                            <m:rPr>
-                              <m:sty m:val="p"/>
-                            </m:rPr>
-                            <a:rPr lang="en-US" sz="2000" i="0">
-                              <a:latin typeface="Cambria Math" panose="02040503050406030204" pitchFamily="18" charset="0"/>
-                            </a:rPr>
-                            <m:t>Stock</m:t>
-                          </m:r>
-                          <m:r>
-                            <a:rPr lang="en-US" sz="2000" i="0">
-                              <a:latin typeface="Cambria Math" panose="02040503050406030204" pitchFamily="18" charset="0"/>
-                            </a:rPr>
-                            <m:t> </m:t>
-                          </m:r>
-                          <m:r>
-                            <m:rPr>
-                              <m:sty m:val="p"/>
-                            </m:rPr>
-                            <a:rPr lang="en-US" sz="2000" i="0">
-                              <a:latin typeface="Cambria Math" panose="02040503050406030204" pitchFamily="18" charset="0"/>
-                            </a:rPr>
-                            <m:t>Price</m:t>
-                          </m:r>
-                        </m:e>
-                      </m:d>
-                      <m:r>
-                        <a:rPr lang="en-US" sz="2000" i="0">
-                          <a:latin typeface="Cambria Math" panose="02040503050406030204" pitchFamily="18" charset="0"/>
-                        </a:rPr>
-                        <m:t>=</m:t>
-                      </m:r>
-                      <m:nary>
-                        <m:naryPr>
-                          <m:chr m:val="∑"/>
-                          <m:limLoc m:val="subSup"/>
-                          <m:grow m:val="on"/>
-                          <m:ctrlPr>
-                            <a:rPr lang="en-US" sz="2000" i="1">
-                              <a:latin typeface="Cambria Math" panose="02040503050406030204" pitchFamily="18" charset="0"/>
-                            </a:rPr>
-                          </m:ctrlPr>
-                        </m:naryPr>
-                        <m:sub>
-                          <m:r>
-                            <m:rPr>
-                              <m:sty m:val="p"/>
-                            </m:rPr>
-                            <a:rPr lang="en-US" sz="2000" i="0">
-                              <a:latin typeface="Cambria Math" panose="02040503050406030204" pitchFamily="18" charset="0"/>
-                            </a:rPr>
-                            <m:t>k</m:t>
-                          </m:r>
-                          <m:r>
-                            <a:rPr lang="en-US" sz="2000" i="0">
-                              <a:latin typeface="Cambria Math" panose="02040503050406030204" pitchFamily="18" charset="0"/>
-                            </a:rPr>
-                            <m:t>=0</m:t>
-                          </m:r>
-                        </m:sub>
-                        <m:sup>
-                          <m:r>
-                            <m:rPr>
-                              <m:sty m:val="p"/>
-                            </m:rPr>
-                            <a:rPr lang="en-US" sz="2000" i="0">
-                              <a:latin typeface="Cambria Math" panose="02040503050406030204" pitchFamily="18" charset="0"/>
-                            </a:rPr>
-                            <m:t>n</m:t>
-                          </m:r>
-                        </m:sup>
-                        <m:e>
-                          <m:r>
-                            <m:rPr>
-                              <m:sty m:val="p"/>
-                            </m:rPr>
-                            <a:rPr lang="en-US" sz="2000" i="0">
-                              <a:latin typeface="Cambria Math" panose="02040503050406030204" pitchFamily="18" charset="0"/>
-                            </a:rPr>
-                            <m:t>Adjusted</m:t>
-                          </m:r>
-                          <m:r>
-                            <a:rPr lang="en-US" sz="2000" i="0">
-                              <a:latin typeface="Cambria Math" panose="02040503050406030204" pitchFamily="18" charset="0"/>
-                            </a:rPr>
-                            <m:t> </m:t>
-                          </m:r>
-                          <m:r>
-                            <m:rPr>
-                              <m:sty m:val="p"/>
-                            </m:rPr>
-                            <a:rPr lang="en-US" sz="2000" i="0">
-                              <a:latin typeface="Cambria Math" panose="02040503050406030204" pitchFamily="18" charset="0"/>
-                            </a:rPr>
-                            <m:t>Clos</m:t>
-                          </m:r>
-                          <m:f>
-                            <m:fPr>
-                              <m:type m:val="lin"/>
-                              <m:ctrlPr>
-                                <a:rPr lang="en-US" sz="2000" i="1">
-                                  <a:latin typeface="Cambria Math" panose="02040503050406030204" pitchFamily="18" charset="0"/>
-                                </a:rPr>
-                              </m:ctrlPr>
-                            </m:fPr>
-                            <m:num>
-                              <m:r>
-                                <m:rPr>
-                                  <m:sty m:val="p"/>
-                                </m:rPr>
-                                <a:rPr lang="en-US" sz="2000" i="0">
-                                  <a:latin typeface="Cambria Math" panose="02040503050406030204" pitchFamily="18" charset="0"/>
-                                </a:rPr>
-                                <m:t>e</m:t>
-                              </m:r>
-                            </m:num>
-                            <m:den>
-                              <m:r>
-                                <m:rPr>
-                                  <m:sty m:val="p"/>
-                                </m:rPr>
-                                <a:rPr lang="en-US" sz="2000" i="0">
-                                  <a:latin typeface="Cambria Math" panose="02040503050406030204" pitchFamily="18" charset="0"/>
-                                </a:rPr>
-                                <m:t>n</m:t>
-                              </m:r>
-                            </m:den>
-                          </m:f>
-                        </m:e>
-                      </m:nary>
-                    </m:oMath>
-                  </m:oMathPara>
-                </a14:m>
-                <a:endParaRPr lang="en-US" sz="2000" dirty="0"/>
-              </a:p>
-            </p:txBody>
-          </p:sp>
-        </mc:Choice>
-        <mc:Fallback xmlns="">
-          <p:sp>
-            <p:nvSpPr>
-              <p:cNvPr id="12" name="Rectangle 11"/>
-              <p:cNvSpPr>
-                <a:spLocks noRot="1" noChangeAspect="1" noMove="1" noResize="1" noEditPoints="1" noAdjustHandles="1" noChangeArrowheads="1" noChangeShapeType="1" noTextEdit="1"/>
-              </p:cNvSpPr>
-              <p:nvPr/>
-            </p:nvSpPr>
-            <p:spPr>
-              <a:xfrm>
-                <a:off x="-552450" y="3939619"/>
-                <a:ext cx="8229600" cy="692434"/>
-              </a:xfrm>
-              <a:prstGeom prst="rect">
-                <a:avLst/>
-              </a:prstGeom>
-              <a:blipFill rotWithShape="0">
-                <a:blip r:embed="rId2"/>
-                <a:stretch>
-                  <a:fillRect/>
-                </a:stretch>
-              </a:blipFill>
-            </p:spPr>
-            <p:txBody>
-              <a:bodyPr/>
-              <a:lstStyle/>
-              <a:p>
-                <a:r>
-                  <a:rPr lang="en-US">
-                    <a:noFill/>
-                  </a:rPr>
-                  <a:t> </a:t>
-                </a:r>
-              </a:p>
-            </p:txBody>
-          </p:sp>
-        </mc:Fallback>
-      </mc:AlternateContent>
+      <p:sp>
+        <p:nvSpPr>
+          <p:cNvPr id="7" name="Rectangle 6"/>
+          <p:cNvSpPr/>
+          <p:nvPr/>
+        </p:nvSpPr>
+        <p:spPr>
+          <a:xfrm>
+            <a:off x="657495" y="3786088"/>
+            <a:ext cx="8616507" cy="1536254"/>
+          </a:xfrm>
+          <a:prstGeom prst="rect">
+            <a:avLst/>
+          </a:prstGeom>
+        </p:spPr>
+        <p:txBody>
+          <a:bodyPr wrap="square">
+            <a:spAutoFit/>
+          </a:bodyPr>
+          <a:lstStyle/>
+          <a:p>
+            <a:r>
+              <a:rPr lang="en-US" sz="2000" u="sng" dirty="0"/>
+              <a:t>Formula: </a:t>
+            </a:r>
+          </a:p>
+          <a:p>
+            <a:r>
+              <a:rPr lang="en-US" sz="2000" dirty="0"/>
+              <a:t>	Sum of (Number of Unit of each car sold * Price of the car) / Sum of car sold in that month</a:t>
+            </a:r>
+          </a:p>
+          <a:p>
+            <a:pPr marL="57150">
+              <a:lnSpc>
+                <a:spcPct val="200000"/>
+              </a:lnSpc>
+            </a:pPr>
+            <a:endParaRPr lang="en-US" sz="2000" dirty="0">
+              <a:ea typeface="SimSun" panose="02010600030101010101" pitchFamily="2" charset="-122"/>
+              <a:cs typeface="Times New Roman" panose="02020603050405020304" pitchFamily="18" charset="0"/>
+            </a:endParaRPr>
+          </a:p>
+        </p:txBody>
+      </p:sp>
     </p:spTree>
     <p:extLst>
       <p:ext uri="{BB962C8B-B14F-4D97-AF65-F5344CB8AC3E}">
@@ -11226,7 +12019,7 @@
       </p:grpSpPr>
       <p:sp>
         <p:nvSpPr>
-          <p:cNvPr id="2" name="Title 1"/>
+          <p:cNvPr id="7" name="Title 6"/>
           <p:cNvSpPr>
             <a:spLocks noGrp="1"/>
           </p:cNvSpPr>
@@ -11234,85 +12027,208 @@
             <p:ph type="title"/>
           </p:nvPr>
         </p:nvSpPr>
-        <p:spPr/>
-        <p:txBody>
-          <a:bodyPr/>
+        <p:spPr>
+          <a:xfrm>
+            <a:off x="5360307" y="2717310"/>
+            <a:ext cx="3913868" cy="362856"/>
+          </a:xfrm>
+        </p:spPr>
+        <p:txBody>
+          <a:bodyPr>
+            <a:noAutofit/>
+          </a:bodyPr>
           <a:lstStyle/>
           <a:p>
             <a:pPr algn="ctr"/>
             <a:r>
-              <a:rPr lang="en-US" dirty="0"/>
-              <a:t>Technical Approach</a:t>
-            </a:r>
-          </a:p>
-        </p:txBody>
-      </p:sp>
-      <p:sp>
-        <p:nvSpPr>
-          <p:cNvPr id="3" name="Content Placeholder 2"/>
-          <p:cNvSpPr>
-            <a:spLocks noGrp="1"/>
-          </p:cNvSpPr>
-          <p:nvPr>
-            <p:ph idx="1"/>
-          </p:nvPr>
-        </p:nvSpPr>
-        <p:spPr/>
-        <p:txBody>
-          <a:bodyPr/>
-          <a:lstStyle/>
-          <a:p>
-            <a:r>
-              <a:rPr lang="en-US" dirty="0"/>
-              <a:t>Analyze Tesla’s sales – impact of external factors </a:t>
-            </a:r>
-          </a:p>
-          <a:p>
-            <a:pPr lvl="1"/>
-            <a:r>
-              <a:rPr lang="en-US" dirty="0"/>
-              <a:t>Fluctuations in oil prices and money spent on other electric cars in general</a:t>
-            </a:r>
-          </a:p>
-          <a:p>
-            <a:r>
-              <a:rPr lang="en-US" dirty="0"/>
-              <a:t>Linear Regression Model</a:t>
-            </a:r>
-          </a:p>
-          <a:p>
-            <a:r>
-              <a:rPr lang="en-US" dirty="0"/>
-              <a:t>Final Dataset – 45 standardized monthly observations from June 2012 to March 2016: </a:t>
-            </a:r>
-          </a:p>
-          <a:p>
-            <a:pPr lvl="1"/>
-            <a:r>
-              <a:rPr lang="en-US" dirty="0"/>
-              <a:t>Sales of Tesla</a:t>
-            </a:r>
-          </a:p>
-          <a:p>
-            <a:pPr lvl="1"/>
-            <a:r>
-              <a:rPr lang="en-US" dirty="0"/>
-              <a:t>Oil Prices</a:t>
-            </a:r>
-          </a:p>
-          <a:p>
-            <a:pPr lvl="1"/>
-            <a:r>
-              <a:rPr lang="en-US" dirty="0"/>
-              <a:t>Substitute Unit Price</a:t>
-            </a:r>
+              <a:rPr lang="en-US" sz="1100" b="1" dirty="0" smtClean="0">
+                <a:solidFill>
+                  <a:schemeClr val="tx1"/>
+                </a:solidFill>
+              </a:rPr>
+              <a:t>Boxplot of </a:t>
+            </a:r>
+            <a:r>
+              <a:rPr lang="en-US" sz="1100" b="1" dirty="0" err="1" smtClean="0">
+                <a:solidFill>
+                  <a:schemeClr val="tx1"/>
+                </a:solidFill>
+              </a:rPr>
+              <a:t>TESLA.DATASET$T.sales</a:t>
+            </a:r>
+            <a:endParaRPr lang="en-US" sz="1100" b="1" dirty="0">
+              <a:solidFill>
+                <a:schemeClr val="tx1"/>
+              </a:solidFill>
+            </a:endParaRPr>
+          </a:p>
+        </p:txBody>
+      </p:sp>
+      <p:pic>
+        <p:nvPicPr>
+          <p:cNvPr id="4" name="Content Placeholder 3"/>
+          <p:cNvPicPr>
+            <a:picLocks noGrp="1" noChangeAspect="1"/>
+          </p:cNvPicPr>
+          <p:nvPr>
+            <p:ph sz="half" idx="1"/>
+          </p:nvPr>
+        </p:nvPicPr>
+        <p:blipFill>
+          <a:blip r:embed="rId3">
+            <a:extLst>
+              <a:ext uri="{28A0092B-C50C-407E-A947-70E740481C1C}">
+                <a14:useLocalDpi xmlns:a14="http://schemas.microsoft.com/office/drawing/2010/main" val="0"/>
+              </a:ext>
+            </a:extLst>
+          </a:blip>
+          <a:stretch>
+            <a:fillRect/>
+          </a:stretch>
+        </p:blipFill>
+        <p:spPr>
+          <a:xfrm>
+            <a:off x="677863" y="3018402"/>
+            <a:ext cx="4183062" cy="2165809"/>
+          </a:xfrm>
+        </p:spPr>
+      </p:pic>
+      <p:pic>
+        <p:nvPicPr>
+          <p:cNvPr id="5" name="Content Placeholder 4"/>
+          <p:cNvPicPr>
+            <a:picLocks noGrp="1" noChangeAspect="1"/>
+          </p:cNvPicPr>
+          <p:nvPr>
+            <p:ph sz="half" idx="2"/>
+          </p:nvPr>
+        </p:nvPicPr>
+        <p:blipFill>
+          <a:blip r:embed="rId4">
+            <a:extLst>
+              <a:ext uri="{28A0092B-C50C-407E-A947-70E740481C1C}">
+                <a14:useLocalDpi xmlns:a14="http://schemas.microsoft.com/office/drawing/2010/main" val="0"/>
+              </a:ext>
+            </a:extLst>
+          </a:blip>
+          <a:stretch>
+            <a:fillRect/>
+          </a:stretch>
+        </p:blipFill>
+        <p:spPr>
+          <a:xfrm>
+            <a:off x="5089525" y="3017991"/>
+            <a:ext cx="4184650" cy="2166631"/>
+          </a:xfrm>
+        </p:spPr>
+      </p:pic>
+      <p:sp>
+        <p:nvSpPr>
+          <p:cNvPr id="9" name="Title 6"/>
+          <p:cNvSpPr txBox="1">
+            <a:spLocks/>
+          </p:cNvSpPr>
+          <p:nvPr/>
+        </p:nvSpPr>
+        <p:spPr>
+          <a:xfrm>
+            <a:off x="829734" y="762000"/>
+            <a:ext cx="8596668" cy="1320800"/>
+          </a:xfrm>
+          <a:prstGeom prst="rect">
+            <a:avLst/>
+          </a:prstGeom>
+        </p:spPr>
+        <p:txBody>
+          <a:bodyPr vert="horz" lIns="91440" tIns="45720" rIns="91440" bIns="45720" rtlCol="0" anchor="t">
+            <a:normAutofit/>
+          </a:bodyPr>
+          <a:lstStyle>
+            <a:lvl1pPr algn="l" defTabSz="457200" rtl="0" eaLnBrk="1" latinLnBrk="0" hangingPunct="1">
+              <a:spcBef>
+                <a:spcPct val="0"/>
+              </a:spcBef>
+              <a:buNone/>
+              <a:defRPr sz="3600" kern="1200">
+                <a:solidFill>
+                  <a:schemeClr val="accent1"/>
+                </a:solidFill>
+                <a:latin typeface="+mj-lt"/>
+                <a:ea typeface="+mj-ea"/>
+                <a:cs typeface="+mj-cs"/>
+              </a:defRPr>
+            </a:lvl1pPr>
+            <a:lvl2pPr eaLnBrk="1" hangingPunct="1">
+              <a:defRPr>
+                <a:solidFill>
+                  <a:schemeClr val="tx2"/>
+                </a:solidFill>
+              </a:defRPr>
+            </a:lvl2pPr>
+            <a:lvl3pPr eaLnBrk="1" hangingPunct="1">
+              <a:defRPr>
+                <a:solidFill>
+                  <a:schemeClr val="tx2"/>
+                </a:solidFill>
+              </a:defRPr>
+            </a:lvl3pPr>
+            <a:lvl4pPr eaLnBrk="1" hangingPunct="1">
+              <a:defRPr>
+                <a:solidFill>
+                  <a:schemeClr val="tx2"/>
+                </a:solidFill>
+              </a:defRPr>
+            </a:lvl4pPr>
+            <a:lvl5pPr eaLnBrk="1" hangingPunct="1">
+              <a:defRPr>
+                <a:solidFill>
+                  <a:schemeClr val="tx2"/>
+                </a:solidFill>
+              </a:defRPr>
+            </a:lvl5pPr>
+            <a:lvl6pPr eaLnBrk="1" hangingPunct="1">
+              <a:defRPr>
+                <a:solidFill>
+                  <a:schemeClr val="tx2"/>
+                </a:solidFill>
+              </a:defRPr>
+            </a:lvl6pPr>
+            <a:lvl7pPr eaLnBrk="1" hangingPunct="1">
+              <a:defRPr>
+                <a:solidFill>
+                  <a:schemeClr val="tx2"/>
+                </a:solidFill>
+              </a:defRPr>
+            </a:lvl7pPr>
+            <a:lvl8pPr eaLnBrk="1" hangingPunct="1">
+              <a:defRPr>
+                <a:solidFill>
+                  <a:schemeClr val="tx2"/>
+                </a:solidFill>
+              </a:defRPr>
+            </a:lvl8pPr>
+            <a:lvl9pPr eaLnBrk="1" hangingPunct="1">
+              <a:defRPr>
+                <a:solidFill>
+                  <a:schemeClr val="tx2"/>
+                </a:solidFill>
+              </a:defRPr>
+            </a:lvl9pPr>
+          </a:lstStyle>
+          <a:p>
+            <a:pPr algn="ctr"/>
+            <a:r>
+              <a:rPr lang="en-US" smtClean="0"/>
+              <a:t>Test and Evaluation</a:t>
+            </a:r>
+            <a:endParaRPr lang="en-US" dirty="0"/>
           </a:p>
         </p:txBody>
       </p:sp>
     </p:spTree>
     <p:extLst>
       <p:ext uri="{BB962C8B-B14F-4D97-AF65-F5344CB8AC3E}">
-        <p14:creationId xmlns:p14="http://schemas.microsoft.com/office/powerpoint/2010/main" val="2968355345"/>
+        <p14:creationId xmlns:p14="http://schemas.microsoft.com/office/powerpoint/2010/main" val="1458754961"/>
       </p:ext>
     </p:extLst>
   </p:cSld>
@@ -11356,192 +12272,73 @@
           <a:p>
             <a:pPr algn="ctr"/>
             <a:r>
-              <a:rPr lang="en-US" dirty="0"/>
-              <a:t>Multi-Linear Regression Model (R) </a:t>
-            </a:r>
-          </a:p>
-        </p:txBody>
-      </p:sp>
-      <p:sp>
-        <p:nvSpPr>
-          <p:cNvPr id="4" name="Content Placeholder 3"/>
-          <p:cNvSpPr>
-            <a:spLocks noGrp="1"/>
-          </p:cNvSpPr>
-          <p:nvPr>
-            <p:ph sz="half" idx="1"/>
+              <a:rPr lang="en-US" dirty="0" smtClean="0"/>
+              <a:t>Model and Results</a:t>
+            </a:r>
+            <a:endParaRPr lang="en-US" dirty="0"/>
+          </a:p>
+        </p:txBody>
+      </p:sp>
+      <p:sp>
+        <p:nvSpPr>
+          <p:cNvPr id="3" name="Content Placeholder 2"/>
+          <p:cNvSpPr>
+            <a:spLocks noGrp="1"/>
+          </p:cNvSpPr>
+          <p:nvPr>
+            <p:ph idx="1"/>
           </p:nvPr>
         </p:nvSpPr>
         <p:spPr/>
         <p:txBody>
-          <a:bodyPr/>
-          <a:lstStyle/>
-          <a:p>
-            <a:r>
-              <a:rPr lang="en-US" dirty="0"/>
-              <a:t>1</a:t>
-            </a:r>
-            <a:r>
-              <a:rPr lang="en-US" baseline="30000" dirty="0"/>
-              <a:t>st</a:t>
-            </a:r>
-            <a:r>
-              <a:rPr lang="en-US" dirty="0"/>
-              <a:t> Iteration</a:t>
-            </a:r>
-          </a:p>
-          <a:p>
-            <a:pPr lvl="1" latinLnBrk="1"/>
-            <a:r>
-              <a:rPr lang="en-US" dirty="0" err="1"/>
-              <a:t>T.Sales</a:t>
-            </a:r>
-            <a:r>
-              <a:rPr lang="en-US" dirty="0"/>
-              <a:t> = -1.055e-10 – 0.14 x oil price + 0.48 x </a:t>
-            </a:r>
-            <a:r>
-              <a:rPr lang="en-US" dirty="0" err="1"/>
-              <a:t>substitute.unit.price</a:t>
-            </a:r>
-            <a:endParaRPr lang="en-US" dirty="0"/>
+          <a:bodyPr>
+            <a:normAutofit/>
+          </a:bodyPr>
+          <a:lstStyle/>
+          <a:p>
+            <a:r>
+              <a:rPr lang="en-US" sz="2400" dirty="0"/>
+              <a:t>Analyze Tesla’s sales – impact of external factors </a:t>
+            </a:r>
           </a:p>
           <a:p>
             <a:pPr lvl="1"/>
             <a:r>
-              <a:rPr lang="en-US" dirty="0"/>
-              <a:t> model significant as a whole</a:t>
+              <a:rPr lang="en-US" sz="2000" dirty="0"/>
+              <a:t>Fluctuations in oil prices and money spent on other electric cars in general</a:t>
+            </a:r>
+          </a:p>
+          <a:p>
+            <a:r>
+              <a:rPr lang="en-US" sz="2400" dirty="0"/>
+              <a:t>Linear Regression Model</a:t>
+            </a:r>
+          </a:p>
+          <a:p>
+            <a:r>
+              <a:rPr lang="en-US" sz="2400" dirty="0"/>
+              <a:t>Final Dataset – 45 standardized monthly observations from June 2012 to March 2016: </a:t>
             </a:r>
           </a:p>
           <a:p>
             <a:pPr lvl="1"/>
             <a:r>
-              <a:rPr lang="en-US" dirty="0"/>
-              <a:t>Oil price </a:t>
-            </a:r>
-            <a:r>
-              <a:rPr lang="en-US" dirty="0" err="1"/>
-              <a:t>valriable</a:t>
-            </a:r>
-            <a:r>
-              <a:rPr lang="en-US" dirty="0"/>
-              <a:t> is not significant</a:t>
+              <a:rPr lang="en-US" sz="2000" dirty="0"/>
+              <a:t>Sales of Tesla</a:t>
             </a:r>
           </a:p>
           <a:p>
             <a:pPr lvl="1"/>
             <a:r>
-              <a:rPr lang="en-US" dirty="0" err="1"/>
-              <a:t>Adj</a:t>
-            </a:r>
-            <a:r>
-              <a:rPr lang="en-US" dirty="0"/>
-              <a:t> R-</a:t>
-            </a:r>
-            <a:r>
-              <a:rPr lang="en-US" dirty="0" err="1"/>
-              <a:t>sq</a:t>
-            </a:r>
-            <a:r>
-              <a:rPr lang="en-US" dirty="0"/>
-              <a:t>: 33.82%</a:t>
-            </a:r>
-          </a:p>
-          <a:p>
-            <a:endParaRPr lang="en-US" dirty="0"/>
-          </a:p>
-        </p:txBody>
-      </p:sp>
-      <p:sp>
-        <p:nvSpPr>
-          <p:cNvPr id="5" name="Content Placeholder 4"/>
-          <p:cNvSpPr>
-            <a:spLocks noGrp="1"/>
-          </p:cNvSpPr>
-          <p:nvPr>
-            <p:ph sz="half" idx="2"/>
-          </p:nvPr>
-        </p:nvSpPr>
-        <p:spPr/>
-        <p:txBody>
-          <a:bodyPr/>
-          <a:lstStyle/>
-          <a:p>
-            <a:r>
-              <a:rPr lang="en-US" dirty="0"/>
-              <a:t>2</a:t>
-            </a:r>
-            <a:r>
-              <a:rPr lang="en-US" baseline="30000" dirty="0"/>
-              <a:t>nd</a:t>
-            </a:r>
-            <a:r>
-              <a:rPr lang="en-US" dirty="0"/>
-              <a:t> iteration</a:t>
+              <a:rPr lang="en-US" sz="2000" dirty="0"/>
+              <a:t>Oil Prices</a:t>
             </a:r>
           </a:p>
           <a:p>
             <a:pPr lvl="1"/>
             <a:r>
-              <a:rPr lang="en-US" b="1" dirty="0" err="1"/>
-              <a:t>T.Sales</a:t>
-            </a:r>
-            <a:r>
-              <a:rPr lang="en-US" b="1" dirty="0"/>
-              <a:t> = -9.812e-11 + 0.6 x </a:t>
-            </a:r>
-            <a:r>
-              <a:rPr lang="en-US" b="1" dirty="0" err="1"/>
-              <a:t>substitute.unit.price</a:t>
-            </a:r>
-            <a:endParaRPr lang="en-US" b="1" dirty="0"/>
-          </a:p>
-          <a:p>
-            <a:pPr lvl="1"/>
-            <a:r>
-              <a:rPr lang="en-US" dirty="0"/>
-              <a:t>Model significant as a whole</a:t>
-            </a:r>
-          </a:p>
-          <a:p>
-            <a:pPr lvl="1"/>
-            <a:r>
-              <a:rPr lang="en-US" dirty="0"/>
-              <a:t>No non-significant variables</a:t>
-            </a:r>
-          </a:p>
-          <a:p>
-            <a:pPr lvl="1"/>
-            <a:r>
-              <a:rPr lang="en-US" dirty="0" err="1"/>
-              <a:t>Adj</a:t>
-            </a:r>
-            <a:r>
-              <a:rPr lang="en-US" dirty="0"/>
-              <a:t> R-</a:t>
-            </a:r>
-            <a:r>
-              <a:rPr lang="en-US" dirty="0" err="1"/>
-              <a:t>sq</a:t>
-            </a:r>
-            <a:r>
-              <a:rPr lang="en-US" dirty="0"/>
-              <a:t>: 34.98% (increase from 1</a:t>
-            </a:r>
-            <a:r>
-              <a:rPr lang="en-US" baseline="30000" dirty="0"/>
-              <a:t>st</a:t>
-            </a:r>
-            <a:r>
-              <a:rPr lang="en-US" dirty="0"/>
-              <a:t> iteration)</a:t>
-            </a:r>
-          </a:p>
-          <a:p>
-            <a:pPr lvl="1"/>
-            <a:r>
-              <a:rPr lang="en-US" dirty="0"/>
-              <a:t>FINAL MODEL</a:t>
+              <a:rPr lang="en-US" sz="2000" dirty="0"/>
+              <a:t>Substitute Unit Price</a:t>
             </a:r>
           </a:p>
         </p:txBody>
@@ -11549,7 +12346,7 @@
     </p:spTree>
     <p:extLst>
       <p:ext uri="{BB962C8B-B14F-4D97-AF65-F5344CB8AC3E}">
-        <p14:creationId xmlns:p14="http://schemas.microsoft.com/office/powerpoint/2010/main" val="2441050392"/>
+        <p14:creationId xmlns:p14="http://schemas.microsoft.com/office/powerpoint/2010/main" val="2968355345"/>
       </p:ext>
     </p:extLst>
   </p:cSld>
@@ -11593,41 +12390,85 @@
           <a:p>
             <a:pPr algn="ctr"/>
             <a:r>
+              <a:rPr lang="en-US" dirty="0" smtClean="0"/>
+              <a:t>Model and Results </a:t>
+            </a:r>
+            <a:r>
+              <a:rPr lang="en-US" dirty="0" err="1" smtClean="0"/>
+              <a:t>ctd</a:t>
+            </a:r>
+            <a:endParaRPr lang="en-US" dirty="0"/>
+          </a:p>
+        </p:txBody>
+      </p:sp>
+      <p:sp>
+        <p:nvSpPr>
+          <p:cNvPr id="4" name="Content Placeholder 3"/>
+          <p:cNvSpPr>
+            <a:spLocks noGrp="1"/>
+          </p:cNvSpPr>
+          <p:nvPr>
+            <p:ph sz="half" idx="1"/>
+          </p:nvPr>
+        </p:nvSpPr>
+        <p:spPr/>
+        <p:txBody>
+          <a:bodyPr/>
+          <a:lstStyle/>
+          <a:p>
+            <a:r>
               <a:rPr lang="en-US" dirty="0"/>
-              <a:t>Model Conclusion</a:t>
-            </a:r>
-          </a:p>
-        </p:txBody>
-      </p:sp>
-      <p:sp>
-        <p:nvSpPr>
-          <p:cNvPr id="5" name="Content Placeholder 4"/>
-          <p:cNvSpPr>
-            <a:spLocks noGrp="1"/>
-          </p:cNvSpPr>
-          <p:nvPr>
-            <p:ph idx="1"/>
-          </p:nvPr>
-        </p:nvSpPr>
-        <p:spPr/>
-        <p:txBody>
-          <a:bodyPr>
-            <a:normAutofit/>
-          </a:bodyPr>
-          <a:lstStyle/>
-          <a:p>
+              <a:t>1</a:t>
+            </a:r>
+            <a:r>
+              <a:rPr lang="en-US" baseline="30000" dirty="0"/>
+              <a:t>st</a:t>
+            </a:r>
             <a:r>
               <a:rPr lang="en-US" dirty="0"/>
-              <a:t>Each unit increase in the standardized substitute unit prices gives us an increase of 0.6 units in the standardized Tesla monthly sales on average</a:t>
-            </a:r>
-          </a:p>
-          <a:p>
+              <a:t> Iteration</a:t>
+            </a:r>
+          </a:p>
+          <a:p>
+            <a:pPr lvl="1" latinLnBrk="1"/>
+            <a:r>
+              <a:rPr lang="en-US" dirty="0" err="1"/>
+              <a:t>T.Sales</a:t>
+            </a:r>
             <a:r>
               <a:rPr lang="en-US" dirty="0"/>
-              <a:t>35% of the variability in the Tesla monthly sales is explained by the model. </a:t>
-            </a:r>
-          </a:p>
-          <a:p>
+              <a:t> = -1.055e-10 – 0.14 x oil price + 0.48 x </a:t>
+            </a:r>
+            <a:r>
+              <a:rPr lang="en-US" dirty="0" err="1"/>
+              <a:t>substitute.unit.price</a:t>
+            </a:r>
+            <a:endParaRPr lang="en-US" dirty="0"/>
+          </a:p>
+          <a:p>
+            <a:pPr lvl="1"/>
+            <a:r>
+              <a:rPr lang="en-US" dirty="0"/>
+              <a:t> model significant as a whole</a:t>
+            </a:r>
+          </a:p>
+          <a:p>
+            <a:pPr lvl="1"/>
+            <a:r>
+              <a:rPr lang="en-US" dirty="0"/>
+              <a:t>Oil price </a:t>
+            </a:r>
+            <a:r>
+              <a:rPr lang="en-US" dirty="0" err="1"/>
+              <a:t>valriable</a:t>
+            </a:r>
+            <a:r>
+              <a:rPr lang="en-US" dirty="0"/>
+              <a:t> is not significant</a:t>
+            </a:r>
+          </a:p>
+          <a:p>
+            <a:pPr lvl="1"/>
             <a:r>
               <a:rPr lang="en-US" dirty="0" err="1"/>
               <a:t>Adj</a:t>
@@ -11642,13 +12483,104 @@
             </a:r>
             <a:r>
               <a:rPr lang="en-US" dirty="0"/>
-              <a:t> is below 40%</a:t>
-            </a:r>
-          </a:p>
+              <a:t>: 33.82%</a:t>
+            </a:r>
+          </a:p>
+          <a:p>
+            <a:endParaRPr lang="en-US" dirty="0"/>
+          </a:p>
+        </p:txBody>
+      </p:sp>
+      <p:sp>
+        <p:nvSpPr>
+          <p:cNvPr id="5" name="Content Placeholder 4"/>
+          <p:cNvSpPr>
+            <a:spLocks noGrp="1"/>
+          </p:cNvSpPr>
+          <p:nvPr>
+            <p:ph sz="half" idx="2"/>
+          </p:nvPr>
+        </p:nvSpPr>
+        <p:spPr/>
+        <p:txBody>
+          <a:bodyPr/>
+          <a:lstStyle/>
           <a:p>
             <a:r>
               <a:rPr lang="en-US" dirty="0"/>
-              <a:t>Safe assumption: Several other factors not present in this analysis are responsible for the movements in the Tesla monthly sales. </a:t>
+              <a:t>2</a:t>
+            </a:r>
+            <a:r>
+              <a:rPr lang="en-US" baseline="30000" dirty="0"/>
+              <a:t>nd</a:t>
+            </a:r>
+            <a:r>
+              <a:rPr lang="en-US" dirty="0"/>
+              <a:t> iteration</a:t>
+            </a:r>
+          </a:p>
+          <a:p>
+            <a:pPr lvl="1"/>
+            <a:r>
+              <a:rPr lang="en-US" b="1" dirty="0" err="1"/>
+              <a:t>T.Sales</a:t>
+            </a:r>
+            <a:r>
+              <a:rPr lang="en-US" b="1" dirty="0"/>
+              <a:t> = -9.812e-11 + 0.6 x </a:t>
+            </a:r>
+            <a:r>
+              <a:rPr lang="en-US" b="1" dirty="0" err="1"/>
+              <a:t>substitute.unit.price</a:t>
+            </a:r>
+            <a:endParaRPr lang="en-US" b="1" dirty="0"/>
+          </a:p>
+          <a:p>
+            <a:pPr lvl="1"/>
+            <a:r>
+              <a:rPr lang="en-US" dirty="0"/>
+              <a:t>Model significant as a whole</a:t>
+            </a:r>
+          </a:p>
+          <a:p>
+            <a:pPr lvl="1"/>
+            <a:r>
+              <a:rPr lang="en-US" dirty="0"/>
+              <a:t>No non-significant variables</a:t>
+            </a:r>
+          </a:p>
+          <a:p>
+            <a:pPr lvl="1"/>
+            <a:r>
+              <a:rPr lang="en-US" dirty="0" err="1"/>
+              <a:t>Adj</a:t>
+            </a:r>
+            <a:r>
+              <a:rPr lang="en-US" dirty="0"/>
+              <a:t> R-</a:t>
+            </a:r>
+            <a:r>
+              <a:rPr lang="en-US" dirty="0" err="1"/>
+              <a:t>sq</a:t>
+            </a:r>
+            <a:r>
+              <a:rPr lang="en-US" dirty="0"/>
+              <a:t>: 34.98% (increase from 1</a:t>
+            </a:r>
+            <a:r>
+              <a:rPr lang="en-US" baseline="30000" dirty="0"/>
+              <a:t>st</a:t>
+            </a:r>
+            <a:r>
+              <a:rPr lang="en-US" dirty="0"/>
+              <a:t> iteration)</a:t>
+            </a:r>
+          </a:p>
+          <a:p>
+            <a:pPr lvl="1"/>
+            <a:r>
+              <a:rPr lang="en-US" dirty="0"/>
+              <a:t>FINAL MODEL</a:t>
             </a:r>
           </a:p>
         </p:txBody>
@@ -11656,7 +12588,7 @@
     </p:spTree>
     <p:extLst>
       <p:ext uri="{BB962C8B-B14F-4D97-AF65-F5344CB8AC3E}">
-        <p14:creationId xmlns:p14="http://schemas.microsoft.com/office/powerpoint/2010/main" val="191724664"/>
+        <p14:creationId xmlns:p14="http://schemas.microsoft.com/office/powerpoint/2010/main" val="2441050392"/>
       </p:ext>
     </p:extLst>
   </p:cSld>

--- a/finalPptTesla.pptx
+++ b/finalPptTesla.pptx
@@ -132,7 +132,7 @@
 </file>
 
 <file path=ppt/charts/chart1.xml><?xml version="1.0" encoding="utf-8"?>
-<c:chartSpace xmlns:c="http://schemas.openxmlformats.org/drawingml/2006/chart" xmlns:a="http://schemas.openxmlformats.org/drawingml/2006/main" xmlns:r="http://schemas.openxmlformats.org/officeDocument/2006/relationships">
+<c:chartSpace xmlns:c="http://schemas.openxmlformats.org/drawingml/2006/chart" xmlns:a="http://schemas.openxmlformats.org/drawingml/2006/main" xmlns:r="http://schemas.openxmlformats.org/officeDocument/2006/relationships" xmlns:c16r2="http://schemas.microsoft.com/office/drawing/2015/06/chart">
   <c:date1904 val="0"/>
   <c:lang val="en-US"/>
   <c:roundedCorners val="0"/>
@@ -604,7 +604,7 @@
             </c:numRef>
           </c:val>
           <c:smooth val="0"/>
-          <c:extLst xmlns:c16r2="http://schemas.microsoft.com/office/drawing/2015/06/chart">
+          <c:extLst>
             <c:ext xmlns:c16="http://schemas.microsoft.com/office/drawing/2014/chart" uri="{C3380CC4-5D6E-409C-BE32-E72D297353CC}">
               <c16:uniqueId val="{00000000-4C13-45A4-AD39-59BACAC34026}"/>
             </c:ext>
@@ -1063,7 +1063,7 @@
             </c:numRef>
           </c:val>
           <c:smooth val="0"/>
-          <c:extLst xmlns:c16r2="http://schemas.microsoft.com/office/drawing/2015/06/chart">
+          <c:extLst>
             <c:ext xmlns:c16="http://schemas.microsoft.com/office/drawing/2014/chart" uri="{C3380CC4-5D6E-409C-BE32-E72D297353CC}">
               <c16:uniqueId val="{00000001-4C13-45A4-AD39-59BACAC34026}"/>
             </c:ext>
@@ -1522,7 +1522,7 @@
             </c:numRef>
           </c:val>
           <c:smooth val="0"/>
-          <c:extLst xmlns:c16r2="http://schemas.microsoft.com/office/drawing/2015/06/chart">
+          <c:extLst>
             <c:ext xmlns:c16="http://schemas.microsoft.com/office/drawing/2014/chart" uri="{C3380CC4-5D6E-409C-BE32-E72D297353CC}">
               <c16:uniqueId val="{00000002-4C13-45A4-AD39-59BACAC34026}"/>
             </c:ext>
@@ -2649,50 +2649,49 @@
           <a:lstStyle/>
           <a:p>
             <a:r>
-              <a:rPr lang="en-US" dirty="0" err="1" smtClean="0"/>
+              <a:rPr lang="en-US" dirty="0" err="1"/>
               <a:t>Sonam</a:t>
             </a:r>
             <a:r>
-              <a:rPr lang="en-US" dirty="0" smtClean="0"/>
+              <a:rPr lang="en-US" dirty="0"/>
               <a:t> – 3</a:t>
             </a:r>
           </a:p>
           <a:p>
             <a:r>
-              <a:rPr lang="en-US" dirty="0" err="1" smtClean="0"/>
+              <a:rPr lang="en-US" dirty="0" err="1"/>
               <a:t>Suparna</a:t>
             </a:r>
             <a:r>
-              <a:rPr lang="en-US" dirty="0" smtClean="0"/>
+              <a:rPr lang="en-US" dirty="0"/>
               <a:t> – 3 </a:t>
             </a:r>
           </a:p>
           <a:p>
             <a:r>
-              <a:rPr lang="en-US" dirty="0" err="1" smtClean="0"/>
+              <a:rPr lang="en-US" dirty="0" err="1"/>
               <a:t>Namrata</a:t>
             </a:r>
             <a:r>
-              <a:rPr lang="en-US" dirty="0" smtClean="0"/>
+              <a:rPr lang="en-US" dirty="0"/>
               <a:t> - 4</a:t>
             </a:r>
           </a:p>
           <a:p>
             <a:r>
-              <a:rPr lang="en-US" dirty="0" err="1" smtClean="0"/>
+              <a:rPr lang="en-US" dirty="0" err="1"/>
               <a:t>Yash</a:t>
             </a:r>
             <a:r>
-              <a:rPr lang="en-US" dirty="0" smtClean="0"/>
+              <a:rPr lang="en-US" dirty="0"/>
               <a:t> - 3</a:t>
             </a:r>
           </a:p>
           <a:p>
             <a:r>
-              <a:rPr lang="en-US" dirty="0" smtClean="0"/>
+              <a:rPr lang="en-US" dirty="0"/>
               <a:t>Clem - 3</a:t>
             </a:r>
-            <a:endParaRPr lang="en-US" dirty="0"/>
           </a:p>
         </p:txBody>
       </p:sp>
@@ -2777,10 +2776,9 @@
           <a:lstStyle/>
           <a:p>
             <a:r>
-              <a:rPr lang="en-US" dirty="0" smtClean="0"/>
+              <a:rPr lang="en-US" dirty="0"/>
               <a:t>Clem</a:t>
             </a:r>
-            <a:endParaRPr lang="en-US" dirty="0"/>
           </a:p>
         </p:txBody>
       </p:sp>
@@ -2865,14 +2863,13 @@
           <a:lstStyle/>
           <a:p>
             <a:r>
-              <a:rPr lang="en-US" dirty="0" err="1" smtClean="0"/>
+              <a:rPr lang="en-US" dirty="0" err="1"/>
               <a:t>Namrata</a:t>
             </a:r>
             <a:r>
-              <a:rPr lang="en-US" dirty="0" smtClean="0"/>
+              <a:rPr lang="en-US" dirty="0"/>
               <a:t> </a:t>
             </a:r>
-            <a:endParaRPr lang="en-US" dirty="0"/>
           </a:p>
         </p:txBody>
       </p:sp>
@@ -2957,19 +2954,15 @@
           <a:lstStyle/>
           <a:p>
             <a:r>
-              <a:rPr lang="en-US" dirty="0" err="1" smtClean="0"/>
+              <a:rPr lang="en-US" dirty="0" err="1"/>
               <a:t>Sonam</a:t>
             </a:r>
-            <a:endParaRPr lang="en-US" dirty="0" smtClean="0"/>
-          </a:p>
-          <a:p>
-            <a:r>
-              <a:rPr lang="en-US" dirty="0" smtClean="0"/>
-              <a:t>So </a:t>
-            </a:r>
+            <a:endParaRPr lang="en-US" dirty="0"/>
+          </a:p>
+          <a:p>
             <a:r>
               <a:rPr lang="en-US" dirty="0"/>
-              <a:t>final conclusion</a:t>
+              <a:t>So final conclusion</a:t>
             </a:r>
             <a:r>
               <a:rPr lang="en-US" baseline="0" dirty="0"/>
@@ -3060,7 +3053,7 @@
           <a:lstStyle/>
           <a:p>
             <a:r>
-              <a:rPr lang="en-US" dirty="0" err="1" smtClean="0"/>
+              <a:rPr lang="en-US" dirty="0" err="1"/>
               <a:t>Suparna</a:t>
             </a:r>
             <a:endParaRPr lang="en-US" dirty="0"/>
@@ -3148,78 +3141,78 @@
           <a:lstStyle/>
           <a:p>
             <a:r>
-              <a:rPr lang="en-US" dirty="0" err="1" smtClean="0"/>
+              <a:rPr lang="en-US" dirty="0" err="1"/>
               <a:t>Yash</a:t>
             </a:r>
-            <a:endParaRPr lang="en-US" dirty="0" smtClean="0"/>
-          </a:p>
-          <a:p>
-            <a:r>
-              <a:rPr lang="en-US" b="1" u="sng" dirty="0" smtClean="0"/>
+            <a:endParaRPr lang="en-US" dirty="0"/>
+          </a:p>
+          <a:p>
+            <a:r>
+              <a:rPr lang="en-US" b="1" u="sng" dirty="0"/>
               <a:t>Price Paid Per Unit of Car by Months</a:t>
             </a:r>
-            <a:endParaRPr lang="en-US" dirty="0" smtClean="0"/>
+            <a:endParaRPr lang="en-US" dirty="0"/>
           </a:p>
           <a:p>
             <a:pPr lvl="1"/>
             <a:r>
-              <a:rPr lang="en-US" dirty="0" smtClean="0"/>
+              <a:rPr lang="en-US" dirty="0"/>
               <a:t>One of our inputs in the Regression and correlation analysis was the price paid per unit of electric cars. The data can be seen below and this would make it difficult to use the data. </a:t>
             </a:r>
           </a:p>
           <a:p>
             <a:pPr lvl="1"/>
             <a:r>
-              <a:rPr lang="en-US" dirty="0" smtClean="0"/>
+              <a:rPr lang="en-US" dirty="0"/>
               <a:t>The data obtained was secondary data that gave sale by months and below table is the aggregate of the Year this data was then normalized to create the input data by months</a:t>
             </a:r>
           </a:p>
           <a:p>
             <a:pPr lvl="1"/>
             <a:r>
-              <a:rPr lang="en-US" dirty="0" smtClean="0"/>
+              <a:rPr lang="en-US" dirty="0"/>
               <a:t>The original cost of all cars the outliers such as the Porsche 918 </a:t>
             </a:r>
             <a:r>
-              <a:rPr lang="en-US" dirty="0" err="1" smtClean="0"/>
+              <a:rPr lang="en-US" dirty="0" err="1"/>
               <a:t>Spyder</a:t>
             </a:r>
             <a:r>
-              <a:rPr lang="en-US" dirty="0" smtClean="0"/>
+              <a:rPr lang="en-US" dirty="0"/>
               <a:t> and Others were removed from the calculation as they were outliers too expensive or undeterminable mix not given</a:t>
             </a:r>
           </a:p>
           <a:p>
             <a:r>
-              <a:rPr lang="en-US" u="sng" dirty="0" smtClean="0"/>
+              <a:rPr lang="en-US" u="sng" dirty="0"/>
               <a:t>Values</a:t>
             </a:r>
-            <a:endParaRPr lang="en-US" dirty="0" smtClean="0"/>
-          </a:p>
-          <a:p>
-            <a:r>
-              <a:rPr lang="en-US" dirty="0" smtClean="0"/>
+            <a:endParaRPr lang="en-US" dirty="0"/>
+          </a:p>
+          <a:p>
+            <a:r>
+              <a:rPr lang="en-US" dirty="0"/>
               <a:t>Three values were deciphered using same formula the values were </a:t>
             </a:r>
           </a:p>
           <a:p>
             <a:pPr lvl="1"/>
             <a:r>
-              <a:rPr lang="en-US" dirty="0" smtClean="0"/>
+              <a:rPr lang="en-US" dirty="0"/>
               <a:t>Price Paid per unit of Tesla, </a:t>
             </a:r>
           </a:p>
           <a:p>
             <a:pPr lvl="1"/>
             <a:r>
-              <a:rPr lang="en-US" dirty="0" smtClean="0"/>
+              <a:rPr lang="en-US" dirty="0"/>
               <a:t>Price per Unit of Electric Cars minus outliers (including tesla) and</a:t>
             </a:r>
           </a:p>
           <a:p>
             <a:pPr lvl="1"/>
             <a:r>
-              <a:rPr lang="en-US" dirty="0" smtClean="0"/>
+              <a:rPr lang="en-US" dirty="0"/>
               <a:t>Price Paid per Electric Cars Minus Outliers and Tesla</a:t>
             </a:r>
           </a:p>
@@ -3309,7 +3302,7 @@
           <a:lstStyle/>
           <a:p>
             <a:r>
-              <a:rPr lang="en-US" dirty="0" err="1" smtClean="0"/>
+              <a:rPr lang="en-US" dirty="0" err="1"/>
               <a:t>Yash</a:t>
             </a:r>
             <a:endParaRPr lang="en-US" dirty="0"/>
@@ -3414,10 +3407,10 @@
               <a:defRPr/>
             </a:pPr>
             <a:r>
-              <a:rPr lang="en-US" dirty="0" err="1" smtClean="0"/>
+              <a:rPr lang="en-US" dirty="0" err="1"/>
               <a:t>Yash</a:t>
             </a:r>
-            <a:endParaRPr lang="en-US" dirty="0" smtClean="0"/>
+            <a:endParaRPr lang="en-US" dirty="0"/>
           </a:p>
           <a:p>
             <a:pPr marL="0" marR="0" indent="0" algn="l" defTabSz="914400" rtl="0" eaLnBrk="1" fontAlgn="auto" latinLnBrk="0" hangingPunct="1">
@@ -3438,7 +3431,7 @@
               <a:defRPr/>
             </a:pPr>
             <a:r>
-              <a:rPr lang="en-US" dirty="0" smtClean="0"/>
+              <a:rPr lang="en-US" dirty="0"/>
               <a:t>Outliers and early data for 2010 not included: no breakdowns available and the early industry trends would distort the data due to the novelty sales to early adopters.</a:t>
             </a:r>
           </a:p>
@@ -3528,17 +3521,17 @@
           <a:lstStyle/>
           <a:p>
             <a:r>
-              <a:rPr lang="en-US" dirty="0" err="1" smtClean="0"/>
+              <a:rPr lang="en-US" dirty="0" err="1"/>
               <a:t>Sonam</a:t>
             </a:r>
-            <a:endParaRPr lang="en-US" dirty="0" smtClean="0"/>
-          </a:p>
-          <a:p>
-            <a:endParaRPr lang="en-US" dirty="0" smtClean="0"/>
-          </a:p>
-          <a:p>
-            <a:r>
-              <a:rPr lang="en-US" dirty="0" smtClean="0"/>
+            <a:endParaRPr lang="en-US" dirty="0"/>
+          </a:p>
+          <a:p>
+            <a:endParaRPr lang="en-US" dirty="0"/>
+          </a:p>
+          <a:p>
+            <a:r>
+              <a:rPr lang="en-US" dirty="0"/>
               <a:t>Musk’s speculates about Tesla if the business pattern is sustainable with the increase in competition in electric vehicle market </a:t>
             </a:r>
           </a:p>
@@ -3561,46 +3554,46 @@
               <a:defRPr/>
             </a:pPr>
             <a:r>
-              <a:rPr lang="en-US" dirty="0" smtClean="0"/>
+              <a:rPr lang="en-US" dirty="0"/>
               <a:t>Factors that are potential to affect the sales performance of Tesla cars, leads to our research question</a:t>
             </a:r>
           </a:p>
           <a:p>
             <a:r>
-              <a:rPr lang="en-US" sz="1200" dirty="0" smtClean="0"/>
+              <a:rPr lang="en-US" sz="1200" dirty="0"/>
               <a:t>Government making efforts to let people adapt to the culture of electric vehicles</a:t>
             </a:r>
           </a:p>
           <a:p>
             <a:r>
-              <a:rPr lang="en-US" sz="1200" dirty="0" smtClean="0"/>
+              <a:rPr lang="en-US" sz="1200" dirty="0"/>
               <a:t>Elon Musk, CEO of Tesla Motors Inc., thinks of Tesla setting a legacy in future</a:t>
             </a:r>
           </a:p>
           <a:p>
             <a:r>
-              <a:rPr lang="en-US" sz="1200" dirty="0" smtClean="0"/>
+              <a:rPr lang="en-US" sz="1200" dirty="0"/>
               <a:t>Musk’s speculation about Tesla sustainability </a:t>
             </a:r>
           </a:p>
           <a:p>
             <a:r>
-              <a:rPr lang="en-US" sz="1200" dirty="0" smtClean="0"/>
+              <a:rPr lang="en-US" sz="1200" dirty="0"/>
               <a:t>Elon Musk wants to make an action plan to be sure of Tesla’s success</a:t>
             </a:r>
           </a:p>
           <a:p>
             <a:r>
-              <a:rPr lang="en-US" sz="1200" dirty="0" smtClean="0"/>
+              <a:rPr lang="en-US" sz="1200" dirty="0"/>
               <a:t>Potential Factors for tesla’s sales performance </a:t>
             </a:r>
             <a:r>
-              <a:rPr lang="en-US" sz="1200" dirty="0" smtClean="0">
+              <a:rPr lang="en-US" sz="1200" dirty="0">
                 <a:sym typeface="Wingdings" panose="05000000000000000000" pitchFamily="2" charset="2"/>
               </a:rPr>
               <a:t> Research question</a:t>
             </a:r>
-            <a:endParaRPr lang="en-US" sz="1200" dirty="0" smtClean="0"/>
+            <a:endParaRPr lang="en-US" sz="1200" dirty="0"/>
           </a:p>
           <a:p>
             <a:endParaRPr lang="en-US" dirty="0"/>
@@ -3688,7 +3681,7 @@
           <a:lstStyle/>
           <a:p>
             <a:r>
-              <a:rPr lang="en-US" dirty="0" err="1" smtClean="0"/>
+              <a:rPr lang="en-US" dirty="0" err="1"/>
               <a:t>Sonam</a:t>
             </a:r>
             <a:endParaRPr lang="en-US" dirty="0"/>
@@ -3776,63 +3769,55 @@
           <a:lstStyle/>
           <a:p>
             <a:r>
-              <a:rPr lang="en-US" dirty="0" err="1" smtClean="0"/>
+              <a:rPr lang="en-US" dirty="0" err="1"/>
               <a:t>Suparna</a:t>
             </a:r>
-            <a:endParaRPr lang="en-US" dirty="0" smtClean="0"/>
-          </a:p>
-          <a:p>
-            <a:r>
-              <a:rPr lang="en-US" dirty="0" smtClean="0"/>
+            <a:endParaRPr lang="en-US" dirty="0"/>
+          </a:p>
+          <a:p>
+            <a:r>
+              <a:rPr lang="en-US" dirty="0"/>
               <a:t>Points</a:t>
             </a:r>
             <a:r>
-              <a:rPr lang="en-US" baseline="0" dirty="0" smtClean="0"/>
-              <a:t> </a:t>
-            </a:r>
-            <a:r>
               <a:rPr lang="en-US" baseline="0" dirty="0"/>
-              <a:t>to cover in the </a:t>
-            </a:r>
-            <a:r>
-              <a:rPr lang="en-US" baseline="0" dirty="0" smtClean="0"/>
-              <a:t>slide/talk: mention what’s in the case study</a:t>
-            </a:r>
-          </a:p>
-          <a:p>
-            <a:endParaRPr lang="en-US" baseline="0" dirty="0" smtClean="0"/>
-          </a:p>
-          <a:p>
-            <a:r>
-              <a:rPr lang="en-US" sz="1200" dirty="0" smtClean="0"/>
+              <a:t> to cover in the slide/talk: mention what’s in the case study</a:t>
+            </a:r>
+          </a:p>
+          <a:p>
+            <a:endParaRPr lang="en-US" baseline="0" dirty="0"/>
+          </a:p>
+          <a:p>
+            <a:r>
+              <a:rPr lang="en-US" sz="1200" dirty="0"/>
               <a:t>Fall of oil prices </a:t>
             </a:r>
             <a:r>
-              <a:rPr lang="en-US" sz="1200" dirty="0" smtClean="0">
+              <a:rPr lang="en-US" sz="1200" dirty="0">
                 <a:sym typeface="Wingdings" panose="05000000000000000000" pitchFamily="2" charset="2"/>
               </a:rPr>
               <a:t> </a:t>
             </a:r>
             <a:r>
-              <a:rPr lang="en-US" sz="1200" dirty="0" smtClean="0"/>
+              <a:rPr lang="en-US" sz="1200" dirty="0"/>
               <a:t>fuss in electric vehicles market</a:t>
             </a:r>
           </a:p>
           <a:p>
             <a:r>
-              <a:rPr lang="en-US" sz="1200" dirty="0" smtClean="0"/>
+              <a:rPr lang="en-US" sz="1200" dirty="0"/>
               <a:t>Along with Tesla, other companies like Nissan, Ford, Toyota began to worry</a:t>
             </a:r>
           </a:p>
           <a:p>
             <a:r>
-              <a:rPr lang="en-US" sz="1200" dirty="0" smtClean="0"/>
+              <a:rPr lang="en-US" sz="1200" dirty="0"/>
               <a:t>Review of sales of these companies was done </a:t>
             </a:r>
           </a:p>
           <a:p>
             <a:r>
-              <a:rPr lang="en-US" sz="1200" dirty="0" smtClean="0"/>
+              <a:rPr lang="en-US" sz="1200" dirty="0"/>
               <a:t>Mostly the hybrid and other plugin electric vehicles were mostly hurt due to the decrease in oil prices. </a:t>
             </a:r>
           </a:p>
@@ -3922,25 +3907,20 @@
           <a:lstStyle/>
           <a:p>
             <a:r>
-              <a:rPr lang="en-US" dirty="0" err="1" smtClean="0"/>
+              <a:rPr lang="en-US" dirty="0" err="1"/>
               <a:t>Suparna</a:t>
             </a:r>
-            <a:endParaRPr lang="en-US" dirty="0" smtClean="0"/>
-          </a:p>
-          <a:p>
-            <a:r>
-              <a:rPr lang="en-US" dirty="0" smtClean="0"/>
+            <a:endParaRPr lang="en-US" dirty="0"/>
+          </a:p>
+          <a:p>
+            <a:r>
+              <a:rPr lang="en-US" dirty="0"/>
               <a:t>Names</a:t>
             </a:r>
             <a:r>
-              <a:rPr lang="en-US" baseline="0" dirty="0" smtClean="0"/>
-              <a:t> </a:t>
-            </a:r>
-            <a:r>
               <a:rPr lang="en-US" baseline="0" dirty="0"/>
-              <a:t>of </a:t>
-            </a:r>
-            <a:endParaRPr lang="en-US" baseline="0" dirty="0" smtClean="0"/>
+              <a:t> of </a:t>
+            </a:r>
           </a:p>
           <a:p>
             <a:pPr marL="0" marR="0" indent="0" algn="l" defTabSz="914400" rtl="0" eaLnBrk="1" fontAlgn="auto" latinLnBrk="0" hangingPunct="1">
@@ -3961,18 +3941,14 @@
               <a:defRPr/>
             </a:pPr>
             <a:r>
-              <a:rPr lang="en-US" dirty="0" smtClean="0"/>
+              <a:rPr lang="en-US" dirty="0"/>
               <a:t>: We obtained the stock prices of Tesla Motors Inc. (Nasdaq Code- TSLA) for the time period starting from January 2011 through March 2016 from Yahoo Finance. The raw data contained daily data with a few missing data points. The raw data consists of the following fields (all prices are in US dollars): </a:t>
             </a:r>
           </a:p>
           <a:p>
             <a:r>
-              <a:rPr lang="en-US" baseline="0" dirty="0" smtClean="0"/>
-              <a:t>data </a:t>
-            </a:r>
-            <a:r>
               <a:rPr lang="en-US" baseline="0" dirty="0"/>
-              <a:t>sets, and we can explain what dataset has what</a:t>
+              <a:t>data sets, and we can explain what dataset has what</a:t>
             </a:r>
             <a:endParaRPr lang="en-US" dirty="0"/>
           </a:p>
@@ -4059,7 +4035,7 @@
           <a:lstStyle/>
           <a:p>
             <a:r>
-              <a:rPr lang="en-US" dirty="0" err="1" smtClean="0"/>
+              <a:rPr lang="en-US" dirty="0" err="1"/>
               <a:t>Namrata</a:t>
             </a:r>
             <a:endParaRPr lang="en-US" dirty="0"/>
@@ -4147,55 +4123,55 @@
           <a:lstStyle/>
           <a:p>
             <a:r>
-              <a:rPr lang="en-US" dirty="0" err="1" smtClean="0"/>
+              <a:rPr lang="en-US" dirty="0" err="1"/>
               <a:t>Namrata</a:t>
             </a:r>
-            <a:endParaRPr lang="en-US" dirty="0" smtClean="0"/>
-          </a:p>
-          <a:p>
-            <a:r>
-              <a:rPr lang="en-US" dirty="0" smtClean="0"/>
+            <a:endParaRPr lang="en-US" dirty="0"/>
+          </a:p>
+          <a:p>
+            <a:r>
+              <a:rPr lang="en-US" dirty="0"/>
               <a:t>Dataset = entire population: sales for every month available</a:t>
             </a:r>
           </a:p>
           <a:p>
             <a:r>
-              <a:rPr lang="en-US" dirty="0" smtClean="0"/>
+              <a:rPr lang="en-US" dirty="0"/>
               <a:t>Distribution : slightly right skewed with 3 outliers</a:t>
             </a:r>
           </a:p>
           <a:p>
             <a:r>
-              <a:rPr lang="en-US" dirty="0" smtClean="0"/>
+              <a:rPr lang="en-US" dirty="0"/>
               <a:t>Chose to keep outliers: recent sales numbers</a:t>
             </a:r>
           </a:p>
           <a:p>
             <a:pPr lvl="1"/>
             <a:r>
-              <a:rPr lang="en-US" dirty="0" smtClean="0"/>
+              <a:rPr lang="en-US" dirty="0"/>
               <a:t>Indicative of future upwards trend for Tesla Sales</a:t>
             </a:r>
           </a:p>
           <a:p>
             <a:r>
-              <a:rPr lang="en-US" dirty="0" smtClean="0"/>
+              <a:rPr lang="en-US" dirty="0"/>
               <a:t>Large enough size and no extreme outliers </a:t>
             </a:r>
             <a:r>
-              <a:rPr lang="en-US" dirty="0" smtClean="0">
+              <a:rPr lang="en-US" dirty="0">
                 <a:sym typeface="Wingdings" panose="05000000000000000000" pitchFamily="2" charset="2"/>
               </a:rPr>
               <a:t></a:t>
             </a:r>
             <a:r>
-              <a:rPr lang="en-US" dirty="0" smtClean="0"/>
+              <a:rPr lang="en-US" dirty="0"/>
               <a:t> nearly normal distribution</a:t>
             </a:r>
           </a:p>
           <a:p>
             <a:r>
-              <a:rPr lang="en-US" smtClean="0"/>
+              <a:rPr lang="en-US"/>
               <a:t>Tesla sales: nearly normal with a recent upwards trend</a:t>
             </a:r>
           </a:p>
@@ -4285,22 +4261,18 @@
           <a:lstStyle/>
           <a:p>
             <a:r>
-              <a:rPr lang="en-US" dirty="0" smtClean="0"/>
+              <a:rPr lang="en-US" dirty="0"/>
               <a:t>Clem</a:t>
             </a:r>
           </a:p>
           <a:p>
             <a:r>
-              <a:rPr lang="en-US" dirty="0" smtClean="0"/>
+              <a:rPr lang="en-US" dirty="0"/>
               <a:t>Specify</a:t>
             </a:r>
             <a:r>
-              <a:rPr lang="en-US" baseline="0" dirty="0" smtClean="0"/>
-              <a:t> </a:t>
-            </a:r>
-            <a:r>
               <a:rPr lang="en-US" baseline="0" dirty="0"/>
-              <a:t>our null and alternate hypotheses – we have hypotheses in the hypothesis testing part not where we define the model (please confirm)</a:t>
+              <a:t> our null and alternate hypotheses – we have hypotheses in the hypothesis testing part not where we define the model (please confirm)</a:t>
             </a:r>
             <a:endParaRPr lang="en-US" dirty="0"/>
           </a:p>
@@ -4387,10 +4359,9 @@
           <a:lstStyle/>
           <a:p>
             <a:r>
-              <a:rPr lang="en-US" dirty="0" smtClean="0"/>
+              <a:rPr lang="en-US" dirty="0"/>
               <a:t>Clem</a:t>
             </a:r>
-            <a:endParaRPr lang="en-US" dirty="0"/>
           </a:p>
         </p:txBody>
       </p:sp>
@@ -10384,26 +10355,18 @@
           <a:lstStyle/>
           <a:p>
             <a:r>
-              <a:rPr lang="en-US" sz="2400" dirty="0" smtClean="0"/>
-              <a:t>1 unit </a:t>
-            </a:r>
-            <a:r>
               <a:rPr lang="en-US" sz="2400" dirty="0"/>
-              <a:t>increase in the standardized substitute unit prices </a:t>
-            </a:r>
-            <a:r>
-              <a:rPr lang="en-US" sz="2400" dirty="0" smtClean="0">
+              <a:t>1 unit increase in the standardized substitute unit prices </a:t>
+            </a:r>
+            <a:r>
+              <a:rPr lang="en-US" sz="2400" dirty="0">
                 <a:sym typeface="Wingdings" panose="05000000000000000000" pitchFamily="2" charset="2"/>
               </a:rPr>
               <a:t> increase of </a:t>
             </a:r>
             <a:r>
-              <a:rPr lang="en-US" sz="2400" dirty="0" smtClean="0"/>
-              <a:t>0.6 </a:t>
-            </a:r>
-            <a:r>
               <a:rPr lang="en-US" sz="2400" dirty="0"/>
-              <a:t>units in the standardized Tesla monthly sales on average</a:t>
+              <a:t>0.6 units in the standardized Tesla monthly sales on average</a:t>
             </a:r>
           </a:p>
           <a:p>
@@ -10427,35 +10390,14 @@
             </a:r>
             <a:r>
               <a:rPr lang="en-US" sz="2400" dirty="0"/>
-              <a:t> </a:t>
-            </a:r>
-            <a:r>
-              <a:rPr lang="en-US" sz="2400" dirty="0" smtClean="0"/>
-              <a:t>&lt; 40</a:t>
-            </a:r>
+              <a:t> &lt; 40%</a:t>
+            </a:r>
+          </a:p>
+          <a:p>
             <a:r>
               <a:rPr lang="en-US" sz="2400" dirty="0"/>
-              <a:t>%</a:t>
-            </a:r>
-          </a:p>
-          <a:p>
-            <a:r>
-              <a:rPr lang="en-US" sz="2400" dirty="0"/>
-              <a:t>Safe assumption: Several other factors not present in this analysis </a:t>
-            </a:r>
-            <a:r>
-              <a:rPr lang="en-US" sz="2400" dirty="0" smtClean="0"/>
-              <a:t>cause for </a:t>
-            </a:r>
-            <a:r>
-              <a:rPr lang="en-US" sz="2400" dirty="0"/>
-              <a:t>Tesla monthly </a:t>
-            </a:r>
-            <a:r>
-              <a:rPr lang="en-US" sz="2400" dirty="0" smtClean="0"/>
-              <a:t>sales fluctuations. </a:t>
-            </a:r>
-            <a:endParaRPr lang="en-US" sz="2400" dirty="0"/>
+              <a:t>Safe assumption: Several other factors not present in this analysis cause for Tesla monthly sales fluctuations. </a:t>
+            </a:r>
           </a:p>
         </p:txBody>
       </p:sp>
@@ -10522,10 +10464,15 @@
             <p:ph idx="1"/>
           </p:nvPr>
         </p:nvSpPr>
-        <p:spPr/>
+        <p:spPr>
+          <a:xfrm>
+            <a:off x="677334" y="1574157"/>
+            <a:ext cx="8596668" cy="4467205"/>
+          </a:xfrm>
+        </p:spPr>
         <p:txBody>
           <a:bodyPr>
-            <a:normAutofit fontScale="92500" lnSpcReduction="10000"/>
+            <a:normAutofit lnSpcReduction="10000"/>
           </a:bodyPr>
           <a:lstStyle/>
           <a:p>
@@ -10540,7 +10487,7 @@
             </a:pPr>
             <a:r>
               <a:rPr lang="en-US" sz="2400" dirty="0"/>
-              <a:t>H</a:t>
+              <a:t>    H</a:t>
             </a:r>
             <a:r>
               <a:rPr lang="en-US" sz="2400" baseline="-25000" dirty="0"/>
@@ -10557,7 +10504,15 @@
             </a:pPr>
             <a:r>
               <a:rPr lang="en-US" sz="2400" dirty="0"/>
-              <a:t>Ha: slope ≠ 0</a:t>
+              <a:t>    H</a:t>
+            </a:r>
+            <a:r>
+              <a:rPr lang="en-US" sz="2400" baseline="-25000" dirty="0"/>
+              <a:t>a</a:t>
+            </a:r>
+            <a:r>
+              <a:rPr lang="en-US" sz="2400" dirty="0"/>
+              <a:t>: slope ≠ 0</a:t>
             </a:r>
           </a:p>
           <a:p>
@@ -10665,7 +10620,12 @@
             <p:ph idx="1"/>
           </p:nvPr>
         </p:nvSpPr>
-        <p:spPr/>
+        <p:spPr>
+          <a:xfrm>
+            <a:off x="677334" y="1527859"/>
+            <a:ext cx="8596668" cy="4513504"/>
+          </a:xfrm>
+        </p:spPr>
         <p:txBody>
           <a:bodyPr>
             <a:normAutofit/>
@@ -10679,65 +10639,40 @@
           </a:p>
           <a:p>
             <a:r>
-              <a:rPr lang="en-US" sz="2400" dirty="0" smtClean="0"/>
-              <a:t>Analysis </a:t>
-            </a:r>
-            <a:r>
               <a:rPr lang="en-US" sz="2400" dirty="0"/>
-              <a:t>supports our hypothesis </a:t>
+              <a:t>Analysis supports our hypothesis </a:t>
             </a:r>
           </a:p>
           <a:p>
             <a:pPr lvl="1"/>
             <a:r>
               <a:rPr lang="en-US" sz="2000" dirty="0"/>
-              <a:t>Significant positive relationship between substitute unit price and Tesla </a:t>
-            </a:r>
-            <a:r>
-              <a:rPr lang="en-US" sz="2000" dirty="0" smtClean="0"/>
-              <a:t>sales</a:t>
+              <a:t>Significant positive relationship between substitute unit price and Tesla sales</a:t>
             </a:r>
           </a:p>
           <a:p>
             <a:pPr marL="342900" lvl="1" indent="-342900"/>
             <a:r>
-              <a:rPr lang="en-US" sz="2000" dirty="0" smtClean="0"/>
-              <a:t>Good </a:t>
-            </a:r>
-            <a:r>
               <a:rPr lang="en-US" sz="2000" dirty="0"/>
-              <a:t>start </a:t>
-            </a:r>
-            <a:r>
-              <a:rPr lang="en-US" sz="2000" dirty="0" smtClean="0"/>
-              <a:t>but incomplete: </a:t>
+              <a:t>Good start but incomplete: </a:t>
             </a:r>
           </a:p>
           <a:p>
             <a:pPr marL="742950" lvl="2" indent="-342900"/>
             <a:r>
-              <a:rPr lang="en-US" sz="2000" dirty="0" smtClean="0"/>
-              <a:t>low </a:t>
-            </a:r>
-            <a:r>
               <a:rPr lang="en-US" sz="2000" dirty="0"/>
-              <a:t>R-squared </a:t>
-            </a:r>
-            <a:endParaRPr lang="en-US" sz="2000" dirty="0" smtClean="0"/>
+              <a:t>low R-squared </a:t>
+            </a:r>
           </a:p>
           <a:p>
             <a:pPr marL="742950" lvl="2" indent="-342900"/>
             <a:r>
-              <a:rPr lang="en-US" sz="2000" dirty="0" smtClean="0"/>
-              <a:t>Lacking other </a:t>
-            </a:r>
-            <a:r>
               <a:rPr lang="en-US" sz="2000" dirty="0"/>
-              <a:t>variables that could improve the model.</a:t>
-            </a:r>
-          </a:p>
-          <a:p>
-            <a:endParaRPr lang="en-US" dirty="0" smtClean="0"/>
+              <a:t>Lacking other variables that could improve the model.</a:t>
+            </a:r>
+          </a:p>
+          <a:p>
+            <a:endParaRPr lang="en-US" dirty="0"/>
           </a:p>
         </p:txBody>
       </p:sp>
@@ -10804,7 +10739,12 @@
             <p:ph idx="1"/>
           </p:nvPr>
         </p:nvSpPr>
-        <p:spPr/>
+        <p:spPr>
+          <a:xfrm>
+            <a:off x="677334" y="1655181"/>
+            <a:ext cx="8596668" cy="4386182"/>
+          </a:xfrm>
+        </p:spPr>
         <p:txBody>
           <a:bodyPr>
             <a:normAutofit/>
@@ -10855,13 +10795,8 @@
             <a:pPr lvl="1"/>
             <a:r>
               <a:rPr lang="en-US" sz="2800" dirty="0"/>
-              <a:t>Example: Audi </a:t>
-            </a:r>
-            <a:r>
-              <a:rPr lang="en-US" sz="2800" dirty="0" smtClean="0"/>
-              <a:t>A7-A8</a:t>
-            </a:r>
-            <a:endParaRPr lang="en-US" sz="2800" dirty="0"/>
+              <a:t>Example: Audi A7-A8</a:t>
+            </a:r>
           </a:p>
         </p:txBody>
       </p:sp>
@@ -10930,7 +10865,7 @@
         </p:nvSpPr>
         <p:spPr>
           <a:xfrm>
-            <a:off x="677334" y="1511301"/>
+            <a:off x="955127" y="1441853"/>
             <a:ext cx="8596668" cy="5041900"/>
           </a:xfrm>
         </p:spPr>
@@ -10949,88 +10884,48 @@
           <a:p>
             <a:pPr lvl="1"/>
             <a:r>
-              <a:rPr lang="en-US" sz="2000" dirty="0" smtClean="0"/>
-              <a:t>Secondary Data – monthly sales normalized to </a:t>
-            </a:r>
-            <a:r>
               <a:rPr lang="en-US" sz="2000" dirty="0"/>
-              <a:t>create the input data by months</a:t>
+              <a:t>Secondary Data – monthly sales normalized to create the input data by months</a:t>
             </a:r>
           </a:p>
           <a:p>
             <a:pPr lvl="1"/>
             <a:r>
-              <a:rPr lang="en-US" sz="2000" dirty="0" smtClean="0"/>
-              <a:t>Original </a:t>
-            </a:r>
-            <a:r>
               <a:rPr lang="en-US" sz="2000" dirty="0"/>
-              <a:t>cost of </a:t>
-            </a:r>
-            <a:r>
-              <a:rPr lang="en-US" sz="2000" dirty="0" smtClean="0"/>
-              <a:t>were </a:t>
-            </a:r>
+              <a:t>Original cost of were removed from the calculation – too expensive </a:t>
+            </a:r>
+          </a:p>
+          <a:p>
+            <a:pPr marL="0" indent="0">
+              <a:buNone/>
+            </a:pPr>
+            <a:endParaRPr lang="en-US" sz="2400" dirty="0"/>
+          </a:p>
+          <a:p>
+            <a:r>
+              <a:rPr lang="en-US" sz="2400" dirty="0"/>
+              <a:t>Three values obtained using same formula:</a:t>
+            </a:r>
+          </a:p>
+          <a:p>
+            <a:pPr lvl="1"/>
             <a:r>
               <a:rPr lang="en-US" sz="2000" dirty="0"/>
-              <a:t>removed from the </a:t>
-            </a:r>
-            <a:r>
-              <a:rPr lang="en-US" sz="2000" dirty="0" smtClean="0"/>
-              <a:t>calculation – too expensive </a:t>
-            </a:r>
-          </a:p>
-          <a:p>
-            <a:pPr marL="0" indent="0">
-              <a:buNone/>
-            </a:pPr>
-            <a:endParaRPr lang="en-US" sz="2400" dirty="0" smtClean="0"/>
-          </a:p>
-          <a:p>
-            <a:r>
-              <a:rPr lang="en-US" sz="2400" dirty="0" smtClean="0"/>
-              <a:t>Three </a:t>
-            </a:r>
-            <a:r>
-              <a:rPr lang="en-US" sz="2400" dirty="0"/>
-              <a:t>values </a:t>
-            </a:r>
-            <a:r>
-              <a:rPr lang="en-US" sz="2400" dirty="0" smtClean="0"/>
-              <a:t>obtained </a:t>
-            </a:r>
-            <a:r>
-              <a:rPr lang="en-US" sz="2400" dirty="0"/>
-              <a:t>using same </a:t>
-            </a:r>
-            <a:r>
-              <a:rPr lang="en-US" sz="2400" dirty="0" smtClean="0"/>
-              <a:t>formula:</a:t>
+              <a:t>Price Paid per unit of Tesla, </a:t>
             </a:r>
           </a:p>
           <a:p>
             <a:pPr lvl="1"/>
             <a:r>
-              <a:rPr lang="en-US" sz="2000" dirty="0" smtClean="0"/>
-              <a:t>Price Paid per unit of Tesla, </a:t>
+              <a:rPr lang="en-US" sz="2000" dirty="0"/>
+              <a:t>Price per Unit of Electric Cars minus outliers (including tesla) and</a:t>
             </a:r>
           </a:p>
           <a:p>
             <a:pPr lvl="1"/>
             <a:r>
-              <a:rPr lang="en-US" sz="2000" dirty="0" smtClean="0"/>
-              <a:t>Price </a:t>
-            </a:r>
-            <a:r>
               <a:rPr lang="en-US" sz="2000" dirty="0"/>
-              <a:t>per Unit of Electric Cars minus outliers (including tesla) and</a:t>
-            </a:r>
-          </a:p>
-          <a:p>
-            <a:pPr lvl="1"/>
-            <a:r>
-              <a:rPr lang="en-US" sz="2000" dirty="0"/>
-              <a:t>Price Paid per Electric Cars Minus Outliers and Tesla</a:t>
+              <a:t>Price Paid per Electric Cars minus Outliers and Tesla</a:t>
             </a:r>
           </a:p>
           <a:p>
@@ -11194,29 +11089,8 @@
           <a:p>
             <a:r>
               <a:rPr lang="en-US" dirty="0"/>
-              <a:t>Outliers and </a:t>
-            </a:r>
-            <a:r>
-              <a:rPr lang="en-US" dirty="0" smtClean="0"/>
-              <a:t>early </a:t>
-            </a:r>
-            <a:r>
-              <a:rPr lang="en-US" dirty="0"/>
-              <a:t>data for 2010 </a:t>
-            </a:r>
-            <a:r>
-              <a:rPr lang="en-US" dirty="0" smtClean="0"/>
-              <a:t>not included: no </a:t>
-            </a:r>
-            <a:r>
-              <a:rPr lang="en-US" dirty="0"/>
-              <a:t>breakdowns available and </a:t>
-            </a:r>
-            <a:r>
-              <a:rPr lang="en-US" dirty="0" smtClean="0"/>
-              <a:t>risk of distortion from early adopters.</a:t>
-            </a:r>
-            <a:endParaRPr lang="en-US" dirty="0"/>
+              <a:t>Outliers and early data for 2010 not included: no breakdowns available and risk of distortion from early adopters.</a:t>
+            </a:r>
           </a:p>
         </p:txBody>
       </p:sp>
@@ -11410,7 +11284,7 @@
           <a:p>
             <a:r>
               <a:rPr lang="en-US" sz="2400" dirty="0"/>
-              <a:t>Government making efforts to let people adapt to the culture of electric vehicles</a:t>
+              <a:t>Government make efforts to let people adapt to the culture of electric vehicles</a:t>
             </a:r>
           </a:p>
           <a:p>
@@ -11421,36 +11295,23 @@
           </a:p>
           <a:p>
             <a:r>
-              <a:rPr lang="en-US" sz="2400" dirty="0" smtClean="0"/>
+              <a:rPr lang="en-US" sz="2400" dirty="0"/>
               <a:t>Musk’s speculation about Tesla sustainability </a:t>
             </a:r>
-            <a:endParaRPr lang="en-US" sz="2400" dirty="0"/>
-          </a:p>
-          <a:p>
-            <a:r>
-              <a:rPr lang="en-US" sz="2400" dirty="0" smtClean="0"/>
-              <a:t>Elon </a:t>
-            </a:r>
+          </a:p>
+          <a:p>
             <a:r>
               <a:rPr lang="en-US" sz="2400" dirty="0"/>
-              <a:t>Musk wants to make an action </a:t>
-            </a:r>
-            <a:r>
-              <a:rPr lang="en-US" sz="2400" dirty="0" smtClean="0"/>
-              <a:t>plan for Tesla’s </a:t>
-            </a:r>
+              <a:t>Elon Musk wants to make an action plan for Tesla’s success</a:t>
+            </a:r>
+          </a:p>
+          <a:p>
             <a:r>
               <a:rPr lang="en-US" sz="2400" dirty="0"/>
-              <a:t>success</a:t>
-            </a:r>
-          </a:p>
-          <a:p>
-            <a:r>
-              <a:rPr lang="en-US" sz="2400" dirty="0" smtClean="0"/>
-              <a:t>Potential Factors for tesla’s sales performance </a:t>
-            </a:r>
-            <a:r>
-              <a:rPr lang="en-US" sz="2400" dirty="0" smtClean="0">
+              <a:t>Potential factors for Tesla’s sales performance </a:t>
+            </a:r>
+            <a:r>
+              <a:rPr lang="en-US" sz="2400" dirty="0">
                 <a:sym typeface="Wingdings" panose="05000000000000000000" pitchFamily="2" charset="2"/>
               </a:rPr>
               <a:t> Research question</a:t>
@@ -11536,10 +11397,9 @@
           </a:p>
           <a:p>
             <a:r>
-              <a:rPr lang="en-US" sz="2800" dirty="0" smtClean="0"/>
+              <a:rPr lang="en-US" sz="2800" dirty="0"/>
               <a:t>How significant is the relationship Tesla Sales / Substitute Unit Price?</a:t>
             </a:r>
-            <a:endParaRPr lang="en-US" sz="2800" dirty="0"/>
           </a:p>
         </p:txBody>
       </p:sp>
@@ -11623,18 +11483,14 @@
               <a:t>Fall of oil prices </a:t>
             </a:r>
             <a:r>
-              <a:rPr lang="en-US" sz="2400" dirty="0" smtClean="0">
+              <a:rPr lang="en-US" sz="2400" dirty="0">
                 <a:sym typeface="Wingdings" panose="05000000000000000000" pitchFamily="2" charset="2"/>
               </a:rPr>
               <a:t> </a:t>
             </a:r>
             <a:r>
-              <a:rPr lang="en-US" sz="2400" dirty="0" smtClean="0"/>
-              <a:t>fuss </a:t>
-            </a:r>
-            <a:r>
               <a:rPr lang="en-US" sz="2400" dirty="0"/>
-              <a:t>in electric vehicles market</a:t>
+              <a:t>fuss in electric vehicles market</a:t>
             </a:r>
           </a:p>
           <a:p>
@@ -11652,29 +11508,8 @@
           <a:p>
             <a:r>
               <a:rPr lang="en-US" sz="2400" dirty="0"/>
-              <a:t>Mostly </a:t>
-            </a:r>
-            <a:r>
-              <a:rPr lang="en-US" sz="2400" dirty="0" smtClean="0"/>
-              <a:t>hurt by oil price </a:t>
-            </a:r>
-            <a:r>
-              <a:rPr lang="en-US" sz="2400" dirty="0" err="1" smtClean="0"/>
-              <a:t>dercease</a:t>
-            </a:r>
-            <a:r>
-              <a:rPr lang="en-US" sz="2400" dirty="0" smtClean="0"/>
-              <a:t>: hybrid </a:t>
-            </a:r>
-            <a:r>
-              <a:rPr lang="en-US" sz="2400" dirty="0"/>
-              <a:t>and other plugin electric </a:t>
-            </a:r>
-            <a:r>
-              <a:rPr lang="en-US" sz="2400" dirty="0" smtClean="0"/>
-              <a:t>vehicles</a:t>
-            </a:r>
-            <a:endParaRPr lang="en-US" sz="2400" dirty="0"/>
+              <a:t>Mostly hurt by oil price decrease: hybrid and other plugin electric vehicles</a:t>
+            </a:r>
           </a:p>
         </p:txBody>
       </p:sp>
@@ -11749,12 +11584,8 @@
           <a:lstStyle/>
           <a:p>
             <a:r>
-              <a:rPr lang="en-US" sz="2400" dirty="0" smtClean="0"/>
-              <a:t>Cost </a:t>
-            </a:r>
-            <a:r>
               <a:rPr lang="en-US" sz="2400" dirty="0"/>
-              <a:t>of Oil and Oil products by month</a:t>
+              <a:t>Cost of Oil and Oil products by month</a:t>
             </a:r>
           </a:p>
           <a:p>
@@ -11772,13 +11603,8 @@
           <a:p>
             <a:r>
               <a:rPr lang="en-US" sz="2400" dirty="0"/>
-              <a:t>Yahoo </a:t>
-            </a:r>
-            <a:r>
-              <a:rPr lang="en-US" sz="2400" dirty="0" smtClean="0"/>
-              <a:t>Finance: tesla stock price</a:t>
-            </a:r>
-            <a:endParaRPr lang="en-US" sz="2400" dirty="0"/>
+              <a:t>Yahoo Finance: tesla stock price</a:t>
+            </a:r>
           </a:p>
         </p:txBody>
       </p:sp>
@@ -12029,7 +11855,7 @@
         </p:nvSpPr>
         <p:spPr>
           <a:xfrm>
-            <a:off x="5360307" y="2717310"/>
+            <a:off x="5360307" y="1760778"/>
             <a:ext cx="3913868" cy="362856"/>
           </a:xfrm>
         </p:spPr>
@@ -12041,7 +11867,7 @@
           <a:p>
             <a:pPr algn="ctr"/>
             <a:r>
-              <a:rPr lang="en-US" sz="1100" b="1" dirty="0" smtClean="0">
+              <a:rPr lang="en-US" sz="1200" b="1" dirty="0">
                 <a:solidFill>
                   <a:schemeClr val="tx1"/>
                 </a:solidFill>
@@ -12049,14 +11875,14 @@
               <a:t>Boxplot of </a:t>
             </a:r>
             <a:r>
-              <a:rPr lang="en-US" sz="1100" b="1" dirty="0" err="1" smtClean="0">
+              <a:rPr lang="en-US" sz="1200" b="1" dirty="0" err="1">
                 <a:solidFill>
                   <a:schemeClr val="tx1"/>
                 </a:solidFill>
               </a:rPr>
               <a:t>TESLA.DATASET$T.sales</a:t>
             </a:r>
-            <a:endParaRPr lang="en-US" sz="1100" b="1" dirty="0">
+            <a:endParaRPr lang="en-US" sz="1200" b="1" dirty="0">
               <a:solidFill>
                 <a:schemeClr val="tx1"/>
               </a:solidFill>
@@ -12088,8 +11914,8 @@
         </p:blipFill>
         <p:spPr>
           <a:xfrm>
-            <a:off x="677863" y="3018402"/>
-            <a:ext cx="4183062" cy="2165809"/>
+            <a:off x="677863" y="1666754"/>
+            <a:ext cx="4183062" cy="3517457"/>
           </a:xfrm>
         </p:spPr>
       </p:pic>
@@ -12117,8 +11943,8 @@
         </p:blipFill>
         <p:spPr>
           <a:xfrm>
-            <a:off x="5089525" y="3017991"/>
-            <a:ext cx="4184650" cy="2166631"/>
+            <a:off x="5089525" y="2164467"/>
+            <a:ext cx="4184650" cy="3020156"/>
           </a:xfrm>
         </p:spPr>
       </p:pic>
@@ -12218,7 +12044,7 @@
           <a:p>
             <a:pPr algn="ctr"/>
             <a:r>
-              <a:rPr lang="en-US" smtClean="0"/>
+              <a:rPr lang="en-US"/>
               <a:t>Test and Evaluation</a:t>
             </a:r>
             <a:endParaRPr lang="en-US" dirty="0"/>
@@ -12272,10 +12098,9 @@
           <a:p>
             <a:pPr algn="ctr"/>
             <a:r>
-              <a:rPr lang="en-US" dirty="0" smtClean="0"/>
+              <a:rPr lang="en-US" dirty="0"/>
               <a:t>Model and Results</a:t>
             </a:r>
-            <a:endParaRPr lang="en-US" dirty="0"/>
           </a:p>
         </p:txBody>
       </p:sp>
@@ -12289,7 +12114,12 @@
             <p:ph idx="1"/>
           </p:nvPr>
         </p:nvSpPr>
-        <p:spPr/>
+        <p:spPr>
+          <a:xfrm>
+            <a:off x="677334" y="1551009"/>
+            <a:ext cx="8596668" cy="4490354"/>
+          </a:xfrm>
+        </p:spPr>
         <p:txBody>
           <a:bodyPr>
             <a:normAutofit/>
@@ -12390,14 +12220,9 @@
           <a:p>
             <a:pPr algn="ctr"/>
             <a:r>
-              <a:rPr lang="en-US" dirty="0" smtClean="0"/>
-              <a:t>Model and Results </a:t>
-            </a:r>
-            <a:r>
-              <a:rPr lang="en-US" dirty="0" err="1" smtClean="0"/>
-              <a:t>ctd</a:t>
-            </a:r>
-            <a:endParaRPr lang="en-US" dirty="0"/>
+              <a:rPr lang="en-US" dirty="0"/>
+              <a:t>Model and Results (Contd.)</a:t>
+            </a:r>
           </a:p>
         </p:txBody>
       </p:sp>

--- a/finalPptTesla.pptx
+++ b/finalPptTesla.pptx
@@ -132,7 +132,7 @@
 </file>
 
 <file path=ppt/charts/chart1.xml><?xml version="1.0" encoding="utf-8"?>
-<c:chartSpace xmlns:c="http://schemas.openxmlformats.org/drawingml/2006/chart" xmlns:a="http://schemas.openxmlformats.org/drawingml/2006/main" xmlns:r="http://schemas.openxmlformats.org/officeDocument/2006/relationships" xmlns:c16r2="http://schemas.microsoft.com/office/drawing/2015/06/chart">
+<c:chartSpace xmlns:c="http://schemas.openxmlformats.org/drawingml/2006/chart" xmlns:a="http://schemas.openxmlformats.org/drawingml/2006/main" xmlns:r="http://schemas.openxmlformats.org/officeDocument/2006/relationships">
   <c:date1904 val="0"/>
   <c:lang val="en-US"/>
   <c:roundedCorners val="0"/>
@@ -604,7 +604,7 @@
             </c:numRef>
           </c:val>
           <c:smooth val="0"/>
-          <c:extLst>
+          <c:extLst xmlns:c16r2="http://schemas.microsoft.com/office/drawing/2015/06/chart">
             <c:ext xmlns:c16="http://schemas.microsoft.com/office/drawing/2014/chart" uri="{C3380CC4-5D6E-409C-BE32-E72D297353CC}">
               <c16:uniqueId val="{00000000-4C13-45A4-AD39-59BACAC34026}"/>
             </c:ext>
@@ -1063,7 +1063,7 @@
             </c:numRef>
           </c:val>
           <c:smooth val="0"/>
-          <c:extLst>
+          <c:extLst xmlns:c16r2="http://schemas.microsoft.com/office/drawing/2015/06/chart">
             <c:ext xmlns:c16="http://schemas.microsoft.com/office/drawing/2014/chart" uri="{C3380CC4-5D6E-409C-BE32-E72D297353CC}">
               <c16:uniqueId val="{00000001-4C13-45A4-AD39-59BACAC34026}"/>
             </c:ext>
@@ -1522,7 +1522,7 @@
             </c:numRef>
           </c:val>
           <c:smooth val="0"/>
-          <c:extLst>
+          <c:extLst xmlns:c16r2="http://schemas.microsoft.com/office/drawing/2015/06/chart">
             <c:ext xmlns:c16="http://schemas.microsoft.com/office/drawing/2014/chart" uri="{C3380CC4-5D6E-409C-BE32-E72D297353CC}">
               <c16:uniqueId val="{00000002-4C13-45A4-AD39-59BACAC34026}"/>
             </c:ext>
@@ -1537,11 +1537,11 @@
           <c:showBubbleSize val="0"/>
         </c:dLbls>
         <c:smooth val="0"/>
-        <c:axId val="285437080"/>
-        <c:axId val="285436688"/>
+        <c:axId val="246165480"/>
+        <c:axId val="246164304"/>
       </c:lineChart>
       <c:catAx>
-        <c:axId val="285437080"/>
+        <c:axId val="246165480"/>
         <c:scaling>
           <c:orientation val="minMax"/>
         </c:scaling>
@@ -1584,7 +1584,7 @@
             <a:endParaRPr lang="en-US"/>
           </a:p>
         </c:txPr>
-        <c:crossAx val="285436688"/>
+        <c:crossAx val="246164304"/>
         <c:crosses val="autoZero"/>
         <c:auto val="1"/>
         <c:lblAlgn val="ctr"/>
@@ -1592,7 +1592,7 @@
         <c:noMultiLvlLbl val="0"/>
       </c:catAx>
       <c:valAx>
-        <c:axId val="285436688"/>
+        <c:axId val="246164304"/>
         <c:scaling>
           <c:orientation val="minMax"/>
         </c:scaling>
@@ -1629,7 +1629,7 @@
             <a:endParaRPr lang="en-US"/>
           </a:p>
         </c:txPr>
-        <c:crossAx val="285437080"/>
+        <c:crossAx val="246165480"/>
         <c:crosses val="autoZero"/>
         <c:crossBetween val="between"/>
       </c:valAx>
@@ -1643,6 +1643,7 @@
     </c:plotArea>
     <c:legend>
       <c:legendPos val="b"/>
+      <c:layout/>
       <c:overlay val="0"/>
       <c:spPr>
         <a:noFill/>
@@ -2863,13 +2864,10 @@
           <a:lstStyle/>
           <a:p>
             <a:r>
-              <a:rPr lang="en-US" dirty="0" err="1"/>
-              <a:t>Namrata</a:t>
-            </a:r>
-            <a:r>
-              <a:rPr lang="en-US" dirty="0"/>
-              <a:t> </a:t>
-            </a:r>
+              <a:rPr lang="en-US" smtClean="0"/>
+              <a:t>Clem</a:t>
+            </a:r>
+            <a:endParaRPr lang="en-US" dirty="0"/>
           </a:p>
         </p:txBody>
       </p:sp>
@@ -4171,7 +4169,7 @@
           </a:p>
           <a:p>
             <a:r>
-              <a:rPr lang="en-US"/>
+              <a:rPr lang="en-US" dirty="0"/>
               <a:t>Tesla sales: nearly normal with a recent upwards trend</a:t>
             </a:r>
           </a:p>
@@ -4261,9 +4259,10 @@
           <a:lstStyle/>
           <a:p>
             <a:r>
-              <a:rPr lang="en-US" dirty="0"/>
-              <a:t>Clem</a:t>
-            </a:r>
+              <a:rPr lang="en-US" dirty="0" err="1" smtClean="0"/>
+              <a:t>Namrata</a:t>
+            </a:r>
+            <a:endParaRPr lang="en-US" dirty="0"/>
           </a:p>
           <a:p>
             <a:r>

--- a/finalPptTesla.pptx
+++ b/finalPptTesla.pptx
@@ -132,7 +132,7 @@
 </file>
 
 <file path=ppt/charts/chart1.xml><?xml version="1.0" encoding="utf-8"?>
-<c:chartSpace xmlns:c="http://schemas.openxmlformats.org/drawingml/2006/chart" xmlns:a="http://schemas.openxmlformats.org/drawingml/2006/main" xmlns:r="http://schemas.openxmlformats.org/officeDocument/2006/relationships">
+<c:chartSpace xmlns:c="http://schemas.openxmlformats.org/drawingml/2006/chart" xmlns:a="http://schemas.openxmlformats.org/drawingml/2006/main" xmlns:r="http://schemas.openxmlformats.org/officeDocument/2006/relationships" xmlns:c16r2="http://schemas.microsoft.com/office/drawing/2015/06/chart">
   <c:date1904 val="0"/>
   <c:lang val="en-US"/>
   <c:roundedCorners val="0"/>
@@ -604,7 +604,7 @@
             </c:numRef>
           </c:val>
           <c:smooth val="0"/>
-          <c:extLst xmlns:c16r2="http://schemas.microsoft.com/office/drawing/2015/06/chart">
+          <c:extLst>
             <c:ext xmlns:c16="http://schemas.microsoft.com/office/drawing/2014/chart" uri="{C3380CC4-5D6E-409C-BE32-E72D297353CC}">
               <c16:uniqueId val="{00000000-4C13-45A4-AD39-59BACAC34026}"/>
             </c:ext>
@@ -1063,7 +1063,7 @@
             </c:numRef>
           </c:val>
           <c:smooth val="0"/>
-          <c:extLst xmlns:c16r2="http://schemas.microsoft.com/office/drawing/2015/06/chart">
+          <c:extLst>
             <c:ext xmlns:c16="http://schemas.microsoft.com/office/drawing/2014/chart" uri="{C3380CC4-5D6E-409C-BE32-E72D297353CC}">
               <c16:uniqueId val="{00000001-4C13-45A4-AD39-59BACAC34026}"/>
             </c:ext>
@@ -1522,7 +1522,7 @@
             </c:numRef>
           </c:val>
           <c:smooth val="0"/>
-          <c:extLst xmlns:c16r2="http://schemas.microsoft.com/office/drawing/2015/06/chart">
+          <c:extLst>
             <c:ext xmlns:c16="http://schemas.microsoft.com/office/drawing/2014/chart" uri="{C3380CC4-5D6E-409C-BE32-E72D297353CC}">
               <c16:uniqueId val="{00000002-4C13-45A4-AD39-59BACAC34026}"/>
             </c:ext>
@@ -1643,7 +1643,6 @@
     </c:plotArea>
     <c:legend>
       <c:legendPos val="b"/>
-      <c:layout/>
       <c:overlay val="0"/>
       <c:spPr>
         <a:noFill/>
@@ -2864,7 +2863,7 @@
           <a:lstStyle/>
           <a:p>
             <a:r>
-              <a:rPr lang="en-US" smtClean="0"/>
+              <a:rPr lang="en-US"/>
               <a:t>Clem</a:t>
             </a:r>
             <a:endParaRPr lang="en-US" dirty="0"/>
@@ -4259,7 +4258,7 @@
           <a:lstStyle/>
           <a:p>
             <a:r>
-              <a:rPr lang="en-US" dirty="0" err="1" smtClean="0"/>
+              <a:rPr lang="en-US" dirty="0" err="1"/>
               <a:t>Namrata</a:t>
             </a:r>
             <a:endParaRPr lang="en-US" dirty="0"/>
@@ -11775,8 +11774,8 @@
         </p:nvSpPr>
         <p:spPr>
           <a:xfrm>
-            <a:off x="657495" y="3786088"/>
-            <a:ext cx="8616507" cy="1536254"/>
+            <a:off x="5990661" y="4101961"/>
+            <a:ext cx="3032761" cy="400110"/>
           </a:xfrm>
           <a:prstGeom prst="rect">
             <a:avLst/>
@@ -11789,22 +11788,74 @@
           <a:lstStyle/>
           <a:p>
             <a:r>
-              <a:rPr lang="en-US" sz="2000" u="sng" dirty="0"/>
-              <a:t>Formula: </a:t>
-            </a:r>
-          </a:p>
-          <a:p>
+              <a:rPr lang="el-GR" sz="2000" dirty="0">
+                <a:ea typeface="SimSun" panose="02010600030101010101" pitchFamily="2" charset="-122"/>
+                <a:cs typeface="Times New Roman" panose="02020603050405020304" pitchFamily="18" charset="0"/>
+              </a:rPr>
+              <a:t>Σ </a:t>
+            </a:r>
             <a:r>
               <a:rPr lang="en-US" sz="2000" dirty="0"/>
-              <a:t>	Sum of (Number of Unit of each car sold * Price of the car) / Sum of car sold in that month</a:t>
-            </a:r>
-          </a:p>
+              <a:t>car sold in that month</a:t>
+            </a:r>
+            <a:endParaRPr lang="en-US" sz="2000" dirty="0">
+              <a:ea typeface="SimSun" panose="02010600030101010101" pitchFamily="2" charset="-122"/>
+              <a:cs typeface="Times New Roman" panose="02020603050405020304" pitchFamily="18" charset="0"/>
+            </a:endParaRPr>
+          </a:p>
+        </p:txBody>
+      </p:sp>
+      <p:sp>
+        <p:nvSpPr>
+          <p:cNvPr id="10" name="Rectangle 9"/>
+          <p:cNvSpPr/>
+          <p:nvPr/>
+        </p:nvSpPr>
+        <p:spPr>
+          <a:xfrm>
+            <a:off x="212077" y="3346311"/>
+            <a:ext cx="11038308" cy="707886"/>
+          </a:xfrm>
+          <a:prstGeom prst="rect">
+            <a:avLst/>
+          </a:prstGeom>
+        </p:spPr>
+        <p:txBody>
+          <a:bodyPr wrap="square">
+            <a:spAutoFit/>
+          </a:bodyPr>
+          <a:lstStyle/>
           <a:p>
             <a:pPr marL="57150">
               <a:lnSpc>
                 <a:spcPct val="200000"/>
               </a:lnSpc>
             </a:pPr>
+            <a:r>
+              <a:rPr lang="en-US" sz="2000" dirty="0">
+                <a:ea typeface="SimSun" panose="02010600030101010101" pitchFamily="2" charset="-122"/>
+                <a:cs typeface="Times New Roman" panose="02020603050405020304" pitchFamily="18" charset="0"/>
+              </a:rPr>
+              <a:t>Normalization (Prices Per Unit of Car) = </a:t>
+            </a:r>
+            <a:r>
+              <a:rPr lang="el-GR" sz="2000" dirty="0">
+                <a:ea typeface="SimSun" panose="02010600030101010101" pitchFamily="2" charset="-122"/>
+                <a:cs typeface="Times New Roman" panose="02020603050405020304" pitchFamily="18" charset="0"/>
+              </a:rPr>
+              <a:t>Σ</a:t>
+            </a:r>
+            <a:r>
+              <a:rPr lang="en-US" sz="2000" dirty="0">
+                <a:ea typeface="SimSun" panose="02010600030101010101" pitchFamily="2" charset="-122"/>
+                <a:cs typeface="Times New Roman" panose="02020603050405020304" pitchFamily="18" charset="0"/>
+              </a:rPr>
+              <a:t> (</a:t>
+            </a:r>
+            <a:r>
+              <a:rPr lang="en-US" sz="2000" dirty="0"/>
+              <a:t>Number of Unit of each car sold * Price of the car)</a:t>
+            </a:r>
             <a:endParaRPr lang="en-US" sz="2000" dirty="0">
               <a:ea typeface="SimSun" panose="02010600030101010101" pitchFamily="2" charset="-122"/>
               <a:cs typeface="Times New Roman" panose="02020603050405020304" pitchFamily="18" charset="0"/>
@@ -11812,6 +11863,36 @@
           </a:p>
         </p:txBody>
       </p:sp>
+      <p:cxnSp>
+        <p:nvCxnSpPr>
+          <p:cNvPr id="12" name="Straight Connector 11"/>
+          <p:cNvCxnSpPr/>
+          <p:nvPr/>
+        </p:nvCxnSpPr>
+        <p:spPr>
+          <a:xfrm>
+            <a:off x="4851184" y="4035147"/>
+            <a:ext cx="6399201" cy="38239"/>
+          </a:xfrm>
+          <a:prstGeom prst="line">
+            <a:avLst/>
+          </a:prstGeom>
+        </p:spPr>
+        <p:style>
+          <a:lnRef idx="1">
+            <a:schemeClr val="accent1"/>
+          </a:lnRef>
+          <a:fillRef idx="0">
+            <a:schemeClr val="accent1"/>
+          </a:fillRef>
+          <a:effectRef idx="0">
+            <a:schemeClr val="accent1"/>
+          </a:effectRef>
+          <a:fontRef idx="minor">
+            <a:schemeClr val="tx1"/>
+          </a:fontRef>
+        </p:style>
+      </p:cxnSp>
     </p:spTree>
     <p:extLst>
       <p:ext uri="{BB962C8B-B14F-4D97-AF65-F5344CB8AC3E}">
